--- a/doc/test/AnimateInSlide.pptx
+++ b/doc/test/AnimateInSlide.pptx
@@ -14,7 +14,7 @@
     <p:sldId id="256" r:id="rId5"/>
     <p:sldId id="292" r:id="rId6"/>
     <p:sldId id="341" r:id="rId7"/>
-    <p:sldId id="344" r:id="rId8"/>
+    <p:sldId id="352" r:id="rId8"/>
     <p:sldId id="332" r:id="rId9"/>
     <p:sldId id="343" r:id="rId10"/>
     <p:sldId id="345" r:id="rId11"/>
@@ -138,7 +138,7 @@
             <p14:sldId id="256"/>
             <p14:sldId id="292"/>
             <p14:sldId id="341"/>
-            <p14:sldId id="344"/>
+            <p14:sldId id="352"/>
             <p14:sldId id="332"/>
             <p14:sldId id="343"/>
             <p14:sldId id="345"/>
@@ -697,7 +697,7 @@
           <a:p>
             <a:fld id="{48E32F65-35C4-4EA7-AB30-C882F6C87A5D}" type="datetimeFigureOut">
               <a:rPr lang="en-SG" smtClean="0"/>
-              <a:t>26/3/2014</a:t>
+              <a:t>11/6/2015</a:t>
             </a:fld>
             <a:endParaRPr lang="en-SG"/>
           </a:p>
@@ -1584,7 +1584,7 @@
           <a:p>
             <a:fld id="{699DC775-C286-4358-8C92-D7E584E969B3}" type="datetimeFigureOut">
               <a:rPr lang="en-US" smtClean="0"/>
-              <a:t>3/26/2014</a:t>
+              <a:t>6/11/2015</a:t>
             </a:fld>
             <a:endParaRPr lang="en-US"/>
           </a:p>
@@ -1754,7 +1754,7 @@
           <a:p>
             <a:fld id="{699DC775-C286-4358-8C92-D7E584E969B3}" type="datetimeFigureOut">
               <a:rPr lang="en-US" smtClean="0"/>
-              <a:t>3/26/2014</a:t>
+              <a:t>6/11/2015</a:t>
             </a:fld>
             <a:endParaRPr lang="en-US"/>
           </a:p>
@@ -1934,7 +1934,7 @@
           <a:p>
             <a:fld id="{699DC775-C286-4358-8C92-D7E584E969B3}" type="datetimeFigureOut">
               <a:rPr lang="en-US" smtClean="0"/>
-              <a:t>3/26/2014</a:t>
+              <a:t>6/11/2015</a:t>
             </a:fld>
             <a:endParaRPr lang="en-US"/>
           </a:p>
@@ -2176,7 +2176,7 @@
           <a:p>
             <a:fld id="{699DC775-C286-4358-8C92-D7E584E969B3}" type="datetimeFigureOut">
               <a:rPr lang="en-US" smtClean="0"/>
-              <a:t>3/26/2014</a:t>
+              <a:t>6/11/2015</a:t>
             </a:fld>
             <a:endParaRPr lang="en-US"/>
           </a:p>
@@ -2346,7 +2346,7 @@
           <a:p>
             <a:fld id="{699DC775-C286-4358-8C92-D7E584E969B3}" type="datetimeFigureOut">
               <a:rPr lang="en-US" smtClean="0"/>
-              <a:t>3/26/2014</a:t>
+              <a:t>6/11/2015</a:t>
             </a:fld>
             <a:endParaRPr lang="en-US"/>
           </a:p>
@@ -2592,7 +2592,7 @@
           <a:p>
             <a:fld id="{699DC775-C286-4358-8C92-D7E584E969B3}" type="datetimeFigureOut">
               <a:rPr lang="en-US" smtClean="0"/>
-              <a:t>3/26/2014</a:t>
+              <a:t>6/11/2015</a:t>
             </a:fld>
             <a:endParaRPr lang="en-US"/>
           </a:p>
@@ -2880,7 +2880,7 @@
           <a:p>
             <a:fld id="{699DC775-C286-4358-8C92-D7E584E969B3}" type="datetimeFigureOut">
               <a:rPr lang="en-US" smtClean="0"/>
-              <a:t>3/26/2014</a:t>
+              <a:t>6/11/2015</a:t>
             </a:fld>
             <a:endParaRPr lang="en-US"/>
           </a:p>
@@ -3302,7 +3302,7 @@
           <a:p>
             <a:fld id="{699DC775-C286-4358-8C92-D7E584E969B3}" type="datetimeFigureOut">
               <a:rPr lang="en-US" smtClean="0"/>
-              <a:t>3/26/2014</a:t>
+              <a:t>6/11/2015</a:t>
             </a:fld>
             <a:endParaRPr lang="en-US"/>
           </a:p>
@@ -3420,7 +3420,7 @@
           <a:p>
             <a:fld id="{699DC775-C286-4358-8C92-D7E584E969B3}" type="datetimeFigureOut">
               <a:rPr lang="en-US" smtClean="0"/>
-              <a:t>3/26/2014</a:t>
+              <a:t>6/11/2015</a:t>
             </a:fld>
             <a:endParaRPr lang="en-US"/>
           </a:p>
@@ -3515,7 +3515,7 @@
           <a:p>
             <a:fld id="{699DC775-C286-4358-8C92-D7E584E969B3}" type="datetimeFigureOut">
               <a:rPr lang="en-US" smtClean="0"/>
-              <a:t>3/26/2014</a:t>
+              <a:t>6/11/2015</a:t>
             </a:fld>
             <a:endParaRPr lang="en-US"/>
           </a:p>
@@ -3792,7 +3792,7 @@
           <a:p>
             <a:fld id="{699DC775-C286-4358-8C92-D7E584E969B3}" type="datetimeFigureOut">
               <a:rPr lang="en-US" smtClean="0"/>
-              <a:t>3/26/2014</a:t>
+              <a:t>6/11/2015</a:t>
             </a:fld>
             <a:endParaRPr lang="en-US"/>
           </a:p>
@@ -3962,7 +3962,7 @@
           <a:p>
             <a:fld id="{699DC775-C286-4358-8C92-D7E584E969B3}" type="datetimeFigureOut">
               <a:rPr lang="en-US" smtClean="0"/>
-              <a:t>3/26/2014</a:t>
+              <a:t>6/11/2015</a:t>
             </a:fld>
             <a:endParaRPr lang="en-US"/>
           </a:p>
@@ -4215,7 +4215,7 @@
           <a:p>
             <a:fld id="{699DC775-C286-4358-8C92-D7E584E969B3}" type="datetimeFigureOut">
               <a:rPr lang="en-US" smtClean="0"/>
-              <a:t>3/26/2014</a:t>
+              <a:t>6/11/2015</a:t>
             </a:fld>
             <a:endParaRPr lang="en-US"/>
           </a:p>
@@ -4385,7 +4385,7 @@
           <a:p>
             <a:fld id="{699DC775-C286-4358-8C92-D7E584E969B3}" type="datetimeFigureOut">
               <a:rPr lang="en-US" smtClean="0"/>
-              <a:t>3/26/2014</a:t>
+              <a:t>6/11/2015</a:t>
             </a:fld>
             <a:endParaRPr lang="en-US"/>
           </a:p>
@@ -4565,7 +4565,7 @@
           <a:p>
             <a:fld id="{699DC775-C286-4358-8C92-D7E584E969B3}" type="datetimeFigureOut">
               <a:rPr lang="en-US" smtClean="0"/>
-              <a:t>3/26/2014</a:t>
+              <a:t>6/11/2015</a:t>
             </a:fld>
             <a:endParaRPr lang="en-US"/>
           </a:p>
@@ -4815,7 +4815,7 @@
           <a:p>
             <a:fld id="{699DC775-C286-4358-8C92-D7E584E969B3}" type="datetimeFigureOut">
               <a:rPr lang="en-US" smtClean="0"/>
-              <a:t>3/26/2014</a:t>
+              <a:t>6/11/2015</a:t>
             </a:fld>
             <a:endParaRPr lang="en-US"/>
           </a:p>
@@ -4993,7 +4993,7 @@
           <a:p>
             <a:fld id="{699DC775-C286-4358-8C92-D7E584E969B3}" type="datetimeFigureOut">
               <a:rPr lang="en-US" smtClean="0"/>
-              <a:t>3/26/2014</a:t>
+              <a:t>6/11/2015</a:t>
             </a:fld>
             <a:endParaRPr lang="en-US"/>
           </a:p>
@@ -5247,7 +5247,7 @@
           <a:p>
             <a:fld id="{699DC775-C286-4358-8C92-D7E584E969B3}" type="datetimeFigureOut">
               <a:rPr lang="en-US" smtClean="0"/>
-              <a:t>3/26/2014</a:t>
+              <a:t>6/11/2015</a:t>
             </a:fld>
             <a:endParaRPr lang="en-US"/>
           </a:p>
@@ -5543,7 +5543,7 @@
           <a:p>
             <a:fld id="{699DC775-C286-4358-8C92-D7E584E969B3}" type="datetimeFigureOut">
               <a:rPr lang="en-US" smtClean="0"/>
-              <a:t>3/26/2014</a:t>
+              <a:t>6/11/2015</a:t>
             </a:fld>
             <a:endParaRPr lang="en-US"/>
           </a:p>
@@ -5973,7 +5973,7 @@
           <a:p>
             <a:fld id="{699DC775-C286-4358-8C92-D7E584E969B3}" type="datetimeFigureOut">
               <a:rPr lang="en-US" smtClean="0"/>
-              <a:t>3/26/2014</a:t>
+              <a:t>6/11/2015</a:t>
             </a:fld>
             <a:endParaRPr lang="en-US"/>
           </a:p>
@@ -6099,7 +6099,7 @@
           <a:p>
             <a:fld id="{699DC775-C286-4358-8C92-D7E584E969B3}" type="datetimeFigureOut">
               <a:rPr lang="en-US" smtClean="0"/>
-              <a:t>3/26/2014</a:t>
+              <a:t>6/11/2015</a:t>
             </a:fld>
             <a:endParaRPr lang="en-US"/>
           </a:p>
@@ -6202,7 +6202,7 @@
           <a:p>
             <a:fld id="{699DC775-C286-4358-8C92-D7E584E969B3}" type="datetimeFigureOut">
               <a:rPr lang="en-US" smtClean="0"/>
-              <a:t>3/26/2014</a:t>
+              <a:t>6/11/2015</a:t>
             </a:fld>
             <a:endParaRPr lang="en-US"/>
           </a:p>
@@ -6448,7 +6448,7 @@
           <a:p>
             <a:fld id="{699DC775-C286-4358-8C92-D7E584E969B3}" type="datetimeFigureOut">
               <a:rPr lang="en-US" smtClean="0"/>
-              <a:t>3/26/2014</a:t>
+              <a:t>6/11/2015</a:t>
             </a:fld>
             <a:endParaRPr lang="en-US"/>
           </a:p>
@@ -6733,7 +6733,7 @@
           <a:p>
             <a:fld id="{699DC775-C286-4358-8C92-D7E584E969B3}" type="datetimeFigureOut">
               <a:rPr lang="en-US" smtClean="0"/>
-              <a:t>3/26/2014</a:t>
+              <a:t>6/11/2015</a:t>
             </a:fld>
             <a:endParaRPr lang="en-US"/>
           </a:p>
@@ -6994,7 +6994,7 @@
           <a:p>
             <a:fld id="{699DC775-C286-4358-8C92-D7E584E969B3}" type="datetimeFigureOut">
               <a:rPr lang="en-US" smtClean="0"/>
-              <a:t>3/26/2014</a:t>
+              <a:t>6/11/2015</a:t>
             </a:fld>
             <a:endParaRPr lang="en-US"/>
           </a:p>
@@ -7172,7 +7172,7 @@
           <a:p>
             <a:fld id="{699DC775-C286-4358-8C92-D7E584E969B3}" type="datetimeFigureOut">
               <a:rPr lang="en-US" smtClean="0"/>
-              <a:t>3/26/2014</a:t>
+              <a:t>6/11/2015</a:t>
             </a:fld>
             <a:endParaRPr lang="en-US"/>
           </a:p>
@@ -7360,7 +7360,7 @@
           <a:p>
             <a:fld id="{699DC775-C286-4358-8C92-D7E584E969B3}" type="datetimeFigureOut">
               <a:rPr lang="en-US" smtClean="0"/>
-              <a:t>3/26/2014</a:t>
+              <a:t>6/11/2015</a:t>
             </a:fld>
             <a:endParaRPr lang="en-US"/>
           </a:p>
@@ -7648,7 +7648,7 @@
           <a:p>
             <a:fld id="{699DC775-C286-4358-8C92-D7E584E969B3}" type="datetimeFigureOut">
               <a:rPr lang="en-US" smtClean="0"/>
-              <a:t>3/26/2014</a:t>
+              <a:t>6/11/2015</a:t>
             </a:fld>
             <a:endParaRPr lang="en-US"/>
           </a:p>
@@ -8070,7 +8070,7 @@
           <a:p>
             <a:fld id="{699DC775-C286-4358-8C92-D7E584E969B3}" type="datetimeFigureOut">
               <a:rPr lang="en-US" smtClean="0"/>
-              <a:t>3/26/2014</a:t>
+              <a:t>6/11/2015</a:t>
             </a:fld>
             <a:endParaRPr lang="en-US"/>
           </a:p>
@@ -8188,7 +8188,7 @@
           <a:p>
             <a:fld id="{699DC775-C286-4358-8C92-D7E584E969B3}" type="datetimeFigureOut">
               <a:rPr lang="en-US" smtClean="0"/>
-              <a:t>3/26/2014</a:t>
+              <a:t>6/11/2015</a:t>
             </a:fld>
             <a:endParaRPr lang="en-US"/>
           </a:p>
@@ -8283,7 +8283,7 @@
           <a:p>
             <a:fld id="{699DC775-C286-4358-8C92-D7E584E969B3}" type="datetimeFigureOut">
               <a:rPr lang="en-US" smtClean="0"/>
-              <a:t>3/26/2014</a:t>
+              <a:t>6/11/2015</a:t>
             </a:fld>
             <a:endParaRPr lang="en-US"/>
           </a:p>
@@ -8560,7 +8560,7 @@
           <a:p>
             <a:fld id="{699DC775-C286-4358-8C92-D7E584E969B3}" type="datetimeFigureOut">
               <a:rPr lang="en-US" smtClean="0"/>
-              <a:t>3/26/2014</a:t>
+              <a:t>6/11/2015</a:t>
             </a:fld>
             <a:endParaRPr lang="en-US"/>
           </a:p>
@@ -8813,7 +8813,7 @@
           <a:p>
             <a:fld id="{699DC775-C286-4358-8C92-D7E584E969B3}" type="datetimeFigureOut">
               <a:rPr lang="en-US" smtClean="0"/>
-              <a:t>3/26/2014</a:t>
+              <a:t>6/11/2015</a:t>
             </a:fld>
             <a:endParaRPr lang="en-US"/>
           </a:p>
@@ -9026,7 +9026,7 @@
           <a:p>
             <a:fld id="{699DC775-C286-4358-8C92-D7E584E969B3}" type="datetimeFigureOut">
               <a:rPr lang="en-US" smtClean="0"/>
-              <a:t>3/26/2014</a:t>
+              <a:t>6/11/2015</a:t>
             </a:fld>
             <a:endParaRPr lang="en-US"/>
           </a:p>
@@ -9541,7 +9541,7 @@
           <a:p>
             <a:fld id="{699DC775-C286-4358-8C92-D7E584E969B3}" type="datetimeFigureOut">
               <a:rPr lang="en-US" smtClean="0"/>
-              <a:t>3/26/2014</a:t>
+              <a:t>6/11/2015</a:t>
             </a:fld>
             <a:endParaRPr lang="en-US"/>
           </a:p>
@@ -10054,7 +10054,7 @@
           <a:p>
             <a:fld id="{699DC775-C286-4358-8C92-D7E584E969B3}" type="datetimeFigureOut">
               <a:rPr lang="en-US" smtClean="0"/>
-              <a:t>3/26/2014</a:t>
+              <a:t>6/11/2015</a:t>
             </a:fld>
             <a:endParaRPr lang="en-US"/>
           </a:p>
@@ -14948,11 +14948,7 @@
           <a:p>
             <a:r>
               <a:rPr lang="en-US" dirty="0" smtClean="0"/>
-              <a:t>Select </a:t>
-            </a:r>
-            <a:r>
-              <a:rPr lang="en-US" dirty="0" smtClean="0"/>
-              <a:t>shapes sequentially in the initial slide and click ‘Animate </a:t>
+              <a:t>Select shapes sequentially in the initial slide and click ‘Animate </a:t>
             </a:r>
             <a:r>
               <a:rPr lang="en-US" dirty="0"/>
@@ -14962,7 +14958,6 @@
               <a:rPr lang="en-US" dirty="0" smtClean="0"/>
               <a:t>n Slide’ button.</a:t>
             </a:r>
-            <a:endParaRPr lang="en-US" dirty="0" smtClean="0"/>
           </a:p>
           <a:p>
             <a:r>
@@ -18510,11 +18505,11 @@
   <p:clrMapOvr>
     <a:masterClrMapping/>
   </p:clrMapOvr>
-  <mc:AlternateContent xmlns:mc="http://schemas.openxmlformats.org/markup-compatibility/2006">
-    <mc:Choice xmlns:p14="http://schemas.microsoft.com/office/powerpoint/2010/main" Requires="p14">
+  <mc:AlternateContent xmlns:mc="http://schemas.openxmlformats.org/markup-compatibility/2006" xmlns:p14="http://schemas.microsoft.com/office/powerpoint/2010/main">
+    <mc:Choice Requires="p14">
       <p:transition spd="slow" p14:dur="2000"/>
     </mc:Choice>
-    <mc:Fallback>
+    <mc:Fallback xmlns="">
       <p:transition spd="slow"/>
     </mc:Fallback>
   </mc:AlternateContent>
@@ -22675,11 +22670,11 @@
   <p:clrMapOvr>
     <a:masterClrMapping/>
   </p:clrMapOvr>
-  <mc:AlternateContent xmlns:mc="http://schemas.openxmlformats.org/markup-compatibility/2006">
-    <mc:Choice xmlns:p14="http://schemas.microsoft.com/office/powerpoint/2010/main" Requires="p14">
+  <mc:AlternateContent xmlns:mc="http://schemas.openxmlformats.org/markup-compatibility/2006" xmlns:p14="http://schemas.microsoft.com/office/powerpoint/2010/main">
+    <mc:Choice Requires="p14">
       <p:transition spd="slow" p14:dur="2000" advClick="0" advTm="0"/>
     </mc:Choice>
-    <mc:Fallback>
+    <mc:Fallback xmlns="">
       <p:transition spd="slow" advClick="0" advTm="0"/>
     </mc:Fallback>
   </mc:AlternateContent>
@@ -23263,31 +23258,7 @@
                   <a:schemeClr val="bg1"/>
                 </a:solidFill>
               </a:rPr>
-              <a:t>Select </a:t>
-            </a:r>
-            <a:r>
-              <a:rPr lang="en-US" sz="2400" dirty="0" smtClean="0">
-                <a:solidFill>
-                  <a:schemeClr val="bg1"/>
-                </a:solidFill>
-              </a:rPr>
-              <a:t>shapes sequentially according to </a:t>
-            </a:r>
-            <a:r>
-              <a:rPr lang="en-US" sz="2400" dirty="0" smtClean="0">
-                <a:solidFill>
-                  <a:schemeClr val="bg1"/>
-                </a:solidFill>
-              </a:rPr>
-              <a:t>their</a:t>
-            </a:r>
-            <a:r>
-              <a:rPr lang="en-US" sz="2400" dirty="0" smtClean="0">
-                <a:solidFill>
-                  <a:schemeClr val="bg1"/>
-                </a:solidFill>
-              </a:rPr>
-              <a:t> indexes</a:t>
+              <a:t>Select shapes sequentially according to their indexes</a:t>
             </a:r>
             <a:r>
               <a:rPr lang="en-US" sz="2400" b="1" dirty="0" smtClean="0">
@@ -23322,23 +23293,7 @@
                   <a:schemeClr val="bg1"/>
                 </a:solidFill>
               </a:rPr>
-              <a:t>“Animate </a:t>
-            </a:r>
-            <a:r>
-              <a:rPr lang="en-US" sz="2400" b="1" dirty="0" smtClean="0">
-                <a:solidFill>
-                  <a:schemeClr val="bg1"/>
-                </a:solidFill>
-              </a:rPr>
-              <a:t>In Slide</a:t>
-            </a:r>
-            <a:r>
-              <a:rPr lang="en-US" sz="2400" b="1" dirty="0" smtClean="0">
-                <a:solidFill>
-                  <a:schemeClr val="bg1"/>
-                </a:solidFill>
-              </a:rPr>
-              <a:t>”</a:t>
+              <a:t>“Animate In Slide”</a:t>
             </a:r>
             <a:r>
               <a:rPr lang="en-US" sz="2400" dirty="0" smtClean="0">
@@ -23346,23 +23301,7 @@
                   <a:schemeClr val="bg1"/>
                 </a:solidFill>
               </a:rPr>
-              <a:t> </a:t>
-            </a:r>
-            <a:r>
-              <a:rPr lang="en-US" sz="2400" dirty="0" smtClean="0">
-                <a:solidFill>
-                  <a:schemeClr val="bg1"/>
-                </a:solidFill>
-              </a:rPr>
-              <a:t>button in the </a:t>
-            </a:r>
-            <a:r>
-              <a:rPr lang="en-US" sz="2400" dirty="0" smtClean="0">
-                <a:solidFill>
-                  <a:schemeClr val="bg1"/>
-                </a:solidFill>
-              </a:rPr>
-              <a:t>ribbon. </a:t>
+              <a:t> button in the ribbon. </a:t>
             </a:r>
           </a:p>
           <a:p>
@@ -23435,11 +23374,7 @@
           <a:p>
             <a:r>
               <a:rPr lang="en-US" dirty="0" smtClean="0"/>
-              <a:t>Animate in Slide:: </a:t>
-            </a:r>
-            <a:r>
-              <a:rPr lang="en-US" dirty="0" smtClean="0"/>
-              <a:t>normal shapes</a:t>
+              <a:t>Animate in Slide:: normal shapes</a:t>
             </a:r>
             <a:endParaRPr lang="en-SG" dirty="0"/>
           </a:p>
@@ -24394,11 +24329,11 @@
   <p:clrMapOvr>
     <a:masterClrMapping/>
   </p:clrMapOvr>
-  <mc:AlternateContent xmlns:mc="http://schemas.openxmlformats.org/markup-compatibility/2006">
-    <mc:Choice xmlns:p14="http://schemas.microsoft.com/office/powerpoint/2010/main" Requires="p14">
+  <mc:AlternateContent xmlns:mc="http://schemas.openxmlformats.org/markup-compatibility/2006" xmlns:p14="http://schemas.microsoft.com/office/powerpoint/2010/main">
+    <mc:Choice Requires="p14">
       <p:transition p14:dur="0"/>
     </mc:Choice>
-    <mc:Fallback>
+    <mc:Fallback xmlns="">
       <p:transition/>
     </mc:Fallback>
   </mc:AlternateContent>
@@ -25057,7 +24992,7 @@
       </p:sp>
       <p:sp>
         <p:nvSpPr>
-          <p:cNvPr id="3" name="Rectangle 2"/>
+          <p:cNvPr id="3" name="InSlideAnimateShape38c5e9df-98b2-4f67-b6bc-41b23e3c94e4"/>
           <p:cNvSpPr>
             <a:spLocks/>
           </p:cNvSpPr>
@@ -25113,7 +25048,7 @@
       </p:sp>
       <p:sp>
         <p:nvSpPr>
-          <p:cNvPr id="6" name="Rectangle 5"/>
+          <p:cNvPr id="6" name="InSlideAnimateShape5bd29553-1ef5-4c8c-aff3-4c1c45fa161e"/>
           <p:cNvSpPr>
             <a:spLocks/>
           </p:cNvSpPr>
@@ -25169,7 +25104,7 @@
       </p:sp>
       <p:sp>
         <p:nvSpPr>
-          <p:cNvPr id="7" name="Rectangle 6"/>
+          <p:cNvPr id="7" name="InSlideAnimateShapeed57f62c-e310-4168-8378-b251a5aa4ed4"/>
           <p:cNvSpPr/>
           <p:nvPr/>
         </p:nvSpPr>
@@ -25337,7 +25272,7 @@
       </p:sp>
       <p:sp>
         <p:nvSpPr>
-          <p:cNvPr id="11" name="text 3"/>
+          <p:cNvPr id="12" name="text 3"/>
           <p:cNvSpPr txBox="1"/>
           <p:nvPr/>
         </p:nvSpPr>
@@ -25376,7 +25311,7 @@
     </p:spTree>
     <p:extLst>
       <p:ext uri="{BB962C8B-B14F-4D97-AF65-F5344CB8AC3E}">
-        <p14:creationId xmlns:p14="http://schemas.microsoft.com/office/powerpoint/2010/main" val="113952608"/>
+        <p14:creationId xmlns:p14="http://schemas.microsoft.com/office/powerpoint/2010/main" val="2052353656"/>
       </p:ext>
     </p:extLst>
   </p:cSld>
@@ -25412,59 +25347,14 @@
                             </p:stCondLst>
                             <p:childTnLst>
                               <p:par>
-                                <p:cTn id="5" presetID="1" presetClass="entr" presetSubtype="0" fill="hold" grpId="0" nodeType="clickEffect">
-                                  <p:stCondLst>
-                                    <p:cond delay="0"/>
-                                  </p:stCondLst>
-                                  <p:childTnLst>
-                                    <p:set>
-                                      <p:cBhvr>
-                                        <p:cTn id="6" dur="1" fill="hold">
-                                          <p:stCondLst>
-                                            <p:cond delay="0"/>
-                                          </p:stCondLst>
-                                        </p:cTn>
-                                        <p:tgtEl>
-                                          <p:spTgt spid="3"/>
-                                        </p:tgtEl>
-                                        <p:attrNameLst>
-                                          <p:attrName>style.visibility</p:attrName>
-                                        </p:attrNameLst>
-                                      </p:cBhvr>
-                                      <p:to>
-                                        <p:strVal val="visible"/>
-                                      </p:to>
-                                    </p:set>
-                                  </p:childTnLst>
-                                </p:cTn>
-                              </p:par>
-                            </p:childTnLst>
-                          </p:cTn>
-                        </p:par>
-                      </p:childTnLst>
-                    </p:cTn>
-                  </p:par>
-                  <p:par>
-                    <p:cTn id="7" fill="hold">
-                      <p:stCondLst>
-                        <p:cond delay="indefinite"/>
-                      </p:stCondLst>
-                      <p:childTnLst>
-                        <p:par>
-                          <p:cTn id="8" fill="hold">
-                            <p:stCondLst>
-                              <p:cond delay="0"/>
-                            </p:stCondLst>
-                            <p:childTnLst>
-                              <p:par>
-                                <p:cTn id="9" presetID="42" presetClass="path" presetSubtype="0" fill="hold" grpId="1" nodeType="clickEffect">
+                                <p:cTn id="5" presetID="42" presetClass="path" presetSubtype="0" fill="hold" grpId="0" nodeType="clickEffect">
                                   <p:stCondLst>
                                     <p:cond delay="0"/>
                                   </p:stCondLst>
                                   <p:childTnLst>
                                     <p:animMotion origin="layout" path="M 0 0 C -0.001488071 0.07380944 -0.001488071 0.07380944 -0.002976142 0.1476189 E" pathEditMode="relative" ptsTypes="">
                                       <p:cBhvr>
-                                        <p:cTn id="10" dur="500" fill="hold"/>
+                                        <p:cTn id="6" dur="500" fill="hold"/>
                                         <p:tgtEl>
                                           <p:spTgt spid="3"/>
                                         </p:tgtEl>
@@ -25478,14 +25368,14 @@
                                 </p:cTn>
                               </p:par>
                               <p:par>
-                                <p:cTn id="11" presetID="6" presetClass="emph" presetSubtype="0" fill="hold" grpId="2" nodeType="withEffect">
+                                <p:cTn id="7" presetID="6" presetClass="emph" presetSubtype="0" fill="hold" grpId="1" nodeType="withEffect">
                                   <p:stCondLst>
                                     <p:cond delay="0"/>
                                   </p:stCondLst>
                                   <p:childTnLst>
                                     <p:animScale>
                                       <p:cBhvr>
-                                        <p:cTn id="12" dur="500" fill="hold"/>
+                                        <p:cTn id="8" dur="500" fill="hold"/>
                                         <p:tgtEl>
                                           <p:spTgt spid="3"/>
                                         </p:tgtEl>
@@ -25499,20 +25389,20 @@
                           </p:cTn>
                         </p:par>
                         <p:par>
-                          <p:cTn id="13" fill="hold">
+                          <p:cTn id="9" fill="hold">
                             <p:stCondLst>
                               <p:cond delay="500"/>
                             </p:stCondLst>
                             <p:childTnLst>
                               <p:par>
-                                <p:cTn id="14" presetID="1" presetClass="entr" presetSubtype="0" fill="hold" grpId="0" nodeType="afterEffect">
+                                <p:cTn id="10" presetID="1" presetClass="entr" presetSubtype="0" fill="hold" grpId="0" nodeType="afterEffect">
                                   <p:stCondLst>
                                     <p:cond delay="0"/>
                                   </p:stCondLst>
                                   <p:childTnLst>
                                     <p:set>
                                       <p:cBhvr>
-                                        <p:cTn id="15" dur="1" fill="hold">
+                                        <p:cTn id="11" dur="1" fill="hold">
                                           <p:stCondLst>
                                             <p:cond delay="0"/>
                                           </p:stCondLst>
@@ -25531,26 +25421,25 @@
                                   </p:childTnLst>
                                 </p:cTn>
                               </p:par>
-                            </p:childTnLst>
-                          </p:cTn>
-                        </p:par>
-                        <p:par>
-                          <p:cTn id="16" fill="hold">
-                            <p:stCondLst>
-                              <p:cond delay="500"/>
-                            </p:stCondLst>
-                            <p:childTnLst>
                               <p:par>
-                                <p:cTn id="17" presetID="1" presetClass="exit" presetSubtype="0" fill="hold" grpId="3" nodeType="afterEffect">
+                                <p:cTn id="12" presetID="10" presetClass="exit" presetSubtype="0" fill="hold" grpId="2" nodeType="withEffect">
                                   <p:stCondLst>
                                     <p:cond delay="0"/>
                                   </p:stCondLst>
                                   <p:childTnLst>
+                                    <p:animEffect transition="out" filter="fade">
+                                      <p:cBhvr>
+                                        <p:cTn id="13" dur="500"/>
+                                        <p:tgtEl>
+                                          <p:spTgt spid="3"/>
+                                        </p:tgtEl>
+                                      </p:cBhvr>
+                                    </p:animEffect>
                                     <p:set>
                                       <p:cBhvr>
-                                        <p:cTn id="18" dur="1" fill="hold">
+                                        <p:cTn id="14" dur="1" fill="hold">
                                           <p:stCondLst>
-                                            <p:cond delay="0"/>
+                                            <p:cond delay="499"/>
                                           </p:stCondLst>
                                         </p:cTn>
                                         <p:tgtEl>
@@ -25574,26 +25463,26 @@
                     </p:cTn>
                   </p:par>
                   <p:par>
-                    <p:cTn id="19" fill="hold">
+                    <p:cTn id="15" fill="hold">
                       <p:stCondLst>
                         <p:cond delay="indefinite"/>
                       </p:stCondLst>
                       <p:childTnLst>
                         <p:par>
-                          <p:cTn id="20" fill="hold">
+                          <p:cTn id="16" fill="hold">
                             <p:stCondLst>
                               <p:cond delay="0"/>
                             </p:stCondLst>
                             <p:childTnLst>
                               <p:par>
-                                <p:cTn id="21" presetID="42" presetClass="path" presetSubtype="0" fill="hold" grpId="1" nodeType="clickEffect">
+                                <p:cTn id="17" presetID="42" presetClass="path" presetSubtype="0" fill="hold" grpId="1" nodeType="clickEffect">
                                   <p:stCondLst>
                                     <p:cond delay="0"/>
                                   </p:stCondLst>
                                   <p:childTnLst>
                                     <p:animMotion origin="layout" path="M 0 0 C -0.002678596 0.08174619 -0.002678596 0.08174619 -0.005357191 0.1634924 E" pathEditMode="relative" ptsTypes="">
                                       <p:cBhvr>
-                                        <p:cTn id="22" dur="500" fill="hold"/>
+                                        <p:cTn id="18" dur="500" fill="hold"/>
                                         <p:tgtEl>
                                           <p:spTgt spid="6"/>
                                         </p:tgtEl>
@@ -25607,14 +25496,14 @@
                                 </p:cTn>
                               </p:par>
                               <p:par>
-                                <p:cTn id="23" presetID="6" presetClass="emph" presetSubtype="0" fill="hold" grpId="2" nodeType="withEffect">
+                                <p:cTn id="19" presetID="6" presetClass="emph" presetSubtype="0" fill="hold" grpId="2" nodeType="withEffect">
                                   <p:stCondLst>
                                     <p:cond delay="0"/>
                                   </p:stCondLst>
                                   <p:childTnLst>
                                     <p:animScale>
                                       <p:cBhvr>
-                                        <p:cTn id="24" dur="500" fill="hold"/>
+                                        <p:cTn id="20" dur="500" fill="hold"/>
                                         <p:tgtEl>
                                           <p:spTgt spid="6"/>
                                         </p:tgtEl>
@@ -25628,20 +25517,20 @@
                           </p:cTn>
                         </p:par>
                         <p:par>
-                          <p:cTn id="25" fill="hold">
+                          <p:cTn id="21" fill="hold">
                             <p:stCondLst>
                               <p:cond delay="500"/>
                             </p:stCondLst>
                             <p:childTnLst>
                               <p:par>
-                                <p:cTn id="26" presetID="1" presetClass="entr" presetSubtype="0" fill="hold" grpId="0" nodeType="afterEffect">
+                                <p:cTn id="22" presetID="1" presetClass="entr" presetSubtype="0" fill="hold" grpId="0" nodeType="afterEffect">
                                   <p:stCondLst>
                                     <p:cond delay="0"/>
                                   </p:stCondLst>
                                   <p:childTnLst>
                                     <p:set>
                                       <p:cBhvr>
-                                        <p:cTn id="27" dur="1" fill="hold">
+                                        <p:cTn id="23" dur="1" fill="hold">
                                           <p:stCondLst>
                                             <p:cond delay="0"/>
                                           </p:stCondLst>
@@ -25660,26 +25549,25 @@
                                   </p:childTnLst>
                                 </p:cTn>
                               </p:par>
-                            </p:childTnLst>
-                          </p:cTn>
-                        </p:par>
-                        <p:par>
-                          <p:cTn id="28" fill="hold">
-                            <p:stCondLst>
-                              <p:cond delay="500"/>
-                            </p:stCondLst>
-                            <p:childTnLst>
                               <p:par>
-                                <p:cTn id="29" presetID="1" presetClass="exit" presetSubtype="0" fill="hold" grpId="3" nodeType="afterEffect">
+                                <p:cTn id="24" presetID="10" presetClass="exit" presetSubtype="0" fill="hold" grpId="3" nodeType="withEffect">
                                   <p:stCondLst>
                                     <p:cond delay="0"/>
                                   </p:stCondLst>
                                   <p:childTnLst>
+                                    <p:animEffect transition="out" filter="fade">
+                                      <p:cBhvr>
+                                        <p:cTn id="25" dur="500"/>
+                                        <p:tgtEl>
+                                          <p:spTgt spid="6"/>
+                                        </p:tgtEl>
+                                      </p:cBhvr>
+                                    </p:animEffect>
                                     <p:set>
                                       <p:cBhvr>
-                                        <p:cTn id="30" dur="1" fill="hold">
+                                        <p:cTn id="26" dur="1" fill="hold">
                                           <p:stCondLst>
-                                            <p:cond delay="0"/>
+                                            <p:cond delay="499"/>
                                           </p:stCondLst>
                                         </p:cTn>
                                         <p:tgtEl>
@@ -25697,28 +25585,28 @@
                                 </p:cTn>
                               </p:par>
                               <p:par>
-                                <p:cTn id="31" presetID="10" presetClass="exit" presetSubtype="0" fill="hold" grpId="0" nodeType="withEffect">
+                                <p:cTn id="27" presetID="10" presetClass="exit" presetSubtype="0" fill="hold" grpId="0" nodeType="withEffect">
                                   <p:stCondLst>
                                     <p:cond delay="0"/>
                                   </p:stCondLst>
                                   <p:childTnLst>
                                     <p:animEffect transition="out" filter="fade">
                                       <p:cBhvr>
-                                        <p:cTn id="32" dur="500"/>
+                                        <p:cTn id="28" dur="500"/>
                                         <p:tgtEl>
-                                          <p:spTgt spid="11"/>
+                                          <p:spTgt spid="12"/>
                                         </p:tgtEl>
                                       </p:cBhvr>
                                     </p:animEffect>
                                     <p:set>
                                       <p:cBhvr>
-                                        <p:cTn id="33" dur="1" fill="hold">
+                                        <p:cTn id="29" dur="1" fill="hold">
                                           <p:stCondLst>
                                             <p:cond delay="499"/>
                                           </p:stCondLst>
                                         </p:cTn>
                                         <p:tgtEl>
-                                          <p:spTgt spid="11"/>
+                                          <p:spTgt spid="12"/>
                                         </p:tgtEl>
                                         <p:attrNameLst>
                                           <p:attrName>style.visibility</p:attrName>
@@ -25762,13 +25650,12 @@
       <p:bldP spid="3" grpId="0" animBg="1"/>
       <p:bldP spid="3" grpId="1" animBg="1"/>
       <p:bldP spid="3" grpId="2" animBg="1"/>
-      <p:bldP spid="3" grpId="3" animBg="1"/>
       <p:bldP spid="6" grpId="0" animBg="1"/>
       <p:bldP spid="6" grpId="1" animBg="1"/>
       <p:bldP spid="6" grpId="2" animBg="1"/>
       <p:bldP spid="6" grpId="3" animBg="1"/>
       <p:bldP spid="7" grpId="0" animBg="1"/>
-      <p:bldP spid="11" grpId="0"/>
+      <p:bldP spid="12" grpId="0"/>
     </p:bldLst>
   </p:timing>
 </p:sld>
@@ -25808,15 +25695,7 @@
           <a:p>
             <a:r>
               <a:rPr lang="en-US" dirty="0" smtClean="0"/>
-              <a:t>Animate in Slide:: </a:t>
-            </a:r>
-            <a:r>
-              <a:rPr lang="en-US" dirty="0" smtClean="0"/>
-              <a:t>Shapes with </a:t>
-            </a:r>
-            <a:r>
-              <a:rPr lang="en-US" dirty="0" smtClean="0"/>
-              <a:t>rotation</a:t>
+              <a:t>Animate in Slide:: Shapes with rotation</a:t>
             </a:r>
             <a:endParaRPr lang="en-SG" dirty="0"/>
           </a:p>
@@ -26421,8 +26300,8 @@
             <a:chExt cx="965" cy="972"/>
           </a:xfrm>
         </p:grpSpPr>
-        <mc:AlternateContent xmlns:mc="http://schemas.openxmlformats.org/markup-compatibility/2006">
-          <mc:Choice xmlns:p14="http://schemas.microsoft.com/office/powerpoint/2010/main" Requires="p14">
+        <mc:AlternateContent xmlns:mc="http://schemas.openxmlformats.org/markup-compatibility/2006" xmlns:p14="http://schemas.microsoft.com/office/powerpoint/2010/main">
+          <mc:Choice Requires="p14">
             <p:contentPart p14:bwMode="auto" r:id="rId2">
               <p14:nvContentPartPr>
                 <p14:cNvPr id="51207" name="Ink 3"/>
@@ -26437,7 +26316,7 @@
               </p14:xfrm>
             </p:contentPart>
           </mc:Choice>
-          <mc:Fallback>
+          <mc:Fallback xmlns="">
             <p:pic>
               <p:nvPicPr>
                 <p:cNvPr id="51207" name="Ink 3"/>
@@ -26464,8 +26343,8 @@
             </p:pic>
           </mc:Fallback>
         </mc:AlternateContent>
-        <mc:AlternateContent xmlns:mc="http://schemas.openxmlformats.org/markup-compatibility/2006">
-          <mc:Choice xmlns:p14="http://schemas.microsoft.com/office/powerpoint/2010/main" Requires="p14">
+        <mc:AlternateContent xmlns:mc="http://schemas.openxmlformats.org/markup-compatibility/2006" xmlns:p14="http://schemas.microsoft.com/office/powerpoint/2010/main">
+          <mc:Choice Requires="p14">
             <p:contentPart p14:bwMode="auto" r:id="rId4">
               <p14:nvContentPartPr>
                 <p14:cNvPr id="51208" name="Ink 4"/>
@@ -26480,7 +26359,7 @@
               </p14:xfrm>
             </p:contentPart>
           </mc:Choice>
-          <mc:Fallback>
+          <mc:Fallback xmlns="">
             <p:pic>
               <p:nvPicPr>
                 <p:cNvPr id="51208" name="Ink 4"/>
@@ -26524,8 +26403,8 @@
             <a:chExt cx="872" cy="936"/>
           </a:xfrm>
         </p:grpSpPr>
-        <mc:AlternateContent xmlns:mc="http://schemas.openxmlformats.org/markup-compatibility/2006">
-          <mc:Choice xmlns:p14="http://schemas.microsoft.com/office/powerpoint/2010/main" Requires="p14">
+        <mc:AlternateContent xmlns:mc="http://schemas.openxmlformats.org/markup-compatibility/2006" xmlns:p14="http://schemas.microsoft.com/office/powerpoint/2010/main">
+          <mc:Choice Requires="p14">
             <p:contentPart p14:bwMode="auto" r:id="rId6">
               <p14:nvContentPartPr>
                 <p14:cNvPr id="51210" name="Ink 7"/>
@@ -26540,7 +26419,7 @@
               </p14:xfrm>
             </p:contentPart>
           </mc:Choice>
-          <mc:Fallback>
+          <mc:Fallback xmlns="">
             <p:pic>
               <p:nvPicPr>
                 <p:cNvPr id="51210" name="Ink 7"/>
@@ -26567,8 +26446,8 @@
             </p:pic>
           </mc:Fallback>
         </mc:AlternateContent>
-        <mc:AlternateContent xmlns:mc="http://schemas.openxmlformats.org/markup-compatibility/2006">
-          <mc:Choice xmlns:p14="http://schemas.microsoft.com/office/powerpoint/2010/main" Requires="p14">
+        <mc:AlternateContent xmlns:mc="http://schemas.openxmlformats.org/markup-compatibility/2006" xmlns:p14="http://schemas.microsoft.com/office/powerpoint/2010/main">
+          <mc:Choice Requires="p14">
             <p:contentPart p14:bwMode="auto" r:id="rId8">
               <p14:nvContentPartPr>
                 <p14:cNvPr id="51211" name="Ink 8"/>
@@ -26583,7 +26462,7 @@
               </p14:xfrm>
             </p:contentPart>
           </mc:Choice>
-          <mc:Fallback>
+          <mc:Fallback xmlns="">
             <p:pic>
               <p:nvPicPr>
                 <p:cNvPr id="51211" name="Ink 8"/>
@@ -26627,8 +26506,8 @@
             <a:chExt cx="1013" cy="1010"/>
           </a:xfrm>
         </p:grpSpPr>
-        <mc:AlternateContent xmlns:mc="http://schemas.openxmlformats.org/markup-compatibility/2006">
-          <mc:Choice xmlns:p14="http://schemas.microsoft.com/office/powerpoint/2010/main" Requires="p14">
+        <mc:AlternateContent xmlns:mc="http://schemas.openxmlformats.org/markup-compatibility/2006" xmlns:p14="http://schemas.microsoft.com/office/powerpoint/2010/main">
+          <mc:Choice Requires="p14">
             <p:contentPart p14:bwMode="auto" r:id="rId10">
               <p14:nvContentPartPr>
                 <p14:cNvPr id="51213" name="Ink 13"/>
@@ -26643,7 +26522,7 @@
               </p14:xfrm>
             </p:contentPart>
           </mc:Choice>
-          <mc:Fallback>
+          <mc:Fallback xmlns="">
             <p:pic>
               <p:nvPicPr>
                 <p:cNvPr id="51213" name="Ink 13"/>
@@ -26670,8 +26549,8 @@
             </p:pic>
           </mc:Fallback>
         </mc:AlternateContent>
-        <mc:AlternateContent xmlns:mc="http://schemas.openxmlformats.org/markup-compatibility/2006">
-          <mc:Choice xmlns:p14="http://schemas.microsoft.com/office/powerpoint/2010/main" Requires="p14">
+        <mc:AlternateContent xmlns:mc="http://schemas.openxmlformats.org/markup-compatibility/2006" xmlns:p14="http://schemas.microsoft.com/office/powerpoint/2010/main">
+          <mc:Choice Requires="p14">
             <p:contentPart p14:bwMode="auto" r:id="rId12">
               <p14:nvContentPartPr>
                 <p14:cNvPr id="51214" name="Ink 14"/>
@@ -26686,7 +26565,7 @@
               </p14:xfrm>
             </p:contentPart>
           </mc:Choice>
-          <mc:Fallback>
+          <mc:Fallback xmlns="">
             <p:pic>
               <p:nvPicPr>
                 <p:cNvPr id="51214" name="Ink 14"/>
@@ -26958,11 +26837,11 @@
   <p:clrMapOvr>
     <a:masterClrMapping/>
   </p:clrMapOvr>
-  <mc:AlternateContent xmlns:mc="http://schemas.openxmlformats.org/markup-compatibility/2006">
-    <mc:Choice xmlns:p14="http://schemas.microsoft.com/office/powerpoint/2010/main" Requires="p14">
+  <mc:AlternateContent xmlns:mc="http://schemas.openxmlformats.org/markup-compatibility/2006" xmlns:p14="http://schemas.microsoft.com/office/powerpoint/2010/main">
+    <mc:Choice Requires="p14">
       <p:transition p14:dur="0"/>
     </mc:Choice>
-    <mc:Fallback>
+    <mc:Fallback xmlns="">
       <p:transition/>
     </mc:Fallback>
   </mc:AlternateContent>
@@ -27555,8 +27434,8 @@
             <a:chExt cx="965" cy="972"/>
           </a:xfrm>
         </p:grpSpPr>
-        <mc:AlternateContent xmlns:mc="http://schemas.openxmlformats.org/markup-compatibility/2006">
-          <mc:Choice xmlns:p14="http://schemas.microsoft.com/office/powerpoint/2010/main" Requires="p14">
+        <mc:AlternateContent xmlns:mc="http://schemas.openxmlformats.org/markup-compatibility/2006" xmlns:p14="http://schemas.microsoft.com/office/powerpoint/2010/main">
+          <mc:Choice Requires="p14">
             <p:contentPart p14:bwMode="auto" r:id="rId2">
               <p14:nvContentPartPr>
                 <p14:cNvPr id="51207" name="Ink 3"/>
@@ -27571,7 +27450,7 @@
               </p14:xfrm>
             </p:contentPart>
           </mc:Choice>
-          <mc:Fallback>
+          <mc:Fallback xmlns="">
             <p:pic>
               <p:nvPicPr>
                 <p:cNvPr id="51207" name="Ink 3"/>
@@ -27598,8 +27477,8 @@
             </p:pic>
           </mc:Fallback>
         </mc:AlternateContent>
-        <mc:AlternateContent xmlns:mc="http://schemas.openxmlformats.org/markup-compatibility/2006">
-          <mc:Choice xmlns:p14="http://schemas.microsoft.com/office/powerpoint/2010/main" Requires="p14">
+        <mc:AlternateContent xmlns:mc="http://schemas.openxmlformats.org/markup-compatibility/2006" xmlns:p14="http://schemas.microsoft.com/office/powerpoint/2010/main">
+          <mc:Choice Requires="p14">
             <p:contentPart p14:bwMode="auto" r:id="rId4">
               <p14:nvContentPartPr>
                 <p14:cNvPr id="51208" name="Ink 4"/>
@@ -27614,7 +27493,7 @@
               </p14:xfrm>
             </p:contentPart>
           </mc:Choice>
-          <mc:Fallback>
+          <mc:Fallback xmlns="">
             <p:pic>
               <p:nvPicPr>
                 <p:cNvPr id="51208" name="Ink 4"/>
@@ -27658,8 +27537,8 @@
             <a:chExt cx="872" cy="936"/>
           </a:xfrm>
         </p:grpSpPr>
-        <mc:AlternateContent xmlns:mc="http://schemas.openxmlformats.org/markup-compatibility/2006">
-          <mc:Choice xmlns:p14="http://schemas.microsoft.com/office/powerpoint/2010/main" Requires="p14">
+        <mc:AlternateContent xmlns:mc="http://schemas.openxmlformats.org/markup-compatibility/2006" xmlns:p14="http://schemas.microsoft.com/office/powerpoint/2010/main">
+          <mc:Choice Requires="p14">
             <p:contentPart p14:bwMode="auto" r:id="rId6">
               <p14:nvContentPartPr>
                 <p14:cNvPr id="51210" name="Ink 7"/>
@@ -27674,7 +27553,7 @@
               </p14:xfrm>
             </p:contentPart>
           </mc:Choice>
-          <mc:Fallback>
+          <mc:Fallback xmlns="">
             <p:pic>
               <p:nvPicPr>
                 <p:cNvPr id="51210" name="Ink 7"/>
@@ -27701,8 +27580,8 @@
             </p:pic>
           </mc:Fallback>
         </mc:AlternateContent>
-        <mc:AlternateContent xmlns:mc="http://schemas.openxmlformats.org/markup-compatibility/2006">
-          <mc:Choice xmlns:p14="http://schemas.microsoft.com/office/powerpoint/2010/main" Requires="p14">
+        <mc:AlternateContent xmlns:mc="http://schemas.openxmlformats.org/markup-compatibility/2006" xmlns:p14="http://schemas.microsoft.com/office/powerpoint/2010/main">
+          <mc:Choice Requires="p14">
             <p:contentPart p14:bwMode="auto" r:id="rId8">
               <p14:nvContentPartPr>
                 <p14:cNvPr id="51211" name="Ink 8"/>
@@ -27717,7 +27596,7 @@
               </p14:xfrm>
             </p:contentPart>
           </mc:Choice>
-          <mc:Fallback>
+          <mc:Fallback xmlns="">
             <p:pic>
               <p:nvPicPr>
                 <p:cNvPr id="51211" name="Ink 8"/>
@@ -27761,8 +27640,8 @@
             <a:chExt cx="1013" cy="1010"/>
           </a:xfrm>
         </p:grpSpPr>
-        <mc:AlternateContent xmlns:mc="http://schemas.openxmlformats.org/markup-compatibility/2006">
-          <mc:Choice xmlns:p14="http://schemas.microsoft.com/office/powerpoint/2010/main" Requires="p14">
+        <mc:AlternateContent xmlns:mc="http://schemas.openxmlformats.org/markup-compatibility/2006" xmlns:p14="http://schemas.microsoft.com/office/powerpoint/2010/main">
+          <mc:Choice Requires="p14">
             <p:contentPart p14:bwMode="auto" r:id="rId10">
               <p14:nvContentPartPr>
                 <p14:cNvPr id="51213" name="Ink 13"/>
@@ -27777,7 +27656,7 @@
               </p14:xfrm>
             </p:contentPart>
           </mc:Choice>
-          <mc:Fallback>
+          <mc:Fallback xmlns="">
             <p:pic>
               <p:nvPicPr>
                 <p:cNvPr id="51213" name="Ink 13"/>
@@ -27804,8 +27683,8 @@
             </p:pic>
           </mc:Fallback>
         </mc:AlternateContent>
-        <mc:AlternateContent xmlns:mc="http://schemas.openxmlformats.org/markup-compatibility/2006">
-          <mc:Choice xmlns:p14="http://schemas.microsoft.com/office/powerpoint/2010/main" Requires="p14">
+        <mc:AlternateContent xmlns:mc="http://schemas.openxmlformats.org/markup-compatibility/2006" xmlns:p14="http://schemas.microsoft.com/office/powerpoint/2010/main">
+          <mc:Choice Requires="p14">
             <p:contentPart p14:bwMode="auto" r:id="rId12">
               <p14:nvContentPartPr>
                 <p14:cNvPr id="51214" name="Ink 14"/>
@@ -27820,7 +27699,7 @@
               </p14:xfrm>
             </p:contentPart>
           </mc:Choice>
-          <mc:Fallback>
+          <mc:Fallback xmlns="">
             <p:pic>
               <p:nvPicPr>
                 <p:cNvPr id="51214" name="Ink 14"/>
@@ -28634,11 +28513,11 @@
   <p:clrMapOvr>
     <a:masterClrMapping/>
   </p:clrMapOvr>
-  <mc:AlternateContent xmlns:mc="http://schemas.openxmlformats.org/markup-compatibility/2006">
-    <mc:Choice xmlns:p14="http://schemas.microsoft.com/office/powerpoint/2010/main" Requires="p14">
+  <mc:AlternateContent xmlns:mc="http://schemas.openxmlformats.org/markup-compatibility/2006" xmlns:p14="http://schemas.microsoft.com/office/powerpoint/2010/main">
+    <mc:Choice Requires="p14">
       <p:transition p14:dur="0"/>
     </mc:Choice>
-    <mc:Fallback>
+    <mc:Fallback xmlns="">
       <p:transition/>
     </mc:Fallback>
   </mc:AlternateContent>

--- a/doc/test/AnimateInSlide.pptx
+++ b/doc/test/AnimateInSlide.pptx
@@ -7,7 +7,7 @@
     <p:sldMasterId id="2147483672" r:id="rId3"/>
   </p:sldMasterIdLst>
   <p:notesMasterIdLst>
-    <p:notesMasterId r:id="rId21"/>
+    <p:notesMasterId r:id="rId25"/>
   </p:notesMasterIdLst>
   <p:sldIdLst>
     <p:sldId id="287" r:id="rId4"/>
@@ -26,7 +26,11 @@
     <p:sldId id="349" r:id="rId17"/>
     <p:sldId id="350" r:id="rId18"/>
     <p:sldId id="351" r:id="rId19"/>
-    <p:sldId id="274" r:id="rId20"/>
+    <p:sldId id="353" r:id="rId20"/>
+    <p:sldId id="354" r:id="rId21"/>
+    <p:sldId id="356" r:id="rId22"/>
+    <p:sldId id="274" r:id="rId23"/>
+    <p:sldId id="355" r:id="rId24"/>
   </p:sldIdLst>
   <p:sldSz cx="9144000" cy="6858000" type="screen4x3"/>
   <p:notesSz cx="6858000" cy="9144000"/>
@@ -150,7 +154,11 @@
             <p14:sldId id="349"/>
             <p14:sldId id="350"/>
             <p14:sldId id="351"/>
+            <p14:sldId id="353"/>
+            <p14:sldId id="354"/>
+            <p14:sldId id="356"/>
             <p14:sldId id="274"/>
+            <p14:sldId id="355"/>
           </p14:sldIdLst>
         </p14:section>
       </p14:sectionLst>
@@ -322,6 +330,261 @@
 </inkml:ink>
 </file>
 
+<file path=ppt/ink/ink13.xml><?xml version="1.0" encoding="utf-8"?>
+<inkml:ink xmlns:inkml="http://www.w3.org/2003/InkML">
+  <inkml:definitions>
+    <inkml:context xml:id="ctx0">
+      <inkml:inkSource xml:id="inkSrc0">
+        <inkml:traceFormat>
+          <inkml:channel name="X" type="integer" max="32767" units="in"/>
+          <inkml:channel name="Y" type="integer" max="32767" units="in"/>
+          <inkml:channel name="F" type="integer" max="255" units="dev"/>
+        </inkml:traceFormat>
+        <inkml:channelProperties>
+          <inkml:channelProperty channel="X" name="resolution" value="3971.75732" units="1/in"/>
+          <inkml:channelProperty channel="Y" name="resolution" value="5295.24854" units="1/in"/>
+          <inkml:channelProperty channel="F" name="resolution" value="0" units="1/dev"/>
+        </inkml:channelProperties>
+      </inkml:inkSource>
+      <inkml:timestamp xml:id="ts0" timeString="2017-01-27T04:45:42.176"/>
+    </inkml:context>
+    <inkml:brush xml:id="br0">
+      <inkml:brushProperty name="width" value="0.10583" units="cm"/>
+      <inkml:brushProperty name="height" value="0.05292" units="cm"/>
+      <inkml:brushProperty name="color" value="#7F7F7F"/>
+      <inkml:brushProperty name="fitToCurve" value="1"/>
+    </inkml:brush>
+  </inkml:definitions>
+  <inkml:trace contextRef="#ctx0" brushRef="#br0">1761 1431 4,'0'0'9,"0"0"-2,-9 4 3,9-4-3,0 0 0,0 0 1,0 0-2,0 0 1,0 0 0,0 0-2,0 0 3,0 0-2,0 0-1,0 0-1,0 0 1,0 0-1,0 0 0,0 0-1,0 0 0,0 0 0,0 0 2,0 0-3,10-9 0,-10 9 0,0 0 0,5-13-1,-5 13 0,10-14 0,-10 14 0,10-15-1,-3 6 1,0-1 0,2 1-1,2-1 1,-2-1 0,3 0 1,0-2 0,1 0-1,0 0 0,-1-2 0,3 3 0,-3-3-1,2 3 1,-2-1 0,0 2-1,0-1 1,0 2-1,-2 0 0,0-2 0,2 2 1,-2-1-1,1-2 0,-2 2 0,1-1 1,-1 0-1,3 0 0,-2 0 1,0 0-1,2-1 0,-1 1 1,0-2-1,0 0 1,2-1 0,-4 0-2,4-2 2,-2 1-1,-1 0 1,0 0-2,2 1 2,-2-1-2,2 1 2,-1 1-1,0-1 0,1 1 0,0-1 0,0 0 1,1 0-1,0 0 1,0-2-1,1 0 0,-1 0 1,2 1-1,-1-3 0,0 2 1,-1-3-1,0 3 0,3-1 0,-2 1 1,2-2-1,-1 0 0,1 1 1,0-1-1,2 0 0,-2 1 1,-1-2-1,0 1 1,-2 1-1,-1 0 1,1 0-1,-1 3 0,1-1 1,-2 0-1,0 3 0,0-1 1,1-1-2,-2 2 2,0 0-1,1 0 1,-2 1-1,1 0 1,0 0-1,-2 0 1,2 3 0,0-2-1,1 0 1,-1 1-1,0 0 0,2 0 0,-2 0 1,1 2-1,-3-1 0,-8 9 0,15-16 0,-15 16 0,16-16 2,-16 16-2,15-16 0,-15 16 1,13-14-1,-13 14 1,12-13-1,-12 13 0,10-10 1,-10 10-1,9-9 0,-9 9 1,9-10-1,-9 10 1,9-9-1,-9 9 1,0 0-1,9-9 1,-9 9 0,0 0-1,0 0 1,0 0 0,0 0 0,0 0-1,0 0 1,0 0 0,0 0-1,0 0 1,0 0 0,0 0-1,0 0 1,0 0-1,0 0 0,0 0 1,0 0-1,0 0 0,0 0 0,0 0-1,0 0-1,0 0-2,0 0-1,0 0-2,0 0 0,0 0-1,0 0 0,-6 15 2,6-15-2,-4 10 4,4-10 2,0 0 0,-9 10 2,9-10 0,0 0 0,0 0 1,-11 3-1,11-3 0,0 0 1,0 0-1,0 0 1,0 0-1,0 0 0,0 0-8,0 0-26,0 0 1,-5 11-2</inkml:trace>
+  <inkml:trace contextRef="#ctx0" brushRef="#br0" timeOffset="1">1777 1422 9,'0'0'15,"-10"0"0,10 0-2,0 0-1,0 0-2,0 0 0,0 0-2,0 0-1,0 0 0,0 0 0,0 0-3,0 0 1,0 0 1,0 0-4,0 0 0,0 0 0,0 0-1,0 0 0,0 0 0,0 0-1,0 0 1,10 0 0,-10 0 0,0 0 0,0 0 0,12 8 0,-12-8 1,12 2 1,-3-2-2,-9 0 1,19 0-1,-9 0 0,1 0 1,3 0-2,-2 0 1,3 0 0,-3 0 0,2 0-1,0 0 1,0-2-1,-1 2 1,-1 0-1,0-4 1,-1 4 0,-1-7 0,-10 7 0,15-6 0,-15 6 0,11-7-1,-11 7 1,0 0 0,12-7-1,-12 7 1,0 0-1,0 0 0,0 0 1,0 0-1,0 0 0,0 0 0,0 0 0,0 0 0,0 0 0,0 0 0,0 0 0,0 0 0,0 0 0,0 0 0,9 0 0,-9 0 0,0 0 0,0 0 0,0 0 0,0 0 0,0 0 1,0 0-1,0 0 0,0 0 0,0 0 1,0 0-1,0 0 0,0 0 1,0 0 0,0 0-1,0 0 1,-3 7 0,3-7-1,0 0 1,-9 11-1,9-11 0,-11 11 0,11-11 1,-14 16-1,4-5 0,1-2 0,0 2 0,-3 3 0,2 0 0,-2 0 2,1 0-4,-1 2 4,0-2-1,-1 0-1,1 2 1,-1-4-1,1 2 0,-1 0 0,1-2 1,0 1-1,0 0 0,3-1 0,-1 1-1,2-2 1,0 0 0,-1 1 1,-1-2-2,1 2 2,0 0-2,-3 1 1,0 0 0,-1 0 0,1-1 0,-1 2 0,1-2 0,-1 0 0,2 0 0,-1 0 0,2-1 0,-1 0 0,0 2 0,1 0 0,-1 0 0,2-1 0,-1 1 0,1 0 0,-1 0 0,0-1 0,-1 0 0,-1 0 0,0 0 0,1 0 0,-2 0 0,1 0 0,0-1 0,0-1 0,2 2 0,0-1 0,1-2 0,0 1 0,-1-2 0,10-8 0,-17 17 0,17-17 0,-16 17 0,16-17 0,-16 17 0,16-17 0,-14 16 0,14-16 0,-14 17 1,14-17-1,-12 14 0,12-14 0,-12 12 1,12-12-1,-10 10 1,10-10-1,-9 7 0,9-7 0,0 0 0,-10 9 0,10-9 0,0 0 1,0 0-1,-10 7 0,10-7 0,0 0 0,0 0 0,0 0 1,-10 7-1,10-7 0,0 0 1,0 0-1,-10 7 0,10-7 0,0 0 1,0 0-1,-10 7 0,10-7 0,0 0 0,0 0 0,-9 8 1,9-8-1,0 0 0,0 0 0,0 0 0,0 0 0,0 0 0,0 0 0,0 0 0,0 0 0,0 0 0,0 0 0,0 0 0,0 0 0,0 0 0,10 5 0,-10-5 0,12 0 0,-12 0 0,16 0 0,-5 0 1,-1 0-1,2 0 0,1 0 0,-1 0 0,3 0 0,-1 0 1,1-5-1,-1 5 0,0-4 0,1 4 0,1-4 1,-3 2-1,3 2 0,-2-3 0,-1 3 0,-1 0 0,0-5 0,-12 5 0,15 0 0,-15 0 0,10 0 0,-10 0 1,0 0-1,0 0 1,0 0-1,0 0 1,0 0-1,0 0 1,0 0-1,0 0 0,0 0 1,0 0-1,0 0 0,0 0 0,0 0 0,0 0 0,0 0 0,-13 6 1,13-6-1,-11 3 0,11-3 0,-13 8 0,13-8 0,-16 11 1,7-3-1,-1 1 0,-1 2 0,0 2-1,-1 1 2,-2 1-2,0 2 1,-1 1 0,-1 0 0,-1 0 0,0 2 0,-1 0 0,0 0 0,-1 1 0,0 0 0,0-1-1,0 1 1,2 0 0,1-2 0,-1-1 0,1 0 0,0-1 0,0 1 0,0-2 0,0-1 0,-2 2 0,1 0-1,0 0 1,-2 2 0,1 1 0,0-2 0,1 1 0,-1 1-1,3 1 2,-1-1-1,-2 0 0,2-2 0,0-1 0,1 1 0,0 0 0,0-1 1,1 0-1,-1 1 0,2-1 0,1 1 0,-1-1 0,-1 1 0,0 2 0,1 1 0,0-1-1,-2 1 1,1-1 0,-1 3 0,-1-2 0,2 0 0,0-2 0,-2-1 0,1 1 0,-1-3 0,-1 2 0,1-1 0,1-1 0,-1 1 0,2-1 0,0 3 0,1 0 1,0 0-1,1 0 0,0-1 0,-1-1 1,0 2-1,1-1 0,-1-1 0,1 0 0,0-2 0,1-1 0,0 2 0,-1-1 0,2-1 0,1 1 0,-2 0 0,3-1 0,0 0 0,-1-1-1,2-1 1,1 0 0,0 0 0,0-1 0,-1-1 1,-2 1-1,0 1 1,0 0-1,-1-1 0,1 2 1,-2-2-1,1 2 0,0-1 1,2-1-1,0 2 0,0-2 0,1 2 0,0-2 0,0 2 0,0-2 0,1 0 0,-1 0 0,1 1 0,0-1 0,-1 3 0,1-4-1,0 2 1,0-2 0,0 0 1,2-1-1,4-9 1,-9 17-1,9-17 1,-7 11-2,7-11 2,0 0-1,-8 10 0,8-10 0,0 0 0,0 0 0,0 0 0,0 0 0,0 0 0,-10 9 0,10-9 0,0 0 0,0 0 0,0 0 0,0 0 0,0 0 0,0 0 0,0 0 0,0 0-1,0 0 1,0 0 0,0 0 0,0 0 0,0 0-1,0 0 1,0 0 0,0 0 0,7-9-1,-7 9 1,9-10 0,-9 10 0,13-18 0,-5 8 0,1-3 0,0-2-1,2 0 1,1-3 0,0 1 0,1 0-1,0-1 2,5-1-2,-2-1 1,2 1 0,1 0 0,-1-2-1,2-1 1,0 2 0,1-1-1,-1 0 1,1 0 1,1 1-1,0-1 0,3 1 0,-2 0 0,2-3 0,0 0 0,1-2 0,1 0 1,1-1-1,0-2-1,0 0 2,1-1-2,-1 1 1,0 1 0,0 1 0,-4 0-1,0 4 2,2 2-1,-2 0-1,0 2 1,-1 0 0,-1 2 0,0-1 0,1 1 0,0-2-1,-2 1 2,1-1-1,-1 1 0,2 2 0,-1 0 0,-1 0 0,1 2 1,1 0-1,-2 2 0,3 0 0,-3 0 0,0-2 0,1 2 0,1 0 0,1-2 1,1 1-1,-1-2 0,1 0 0,0-1 0,0 0 0,0-1 0,1 0 0,1-1 0,1-1 0,0 1 0,0 1 0,1-1 0,1 0 0,1 0 0,0 1 0,-3 0 0,3 1 1,-3 0-1,3-2 0,0-1 0,-1 0 0,0-1 0,0-2 0,1-1 1,0-2-1,1-3 0,1 3 0,1-2 0,-2 2 0,-2 0 0,0 1 0,-1 2 1,-1 0-2,2 3 2,-4-2-1,1 2 0,1-1 0,-2 2 0,1-2 0,1 2 0,0-1 1,0 2-1,-1-2 0,0 0 0,-3 2 0,1-2 0,-3 3 0,-1 0 0,0 2 0,-2 0 0,-1 1 0,0 1 0,-1 1 0,0 1 0,-1-2 0,1 1 0,-1-1 0,1 0 0,-2 1 0,1-2 0,-1 1 0,1 1 0,-1-1 0,-2 1 0,0 0 0,0 0 0,-1 2 0,-2-1 0,1 1 0,-2 1 0,1 1 0,-10 6 0,15-12 0,-15 12 1,14-11-1,-14 11 0,14-9 0,-14 9 0,14-11 0,-14 11 0,14-9 0,-14 9 0,11-8 1,-11 8-1,0 0 0,12-8 0,-12 8 0,0 0 0,0 0 0,0 0 1,0 0-1,0 0 0,0 0 0,0 0 1,0 0-1,0 0 0,0 0 0,-10-8 0,10 8 0,-10-7 1,10 7-1,-15-6 0,5 3 0,-1-1 0,-3 0 0,-1 0 0,-3 0 0,-1 0 0,0 1 0,-3-2 0,-1 1 0,0 0 0,-2 0 0,1 1 0,2 3 0,-2-5 0,2 2 0,2 3 0,0-5 0,1 2 0,0-2 0,2 2 0,-1 0 0,1 3 0,-1-4 0,1 4-1,-1 0 1,2 0 0,1 0 0,0 0 0,3 0 0,12 0 0,-17 3 0,17-3 0,-13 0 0,13 0-1,0 0 1,0 0 0,0 0 0,0 0 0,0 0 0,0 0 0,0 0 0,0 0-1,0 0 1,0 0 0,0 0-1,0 0 1,0 0-1,0 0 1,0 0 0,0 0 0,14-7 0,-2 2 0,6-3 0,0-2 0,6-2 0,2-4 0,3-3 0,1-1 0,2-3 0,3-4 0,0-1 0,2-2-1,0-1 1,0-1 0,2 0 0,-1 0 0,1-1-1,-2 4 1,-2-1 0,-1 3 1,-3 0-1,0 2 0,-2 2 0,-2 3 0,-2 4 1,-1-1-1,-2 4 0,-1-1 0,-1 3 0,-2 1 0,-1-1 0,-1-1 0,-1 1 0,-2 1 0,-1 2 0,-2 0 0,-10 8 0,15-12 0,-15 12 0,10-7 0,-10 7 1,0 0-1,0 0 0,0 0 0,9-8 0,-9 8 0,0 0 0,0 0 0,0 0 0,0 0 0,10-10 0,-10 10 0,0 0 0,0 0 1,0 0-1,0 0 0,0 0 1,0 0-1,0 0 0,0 0 0,-3-9 1,3 9-1,0 0 0,-10-7 0,10 7 0,-10-7 0,10 7 0,-14-8 0,14 8 0,-17-10 0,6 3 0,-1 2 0,0-1 0,-2 0 0,-2 0 0,-2 0 0,0-2 0,-2 1-1,-2 1 1,1-1-1,-3-1 1,4 2-1,-1-1 1,2 0-1,1 0 1,2 1 0,0 0 1,2 0-1,2 1 0,-1-1 0,1 1 0,2 2 0,1-1 0,9 4 0,-16-4 0,16 4-1,-9 0 1,9 0 0,0 0 0,0 0 0,-10-4 0,10 4-1,0 0 1,0 0 0,0 0-1,0 0 1,0 0 0,0 0-1,0 0 1,10 0-1,-10 0 1,11 0 0,-11 0 0,18 0 0,-5-5 0,2 1 0,2-1 0,2-2 0,5-1 0,1-4 0,4-1 1,1-2-1,2-2 0,2-2 0,1-2 0,0-2 0,1-1 1,1-2-1,-2 0 0,1 0 0,1 2 0,-2-2 0,1 0 1,0 1-1,-1 2 0,0 0 0,3 1 0,-2 0 0,1 1 0,-2 1 1,-1 1-2,-1 2 2,-2 0-1,-1-1 0,-3 4-1,-2-1 1,-2 1 1,0 0-1,1 0 0,1 1 0,-3 0 1,-1 2-2,-1 0 2,-1 2-1,-1 0 0,-3 0 0,-5 2 0,-10 7 1,15-10-1,-15 10 0,0 0 0,9-6 0,-9 6 1,0 0-1,0 0 0,0 0 0,0 0 1,0 0-1,-9 0 0,9 0 0,0 0 0,-12 0 0,12 0 0,-10 0 0,10 0 0,-13 0 0,13 0 0,-15 4 0,15-4 0,-21 0 0,8 3 0,0-3 0,-2 0 0,-1 0 0,0 0 0,-1 0 0,-2 0 0,3 0 0,-2 0 0,0 0 0,-1-3 0,-3 3 0,0-6 0,-2 3 0,-1-1 0,0 0 0,0-1 0,-3 1 0,1-1 0,1 1 0,-2-2 0,1 2 0,-1 0 0,2 1 0,0-1 0,0 1 0,1-1 0,-2 0 0,2-2 0,-2 1 0,1-1 0,-1 0 0,-1-2 0,0 0 0,3 0 0,-1-1 0,2 1 0,-1 0 0,3 2 0,-3-1 0,3 1 0,-2 3 0,3 0 0,-1 3-1,0 0 1,2 0 0,-2 0 0,2 5 0,2-1 0,0-4-1,-1 4 2,2-4-1,2 0 0,0 0 0,2 0 0,0 0 0,2 0 0,1 0 0,1 0 0,9 0 0,-16 0 0,16 0 0,-11 6 0,11-6 0,0 0 0,-11 3 0,11-3 0,0 0 0,0 0 0,0 0 0,-9 0 0,9 0 0,0 0 0,0 0 0,0 0 0,0 0-1,0 0 0,0 0-5,0 0-25,17 19-8,-6-9-5,4 4-1</inkml:trace>
+  <inkml:trace contextRef="#ctx0" brushRef="#br0" timeOffset="2">4193 216 16,'0'0'17,"0"0"-6,0 0 2,0 0-4,0 0-1,0 0-1,0 0-2,0 0-1,0 0-1,0 0 0,0 0-1,0 0 1,0 0 1,0 0 0,0 0 0,0 0-1,10 10 2,-10-10-1,0 0 1,5 10-1,-5-10-2,4 13 1,-1-4 0,-3-9 2,3 19-3,-3-19 1,0 20-2,0-20 1,3 18-1,-3-18 0,0 17 0,0-17 0,6 14-1,-6-14 1,3 12-1,-3-12 1,4 11-1,-4-11 0,0 0 1,0 0 0,6 9-1,-6-9 2,0 0-1,0 0 0,0 0 0,0 0 1,0 0-1,0 0 0,0 0 1,0 0-1,0 0-1,0 0 1,0 0 0,0 0-1,0 0 0,0 0 0,0 0 1,-11 7-1,11-7 0,0 0 2,-9 5-2,9-5 1,-9 3-1,9-3 1,-12 3-1,12-3 1,-13 5-1,13-5 1,-18 6-1,5-3 0,1 2 1,-1 1-1,-2 0 1,-1 0-1,-3 2 0,-1 1 0,0 3 0,-1 0 0,-2 3 0,-3 2 0,-2-3 0,-1 3 0,-1-1 0,1 2 0,0 0 0,1-1 0,2 0 0,0-2 0,3 3 0,1-1 0,2-2 0,0-1 0,1 0 0,2-3 0,-1 0 0,2 0 0,0-1 0,2 0 0,-1-1 0,3 0 0,-3 1 0,1-2 0,0 1 0,1-1 0,-1 2 0,0-2 0,-1 2 0,1-2 0,0 1 1,0-1-1,-1 3 0,0-2 0,2 0 0,-1 0 0,0 0-1,2-1 2,-1 1-1,1-2 1,0 0-1,2-1 1,0 1-1,10-7 1,-18 10-1,18-10 0,-14 8 0,14-8 0,-11 6 0,11-6 0,0 0 0,-13 5 0,13-5 0,0 0 0,0 0 0,0 0 0,0 0 0,0 0-1,-9 0-1,9 0-4,0 0-10,0 0-22,0 0-3,10 0-2,-10 0 2</inkml:trace>
+  <inkml:trace contextRef="#ctx0" brushRef="#br0" timeOffset="3">3164 857 4,'0'0'8,"0"0"-1,0 0 1,11-7 0,-11 7-3,0 0 2,0 0 0,10-3 1,-10 3-2,0 0-1,0 0 1,0 0-1,0 0-1,0 0 1,0 0-2,10-3-1,-10 3 1,0 0 0,0 0-1,0 0 1,0 0-2,0 0 1,0 11 0,0-11 0,0 0 0,3 11 1,-3-11 0,0 0-2,0 9 2,0-9-2,0 0 1,0 11-1,0-11-1,0 0 1,0 0 0,0 0 0,0 0-1,0 0 1,0 0 0,0 0-1,0 0 1,0 0-1,9 0-1,-9 0 0,0 0 0,9-12-1,-9 12 1,9-14-1,-9 14 1,12-17 0,-12 17 0,15-15 1,-15 15-2,13-15 2,-13 15 0,10-10-1,-10 10 1,0 0 0,0 0 0,10-4 0,-10 4 1,0 0 1,0 15-1,0-4 0,0 0 0,0 3 1,0-1-1,0 1 0,0-1 1,0-1-1,0-12 0,0 16 0,0-16 0,0 0 0,0 0 1,0 0 0,11-5 0,-11 5-1,13-21 0,-3 7 0,1-5 0,1-2 0,1-3 0,2 0-1,-1 0 1,1 1-1,-2 1 0,0 2 0,-2 4 0,-4 4 0,1 2 0,-8 10 0,8-9 0,-8 9 0,0 0 0,3 15 0,-3-4 1,-3 2-1,3 2 1,-3 0-1,3-1 1,-3-1-1,3-2 0,0-11 0,0 11 0,0-11 1,0 0-1,7 0 1,-7 0-1,14-13 1,-5 2 0,3-3 0,0-2-1,2-5 1,1-3-1,-1 1 1,2-2-1,-1 1 0,-1 2 1,0 2-2,-4 6 1,-2 3 0,-8 11 0,10-8 0,-10 8-1,0 0 1,0 19 0,-4-6 0,1 2 0,0 2 0,3-1 0,-5-1 0,5-2 0,0-2 0,0-11 0,0 15 0,0-15 0,0 0 1,0 0-1,12-4 1,-12 4-1,13-20 1,-5 7 0,3-1-1,1-4 1,1-1-1,2-1 0,-1 1 1,0 0-1,-2 2 0,1 5 0,-5 0 0,-8 12 0,11-13 0,-11 13 0,0 0-1,0 14 1,0-2 0,-5 1 0,1 4 0,-1 1 0,0 0 0,1-1 0,4-4 0,-3-4 0,3-9 0,0 14 0,0-14 0,0 0 0,10-6 0,-10 6 0,18-16 1,-6 4-1,2-5 0,4-3 1,1-2-1,2-1 0,0 0 0,-1-2 1,1 2-1,-3 4 0,-2 2 0,-2 4 0,-3 4-1,-11 9 1,16-7 0,-16 7 0,0 0 0,5 17-1,-5-6 1,-4 4 0,4-1 0,-5 2 1,2-3-1,3 0 0,-5-3-1,5-10 1,0 12 0,0-12 0,0 0 0,13-4 1,-13 4-1,16-18 0,-6 4 1,2-2-1,3-1 0,2-3 1,1 1-1,0 0 0,-1 1 0,-1 3 0,-2 2 0,-2 3 0,-3 4 0,-9 6-1,0 0 1,0 0 0,5 17 0,-8-4 0,-1 1 0,1-1 0,0-1 0,3-1 0,0-11-1,-6 13 1,6-13 0,0 0 0,10 0 0,-10 0 1,12-13-1,-12 13 0,17-17 0,-6 12-10,-2-2-24,-9 7-6,13-11 0,-13 11-1</inkml:trace>
+  <inkml:trace contextRef="#ctx0" brushRef="#br0" timeOffset="4">3499 1122 9,'0'0'11,"0"0"0,0-11-1,0 11 0,0 0 0,-3-9-2,3 9 0,0 0 1,0 0-2,-4-9 0,4 9-1,0 0 0,0 0-2,0 0 1,0 0-1,0 0 0,0 0-1,0 0-1,0 0 0,-5 9 1,5-9-1,0 14 0,0-5 3,-3 1-3,3 4 0,0-2 0,0 3 0,-3 0 0,3 2-1,0-1 1,0 2-1,0-2 0,0 0 0,0 1 0,0-2 0,0-2-1,0-2 1,0-11-1,3 15 1,-3-15-1,0 0 1,0 0-1,4 9 1,-4-9 0,0 0-1,0 0 1,0 0 0,0 0-1,0 0 0,0 0 1,0 0-1,0 0 0,0 0 0,0 0 1,0 0-1,0 0 0,0 0 0,0 0 1,0 0-1,0 0 0,0 0 1,0 0-1,0 0 0,0 0 1,0 0-1,-11-3 0,11 3 2,0 0-2,-10 0 0,10 0 0,0 0 1,-9 0-1,9 0 0,0 0 0,-12 3 0,12-3 0,-10 7 0,10-7 0,-16 10 0,7-2 0,-3-1 0,0 1 0,-2 1 0,0 2 0,-1 1 0,-1 0 0,-1 0 0,-1 1 0,0-1 0,-1 3 0,0-1 0,2 0 0,-2-2 1,2 0-1,-1 0 0,0-2 1,2 1-1,3 0 1,-3-2-2,0 2 2,2-1-2,0 0 2,0-1-1,0 1 0,0-1 0,-1 0 0,2-1 0,1 0 0,-2 0 0,1 0 0,1 1 0,-1 0 0,2 1 0,0-1 0,1 0 0,1 1 0,1-1 0,8-9 0,-16 16 0,16-16 1,-13 14-1,13-14 0,-10 13 0,10-13 0,-10 9 0,10-9 1,0 0-1,-11 10 0,11-10 0,-10 5 1,10-5-1,0 0 0,-12 8 1,12-8-1,-9 4 0,9-4 0,0 0 0,0 0 1,-10 5-1,10-5 0,0 0 0,0 0 0,0 0 0,0 0 0,-10 6 0,10-6 0,0 0 0,0 0 0,0 0 0,0 0 0,0 0 0,0 0-1,0 0 0,0 0-1,-11 4-3,11-4-9,0 0-19,0 0-7,0 0-2,6-11 0</inkml:trace>
+  <inkml:trace contextRef="#ctx0" brushRef="#br0" timeOffset="5">2733 1654 12,'0'0'12,"-11"0"2,11 0-3,0 0 1,0 0-3,-9 9 0,9-9-2,-4 10 1,4-10-3,-5 14 2,5-3-1,0-11-1,-6 18 2,6-18-2,-7 20 0,7-20-1,-4 15-1,4-15 3,-4 9-4,4-9 1,0 0-1,0 0 0,0 0 0,0 0-1,0 0 1,3-14-1,-3 14 0,8-20-1,-4 7 1,2-1-1,-1-1 0,1 3 0,-1 0 1,1 3-1,-6 9-1,6-10 1,-6 10 0,0 0 0,0 12 1,0 0-1,0 1 0,0 3 0,0 0 1,0 1-1,0-1 0,0-4 0,0-3 0,0-9-1,4 11 2,-4-11-1,0 0 0,0 0 1,11-11-1,-7 1 1,2-3 0,3-2 0,1-5-1,2-2 0,-1-3 0,2 1 0,0-1 1,-1 1-2,-2 4 1,-2 1-1,-1 6 1,-4 4 1,-3 9-2,0 0 1,0 0 1,0 18 0,-3-2-1,-2 4 2,1 0-2,0 3 1,-1-1-1,5-3 1,-3-3-2,3-4 1,0-2 0,0-10 0,0 0 0,0 0 0,0 0 0,7 0 1,-7 0-1,11-15 1,-4 1 0,3-3-2,0-3 2,4-6-1,-1-2 0,2-4 0,1 0 0,1-2-1,-1 6 1,-2 0 1,-2 6-2,-3 5 1,0 6 0,-9 11 0,0 0 0,7 12 0,-7 5 1,-7 4-1,1 3 0,0 3 0,2 2 0,-3-3 1,3-3-1,1-4 0,3-3 0,-4-4 2,4-12-2,0 10 1,0-10-1,0 0 0,0 0 0,10-6 0,-10 6 1,14-17-2,-5 2 2,1-2-2,3-5 2,0-2-2,1-2 1,1-1 1,1 0-2,-2 4 1,0 2 0,-3 4 0,-3 4 0,1 5 0,-9 8 0,0 0 0,9 11 0,-9 3 0,-6 3 0,2 2 0,-1 1 0,0 0 0,0-3 0,1-2 0,1-3 0,3-3 0,0-9-1,0 10 1,0-10 0,0 0 0,0 0 1,11-14-1,-3 3 0,2-4 1,0-3-1,2-4 1,1-3-1,1-4 0,-1 0 0,0 0 1,0 1-1,-1 4 0,-1 4 0,-1 3 0,-1 4-1,-9 13 1,10-12 0,-10 12 0,0 0 0,0 0 0,8 15 0,-8-2 0,0 2 0,0 3 0,-3 0 0,3 2 0,-3-2 0,3-3 0,0-2 0,0-13 0,0 14 0,0-14 0,0 0 0,0 0 0,8-6 0,-2-3 1,0-4-1,2-3 0,1-4 1,1-1-1,2-3 0,-1-3 1,1 1-1,1 0 0,-2 1 0,0 3 0,-2 4 0,-1 3 0,-4 4 0,-4 11 0,0 0 0,0 0 0,3 13 0,-6 3-1,-1 5 1,-3 4 0,1 3 0,0 1 0,-2-1 0,2-3 0,1-2 0,1-4 0,1-4 0,3-5-1,0-10 1,-4 13 0,4-13 0,0 0 1,0 0-1,0 0 0,0 0 0,10 0 1,-10 0-2,0 0-2,0 0-20,0 0-17,0 0 1,11-10-3</inkml:trace>
+</inkml:ink>
+</file>
+
+<file path=ppt/ink/ink14.xml><?xml version="1.0" encoding="utf-8"?>
+<inkml:ink xmlns:inkml="http://www.w3.org/2003/InkML">
+  <inkml:definitions>
+    <inkml:context xml:id="ctx0">
+      <inkml:inkSource xml:id="inkSrc0">
+        <inkml:traceFormat>
+          <inkml:channel name="X" type="integer" max="32767" units="in"/>
+          <inkml:channel name="Y" type="integer" max="32767" units="in"/>
+          <inkml:channel name="F" type="integer" max="255" units="dev"/>
+        </inkml:traceFormat>
+        <inkml:channelProperties>
+          <inkml:channelProperty channel="X" name="resolution" value="3971.75732" units="1/in"/>
+          <inkml:channelProperty channel="Y" name="resolution" value="5295.24854" units="1/in"/>
+          <inkml:channelProperty channel="F" name="resolution" value="0" units="1/dev"/>
+        </inkml:channelProperties>
+      </inkml:inkSource>
+      <inkml:timestamp xml:id="ts0" timeString="2017-01-27T04:45:42.182"/>
+    </inkml:context>
+    <inkml:brush xml:id="br0">
+      <inkml:brushProperty name="width" value="0.10583" units="cm"/>
+      <inkml:brushProperty name="height" value="0.05292" units="cm"/>
+      <inkml:brushProperty name="color" value="#7F7F7F"/>
+      <inkml:brushProperty name="fitToCurve" value="1"/>
+    </inkml:brush>
+  </inkml:definitions>
+  <inkml:trace contextRef="#ctx0" brushRef="#br0">2984 481 4,'0'0'11,"0"0"1,0 0 0,0 0 0,10-3-3,-10 3-1,0 0-2,0 0 0,0 0-2,0 0 0,12 0 0,-12 0-1,0 0 1,0 0 2,0 0 1,0 0-1,0 0 3,0 0-3,0 0 0,3 10 2,-3-10-4,-5 10 0,5-1-1,0-9-1,0 20 0,-4-9 0,4 4 0,0-2 0,0 2-1,-3-1 1,3 1-1,-5-1 1,5 0-1,-3-1 0,3-2 0,-3 0 0,3-11 1,0 15-2,0-15 0,0 10 1,0-10-1,0 0 1,0 0-1,0 0 1,0 0-1,0 0 0,0 0 1,0 0-1,0 9 0,0-9 0,0 0 1,0 0-1,0 0 0,0 0 0,0 0 0,0 0 0,0 0 0,0 0 1,-5 11-1,5-11 0,-3 9 0,3-9 0,-5 14 0,5-14 0,-3 14 1,3-14-1,-3 11 0,3-11 0,0 0 1,0 0-1,0 0 1,0 0-1,0 0 1,0 0-1,0 0 1,0 0 0,0 0-1,0 0 1,-9 4 0,9-4-1,0 0 0,-9 0 0,9 0 0,0 0 0,-11 0 0,11 0 0,-9 0 0,9 0 0,-14 5 0,14-5 0,-16 5 0,7-1 1,-1 1-2,0 0 2,-2 0-2,1 1 1,-2 1 0,1 1 0,-1-1 0,0 2 0,-2 1 0,-1 0 0,0 1 0,-2 0 0,1 0 0,-3 1 0,1 1 0,-1 0-1,0 2 2,1-1-1,-2 1 0,1 2 0,-2-1 0,-1 0-1,0 3 1,-4 1 0,-1 1 0,-1 0 0,-2 1 0,0 1 0,-1-3 0,0 3 0,1-3 0,3-2 0,2 0 0,0-2-1,3-2 1,2 1 0,1-2 0,0 0 0,2 1 0,-2-1 0,-1-1 0,1 2 1,-1 0-2,-1 1 1,-1-1 0,0 2 0,-2-1 0,-2 2 0,0 2 0,-3 1-1,-1-1 1,-2 1 0,1 1 0,-2-1 0,0 3 0,0-1 0,0-1 0,1 2-1,0 1 1,-1 0 0,1 1 0,0-1 0,0 2 1,0 1-1,1 0 0,-1 1 0,0-1 0,-2-1-1,0 1 1,-2-2 1,0 3-2,0 0 2,0-2-1,2 2 0,-2 1 0,3 0 0,0-1 0,4 0 0,1-3 0,2-1 0,0-3 0,2-2 0,1-2 1,2-1-1,1-3 0,2-1 0,-1-1 1,1 0-1,2-1 0,-1 0 0,1 0 0,-1 3 0,0-1-1,-1 3 1,-2-2 0,0 2 0,-2 1 0,0-2 0,2 1 0,-1 0 0,2-2 0,0 1 0,1-1-1,2 0 1,2-1 0,1 0 0,0-1 0,0 0 0,2 0 0,-3 2-1,5 1 2,-1-1-1,1 2 1,0-1-1,1-1 1,0 1-2,0-1 3,2-2-3,-2-2 2,1 0-1,8-9 0,-17 15 0,17-15-1,-17 15 2,17-15-2,-15 13 2,15-13-2,-14 14 2,14-14-2,-14 10 1,14-10 0,-11 8 1,11-8-1,0 0 0,-12 8 1,12-8-1,0 0 0,-12 6 0,12-6 0,0 0 0,0 0 0,-9 7 0,9-7 0,0 0 0,0 0 0,0 0 0,0 0 0,0 0 0,0 0 0,0 0 0,0 0 0,0 0 0,0 0 0,0 0 0,0 0 0,-9 10 0,9-10 0,0 0-1,0 0 1,0 0 0,0 0 1,0 0-1,0 0 0,0 0 0,0 0 0,0 0 0,0 0 0,0 0 0,0 0 0,0 0 0,0 0 0,0 0 0,0 0 0,0 0 0,0 0 0,0 0 0,0 0 0,0 0 0,0 0 0,0 0 0,0 0 1,0 0-1,0 0 0,0 0 0,0 0 0,0 0 1,0 0-1,0 0 0,0 0 0,0-10 0,0 10 0,-3-12 0,3 3 1,-4-4-2,4-1 2,-3-4-2,3-1 2,-5-5-2,5 0 1,-3 1 0,3 1-1,-3 3 1,3 2-1,0 4 1,0 2-1,0 11 1,0-10 0,0 10 0,0 0 0,0 0 0,0 0 0,0 0 0,0 0-1,0 0 1,0 0 0,0 0-2,0 10-1,0 2-5,0-12-7,6 15-10,-6-6-15,5 1 1,-5-1-4</inkml:trace>
+  <inkml:trace contextRef="#ctx0" brushRef="#br0" timeOffset="1">39 2602 6,'0'0'11,"0"0"2,0 0-3,4 9 1,-4-9-1,6 19-1,-3-6-3,5 6 2,-2-5-1,3 5-1,-3-6 0,3 2 0,-9-15-1,13 16 0,-13-16 4,0 0-3,0 0-1,14-16 1,-14-2 0,7-3-3,-4-7 0,4-6-2,-2-7 1,2-3-2,-1-3 1,-1 2-1,-1 1 1,-1 4 0,0 6 0,-3 9 0,0 7-1,0 5 1,0 13-1,3 9 1,-3 12-1,0 7 0,0 7 0,3 8 0,-3 3 0,0 1 1,0-2-1,0-4 0,3-6 0,-3-9 1,0-7-1,4-8 1,-4-11 0,0 0-1,0 0 1,12-7 0,-9-8 0,2-2-1,3-10 2,1-2-2,3-8 1,1-8-1,4-5 1,0-2-1,1-1 2,-1 1-2,0 4 1,-1 8-1,-4 8 0,-1 8 0,-5 9 0,-6 15 0,0 0 1,9 12-1,-9 12 0,-4 6 1,1 5-1,3 4 0,-6 3 1,6-1-1,-4-5 0,4-6 0,0-7 0,0-7 0,0-4 0,0-12-1,0 0 1,0 0 0,3-9 1,2-7-1,3-5 0,1-7 0,5-6 1,1-3-1,4-5 1,2-3-1,0 1-1,0 1 1,-1 5 0,-3 6 0,-3 7-1,-1 6 1,-4 7-1,-9 12 1,9 10 1,-9 9-1,0 7 1,-4 6-1,-1 5 1,0 4 0,0 0 0,-1-4-1,0-5 0,2-7-1,1-5 1,3-7 0,0-13-1,0 11 1,0-11 0,0 0 0,7-14 0,0 0 0,1-8 0,4-5 1,1-6-1,3-7 2,2-8-3,4-2 1,1 0-1,0 1 1,-1 6-1,-3 7 1,-2 6-1,-3 11 0,-4 10 1,-10 9 0,5 17 1,-8 6-1,-6 9 1,0 6 0,-4 4 0,3 1-1,0-3 1,-1-4-1,4-8 1,0-4-1,4-9 0,3-15-1,0 12 1,0-12 0,0 0-1,11-19 1,-2 3 0,4-8 1,2-5-2,3-6 1,2-6 0,4-4 0,1-3-1,1-1 2,0 1-2,-1 7 0,-1 5 2,-3 5-1,-4 10 0,-4 6 0,-4 8 0,-9 7 0,4 24 1,-8 3-1,-5 6 0,0 6 0,-1 4 0,-1 1 0,0 1 1,0-8-1,4-8 0,1-6 0,3-10 0,3-13 0,0 11 1,0-11-1,9-14-1,-1 0 1,2-7 0,4-4 0,0-4 0,5-5 0,2-5 0,1-2 0,3 3 0,0 1 0,-3 6 0,-1 4 0,-2 6 0,-4 6 0,-3 8 0,-12 7 0,10 11 0,-10 3 1,0 8-1,-4 3 0,-2 4 0,1 0 1,0-2-2,0-1 2,1-7-2,-1-4 1,5-15 0,0 12-1,0-12 1,13-9 0,-2-5 0,1-3 0,5-8 0,4-5 1,3-4-1,3-6 0,4-2 0,2 0 0,-2 1 0,1 3 0,-3 5 0,-2 5 0,-6 5 0,-3 8 0,-6 4 0,-12 11 0,9 0 1,-12 13-1,-3 3 0,-4 6 0,0 3 0,0 1 0,-2 0 0,2-2 0,1-3 0,2-5 0,2-5 0,5-11 0,-3 10 0,3-10 0,0 0 0,0 0 0,8-18 0,-1 3 0,3-2 0,2-6 0,4-5 0,2-4 0,4-3 0,4-1 0,0 1 0,-4 5 1,-1 4-2,-3 4 2,-4 8-1,-3 9 0,-11 5 1,0 22-1,-11 2 0,-2 3 0,-2 8 0,-2 2 0,-3 1 0,0-3 0,4-6 0,4-4 0,2-7-1,4-6 1,6-12 0,-4 12-1,4-12 1,0 0 0,0 0 0,11-17 0,-5 6 0,4-5 0,0-3 1,4-2-1,2-4 0,2-2 0,-1 0 1,0 1-1,0 4 0,-2 2 0,-2 6-1,-3 4 1,-10 10 0,10 0 0,-10 10 0,0 5 0,-3 5 1,-3-1-1,1 3 0,1-2 0,1-2 0,-1-5 0,4-13-1,0 11 1,0-11 0,0 0 0,13-8 0,-4-2 0,1-2 1,2-5-1,4-5 0,3-5 1,2-3-1,1-1 0,0-2 0,-1 3 0,-4 3 0,-2 4 0,-2 6 0,-4 7 0,-9 10 0,0 0 0,5 14 0,-5 0 0,-6 5 0,1 0 0,1 2 1,0 1-2,1-3 1,3-3 0,-3-4 0,3-3 0,0-9 0,3 10 0,-3-10 0,0 0 0,12-12 0,-5 4 0,0-6 0,4-3 0,-1-4 0,3-3 1,3-3-1,-1-1 0,2 0 0,-1 1 0,0 2 0,-3 4 0,-1 5 0,-2 5-1,-10 11 1,0 0 0,11 0 0,-11 10 0,0 3 0,0 3 0,0 0 0,0 1 0,0-3 0,0 0 0,3-4 0,-3-10 0,7 11 0,-7-11-1,0 0 2,14-3-1,-14 3 0,14-21 0,-4 6 0,0-8 0,3-2 1,2-5-1,1-4 0,2 1 0,-1-2 1,1 5-2,-3 3 2,-2 6-2,-2 6 1,-2 5 0,-9 10 0,9 3 0,-9 8 0,0 4 0,0 5-1,0 2 2,0 3-1,0-1 0,0-1 0,0-4 0,0-4 0,4-4 0,-4-11 0,5 11 0,-5-11-1,0 0 2,15-16-1,-8 3 0,1-4 0,3-5 1,1-3-1,3-4 0,1-3 1,0 1-2,1 0 2,-1 5-1,-3 2 0,0 4 0,-4 7 0,-1 3-1,-8 10 1,0 0 0,0 0 0,6 19 0,-6-4 0,-3 3 0,3 1 0,-3 1 0,3 0 0,0-3 0,0-3 0,0-4-1,0-10 1,7 11 0,-7-11 0,10-7 0,-3-2 1,1-4-1,3-5 0,-1-3 1,2-3-1,1-4 0,2 2 0,0-1 0,-1-1 0,-2 3 0,0 3 0,-2 4 0,-2 3 0,-2 5 0,-6 10-1,0 0 1,10 0 0,-10 9 0,0 4 0,0 1 0,0 3 0,3 1 0,-3 1 0,0-5 0,0 0 0,3-4 0,-3-10 0,3 14 0,-3-14 0,0 0 0,0 0 0,12-3 0,-12 3 1,13-20-1,-5 4 0,3-2 1,1-5-1,0-1 0,1 0 0,0 0 0,-2 3-1,-1 2 1,1 4 0,-5 5-1,-6 10 1,9-8 0,-9 8 0,3 12 0,-3 1 0,0 5 0,-4 0 0,4 2 0,-3 0 0,3-2 0,-3-4 1,3-1-2,0-13 2,0 9-2,0-9 1,0 0 1,9-10-2,-3 0 2,-2-5-1,4-2 0,0-5 0,1-2 0,0-2 1,2-1-2,-1 2 1,-3 2 0,3 4 0,-3 4 0,-2 3-1,-5 12 1,11-8 0,-11 8-1,9 9 1,-5 0 0,0 3 0,0 0 0,-1 3 0,1-1 0,-4 1 0,4-1 0,-4-1 0,6-2 0,-6-1 0,0-10 0,6 14 0,-6-14 0,0 0 1,0 0-1,10 0 0,-10 0 0,5-19 1,-1 7-1,2-3 0,-3-2 0,3-2 0,-1 2 0,-1 1 0,0 3 0,1 2 0,-5 11 0,3-13-1,-3 13 1,0 0 0,0 0 0,10 0 0,-10 0 0,0 0-2,5 9-6,-5-9-28,7 10-7,-7-10 2,0 0-3</inkml:trace>
+  <inkml:trace contextRef="#ctx0" brushRef="#br0" timeOffset="2">1099 924 2,'0'0'8,"0"0"0,0 0 2,0 0-1,0 0-1,0 0 1,0 0 0,0 0-1,0 0-2,0 0 1,-10-8-1,10 8-1,0 0 0,0 0 0,0 0-1,0 0 0,0 0-1,0 0-1,0 0-1,0 0 2,0 0-1,-8 16-1,8-16 1,0 17-1,3-6-1,-3 3 1,3 0 0,-3 1 1,3-2-1,-3 4 0,3-5 0,-3 0 0,0 0-1,4-3 1,-4-9-1,0 14 1,0-14-1,4 9 0,-4-9 1,0 0-1,0 0 1,0 0-1,0 0 1,0 0 0,0 0 0,0 0 1,0 0 0,0 0-2,8-10 1,-8 10 0,4-11-1,-4 11 0,6-16 1,-6 16-1,6-18 0,-3 9 0,-3 9 1,5-20-1,-5 9 0,4 1 0,-4-1 0,3 1 0,-3-1 0,0 11 0,7-16 0,-7 16 0,3-12 0,-3 12 0,0 0 0,4-10-1,-4 10 1,0 0 0,0 10 0,0-10 0,0 18-1,-4-5 1,4 2 0,0 0 1,-3 0-1,3-2 0,0-3-1,0-10 1,0 12 0,0-12 0,0 0 0,9-7 0,-5-2 1,2-2-1,2-2 1,-1-2-1,2-2 1,0 0-1,0 2 1,-2 1-1,0 3 0,-7 11 0,9-14 0,-9 14 1,0 0-1,0 0 0,0 0 0,0 16 1,-4-4-1,0 1 0,-1 2 1,-1 1-1,2 0 0,-1-4 0,2-3 0,3-9 0,-4 12 0,4-12-1,0 0 1,0 0 0,7-9 0,-7 9 0,11-16 0,-5 4 1,1 1-1,0-1 0,1 3 0,-8 9 0,10-15 0,-10 15 0,0 0 0,11-9 0,-11 9-1,0 0 1,0 0 0,0 0 1,0 0-1,9 10 0,-9-10 0,0 0 0,0 0 1,0 0-3,9 9-10,-9-9-22,0 0-2,3-11-1,-3 2 1</inkml:trace>
+  <inkml:trace contextRef="#ctx0" brushRef="#br0" timeOffset="3">1646 18 4,'0'0'11,"0"0"-3,0 0 2,0 0-4,0-9-1,0 9 3,0 0-2,0 0 1,0 0-1,0 0 0,0 0 1,0 0-1,0 0-1,0 0-1,0 0 0,0 0-2,0 0 0,0 0 1,0 0-2,0 0 1,0 0-1,-4 16 1,4-6 1,4 4 2,-4 0-1,5 5 0,-5-2-1,4 3 0,-4-1 0,3 1-1,-3-5 2,4-1-4,-4-2 2,0-2-2,0-10 0,4 13 1,-4-13-1,0 0 1,0 0-1,0 0 1,0 0 0,0 0-1,0 0 1,11-12 0,-11 3 0,5-1 0,-2-3-1,0-2 0,2-3 0,-5-1 0,3 0 0,-3 0 0,0 1-1,3 0 0,-3 1 1,3 3-1,-3 5 1,0 9-1,5-13 0,-5 13 1,0 0-1,0 0 0,0 0 0,0 0 1,7 15-1,-7-4 1,0 4 0,0-1 0,4 1 0,-4-1 0,4-3 0,-4 0 0,0-11 0,8 12 0,-8-12 0,0 0 0,12 0 1,-12 0-1,12-15 0,-6 5 0,2-1 0,1-1 0,-1-2 1,0 1-2,0 2 1,-4 2 0,-4 9 0,9-10 0,-9 10 0,0 0 0,0 0 0,5 10 0,-5-1-1,0 1 2,0 1-2,5-2 2,-5 2-1,5-2 0,-5-9 0,6 13 1,-6-13-1,0 0 1,10 0-1,-10 0 1,0 0-1,0 0-7,10-6-24,-10 6-4,0 0-2,0 0-1</inkml:trace>
+</inkml:ink>
+</file>
+
+<file path=ppt/ink/ink15.xml><?xml version="1.0" encoding="utf-8"?>
+<inkml:ink xmlns:inkml="http://www.w3.org/2003/InkML">
+  <inkml:definitions>
+    <inkml:context xml:id="ctx0">
+      <inkml:inkSource xml:id="inkSrc0">
+        <inkml:traceFormat>
+          <inkml:channel name="X" type="integer" max="32767" units="in"/>
+          <inkml:channel name="Y" type="integer" max="32767" units="in"/>
+          <inkml:channel name="F" type="integer" max="255" units="dev"/>
+        </inkml:traceFormat>
+        <inkml:channelProperties>
+          <inkml:channelProperty channel="X" name="resolution" value="3971.75732" units="1/in"/>
+          <inkml:channelProperty channel="Y" name="resolution" value="5295.24854" units="1/in"/>
+          <inkml:channelProperty channel="F" name="resolution" value="0" units="1/dev"/>
+        </inkml:channelProperties>
+      </inkml:inkSource>
+      <inkml:timestamp xml:id="ts0" timeString="2017-01-27T04:45:42.186"/>
+    </inkml:context>
+    <inkml:brush xml:id="br0">
+      <inkml:brushProperty name="width" value="0.10583" units="cm"/>
+      <inkml:brushProperty name="height" value="0.05292" units="cm"/>
+      <inkml:brushProperty name="color" value="#7F7F7F"/>
+      <inkml:brushProperty name="fitToCurve" value="1"/>
+    </inkml:brush>
+  </inkml:definitions>
+  <inkml:trace contextRef="#ctx0" brushRef="#br0">390 4 7,'0'0'13,"0"0"4,-10-9-5,10 9 1,0 0-3,0 0-2,0 0-1,0 0-2,0 0-1,0 0-2,0 0 0,0 0-1,0 0 1,0 10-1,0-10 1,10 16 1,-4-5-1,4 5 0,1 0 2,1 5 0,1 0 2,4 5-3,0-1 0,2 8 0,0-2 0,3 5 0,1 1 0,2 2 0,2 4-2,3 4 1,0-1-1,3 2 0,1 1 0,3 2 0,3-1 1,3 2-2,0-1 2,2 1-2,2-2 1,1 2 0,1-1-1,-3-3 1,-1 1 0,-3 0 0,-4-4-1,-1-3 1,-5-4-1,-2-1 1,-3-4-1,-2-2 2,-3-6-2,-3-3 1,-4-5-1,-3-3 1,-2-3 0,-10-11 0,12 11 0,-12-11 1,0 0-1,0 0 0,0 0 0,0 0-1,0 0-3,-8-12-3,8 12-21,-4-13-11,-2 3-1,-3-2-4</inkml:trace>
+  <inkml:trace contextRef="#ctx0" brushRef="#br0" timeOffset="1">404 17 3,'0'0'11,"0"0"-2,0 0 1,0 0-3,0 0 1,0 0 0,0 0-2,-9 0 0,9 0-2,0 0 0,0 0 0,0 0 0,-8 11 0,8-11 0,-6 13-1,6-13 0,-9 17 0,2-7 1,0 3 0,0-1 0,-1 4-1,-1-1 0,-1 2 2,1 0-1,-3 4-1,2 0 0,-2 2-1,-1 0 0,1 1-1,0 1 0,2 0 1,-2 0-1,3 2 1,-1 0-2,2 1 3,0-2-3,3 1 1,-2-1 0,4 2 0,-2-1-1,5 1 1,-4 0-1,4 2 1,0 1 0,0 0-1,5-1 1,-1 3 0,0-1-1,2 1 1,1-1 0,0 1-1,1 0 0,3 0 1,-1 1-1,2-2 1,2 0-1,0 0 1,3-3-1,1 0 1,-2-1-1,2-2 1,0-1-1,3-1 1,-1-2-1,2 0 1,-2 1-1,2-1 1,1-1-1,1 1 1,-1-2 0,0 1-1,0-3 1,-1 2 0,3-5 0,0 2-1,-2-3 1,0 2-1,1-1 0,1-2 1,-1-1-1,1 1 0,-2-2 0,2 0 0,0-2 1,0 0-1,1-2 0,-1-2 0,2 2 0,-1-4 0,1 0 0,-2-3 1,2 0-1,-2 0 0,0-6 0,0 2 0,-2-3 1,0 0-1,-1 0 0,-2 1 1,-1-3-1,0 3 0,-2-2 0,-1 1 1,0 0-1,0-1 0,-1 0 2,-1 0-2,-1 0 1,1 0-1,-2-1 1,2 1-1,-4-2 0,0 2 1,-1-1-1,1 1 0,-10 8 0,15-12 1,-15 12-2,12-8 2,-12 8-2,0 0 2,0 0-2,9-5 2,-9 5 0,0 0 0,0 0 0,0 0-1,0 0 1,0 0-2,0 0-4,-13 0-24,13 0-11,0 0-1,0 0 0</inkml:trace>
+  <inkml:trace contextRef="#ctx0" brushRef="#br0" timeOffset="2">1615 1479 10,'-10'0'21,"10"0"-5,0 0-1,0 0-5,0 0-1,0 0-2,0 0-1,0 0-3,0 0 0,0 0 0,0 0 0,0 0 0,12 12 0,-12-12-1,10 5 1,0-2-1,-10-3 3,20 4-2,-10-4 0,5 0-2,-2 3 1,3-3 0,2 0-1,0 0 0,1 0 0,2 3 0,-1-3-1,2 0 1,0 4 0,2-4-1,1 3 1,0-3-1,6 4 1,0-4 1,4 0 0,2 0-1,3 0 0,7 0 0,2 0 0,6 0 1,-2-4-1,5 4 0,1 0 0,3 0 0,1 4 0,-1-4 0,0 3 0,3-3 0,0 0 0,3 0 0,1 0 1,1 0-1,-3 0 0,2 0 0,-3-3 0,-3 3 0,-4 0 0,-5-4 0,-5 4 0,-6 0-1,-4 0 1,-10-3-1,-5 3 1,-6 0 0,-8-3 0,-10 3 0,0 0 1,0 0-1,0 0-1,-18-10-4,9 10-4,-7-6-18,3 1-13,1 1-1,-1 0-2</inkml:trace>
+  <inkml:trace contextRef="#ctx0" brushRef="#br0" timeOffset="3">1580 1519 3,'-7'11'14,"7"-11"0,0 0-3,-6 12 0,6-12-2,-5 18-1,5-3-2,-4-1 1,4 5-2,0-1 1,0 4-2,-3 2 1,3 0-1,0 3 1,0 1-2,0-3 0,3 4 1,-3-2-1,6 3 0,-3-4-2,2 2 1,-1 0 0,3 2 0,-1-1 0,3 4 0,-1-3 1,1 5 0,0 1 1,2 2-2,-1 1-1,3 1 1,-2 3 0,3 1 0,-1 0-1,2 3 0,2-1 0,0 2 0,2 1 1,1 2-1,0-3 0,1-1 0,0 1 0,-1-1 0,1 0 0,1-3 0,0-4-1,2 0 1,-1-4-1,2 0 0,1-1 0,0-4 1,0-3-1,1 1 0,3-4 0,-2-2 1,1-4-1,2-1 0,0-2 1,2-2-1,1-3 0,0 0 0,0-2 1,1-2 0,-3 1-1,1-3 1,-1-1-1,1-4 2,0 3-2,0-3 1,0-5-1,1 2 0,-2-5 1,1 1-1,1-3 0,1 0 0,-2-2 1,-1 0-1,-1-3 0,1 1 1,0-3-1,-1-2 0,-1 0 1,-3-3-1,0-1 0,-1-3 1,-2 0-1,-2-2 0,-1-1 1,-1-2-1,-1-2 1,-1-1-1,1-1 0,1 0 0,0-6 0,-1 2 0,0-1 0,-1-1 1,0-1-2,0 0 2,-2-1-1,-1-1 0,-3 2 1,-1-2-1,-1-2 0,-2 0 0,-1 0 1,-1-1-1,-1-1 0,0 2 0,-2-2 0,0 4 0,-3-1 0,3 2 0,-3 1-1,3-1 1,-3 3 1,3 1-1,0 2 0,0 1 0,0 5 1,2 3-1,-2 3 0,0 8 0,-3 1 1,4 5-1,-4 1 0,0 10 0,3-9 0,-3 9 0,0 0 0,0 0 0,0 0 0,0 0 0,0 0 0,0-10 0,0 10-2,0 0-5,0 0-30,-11-7-4,11 7 0,-16 0-2</inkml:trace>
+  <inkml:trace contextRef="#ctx0" brushRef="#br0" timeOffset="4">1907 1925 4,'-10'0'15,"10"0"2,0 0-2,0 0 0,-10 0-2,10 0-1,0 0-3,0 0 0,0 0-3,0 0 0,-7 8 0,7-8-2,0 0-2,7 15 0,-7-15 0,10 14 0,-10-14-1,18 18 1,-6-9-1,1 0 3,5-1-3,1-1 1,2-1 0,2-3 0,2-3 0,2 0-1,-2-5 1,4 0 0,-4-4 0,1 2-1,-3-2 1,-1 2-1,-5-2 1,-1 4-1,-4 0 0,-2 1 0,-10 4 0,14-5 0,-14 5-1,0 0 1,0 0-1,9 0-1,-9 0-5,0 11-27,0-11-5,12 18-1,-9-9-2</inkml:trace>
+  <inkml:trace contextRef="#ctx0" brushRef="#br0" timeOffset="5">2858 1977 10,'-9'0'20,"9"0"-3,0 0 0,-9 0-1,9 0-2,0 0-2,-10 0-2,10 0-1,0 0-2,0 0-3,0 0 0,0 11-2,0-11 1,5 10-1,-5-10 0,10 15 0,-10-15 1,18 17-2,-8-7 2,3-2 0,1-1 0,3-2-1,1-5 0,2 5 0,3-5-1,3-5 1,-2-3-2,4 3 1,-6-5-1,2 2 1,-4 0 0,-2 2 0,-5 0 0,-1 0-1,-12 6 2,12-6-2,-12 6 1,0 0 0,0 0-1,0 0 1,0 0-1,0 0 0,0 0-1,0 0-4,10 3-10,-10-3-22,0 0-2,3 12-3,-3-12 1</inkml:trace>
+  <inkml:trace contextRef="#ctx0" brushRef="#br0" timeOffset="6">2511 2381 12,'-6'-11'15,"6"11"-1,0 0-3,0 0-1,-10 9-2,10-9-3,-8 15 0,5-6-1,0 4-1,3 0 1,-3 3-1,3 0 0,0 1-1,6 0 2,-1-2-2,2 0 0,0-3 2,1-3-2,-8-9 1,16 8 0,-16-8 2,14-5-1,-14 5-1,11-16 0,-6 4 0,0 1 0,-2-2-1,1 0 1,-4-1-1,4 4 0,-4 0-1,0-1 0,0 11 0,0-16 0,0 16 0,-7-12-1,7 12-1,-9-7-4,9 7-21,-8 9-8,-1-4-2,3 7-1</inkml:trace>
+  <inkml:trace contextRef="#ctx0" brushRef="#br0" timeOffset="7">2136 2636 15,'-9'-6'23,"9"6"-5,0 0-3,0 0-5,0 0-1,-4 19-3,8-6-3,2 3 2,1 3-2,2 1 2,3 2-2,3 1 1,3-2-1,1-5 2,6 1-3,1-6 0,4-3 0,2-8-1,3 0 1,1-8-1,3-1 1,-3-8 0,2-4 2,0-4-2,-1 0 0,-5-2-2,1 2 2,-4 1-2,-3 1 1,-4 4-2,-2 4 1,-6 3 0,-3 4 0,-11 8 0,14-11 0,-14 11 1,0 0-1,0 0 0,0 0 0,10 4 0,-10-4 1,0 11-1,3-2 1,-3 3-1,5 1 1,-5 2 0,5 1-2,-5 4 2,3 3-1,-3 1 1,0 2-1,0 1 1,-4 1-1,0 1 0,0 2 1,-3-2-1,0-1 1,-1 0-1,-2-2 1,-3 0-1,-1-1 0,-3-4 1,-1 0-1,-1-5 1,-2-1-1,-4-5 1,1-2-1,-3-8 1,-2 0-1,-1-4 1,-5-4-1,0-4 1,-2 0-1,-2-2 0,1-2 0,1-1 1,5 2-1,1-3 0,6 1 0,1-2 1,6-1-1,2-1 0,5-1 0,1-1 0,0 0 1,3 1-1,2 3 0,0 1 0,1 5 0,4 3-4,-7-2-10,7 12-24,0 0 1,0 0-1,13 3-1</inkml:trace>
+  <inkml:trace contextRef="#ctx0" brushRef="#br0" timeOffset="8">42 710 2,'0'0'10,"0"0"0,0 0 1,0 0-2,-12 0 2,12 0 1,0 0 0,-10 0 1,10 0-3,-9 0 1,9 0-3,0 0 2,-13 0-3,13 0-1,0 0 0,0 0-2,0 0-1,0 0-1,0 0-1,0 0 1,0 0-1,18 5 0,-7-5 1,6 4 0,0-4-1,2 4 1,1-4-1,0 5 0,-1-5 0,-4 3-1,-3-3 1,-2 0 0,-10 0-1,14 0 0,-14 0-1,0 0-3,10 7-7,-10-7-26,0 0-1,6 15-3,-6-6 1</inkml:trace>
+  <inkml:trace contextRef="#ctx0" brushRef="#br0" timeOffset="9">105 1218 6,'-10'9'35,"1"-5"0,9-4-13,0 0-3,-10-4-4,10 4-6,0 0 0,13-13-5,-5 2 0,5-3-2,4-2 1,3-3-1,3-3 1,3 3-2,-1-1 1,1 5-1,-5 0 1,-1 5-1,-5 2 0,-3 4 0,-12 4-1,12 0-1,-12 0-3,0 10-7,0-10-25,7 20-3,-7-8-3,3 2 1</inkml:trace>
+  <inkml:trace contextRef="#ctx0" brushRef="#br0" timeOffset="10">383 1512 6,'0'16'31,"0"-16"2,3 10-13,-3-10-5,9-8-3,-2-3 0,8 0-4,-2-6 0,5 1-1,-2-5-3,3 5 0,-4-3-2,0 4 0,-4 2-2,0 5 2,-11 8-2,14-7 0,-14 7-1,0 0-7,17 11-20,-11-1-9,0 4-1,2 2-1</inkml:trace>
+  <inkml:trace contextRef="#ctx0" brushRef="#br0" timeOffset="11">805 1855 7,'7'21'34,"-7"-21"-7,0 0-7,0 0 1,0 0-3,0-16-5,-4-8-2,8 2-4,-4-12-1,3 1-2,-3-7-1,7 2 0,-2 1-1,2 5-1,-1 4 0,0 5 1,0 7-1,-1 6 0,-5 10-1,7-11 1,-7 11-1,0 0 1,0 0-3,0 0-15,0 0-19,0 0-3,0 0-4,3-14 2</inkml:trace>
+</inkml:ink>
+</file>
+
+<file path=ppt/ink/ink16.xml><?xml version="1.0" encoding="utf-8"?>
+<inkml:ink xmlns:inkml="http://www.w3.org/2003/InkML">
+  <inkml:definitions>
+    <inkml:context xml:id="ctx0">
+      <inkml:inkSource xml:id="inkSrc0">
+        <inkml:traceFormat>
+          <inkml:channel name="X" type="integer" max="32767" units="in"/>
+          <inkml:channel name="Y" type="integer" max="32767" units="in"/>
+          <inkml:channel name="F" type="integer" max="255" units="dev"/>
+        </inkml:traceFormat>
+        <inkml:channelProperties>
+          <inkml:channelProperty channel="X" name="resolution" value="3971.75732" units="1/in"/>
+          <inkml:channelProperty channel="Y" name="resolution" value="5295.24854" units="1/in"/>
+          <inkml:channelProperty channel="F" name="resolution" value="0" units="1/dev"/>
+        </inkml:channelProperties>
+      </inkml:inkSource>
+      <inkml:timestamp xml:id="ts0" timeString="2017-01-27T04:45:42.198"/>
+    </inkml:context>
+    <inkml:brush xml:id="br0">
+      <inkml:brushProperty name="width" value="0.10583" units="cm"/>
+      <inkml:brushProperty name="height" value="0.05292" units="cm"/>
+      <inkml:brushProperty name="color" value="#7F7F7F"/>
+      <inkml:brushProperty name="fitToCurve" value="1"/>
+    </inkml:brush>
+  </inkml:definitions>
+  <inkml:trace contextRef="#ctx0" brushRef="#br0">2044 58 20,'0'0'21,"-3"-10"-1,3 10-5,0 0 0,-9-8-5,9 8 1,-10-4-2,10 4-1,-15 0-2,6 0-1,-5 0 0,0 6 0,-5-2-2,0 5-1,-3 1 1,-3 4-1,-3 2 0,0 3-1,-2 2 1,1 5-1,-5 2 1,0 8 0,-4 1-1,2 7 0,-5 7 0,2 6 0,-2 5 0,1 3 1,0 4-1,4 2 1,2 0-1,3 0 0,3-3 1,3-1-2,4-5 1,3-3 0,3-7-1,3-5 1,2-9-1,4-7 1,2-7-1,4-6 1,-4-7-1,4-11 1,0 11 0,0-11 0,0 0 0,0 0 0,0 0-1,0-14-3,0 14-10,10-19-24,1 3-4,0-4 1,5-7-5</inkml:trace>
+  <inkml:trace contextRef="#ctx0" brushRef="#br0" timeOffset="1">2297 437 16,'0'0'24,"-12"-12"-2,12 12-4,-12-5-2,2 1-2,10 4-3,-24 4-1,8 5-3,-6 0-2,0 10 1,-7-1-3,0 9 0,-5 3-1,0 7 0,-3 2 0,2 6 0,0 2 0,-1 6-1,1 2 1,1 4-1,1 1 0,2 3 0,0 0 0,3 1-1,3-1 0,3-2 0,4-6 1,4-5-2,3-5 1,5-6 0,6-6 0,0-4 0,0-7 0,0-2 0,3-3 0,-3-2 0,0-2 1,0-3-1,0-10 1,0 15-1,0-15 1,0 0 0,0 0-1,0 0 1,0 0 0,0 0-1,0 0-3,-4-18-8,4 8-25,4-2-4,-4-3 0,0-4-1</inkml:trace>
+  <inkml:trace contextRef="#ctx0" brushRef="#br0" timeOffset="2">1172 1378 2,'0'0'20,"-13"-5"-1,13 5-2,0 0-3,-11-10-1,11 10-2,-7-10-1,7 10-1,-12-11 0,12 11-3,-18-9-1,18 9 0,-22-9-2,10 9 2,-5-8-3,2 8 0,-4-6 1,-1 6-2,0-5 1,-1 5-1,0-4 1,2 4-1,1-3 0,4 3 0,-1 0 0,5 0 1,1 0-1,9 0 0,-10 0-1,10 0 1,0 0-1,0 0 1,0 18-1,5-7 0,1 3 1,0 6-1,3 2 1,0 5-1,1 3 1,0 2-2,0 3 2,3 3-1,-1 1 0,1 2 0,1-2 0,3-1 0,-1-3 0,2-2 0,0-3 0,1-7 0,1 0 0,1-4 0,-2-3 1,-3-3-1,0-3 0,-3-1 0,-3-4 0,-10-5 1,14 8-1,-14-8 0,0 0 1,0 0-1,0 0 0,0 0 1,0 0-1,0 0 0,10 0 0,-10 0 2,0 0-2,4-12 0,-4 12 0,8-13 0,-8 13 0,12-15 0,-5 5 0,3 1 0,-1-3 0,3 1 0,1-3 1,2 0-1,2-1 0,3-2 0,2-2 0,2 3 0,4-2 0,0 0 0,2 2 0,1 0 0,-1 2 0,0 0 0,-1 4 0,-1 0 0,-3 2 0,-1 2 0,-3 1 0,-2 2 0,-4 3 0,-2-3 0,-2 3 0,-11 0 0,15-4 0,-15 4 0,11-3 0,-11 3 0,0 0 0,11-4 0,-11 4 0,0 0 0,0 0 0,0 0 0,0 0 1,0 0-1,0 0 0,0 0 0,0 0 0,0 0 0,0 0 0,9-6 0,-9 6 0,0 0 1,0 0-1,0 0 0,0 0 0,0 0 1,0 0-1,0 0 1,-9-3-1,9 3 1,-10-3-1,10 3 1,-15-5 0,6 2-1,-1-1 1,-3 0 0,0-2 0,1 1-1,-3-1 1,2 1 0,0-1-1,3 0 1,0 2-1,10 4 0,-14-7 1,14 7-1,0 0 0,-9-7 0,9 7 0,0 0-1,0 0-5,0 0-28,0 0-7,0 0 0,0 0-3</inkml:trace>
+  <inkml:trace contextRef="#ctx0" brushRef="#br0" timeOffset="3">2001-2 9,'0'0'21,"-7"-9"-3,7 9 0,0 0-1,0 0-5,0 0-1,0 0-2,0 0 0,0 0-3,0 0-2,0 0 0,5 16-1,-5-16 3,14 18-3,-5-5 1,4 3-2,-2 3 1,5 3-1,2-1 1,1 6-1,2-4 0,2 3 0,-2-2-1,1 0 1,0-5-1,-1-1 0,-5-4 0,-1-3 0,-4-2 0,-2-2 1,-9-7-1,9 7 0,-9-7 0,0 0 0,0 0 0,0 0 0,0 0-1,0 0-4,0 0-16,8 12-17,-8-12-2,0 17-4,-6-7 2</inkml:trace>
+  <inkml:trace contextRef="#ctx0" brushRef="#br0" timeOffset="4">2285 356 4,'0'0'4,"0"0"0,0 0-2,0 0-1,0 0 1,0 0-1,0 0-1,0 0 1,0 0-2,0 0-7</inkml:trace>
+  <inkml:trace contextRef="#ctx0" brushRef="#br0" timeOffset="5">2195 264 14,'0'0'21,"0"0"-5,0-10-1,0 10-4,0 0 2,0 0-6,0 0 1,0 0-1,0 0-3,-8 8 1,8-8-1,-10 9 0,10-9-2,-15 12-1,5-4 1,3 1 0,-5 0-1,3 3 1,-3-2-1,2 4 0,-4 1 0,0 2 0,-1 2 1,-1 2 0,-1 2-2,-1 2 1,0 3 0,-1-3-1,-1 5 1,3-1-1,-3 0 0,1-1 1,1 2-1,-3-1 0,1 1 1,-2 1-2,1 0 2,-1 0-1,0 1 0,1-1 0,1 3 0,1-5 0,2 2 0,1-3 0,2 0 0,0 0 0,4-4 0,-1-1 0,3-2-1,0 2 1,2-2 0,0-1 0,1-1 0,0-2 0,1 1 0,-2-3 0,3 1 0,-2-2 0,2 1 0,-1-4 0,1 2-1,0-1 1,0-1 0,0 0 1,3-2-1,-4 1 0,4-10 0,-3 14 0,3-14 0,-4 10 0,4-10 0,0 0 0,0 0 0,0 10 1,0-10-1,0 0 0,0 0 0,0 0 0,0 0 1,0 9-1,0-9 0,0 0 0,0 0 1,0 0 0,0 0-1,0 0 1,0 0 0,0 0-1,0 0 1,0-9-1,0 9 0,0 0 0,0 0 1,5-10-2,-5 10 1,0 0 0,0 0 0,0 0 0,0 0 0,0 0 0,0 0 0,0 0-1,0 9 1,0-9 0,0 0 0,0 0 0,0 0 0,-5 10 0,5-10 0,0 0 1,0 0-1,0 0 0,0 0 0,0 0 0,0 0 0,0-9 0,0 9 0,0-19 0,7 4 0,0-4 0,2-5 0,3-4 0,1-6 0,2-5 0,2-4 0,3-1 0,-2-4 1,2 0-1,-1 0 1,2 2-2,1 1 1,0 4 0,2-2 0,-1 5 0,1 0 0,1 1 1,3 1-2,-1-1 2,-4 3-1,1 3 1,-2 3-1,-1 2 0,-4 4 0,-2 3 0,-2 2 1,-2 2-1,-1 4 0,-3-1 0,0 1 0,-7 11 0,13-16 0,-13 16 0,9-14 0,-9 14 0,9-15 0,-9 15 0,7-15 0,-3 6 0,-1-2 0,-3 11 0,9-17 1,-9 17-2,5-14 1,-5 14 0,0 0 0,8-10-1,-8 10 1,0 0 0,12 8-1,-12-8 1,10 15 0,-10-15 0,11 18-1,-11-18 2,12 17-1,-12-17 0,6 12 0,-6-12 0,0 0 0,0 0 1,0 0-1,0 0 1,0 0-1,0 0 1,0 0-1,0 0 0,0-14 1,0 14-1,-5-16 0,2 7 0,3 9 0,-4-16 0,4 16 0,-5-14 0,5 14 0,0 0-1,0 0 1,0 0-1,0 0 1,9 12 0,-6-2-1,1 0 1,0 0 0,0 1 0,0-2 0,-4-9 0,8 14 0,-8-14 0,0 0 0,0 0 0,9 9 1,-9-9-1,0 0 1,0-10-1,0 10 1,-3-12-1,3 12 0,-6-12 1,6 12-1,-9-9 0,9 9 0,-10 0 0,10 0 0,-14 5 0,5 3 0,0 3 0,-2 4 0,-1 2-1,0 4 1,-3 2 0,2 0 0,-2-1 0,1 2 0,2-2 0,0-3 0,0-5 0,3-2 0,9-12 0,-12 13 0,12-13 0,0 0 0,0 0 0,0 0 0,0 0 1,-10 11-1,10-11 0,-7 12 0,0-1 0,-2 4-1,-2 4 1,-3 5 0,-3 5 0,0 3 0,-6 3 0,0 2 1,-1 0-2,1 1 1,-1-1 0,2-2 0,3-3 0,1-2 0,5-3 0,2-1 0,2-3 0,1-5-1,3 1 1,-1-2 0,2-3 0,0 0 0,0-4 0,0 0 0,4-10 0,-9 14 0,9-14 1,-9 11-2,9-11 1,-10 13 0,10-13 0,-12 18 0,5-8 0,0 2 0,0 1 0,0 2 0,0 0 0,1-3 0,-1-1 0,3-2 0,4-9 0,-5 12-1,5-12 1,0 0 0,-5 11 1,5-11-1,0 0 0,-4 10 0,4-10 0,0 0 0,-5 10 0,5-10 0,0 0 0,0 0 0,0 0 0,-5 9 0,5-9 0,0 0 0,0 0 0,-7 11 0,7-11 0,0 0 0,0 0 0,-10 10 0,10-10 0,0 0 0,0 0 0,-10 9 0,10-9 0,0 0 0,0 0 0,-4 9 0,4-9 0,0 0 0,0 0 0,0 12 0,0-12-1,0 0 1,0 0-1,-6 9 1,6-9 0,0 0 0,0 0 0,0 0 0,0 0 0,0 0 0,0 0 0,0 0 0,0 0 0,0 9 0,0-9 0,0 0 0,0 0 0,0 0-1,0 0 1,0 0 0,0 0-1,0 0 1,8 6 0,-8-6 0,0 0 0,15 8-1,-15-8 1,19 10 0,-7-4 0,0 2 0,0-1 0,1 1 0,-1-1 0,-3-1 0,-9-6 0,14 7 0,-14-7 1,9 3-1,-9-3 0,0 0 0,9-3 1,-9 3-1,0 0-1,0 0-7,0 0-28,0 0 0,11 8-2,-11-8-1</inkml:trace>
+  <inkml:trace contextRef="#ctx0" brushRef="#br0" timeOffset="6">1222 1920 8,'0'0'14,"0"0"-1,0 0-4,0 0-1,-7 9 0,7-9-3,0 9 1,0-9-2,4 14 1,-4-14-1,8 14 0,-8-14 1,9 14-2,-9-14 0,10 12-1,-10-12 1,10 10-2,-10-10 1,10 8 0,-10-8-1,0 0 0,0 0 0,9 8 1,-9-8 0,0 0 0,0 0 1,0 0 0,0 0 1,0 0-2,0 0-1,0 0 0,-4-9 0,4 9 0,0 0-1,0 0 0,5-11 1,-5 11-1,10-9 0,-10 9 1,20-15 0,-6 4 0,2-3 0,4-1 0,0-2 1,4-1 1,2 0-1,1-1 0,1-1-1,0 3 0,-2 0 0,2 0 0,-3 3-1,-1 0 0,-1 2 1,-3-1-1,-4 3 1,0 2-1,-4-1 1,-2 3-1,-10 6 1,14-9 0,-14 9 0,0 0 0,0 0-1,8-11 1,-8 11 0,0 0 0,0 0-1,0 0 1,0 0-1,0 0 0,0 0 1,0 0-1,0 0 0,-11 0 0,11 0 0,-12 6 0,3 0 0,-3 2 0,-4 3 0,-3 3 1,-6 2-2,-5 3 1,-1 3 0,-3 1 1,-1 0-2,-1-3 2,3-1-2,2-2 1,4-5 0,6-3 1,5-1-2,3-3 1,4-2 0,9-3 0,-10 3 0,10-3 0,0 0-1,0 0 1,0 0 0,0 0 0,0 0-1,13-11 1,-3 4 0,3-2 0,4-4 0,3-3 0,7-3 0,4-2 0,0-2 0,3 0 0,1-1 0,-4 5 0,-1 2 0,-5 3 0,-6 4 1,-3 4-1,-6 6 0,-10 0 0,9-4 0,-9 4 1,0 0-1,0 0 0,-14 9 1,3-4-1,-1 1 0,-4 2 0,-1 1 0,-4 0 0,-1 3 0,-3 0 0,-3 1 0,-2 0 0,1 0 0,-1 1 0,1 0 0,2 1 0,4-2 0,2-1 0,5-1-1,4-2 1,3-1 0,9-8 0,-10 11-1,10-11 1,0 0 0,0 0 0,0 0 0,0 0 0,0 0 0,0 0 0,13-12 0,-3 5-1,3-4 1,5-2 0,6-2 0,2-3 0,7-2 0,2-2 0,2 0 0,-1 3 0,-2 1 0,-3 4 0,-3 3 0,-5 4 0,-7 2 0,-3 5 0,-13 0 0,13 0 1,-13 0-1,0 0 1,0 0-1,0 0 1,0 0-1,0 0 1,-11 5-1,11-5 0,-10 7-2,10-7-6,-12 6-28,12-6-1,-9 10-3,9-10 0</inkml:trace>
+  <inkml:trace contextRef="#ctx0" brushRef="#br0" timeOffset="7">1518 1469 3,'16'9'10,"-5"-2"-1,0-1 3,2 1-5,-2-1 3,2 0-3,-4 0-1,0-1-1,-9-5-2,14 6 1,-14-6 0,0 0 1,10 0 0,-10 0-1,0 0 1,0 0 0,0 0-2,0 0 2,0 0-2,0 0-1,-10-3-1,10 3 0,-10-7 1,10 7-2,-11-7 0,11 7 0,-10-9 1,10 9-1,-9-9 0,9 9 0,-4-10 0,4 10-1,0 0 1,0-11 1,0 11-1,0 0 0,0 0 0,0-9 2,0 9-2,0 0 0,0 0 0,0 0 0,0 0-2,0 0 2,6-10 0,-6 10 0,0 0 0,0 0 0,10-8-3,-10 8-4,10-14-17,-1 6-8,-3-6-1</inkml:trace>
+  <inkml:trace contextRef="#ctx0" brushRef="#br0" timeOffset="8">1605 1406 9,'6'-28'14,"-6"14"1,7-4-1,-1-1-2,-2-3-1,6 2-1,-4-8-1,6 4-2,-3-8 1,4 1-2,-1-1 0,2 0 1,-3-2-3,5 1-1,-1-1 0,4 2 0,-2-1-1,2 6 2,-2-4-2,3 6-1,-2-3 0,3 1 1,-3 1-1,2 0 0,0 0-1,1 1 1,-1 0 0,3 0 0,-3 1 0,4 1-1,-2 0 1,1 1-1,1 0 0,-2 0 0,0 2 1,-2 0-1,0 1 0,-1 4 0,-2 1 1,-4 2-1,-1 0 1,-1 3-1,-11 9 0,14-13 1,-14 13-1,0 0 1,12-11-1,-12 11 1,0 0-1,0 0 1,0 0-1,0 0-1,-3 14-7,3-14-28,-11 12 0,5-2-3,-2-1 0</inkml:trace>
+  <inkml:trace contextRef="#ctx0" brushRef="#br0" timeOffset="9">56 2144 7,'0'0'8,"0"0"0,-9-11 2,9 11-3,0 0-2,0 0 2,0 0-2,0 0 0,0 0-2,0 0 1,-9 12-2,9-12 1,0 0 0,-6 12 1,6-12-1,-4 12 0,4-12 1,-4 12-1,4-12 0,-4 14-1,4-14 2,-4 15-2,4-6 0,-3 1 1,3 0-1,-3 0 0,3 2-1,-4 0 1,4 1 0,-3-3 1,3 4 0,-3-3-1,3 1 0,0 0-1,0-1 0,0 0 0,0 2 0,0 0 0,0-1 0,0 1 0,3 1 0,-3-1-1,0 2 1,3-3 0,-3 2-1,3-1 1,-3 1-1,4-2 1,-4 1-1,6 0 1,-3 0-1,0 0 1,0 0 1,0 0-2,0 0 2,0 1-1,1-2 0,-4 3 1,6 0-1,-3 1 0,1 1 0,-1-2 1,0 2-1,0 1 0,2 1 0,-2-3 0,1 2 0,-1 0-1,1 0 1,-4 1-1,5 0 1,-2-1-1,0 3 1,-3-3-1,4 2 0,-4 0 0,5 1 1,-5-2-1,4 2 0,-4-1 0,3-2 0,-3 3 0,6-2 1,-3 0-1,0-2 0,3-1 0,-3 1 1,3-1-1,0-1 0,-1-1 0,1 0 1,0 1-1,0-2 0,0 1 1,1-2-1,-1 4 1,0-2-1,2 1 1,-1 1-1,0-2 1,1 1-2,-1 0 1,2 1 0,-1-3 0,0 0 1,1 2-1,0-2 0,0 1 0,0 0 0,-1 1 0,1-1 0,0 1 0,1 0 0,0 1 0,0 0 0,1-1 0,-1 2 0,1-2 0,0-1 0,0 2 0,1 0 0,1 0 0,1 1 0,-2 0 0,1-1 0,0 1 0,-1 0 0,1-1 0,0-1 0,-2-1 0,2-1 0,-2 0 0,2 0 0,-2 0 0,1 0 0,1 0 0,-2-1 1,1-1-1,-1 0 0,0-1 0,-1-2 0,0 0 0,1-1 0,-1 1 0,0 0 1,1 0-1,-1-1 1,1 0-1,0 1 0,0 1 1,-1-1-1,-1-2 0,-9-6 0,18 11 0,-9-6 1,-9-5-1,17 8 0,-8-4 1,0 0-1,1-1 2,0 1-2,1-1 0,1-3-11,7 0-23,0 0-4,0-4-1,3-6-3</inkml:trace>
+  <inkml:trace contextRef="#ctx0" brushRef="#br0" timeOffset="10">2021 2182 12,'0'0'15,"0"0"-1,0 0-1,-12 0 1,12 0-5,0 0 2,0 0-3,0 0 0,0 0-3,0 0-1,0 0 0,0 0-2,-7 11 3,7-11-2,0 13-1,0-13 1,3 19-1,-3-9 1,0 4 0,0-1 0,3 3 2,-3 0-2,0 1-1,0 3 0,-3 2 0,3-1 0,-3 3-1,3-2 0,-3 2 0,3 1-1,-4-1 1,4 0-1,-4-2 0,4 1 1,-4-1-1,4 0 0,-5-2 0,2 3 1,0-1 0,-1 1 0,0 0-1,0 0 1,-3 0-1,3 2 1,-3 0-1,0 0 0,-1 0 0,-1 3 0,1 1 0,-1 0 0,-2 0 0,1 2 0,0-1 1,-1 0-2,2-1 1,-1-2 0,-1 0 0,0 0 0,1 0 0,-1-1 0,0 1-1,-2 2 2,1 0-1,-1 1 0,1 1 0,0-1 1,-1 0-2,1 0 2,-1 0 0,0-3-2,1 0 1,0-1 0,-1-2 0,1-4 0,2-1 1,-1-1-1,1-4 0,0 0 0,0-2 0,-1-1 0,1 0 0,0 2 0,-1-1 1,1 0-1,-2 1 0,0 0 0,0 1 0,-1-2 1,3 0-1,0 0 1,-1 0-1,1 0 1,-1-1-1,1-1 1,1 2-1,-1-3 1,1 1-1,-1-2 1,0 1-1,0-1 0,0 2 2,1-1-2,9-9 0,-17 16 0,17-16 0,-17 18 1,7-9 0,3 0-1,-3-1 1,1 0-1,0 1 1,-2 0-1,1 1 1,-2-1-1,2-1 0,0 0 0,-1 1 0,2-2 1,9-7-1,-16 12 1,6-6 0,1-4 0,9-2-1,-15 6 1,15-6 0,-16 0-1,16 0 1,-17 0-1,17 0 0,-14 0 0,14 0 1,-15 0-1,15 0 0,-15 0 0,15 0 1,-16-3-1,16 3 0,-16-4 0,16 4 0,-18-4-1,9 1 1,0 0 0,-1 0 0,0 0 0,-1 0 0,2 0 0,9 3 0,-16-6 0,16 6 0,-16-5 1,16 5-1,-14-7 0,14 7 0,-14-6 0,14 6 1,-15-8-1,15 8 0,-15-9 0,15 9 0,-15-8 0,15 8 0,-17-13 1,17 13-2,-15-13 1,6 7 0,9 6 0,-15-13 0,15 13 0,-16-12-1,16 12 1,-17-10 0,17 10 1,-17-10-1,7 5 0,1 1-1,9 4 2,-16-9-1,16 9 0,-12-6-1,12 6 1,0 0 0,-9-5 0,9 5 0,0 0 0,0 0-1,0 0 0,0 0 1,0 0-1,0 0 1,0 0-1,12 5 0,-12-5 1,18 6 0,-7-3 0,1 1 0,2-1 0,0 0 0,3 1 0,-1-2 0,2 1 0,-1-3 0,1 4 0,1-4 0,0 5 0,0-5 0,-2 3 0,-1-3 0,0 3 0,-2-3 0,-1 0 0,0 0 0,-1 3 0,-2-3 0,0 0 0,1 0 0,-2 0 0,0 0 0,-9 0 0,17 0 0,-17 0 0,17 0 0,-17 0 0,17 0 0,-17 0 0,17 0 0,-17 0 0,16 0 0,-16 0 1,14 0-1,-14 0 0,13 0 0,-13 0 0,10 0 0,-10 0 0,9 0 0,-9 0 0,0 0 0,10 0 0,-10 0 1,0 0-1,0 0 0,0 0 0,0 0 1,0 0-1,0 0 1,0 0-1,0 0 1,0 0 0,0 7-1,0-7 1,-7 13-1,7-13 1,-21 18-1,8-9 0,-1 0 1,1 0-1,-3-1 1,0-3-1,1-1 0,1-1 0,3 0-1,0-3 1,2 3 0,9-3 0,-14 0 0,14 0 0,-9 4 0,9-4 0,0 0 0,0 0-1,0 0 1,0 0-1,0 0 1,0 0-1,0 0 0,0 0 1,0 0-1,0 0 0,15 7 1,-15-7-1,20 0 1,-9 0 0,2 0 0,2 0 0,1 0 0,0 0 0,-1-4 0,-1 0 0,2 1 0,-1-2 0,-1 1 1,0-2-1,-1 0 0,1-2 0,0-1 0,2-2-2,-1-7-13,4-1-21,3-4-5,0-10 1,1-10-4</inkml:trace>
+  <inkml:trace contextRef="#ctx0" brushRef="#br0" timeOffset="11">1413 2816 4,'0'0'5,"0"0"0,0 0-1,0 0-2,0 0 2,0 0-1,0 0 0,0 0 0,0 0-1,0 0 0,0 0 0,0 0 0,0 0 0,-9-9-1,9 9 0,0 0 2,0 0-2,0 0 2,0 0-2,0 0 0,0 0 2,0 0-2,0 0 2,0 0-2,-10-9 1,10 9 0,0 0 1,0 0-1,0 0 0,0 0 1,0 0 0,0 0-1,0 0 1,-9-9-1,9 9 2,0 0-2,0 0 1,0 0 0,0 0 0,0 0 0,0 0 0,0 0-1,0 0 0,0 0-1,0 0-1,0 0 0,0 0 0,0 0 0,0 0 0,0 0 0,0 0 0,0 0 0,7 13 0,-7-13 1,10 9 0,-10-9 0,12 10 0,-12-10 0,16 5 0,-16-5 2,14 4-2,-14-4 2,14 0-1,-14 0 0,14 0 0,-14 0-2,16-7-18,-3 3-12,-5-7-4,4 1 2</inkml:trace>
+  <inkml:trace contextRef="#ctx0" brushRef="#br0" timeOffset="12">488 2719 3,'0'0'7,"-9"-5"1,9 5 1,0 0-1,0 0-1,0 0 0,0 0 1,0 0-2,0 0-1,-10 0-1,10 0-1,0 0 1,0 0-2,0 0 2,0 0-3,0 0 1,0 0 1,-12 9-2,12-9 0,0 0 1,-10 12-2,10-12 1,0 0 0,-13 11 0,13-11 0,0 0 0,-8 9 0,8-9 1,0 0-1,0 0 0,0 0 0,0 0 2,0 0-1,0 0 0,0 0 0,0 0 0,0 0 0,0 0 1,0 0 0,0 0-1,0 0-1,0 0 0,0 0 0,0 0-1,0 0 0,0 0 0,0 0 0,-4 10 0,4-10 0,0 0 0,0 0 0,9 8 0,-9-8 1,12 7-1,-12-7 1,14 8-1,-3-3 1,-2-3 0,1 3 0,0-5 0,2 5 0,-12-5 0,19 0 1,-19 0-1,17 0 1,-17 0 2,17-5-2,-17 5 0,15-14 1,-8 4-1,1-1 0,-1-2 0,-1 2-1,0 0 0,0 2 0,-6 9-2,6-15 1,-6 15 0,0 0-1,0 0 0,7-9 2,-7 9-2,0 0 1,0 0 1,0 0-1,0 0 1,0 0 0,0 0 0,0 0-1,0 0-4,0 0-20,3 13-12,-3-13 0,0 0-2</inkml:trace>
+</inkml:ink>
+</file>
+
+<file path=ppt/ink/ink17.xml><?xml version="1.0" encoding="utf-8"?>
+<inkml:ink xmlns:inkml="http://www.w3.org/2003/InkML">
+  <inkml:definitions>
+    <inkml:context xml:id="ctx0">
+      <inkml:inkSource xml:id="inkSrc0">
+        <inkml:traceFormat>
+          <inkml:channel name="X" type="integer" max="32767" units="in"/>
+          <inkml:channel name="Y" type="integer" max="32767" units="in"/>
+          <inkml:channel name="F" type="integer" max="255" units="dev"/>
+        </inkml:traceFormat>
+        <inkml:channelProperties>
+          <inkml:channelProperty channel="X" name="resolution" value="3971.75732" units="1/in"/>
+          <inkml:channelProperty channel="Y" name="resolution" value="5295.24854" units="1/in"/>
+          <inkml:channelProperty channel="F" name="resolution" value="0" units="1/dev"/>
+        </inkml:channelProperties>
+      </inkml:inkSource>
+      <inkml:timestamp xml:id="ts0" timeString="2017-01-27T04:45:42.211"/>
+    </inkml:context>
+    <inkml:brush xml:id="br0">
+      <inkml:brushProperty name="width" value="0.10583" units="cm"/>
+      <inkml:brushProperty name="height" value="0.05292" units="cm"/>
+      <inkml:brushProperty name="color" value="#7F7F7F"/>
+      <inkml:brushProperty name="fitToCurve" value="1"/>
+    </inkml:brush>
+  </inkml:definitions>
+  <inkml:trace contextRef="#ctx0" brushRef="#br0">1029 3208 1,'0'0'8,"3"-9"1,-3 9 1,4-13 0,-4 3-1,5-2 0,-2-1-2,1-3 0,0-2-3,0-2 1,0 1 0,2-3-2,-3 1 0,2 0 0,-2 0-1,0 2 0,0-1-1,-3 0 1,5 3-1,-5-3 1,4 2-1,-4 0 1,6 0-1,-6-2 1,7 0-1,-4-2 0,2 0 0,-2-1 0,3 0 0,-2-1-1,2-1 1,-2-1 0,1 3 0,0-4 0,0 3 0,1-2 1,0 2-1,-1 0 1,1 0-1,-1-1 2,1 1-2,0 0 0,-1 2-1,0 0 2,0-2-1,-2 1 0,3 2 0,-3 0 0,0 1 0,-3 1 0,6 0-1,-3-1 1,0 1-1,0-1 0,1 0 0,2-3 0,-2 2 1,3-2-1,-2 2 0,1-1 1,0 0-1,1 0 1,0 2-1,-1 0 1,0 0-1,-1 2 2,2 0-2,-1 1 2,0-1-2,1 0 0,1 1 1,1-1-1,0 0 0,2-2 0,-1 1 1,2-1-1,2-1 0,0 0 1,1 1-1,-2-1 0,2 2 0,-1 0 0,0 0 1,0 2-1,-1 3 1,-3-1-2,1 2 2,-1 1-1,0-2 1,-1 3-2,0-1 1,1 0 1,0 1-1,-1-1 0,0 2 0,1 0 0,-1 2 0,0-1 0,1 2 0,-10 7 0,17-13 0,-17 13 1,17-11-1,-17 11 0,17-11 0,-8 5 0,-9 6 1,19-11-1,-8 6 0,0 0 0,-1 0 0,1-1 1,-1 1-1,2-2 1,-1 1-1,-2-4 0,2 2 1,-1-2-1,0 0 0,2-1 1,-2 0-1,2 0 0,-2 1 0,0 0 0,1-2 0,0 1 1,0-1-1,1-2 0,-1 3 1,2-2-1,0 0 0,0 0 1,2-1-1,-3 2 0,1 0 1,0 2-1,1-1 0,-3-1 0,1 3 0,-1 1 1,-2 1-1,2-2 0,1 3 0,-3 0 0,0-1 0,-9 7 0,16-9 0,-16 9 0,15-7 0,-15 7 0,13-4 0,-13 4 0,12 0 0,-12 0 0,13-3 0,-13 3 0,14 0 0,-14 0 0,17 5 0,-17-5 0,16 5 0,-16-5 0,15 9 0,-15-9 0,16 10 1,-16-10-1,14 11 0,-14-11 0,12 12 0,-12-12 0,13 14 1,-13-14-1,12 17 0,-12-17 0,10 16 0,-4-7 1,-2 2-1,-4-11 0,10 14 0,-10-14 0,9 16 1,-9-16-1,8 14 0,-8-14 0,7 15 1,-7-15-1,5 15 0,-5-15 0,5 14 1,-5-14-1,3 13 0,-3-13 1,0 13-1,0-13 1,3 15-1,-3-15 1,0 16-1,0-16 1,-4 16-1,4-16 0,-5 17 1,2-8-1,-1 0 0,0 2 0,-1-1 1,0 0-1,0 1 0,0 0 0,0-2 0,5-9 0,-11 17 0,11-17 0,-7 14 0,7-14 0,-8 12 1,8-12-1,-7 9 0,7-9 0,0 0 0,-10 11 1,10-11-1,0 0 0,-10 10-5,10-10-28,0 14-6,-3-3 2,-2 2-4</inkml:trace>
+  <inkml:trace contextRef="#ctx0" brushRef="#br0" timeOffset="1">2376 1349 10,'-9'5'12,"9"-5"-4,-4 10-2,4-10-3,-6 13-1,6-13-1,-7 16 1,7-16 1,-8 18 1,8-18-2,-9 18 2,9-18 1,-9 19-2,9-19 2,-9 18-2,9-18 1,-11 19 0,11-19 1,-13 17-3,6-8 2,0 2-2,-2-2 0,1 1 0,-1 0 0,1 2-1,-2-2 2,1 0-2,0 1 1,-1 1 0,1-1 0,0 0-1,-1 0 1,0 1-1,1-2 1,0 1-1,0 0 2,0-2-2,0 1 1,2-1 1,-3-1-2,10-8 0,-15 15 0,15-15 0,-15 16 0,9-7-1,6-9 1,-16 19-1,8-9 1,-2 3-1,1-1 1,0-1 0,2 1-1,-2 0 1,0-1-1,1-1 1,-1 1-1,1-2 1,0 1 0,1-1-1,0 0 1,0 1-1,7-10 1,-14 17-1,14-17 0,-13 14 1,13-14-1,-12 15 0,12-15 0,-11 14 0,11-14 0,-9 15 0,9-15 0,-11 15 0,11-15 0,-9 15 2,4-5-4,5-10 4,-9 17-2,3-8 0,1 1 0,5-10 0,-10 20 0,6-11 0,-2 2 0,1-1-2,1 2 4,0-1-2,0 2 0,0-1 0,1-1 2,-3 1-2,3-1 1,-1 0-1,0 0 0,0-2 0,0 1 0,4-10 0,-7 16 0,7-16 0,-5 14 0,5-14 0,-5 12 0,5-12 0,-3 15 0,3-15 0,-3 14-1,3-14 1,0 15 0,0-15 0,0 15-2,0-15 2,0 14-2,0-14 2,0 13-1,0-13 1,3 12 0,-3-12 0,3 10-1,-3-10 1,7 9 0,-7-9 0,6 9-1,-6-9 1,0 0 0,12 11 0,-12-11 0,0 0 0,0 0 0,10 9 0,-10-9 0,0 0 1,0 0-2,0 0 1,10 4 1,-10-4-1,0 0 0,0 0 0,12 5 0,-12-5 0,0 0 0,0 0 0,12 0 0,-12 0 0,0 0 0,10 0 0,-10 0 0,0 0 0,12 0 0,-12 0 0,9-5 1,-9 5-1,12-3 0,-12 3 0,13-5 0,-13 5 0,13-5 0,-13 5 0,16-9 0,-16 9 0,17-12 1,-8 4-1,-9 8 2,17-19-2,-7 7 2,1 1-2,-1-2 0,-1 1 1,1 0-1,1-1 0,-2 2 0,1 0 0,0 1 0,0-2 0,1 0 1,-1-1-1,2 0 0,0-1 0,2 0 0,0-1 0,-2-1-1,1-1 1,0 3 0,-2 0 0,-1 0 0,0 1 0,0 1 0,-1 1 0,0 1 1,2-2-1,-1 0 0,0-1 0,0 0 1,1-1-1,-2 0 0,1-2 0,-1 2 0,1 0 0,-1 0 0,0 1 0,0 1 1,-2 1-1,1 0 0,-1-1 0,-1 1 0,1 0 0,0-1 1,0-1-1,1 1 0,-2 1 0,3-1 1,0 1-1,0 0 0,0-1 0,-1 0 0,1 0 0,-1 0 1,1-1-1,-2 0 0,0 1 0,1 0 0,-2 0 0,1 1 1,-1 0-1,0 1 0,0-1 0,0 0 1,-1 1-1,0-2 0,1 1 1,-2 0 0,1 0-1,-1 0 1,0-1 0,-1 3-1,0-1 1,-3 1-1,0 9 1,6-16-1,-6 16 1,3-13-1,-3 13 0,3-14 1,-3 14-1,0-13 1,0 13-1,3-13 1,-3 13 0,0-13 0,0 13 0,0-11 0,0 11 1,0-11-1,0 11 0,-7-9 1,7 9-1,-11-9 0,11 9 1,-16-8-1,6 4 0,-1 0-1,-2 1 1,-2 3-1,-2 0 0,-4 0 0,2 3 1,-3 3-1,1 1-1,0 10-8,-3 2-27,3 7-3,0 4 0,1 6-4</inkml:trace>
+  <inkml:trace contextRef="#ctx0" brushRef="#br0" timeOffset="2">2085 2309 1,'-10'10'3,"10"-10"1,0 0-2,0 0 1,-10 12-1,10-12-1,-9 13 1,9-13 0,-8 15 0,8-15 0,-8 15 1,8-15 0,-9 18 0,4-8-1,1 0 1,4-10 0,-8 18 0,4-7 0,4-11 1,-6 17-1,6-17 0,-7 15 0,7-15-1,-6 13 0,6-13-1,-4 15 2,4-15-1,-4 16-1,4-16 1,0 16-1,0-16 1,-4 15-1,4-15 1,0 16-2,0-16 1,0 13-1,0-13 1,7 14-1,-7-14 2,5 12-2,-5-12 1,7 12 0,-7-12-1,8 10 1,-8-10 0,0 0 0,10 13 1,-10-13-2,0 0 1,7 11-1,-7-11 0,0 0 1,9 9-1,-9-9 0,0 0 0,10 6 0,-10-6 1,0 0-1,12 5 0,-12-5 1,0 0-1,14 3 1,-14-3-1,10 0 1,-10 0-1,12 0 1,-12 0-1,11 0 1,-11 0 0,14 0-1,-14 0 1,14-4 2,-14 4-2,15-6 0,-15 6 0,17-8 0,-17 8 1,16-10-2,-16 10 1,17-13 0,-8 7-1,-9 6 1,18-17 0,-10 8 0,0-2-1,1 0 1,0-1-1,-1 1 1,2-3-1,-2 1 0,1-2 1,0 2-1,0-1 0,1-1 0,1 1 1,-1 1-1,0-2 0,1 2 0,1 0 1,-1-2-1,1-1 0,0 2 2,0-2-2,1-2 0,0 1 1,-1 0-1,1-1 0,-1 0 2,2 1-2,-3 1 0,1-1 0,-1 2-2,0-3 2,1 1 0,-1 1 0,0 0 0,0 1 0,0 0-1,0 1 2,-1 0-1,-1 4 0,1 2 0,-10 8 0,16-17 0,-16 17 0,15-12 2,-15 12-2,14-13 0,-14 13 0,11-11 0,-11 11 1,12-14-1,-12 14 0,9-11 0,-9 11 2,12-12-2,-12 12 0,10-14 1,-10 14-1,12-12 1,-12 12-1,10-15 0,-10 15 1,12-14-1,-12 14 1,12-15-1,-12 15 1,10-15 0,-10 15-1,9-15 1,-9 15 0,9-17-1,-9 17 1,9-15-1,-9 15 1,8-17-1,-8 17 1,9-14 0,-9 14-1,9-13 1,-9 13 0,9-13-1,-9 13 1,9-16 0,-5 7 1,1-1 0,-2 1-1,1-1 1,-1 1-1,-3-2 0,0 11 0,7-17 1,-7 17-1,3-15 1,-3 15 0,0-13-1,0 13 1,0-12 0,0 12-1,0-11 0,0 11 1,-7-13-1,7 13 0,-7-11 1,7 11-1,-9-12 0,9 12 0,-13-11 0,13 11 0,-17-11 1,8 6-1,-1 0 0,-2 0-1,-1 0 1,-2 1 0,1 1-1,-1 0 1,-2 3-1,-2 0 0,0 0 0,-2 7 1,-1 3-2,-1-1-3,2 10-19,-4-3-16,0 4 0,0 1-2</inkml:trace>
+  <inkml:trace contextRef="#ctx0" brushRef="#br0" timeOffset="3">2344 2498 7,'0'0'12,"-8"12"0,8-12-4,-4 9-3,4-9-1,-5 17-1,5-6-2,-5 1 0,5 2 2,-4 1-2,4 1 0,-5 0 2,5 0-2,-5 1 1,5-2-1,-3-1 2,3 0-2,0-1 0,0 0 1,0-2-1,0 1 0,0-2 1,0 0-1,3 0 1,-3 0-1,0-10 0,7 16 1,-7-16-1,7 13-1,-7-13 1,8 11 0,-8-11 0,11 8 0,-11-8 1,10 6-1,-10-6 0,12 5 0,-12-5 1,14 3-1,-14-3 1,14 0 0,-14 0 1,17-4-1,-17 4 2,18-8-2,-18 8 1,18-14 0,-11 4-1,5 0 1,-3-2-1,0-1 1,1-2-2,0 2 0,1-2-1,-1 2 1,2-2-1,-2 2 0,3 0 0,-2-1 1,2 0-1,-1 0 0,1 0 0,-1 0 1,1-1-1,0 0 0,1 0 1,-2-2-1,0 1 0,-1-2 1,2 2-1,-1-1 0,0 0 0,2 2 0,-3 1 0,2 0 0,1 0 0,-1 1 0,-1 0 1,1-1-1,-1 1 0,0-1 0,0 0 0,1 1 1,-3-2-1,1 2 0,-1 0 0,0 1 0,-1 1 0,-1 0 0,0 2 0,-8 9 0,14-16 1,-14 16-1,13-16 0,-13 16 0,13-15-1,-13 15 1,12-15-1,-12 15 1,13-17 0,-7 8 0,0 0-1,0-2 2,0 1-1,0 0 0,0-2 0,0 3 0,1-2 1,-1 2-1,-6 9 1,13-16 0,-7 7-1,-6 9 1,13-17 0,-13 17 0,12-15 0,-12 15 0,9-15 1,-9 15 0,9-16-1,-9 16 0,6-14 1,-6 14-1,5-16 0,-5 16 0,5-16 0,-5 16 0,4-18 0,-4 9 0,0 9 0,5-17 0,-5 17 1,0-14-1,0 14 0,0-14 0,0 14 0,0-10 0,0 10 1,0-11-1,0 11 0,-5-12 0,5 12 0,-5-12 0,5 12 0,-8-13 0,8 13 0,-9-14 0,9 14 1,-15-9-1,5 4 0,1 1-1,-3-2 1,-1 3 0,-1 0 0,-3 0-1,1 3 1,-2 0-1,-1 0-2,-3 4-9,3 12-25,-2 5-4,-2 7 0,-2 7-4</inkml:trace>
+  <inkml:trace contextRef="#ctx0" brushRef="#br0" timeOffset="4">2652 2652 4,'-5'11'9,"5"-11"-3,-5 17 1,0-8-2,2 2-1,-1 2-1,4-1 0,-6 2-1,6-1 0,-3 0 0,3 2-1,0-2 0,0 0 1,3-3-1,-3 2-1,4-2 2,-1-1 0,0 1-1,-3-10 0,6 14 1,-6-14-1,8 15 0,-8-15 1,8 12-1,-8-12 0,9 12 1,-9-12-1,10 13 0,-10-13 1,12 9-1,-12-9 1,14 7 0,-14-7 1,16 7 0,-16-7-1,15 3 0,-15-3 1,16 0 0,-16 0-1,15 0 0,-6 0 1,-9 0 0,20-5-1,-11 1 0,3 1 1,-2-2-1,1 0-1,-1 0-1,2 0 1,-2-2 0,2 0-1,-3 0 1,2-2 0,1 1-1,-1-1 1,0 0 0,1-1-1,-2 0 2,1 1-1,-1-1-1,0 0 2,-2 1-1,2-1-1,-1-2 2,1 1-2,1-2 1,-2 1-1,2-1 0,1 0 0,-1-1 1,0 2-1,1-1 0,0-1 1,-3 1-1,1-2 1,-1 0-1,0-2 0,-1 2 1,0-2-1,-1-1 0,2 2 0,-2-1 1,0 0-1,0-1 1,0 2-1,1 0 1,-2 1 0,1-2 0,-1 3 0,1-2 0,-1 3 0,0-2 0,-1 3 0,0-1 0,0 1 1,-1 1 0,1 1-1,-2-1 0,1 1 0,0 0-1,1-1 1,-2 1-1,1-1 1,1 1-1,-1 0 1,-1 1-1,1-1 1,-1 1-1,0 0 0,-3-1 1,5 1-1,-1 0 0,-1-3 0,-3 2 0,5-1 1,-2 1-1,-3 1 1,5 0-1,-5 9 1,5-16-1,-5 16 1,3-10-1,-3 10 1,4-10 0,-4 10-1,0-9 2,0 9-1,0-9 0,0 9 1,0-10 0,0 10-1,-7-10 1,7 10-1,-8-11 1,8 11-1,-13-12 1,13 12 0,-17-11-1,6 7 0,-1-2 0,-1 3 0,-2 3 0,0-4 0,-1 4-1,0 0 0,0 12-5,-5-3-28,6 7-6,-7 4-2,-3 2-3</inkml:trace>
+  <inkml:trace contextRef="#ctx0" brushRef="#br0" timeOffset="5">926 1615 2,'-12'0'13,"12"0"0,0 0-1,-11 5 0,11-5 0,0 0-3,0 0 1,-11 5-3,11-5-1,0 0-2,0 0 0,0 0-2,0 0-1,0 0 1,0 10-2,0-10 0,9 10-2,-9-10 2,16 17 0,-5-4 2,1 2-2,3-1 1,3 3 0,-2 0 1,3 0-1,3 0 0,3 2 1,-2-5-1,0 1 0,1-1 1,-2 0 1,-1-2-2,-2 0 2,-6-4-2,-1 1 1,-12-9 0,14 12 1,-14-12-1,0 0 1,0 0-2,0 0-3,0 0-9,0 0-23,-10-6 1,6-4-3</inkml:trace>
+  <inkml:trace contextRef="#ctx0" brushRef="#br0" timeOffset="6">933 1603 6,'0'0'12,"0"-12"0,4-2-1,1-4 0,1-7 0,2-4-1,0-6-2,2 0-2,0-3-1,0 3-2,-2 1-1,2 3-1,-3 3 1,0 6-1,-1 2 1,-2 4-1,-1 4 0,1 3 1,-4 9 0,3-12-1,-3 12 0,0 0 0,0 0 0,0 0 0,0 0 0,0 0 0,0 0 0,0 0 1,0 0 1,0 0 0,0 0 1,0 0-1,0 0 0,0 0-1,0 0 0,0 0 0,0 0-1,0 0 2,0 0-1,-7-9-1,7 9 0,0 0 0,-10-10 0,10 10 0,-12-13 0,12 13 0,-13-15 0,3 6-1,0-4 1,-3-1-1,-1-3 1,-3-2-1,-2-4 0,-3-3 1,0-3-1,-5-1 0,2-1 1,0-2-1,-2-1-1,-1 1 2,1 3-2,1-1 2,0 2-1,1-2 0,-2-2 0,2 1 0,0-3 0,0 0 0,0-2 1,-2-1-1,2-1 0,2 2 0,-1 1 0,2 2 1,-2 3-1,3 2 0,1 2 0,-1 3 0,2 2 1,0-1-2,1 2 1,-1 0 0,1 2 0,2 1 0,1 2-1,3 0 1,1 2-1,1 4 2,2 1-1,8 9 0,-10-14-1,10 14 1,-8-11 0,8 11-1,-4-9 1,4 9 0,0 0-1,0 0 0,0 0 0,-3-9-1,3 9 1,0 0 0,0 0-1,12 0 1,-12 0 0,11 0-1,-11 0 2,18 0-2,-6 3 2,0-1 0,1 3 0,3 0 0,1 2 0,0 3 0,3 1 0,2 3 0,1 4 2,1 3-2,3 0 2,3 2-2,-1 1 1,1 2-1,1-1 0,0 3 1,2-3-1,-2 2 1,0 2-1,0 0 0,1-1 1,2 1-1,-1-1 0,1-1 0,-1 0 0,-1-2 1,-2-3-1,1 0 1,-3-2-1,-1-2 0,-2-1 1,-1-2-1,0-2 0,1 0 1,-2-1-1,-1-1 1,2 0-1,-3 1 1,1-1-1,0-1 1,-4 0-1,1-1 0,0-1 0,-1 0 1,1-1-1,-2 1 0,1-2 0,1 1 0,-1 2 1,-2-1-1,2 1 1,-2 1-1,1-3 1,0 1-1,-4-2 0,2 1 0,0-2 0,0 0 0,-2-1 0,-1-1 0,0 2 0,1-1 1,-3 3-1,3-2 0,-1 2 0,0 1 0,-1 0 0,2 0 1,-3 0-1,2 0 0,-3 1 0,-9-9 0,16 14 0,-16-14 0,13 13 1,-13-13-1,11 9 0,-11-9 0,0 0 1,10 7-1,-10-7 1,0 0-1,0 0 1,0 0 0,0 0 0,0 0 0,0 0-1,0 0 1,0 0 0,0 0 0,0 0-1,0 0 1,0 0-1,0 0 1,0 0-1,0 0 1,0 0-1,0 0 0,0 0 0,0 0 0,0 0 0,0 0 0,0 0 0,-9 8 0,9-8 0,-5 16 0,1-4 0,1 4 0,-1 5-1,-2 2 1,1 6 0,0 2 0,0 3 0,-1 2 0,0-2 0,-1 5 0,1-3 0,1-3 0,0-3-1,-1-5 1,3-7 0,3-3 0,-5-5 0,5-10 0,0 0 0,0 0 1,0 0-3,0 0-9,-4-10-23,4 10-5,0-20 0,0 6-3</inkml:trace>
+  <inkml:trace contextRef="#ctx0" brushRef="#br0" timeOffset="7">3066 2912 4,'-10'0'11,"10"0"-2,0 0 2,0 0-5,0 0-2,0 0 3,0 0-5,0 0 2,0 0-2,9 10-1,-9-10 1,10 7 0,-10-7 2,12 9-2,-12-9 2,16 12 0,-16-12 1,15 14-1,-15-14 0,15 18-1,-8-8 0,2 1 0,-1 0 0,1 0-1,-1-1-1,1-1 1,-9-9-1,16 17 0,-16-17-1,12 11 1,-12-11 0,0 0 0,0 0 0,10 10 0,-10-10 1,0 0 1,0 0 0,0 0 0,0 0-1,0 0 1,0 0-1,0 0 0,0 0-1,0 0 1,0 0-1,0 0 1,0 0-2,0 0 1,0 0 1,0 0-2,0 0 0,-10 0 0,10 0 0,0 0 0,0 0 0,-10 8 0,10-8 0,-7 11 0,3 0 0,0-1 2,0 4-2,-2 0 0,1 3 0,0 0 0,0 1 0,0 0 0,0-4 0,0-1 0,1-1 0,4-12 0,-4 14 0,4-14-2,0 0 2,0 0 0,0 0-2,0 0 1,0 0 0,0 0 0,0 0 0,0 0 0,0 0 0,0 0 0,7 9 0,-7-9 1,11 4 0,-11-4 0,14 7 0,-4-3 0,0-1 1,1 1-1,1 1 0,0-1 0,2 0-1,2 0 2,2 0-1,-1 0 0,2 1 0,0 0 0,4 2 1,0-2-1,0 3 1,2-2-2,-1 3 2,2-2-1,-1 0 0,3 3 0,-2-2 0,0 0 0,-1-2 0,0 2 1,2-1 0,-1 1 0,0-2-1,-1-1 1,0 1 0,0 1 1,0-2 0,0 1-2,-2 0 1,-2-1-1,3 1 0,-3 0 0,-2-1 1,3 1-1,-5-1 0,1 2 0,0 1 1,1 0-1,-3 1 1,1 0-1,0 0 1,-3 1-1,-1 0 1,0-2-1,-2 1 0,0-1 0,-2 0 0,-9-8 1,15 14-1,-15-14 0,15 15 1,-15-15-1,11 16 0,-11-16 1,12 18-1,-7-9 0,0 0 0,0 0 0,-5-9 0,9 16 1,-9-16-2,10 12 1,-10-12 0,13 14 0,-13-14 0,14 13 0,-7-4 0,-7-9 0,13 14 0,-13-14 0,14 14 0,-14-14 0,14 11 0,-14-11 0,15 10 1,-15-10-1,18 13 1,-8-7-1,-1 0 1,0 0 0,-9-6-1,17 13 0,-17-13 0,15 10 0,-15-10 0,14 9 0,-14-9 0,12 5 0,-12-5 0,10 3 0,-10-3 0,0 0 0,9 3 1,-9-3-1,0 0 0,0 0 1,0 0-1,0 0 1,0 0 0,0 0 0,0 0 0,0 0-1,0 0 1,0 0 0,0 0 0,0 0-1,0 0 0,0 0-2,0 0-4,-17-14-17,8 3-15,-1-3 0,-6-8-5</inkml:trace>
+  <inkml:trace contextRef="#ctx0" brushRef="#br0" timeOffset="8">3782 2993 1,'0'0'13,"-11"-4"-1,11 4 0,0 0-2,0 0 0,0 0-2,0 0 0,0 0-2,0 0-1,0 0 0,0 0-2,0 9 0,0-9-2,8 16 0,0-6 1,1 5-1,2 1 2,2 4-1,1 1-1,4 6 2,1 1-1,3 5 0,2 1 0,2 2-1,3 4 1,3 0-2,1 0 2,1 1-2,-1-1 1,1 0-1,0-1 0,-3-1 0,-3-2 0,0 0 0,-2-4 2,0-2-1,-2 0-1,-1-5 2,-3-2-1,0-2 0,-3-5 0,-1-2 0,-5-4 0,-11-10 0,13 13 0,-13-13 1,0 0-1,5 12 1,-5-12-1,0 0 0,-4 9-5,4-9-11,-11-8-19,11 8-1,-16-20-2</inkml:trace>
+  <inkml:trace contextRef="#ctx0" brushRef="#br0" timeOffset="9">3730 3038 3,'0'0'14,"0"0"0,0 0-3,0 0-1,-10 8-1,10-8-2,0 0-4,0 0 0,0 0-2,0 0-1,0 0 0,0 0 0,0 0 0,0 0 0,0 0 0,0 0 1,10-4 0,-10 4-1,0 0 2,9-7 0,-9 7-2,0 0 3,11-9-2,-11 9 0,0 0 0,15-11 0,-15 11 1,8-12-1,-8 12 0,9-15-1,-1 6 1,-8 9-1,16-17 0,-6 10 0,2-1 1,0 0-1,1 1 0,-2 0 0,2 1 1,-4-1 0,1 1 0,-10 6 0,13-10 0,-13 10 1,8-10 0,-8 10-1,0 0 0,6-10 0,-6 10-1,0 0 1,0 0 1,4-9-2,-4 9 1,0 0 0,0 0 0,0 0-1,0 0 1,0 0 0,0 0 0,0 0 0,0 0 0,0 0 0,0 0 0,0 0 1,0 0-2,0 0 1,0 0-1,0 0 2,0 0-2,0 0 1,0 0-1,0 0 0,0 0 0,0 0-1,0 0 1,0 0-2,0 0 2,0 0-1,0 0-1,0 0 2,6-9 0,-6 9-1,0 0 1,0 0-1,11-7 1,-11 7 0,0 0 0,9-3 0,-9 3 1,0 0-1,0 0 1,0 0-1,0 0 2,0 0-1,0 0 2,0 0-1,0 0 0,0 0 0,0 0 0,0 0 0,0 0 0,0 0-1,0 0 1,-12-7-1,12 7 0,-17-5-1,7 2 1,-1 0 1,-1-1-2,-1-1 2,-3 0-1,1-1-1,-3 0 1,1-1 0,-3-1-1,-1 0 1,-2 0-1,1-3 1,0 1-1,-2-1 1,-1-2-1,0 0 1,0-2-1,1 1 0,-1 0 0,0-1 0,-1 2 1,2-1-1,-1 3 1,2-1 0,0 2-1,3 1 0,-1 0 1,2 1-1,3 1 0,1 1 0,2-1 0,1 3 0,2-1 0,10 5 0,-12-6 0,12 6 0,0 0 0,0 0 0,-9-5 0,9 5 0,0 0 0,0 0 0,0 0 1,0 0-2,0 0 1,0 0 0,0 0 0,0 0 0,0 0-1,0 0-2,0 0-9,0 0-23,10 0 0,0-7-1,-4-2 0</inkml:trace>
+  <inkml:trace contextRef="#ctx0" brushRef="#br0" timeOffset="10">3134 3346 2,'0'0'11,"-13"9"-2,13-9 2,0 0-4,0 0 0,0 0-1,-3 10-1,3-10-2,5 9-2,-5-9-1,15 18-1,-1-5 1,5 2-1,8 2 2,3 1-2,8 1 2,4-1-1,6 0 1,0-1 0,3-2 0,-1-1 0,-2-2 2,0 0-2,-6 2 0,-2-1 1,-4 1-1,-5 1 1,-3 1 0,-6-3 1,-4-1 0,-6-2 0,-12-10 1,13 11-2,-13-11 1,0 0-1,-13-8 0,2 2 0,-6-6 1,-4 1-3,-6-6 0,-4 2 0,-4-5 1,-6 1-1,-4-3 0,-2 0 0,-2-1 0,1 3 0,3-2 0,3 3 0,3 0 0,8 1 1,5 5-1,6 0 1,4 5-1,5 0 2,11 8-5,-12-8 2,12 8-1,0 0-3,16 9 3,0 0-1,9 3 1,5 4-1,11 4 3,8 3 0,4 4 2,4 1-1,4 0 0,-2 0 1,-3 0-1,-2-2 0,-9-3 0,-5-3 0,-7-5 0,-6-1 3,-9-6-2,-6 0 2,-12-8-1,0 0 0,-9 0-1,-6-8 2,-9-3-1,-5-3-2,-9-5-1,-5-2 0,-6-3 0,-6 0 0,-4-2 2,0 3-2,-1 0 0,4 4 0,6 2 0,5 3 0,8 3 0,9 2-2,9 3 1,6 2-2,13 4 0,0 0 1,12 0-1,9 7 1,12 5 0,9 2 0,10 5 1,7 4 1,8 4 0,4 1 1,2 2-1,-1 1 0,-1-2 0,-7-1 2,-2-2-2,-6-4 1,-8-4-1,-9-2 0,-8-4 1,-7-5 1,-12-7 0,-12 0 0,0-8 2,-12-3-1,-10-8 0,-9-3-1,-10-6-1,-7-5 0,-8 1 0,-1-3-1,-3 3 0,2 4 0,3 2 0,10 6 0,6 4-1,8 5 1,12 5-2,4 2 0,15 4-1,0 0 1,6 9-1,12 2 1,9 7 1,8 3 1,11 10 0,8 5 1,10 2 0,4 3 0,2 1 1,0-1-1,-4-3-1,-4-4 2,-9-7-2,-8-3 1,-7-7 2,-12-3-1,-9-8 0,-7-2 1,-10-4-1,-6-12 0,-10-3 0,-8-5 0,-10-6-2,-8-7 0,-9-8 2,-5-2-2,0-1 2,1 1-2,3 4 0,6 6 0,9 3 0,7 8 0,12 10-4,8 3 3,10 9 0,0 0-1,21 15 1,2 1 0,10 8-1,7 6 1,12 9 1,6 2 0,4 4-1,-1 2 1,0-3 1,-4-3-1,-7-6 1,-6-4 0,-10-6 0,-8-7 0,-6-5 1,-7-5-1,-13-8 0,0 0 0,0-9 1,-10-5-2,-6-4 0,-5-5 0,-4-5 0,-4-2 0,-4 0 0,-1 0 0,3 3-2,2 2 2,4 5 0,3 5 0,8 6-1,4 2-1,10 7 1,0 0 0,18 14 0,1 1-1,6 5 1,6 5 1,4 3 1,4 2 0,-2-1-1,-2-1 1,-5-5-1,-4-3 1,-7-6 1,-5-6-1,-14-8 0,0 0 0,0 0 1,0 0 1,-11-10-3,-1 1-6,4 0-20,-1-1-10,-5-8-1,5 4 0</inkml:trace>
+  <inkml:trace contextRef="#ctx0" brushRef="#br0" timeOffset="11">234 310 3,'-15'-19'13,"0"4"-1,15 15 1,-12-9-1,12 9-1,0 0-3,0 0-1,0 0-2,5 21-2,8 1 0,5 7-3,5 8 1,8 11-1,7 10 0,4 10 1,5 5-1,0 3 1,2 1-1,-2-4 0,-1-3 0,-6-12 1,-6-9-2,-6-12 1,-6-11 0,-6-9 1,-5-6 0,-11-11 1,0 0 0,0-20 2,-6 0-2,-8-9 2,-3-4-2,-6-12 0,-5-8-1,-4-9 0,-6-6 0,-5-8-1,0-4 1,-3-3 0,2 0 0,0 3-1,1 6 0,4 9 2,4 10-1,7 9 1,2 13-1,4 8 2,5 10-1,3 4-1,5 7 0,9 4 0,-3 16 0,11 5-1,7 11 0,6 14 0,8 9-1,7 13 0,10 12 1,5 6 0,7 7 0,5 3 0,2 0 0,3-6 0,-3-4 0,-2-10 1,-7-9-2,-7-15 1,-9-10 1,-11-12-1,-6-11 1,-10-8 0,-13-11-1,0 0 1,-5-18 0,-11-4 0,-7-9 0,-7-11-1,-10-10 1,-5-11-1,-6-7 0,-3-6 1,-2-5-1,0 2 0,5 4 1,3 7-1,6 11 1,8 11-1,6 10 2,6 12-2,8 9 0,14 15 0,0 0-2,0 25 2,11 3-1,13 12 0,7 10 0,9 12 1,7 10 0,6 3 0,2 0 0,4-1 0,-3-5 0,-4-7 0,-5-7-1,-8-12 1,-7-11 0,-6-7 1,-8-7-1,-5-7 0,-13-11 1,10 6-1,-10-6 0,-10-20 1,-3 0-1,-5-8 1,-4-8-1,-8-9 0,-6-9 0,-3-4 0,-1 1 0,1 1 0,3 8 2,5 8-2,7 8 2,7 13-4,17 19 4,0 0-2,6 29 0,14 4 0,7 10-2,10 12 2,4 4-2,5 3 4,1-1-4,-4-6 2,-2-7 0,-7-8 0,-6-11 0,-7-10-1,-8-6 2,-13-13-1,12 6 0,-12-6 0,-5-23 2,-5 3-2,-2-7 2,-4-3-1,-3-4-1,-2 1 1,1 1-1,1 7 1,2 4-1,5 6 0,12 15 0,-9 0 0,12 14 0,5 5 0,4 4-1,0 4 1,2 1 0,1 1 0,0-2 0,-5-5 0,-1-5 1,-3-5-1,0-2 1,-6-10-1,3 9 1,-3-9 0,0 0-1,-11 0 1,2-5-1,-2-1 0,-5-1 0,-4-1 0,-2-2 0,-1-1 0,0 1 0,0 0 0,4 1 0,2 3 0,4 1-1,13 5 0,-10 0 0,10 0 0,16 18 0,0-3 0,5 3 0,4 2-1,2 2 2,-1 0 0,-1-1 0,-3-5 0,-3-3 0,-7-3 2,-1-4-2,-11-6 1,0 0-1,0 0 1,0-9 0,-6-3-1,-4-2 0,-2-6-2,-7-10-6,2-3-8,-8-11-18,-4-10 0,-4-4-4</inkml:trace>
+  <inkml:trace contextRef="#ctx0" brushRef="#br0" timeOffset="12">146 82 1,'0'0'6,"0"0"-1,0 0-1,0 0-2,0 0 3,0 0-1,0 0 0,0 0 0,0 0 0,0 0 0,-10 0 0,10 0 1,0 0-1,-10 7 0,10-7-1,-12 5 0,3-1 0,9-4-1,-20 12 0,11-4 0,-3 0-1,1 1 0,1-2 1,0 2-1,10-9-1,-15 14 1,15-14-1,-9 9 0,9-9-1,0 0 1,0 0-3,-10 8 2,10-8-1,0 0 0,0 0 0,0 0 1,0 0-2,0 0 2,12 3 0,-12-3 1,0 0 0,11 5 0,-11-5 0,9 6 0,-9-6 0,11 12 1,-5-1-1,2-1 0,1 4 0,2 3 0,2 3 0,3 1 0,2 3 0,0 2 0,2 0 1,-2-2-1,1-1 0,-1-1 2,-4-3-2,0-5 0,-5 0 0,-9-14 0,14 12 0,-14-12 1,0 0 1,9 8 0,-9-8 0,0 0 2,0-10-2,0 10 1,-9-18 0,4 3-2,-3-5 1,-2-2-1,-2-5 0,-4-1-1,1-5 1,-3 1-1,1 3 1,0 0-1,1 3 0,2 4 0,2 5 0,4 4-1,8 13 0,-10-14 0,10 14 0,0 0-2,0 0 2,0 0 0,16 0 0,-6 7 0,4 2 1,0 4-2,4 4 2,0 3 0,2 3 0,1-1 0,-3 2 0,1-2 2,-5-1-2,0-5 1,-5-1-1,0-5 2,-9-10-1,7 11 2,-7-11-1,0 0 0,0 0 0,-12-6-1,3-1 0,-2-1 0,-3-3-1,-5-1 0,1-4 1,-5 0-1,1-2 0,-3 0 0,3 1 0,1 1 0,2 3 0,5 2-1,3 2-1,11 9 0,-9-8 0,9 8 0,10 6-1,2 1 1,6 5 0,1 0 1,5 4 1,1 0 0,0 2 1,-3-3 0,-2 0 0,-2-3 0,-4 0 0,-3-4-3,-11-8-23,19 17-2,-19-17-1</inkml:trace>
+  <inkml:trace contextRef="#ctx0" brushRef="#br0" timeOffset="13">904 1623 4,'-7'0'9,"7"0"-3,0 0 1,0 0-2,-10 9 0,10-9-2,-7 10-1,7-10 0,-10 12 2,10-12-2,-12 17 2,3-8 0,1 0-1,-1 1 0,-1-1 0,-1 1 1,1-3-1,10-7-1,-18 13 2,18-13-2,-14 8 0,14-8-1,0 0-1,-9 6 0,9-6-1,0 0-1,0 0 1,0 0 0,0 0-1,0 0 1,0 0 1,0 0 0,0 0 0,0 0 0,11 0 0,-11 0 0,0 0-1,0 0 1,0 0 0,11 3 0,-11-3 0,0 0 0,0 0 1,0 0-1,0 0 0,0 0 0,11 0-1,-11 0 1,0 0 0,11 12 0,-11-12-1,21 17 1,-6-5 0,4 3 0,2 4 0,2-1 0,1 4 0,1 0 0,2-1 0,-2 2 0,0-2 0,-1-1 1,-1 0-1,-2-2 0,-4-3 0,-2-2 1,-5-3-1,1-3 1,-11-7 2,7 10 0,-7-10 0,0 0 2,-4-12-2,-6 6 1,1-5-1,-6-2 1,-3-4 0,-4-3-3,-4-4-1,-3-2 1,-3-3-1,0-3 0,-1 0 1,1-1-1,4 2 0,1 3 0,5 3 0,5 6-1,4 4 1,5 5 0,8 10-2,-8-12 0,8 12 1,0 0 0,12 11-1,1 0 0,5 5 1,6 2 0,4 6 1,5 3 0,6 1 0,-4-1 0,1-3-1,-3-3 1,-6-3 1,-2-2-1,-6-7 0,-4-3 0,-15-6 1,15 4 2,-15-4-2,0 0 1,-4-11 1,-5 0-1,-6-3 0,-1-4 0,-7-6-1,-2-3 0,-2-3-1,0-2 0,0 4 1,5 3-1,5 3 0,3 6 0,4 3 0,10 13 0,-10-7-1,10 7 0,6 9 0,4 3 0,4 3 0,4 4 0,7 5 1,5 3-1,1-1 1,0 2 0,1-4 0,-5-2 0,-2-5 0,-5-4 0,-6-5 0,-5-3 2,-9-5 0,0 0 0,0 0 0,0 0 1,-11-15 0,-3 2 0,-7-4-1,-1-2-1,-5 1 0,2-3-1,2 3 0,2 3 0,3 4-1,8 1 0,10 10 0,0 0 0,0 0 0,10 10-2,8 3 1,5 3 1,4 2 1,2 1 0,0 1 0,-1-1 0,-3-5 1,-3 0-1,-9-7 2,-3-2 1,-10-5-2,0 0 1,0 0 0,0 0-1,0 0 1,-20-3-1,5-5 0,-6-3-1,-5-2 0,-2-4 0,-3-1 0,-3-1 0,0 0 0,-1 0 0,2 2 0,4 2 0,3 4 1,4 1-1,3 3 0,6 1 0,1 3 0,12 3 1,-13 0-1,13 0 0,0 0 0,-10 0-1,10 0 1,0 0-1,0 0 0,0 0 0,0 0 0,0 0 0,0 0 0,0 0 0,0 10 0,0-10 0,0 0 0,0 0 1,14-4-1,-14 4-1,9-10 2,-9 10-1,12-16 1,-6 5 0,1-3 0,1-2-2,-1-2 2,0-1 0,1-2 0,-2 1 0,-1 1 2,1 0-2,-1 1 0,-1 3 1,-1 2-1,1 2 3,-4 11-3,3-13 2,-3 13 0,0 0 0,0-10-1,0 10 0,0 0 1,0 0-2,-7 13 1,4-3-1,-3 5 0,0 2-1,1 5 1,-3 3-1,2 3 1,-1-3 0,1 3 0,0-7 1,0-1-1,2-6 0,-1-4-1,5-10 0,-4 10 0,4-10-1,0 0 1,3-15-1,1 4 1,1-4-1,1-3 0,1-4 2,2-3 0,-2-3 0,2-2-1,0-2 1,1-3 0,0 2 1,-2 1-1,1 4 0,0 2 2,-2 6-2,-1 2 0,0 8 0,-6 10 1,7-12-1,-7 12 1,0 0 0,0 0 0,0 0-4,0 0-8,9 0-15,-9 0-7,10 0-1</inkml:trace>
+  <inkml:trace contextRef="#ctx0" brushRef="#br0" timeOffset="14">3157 3374 2,'0'0'11,"-12"5"-1,12-5-2,0 0-2,0 0-2,0 0-1,7 11-2,5-8-1,6 2-1,2 2 0,7-1 2,4 2-1,6 0 0,-3 0 1,3 1-1,-4 0 3,-2 0-2,-4-1 1,-5-2 0,-6 0 1,-5-2 1,-11-4-1,0 0 0,0 0 1,-9 0-1,-6-7 0,-9-2 0,-1-4 1,-5 0-3,0-1 1,0 1-2,4 1 2,1 1 0,7 2-1,5 4-1,13 5-1,-14-6-1,14 6 2,0 0-1,11 0 1,2 6 0,5 0-1,7 1 1,5 6 0,5-2 2,2 4-2,1 1 0,0-1 0,-2-1 0,-4 0 2,-5-5-1,-6-2 0,-7-3 1,-2-1 0,-12-3 0,0 0 0,0 0 1,-15-6-1,-2-1 0,-5 1 0,-2-1-2,-1 1 1,0 0-1,3 1 0,4 1-1,3 0-1,15 4 1,0 0 0,0 0-1,12 9 0,7-1 1,8 1 0,2 4 0,8 0 1,5 4 0,3-1 1,1 2-1,1 0 1,-1-1-1,-2-1 1,-2 2-1,-3-2 2,-8-2-2,-4-2 0,-7-3 1,-3-1 0,-17-8 0,12 5 0,-12-5 1,-11-8-1,-2-2 0,-5 1 0,-2-4-1,-6 1 1,0-2-1,-1 2 0,4 1 0,3 2 0,2 3-1,6 1 0,12 5 0,-12-5 0,12 5-2,11 0 2,4 8 0,5-1 0,6 6 1,2 2 0,8 2 0,1 4 1,1 1-1,-4-1 0,-3-4 0,-6-3-3,-3-4-4,-6-4-16,-16-6-9,14-16 0</inkml:trace>
+  <inkml:trace contextRef="#ctx0" brushRef="#br0" timeOffset="15">3905 2942 6,'0'0'8,"0"0"1,0 0 2,0 0-4,-6 9 1,3 3 0,-4 3-5,1 0-2,0 0 0,0 2 0,3-2 0,-1-2-1,1-3-1,3-10 0,0 9-1,0-9-1,0 0 0,0 0 1,10-11-1,-4 2 1,1 0 0,1-5 2,3 2 0,-2-2-1,0 0 2,-2 0-1,1 1 0,-3 2 2,-1 2 0,-4 9 3,3-9-1,-3 9 1,0 0-2,0 0 2,-12 10-1,6 0-2,-3 2 1,2 2-2,-2 3 1,1 2-2,0-2 1,2 1-1,0-5 0,1 0-1,5-13-2,-4 12 0,4-12 1,0 0 0,0 0-1,7-16 1,-2 7-1,0-6 2,1-1 1,2-1 0,1-2 0,-2 2 0,1-1 0,-1 4 0,0 0 0,0 4 1,-7 10 3,7-11-2,-7 11 1,0 0-1,0 0 2,-11 17-1,2-4-1,1 4 0,-3 2-2,1 1 0,-2 1 0,2 0 0,1-5 0,1-1 0,3-5-2,5-10 1,0 0-2,-11 0 1,11 0 0,0-21 0,0 7 0,-3-5 1,3 0 0,0 0 1,0 1 0,0 4 0,0 0 1,0 14 1,0-14 0,0 14 1,0 0-1,0 0 2,0 0-2,-9 15 1,6-3-2,-1-1-1,0 4 0,1-2 1,0 0-1,0-2 0,3-11-1,-5 14 0,5-14-1,0 0 0,0 0 1,0 0 0,0 0 0,0 0-1,0-13 1,5 4 0,-5-4-1,5 1-1,0-2-3,-1 1-6,2 0-7,5 4-10</inkml:trace>
+  <inkml:trace contextRef="#ctx0" brushRef="#br0" timeOffset="16">3245 2482 1,'0'0'5,"0"0"-2,0 0 1,0 0-1,0 0-1,0 0 0,0 0 0,0 0 0,0 0 0,0 0-2,0 0 1,0 0-1,0 0 0,0 0 1,0 0-1,0 0 0,0 0 0,0 0 0,0 0 0,0 0 0,0 0 0,0 0 0,0 0 2,0 0-2,0 0 0,0 0 1,0 0-1,0 0 0,0 0 2,0 0-2,0 0 1,0 0-1,0 0 0,0 0 0,0 0 0,0 0-1,11 13 1,-1-5-2,4 1 2,3 3 0,6 3 0,6 2-1,6 1-7,0-4-13</inkml:trace>
+</inkml:ink>
+</file>
+
+<file path=ppt/ink/ink18.xml><?xml version="1.0" encoding="utf-8"?>
+<inkml:ink xmlns:inkml="http://www.w3.org/2003/InkML">
+  <inkml:definitions>
+    <inkml:context xml:id="ctx0">
+      <inkml:inkSource xml:id="inkSrc0">
+        <inkml:traceFormat>
+          <inkml:channel name="X" type="integer" max="32767" units="in"/>
+          <inkml:channel name="Y" type="integer" max="32767" units="in"/>
+          <inkml:channel name="F" type="integer" max="255" units="dev"/>
+        </inkml:traceFormat>
+        <inkml:channelProperties>
+          <inkml:channelProperty channel="X" name="resolution" value="3971.75732" units="1/in"/>
+          <inkml:channelProperty channel="Y" name="resolution" value="5295.24854" units="1/in"/>
+          <inkml:channelProperty channel="F" name="resolution" value="0" units="1/dev"/>
+        </inkml:channelProperties>
+      </inkml:inkSource>
+      <inkml:timestamp xml:id="ts0" timeString="2017-01-27T04:45:42.228"/>
+    </inkml:context>
+    <inkml:brush xml:id="br0">
+      <inkml:brushProperty name="width" value="0.10583" units="cm"/>
+      <inkml:brushProperty name="height" value="0.05292" units="cm"/>
+      <inkml:brushProperty name="color" value="#7F7F7F"/>
+      <inkml:brushProperty name="fitToCurve" value="1"/>
+    </inkml:brush>
+  </inkml:definitions>
+  <inkml:trace contextRef="#ctx0" brushRef="#br0">97 204 8,'0'0'9,"0"0"0,0 0 0,0 0-4,0 0 0,-7 9-1,7-9 0,0 0-1,0 0-2,-5 9 2,5-9-1,0 0 0,0 0 0,0 0 2,-3 11 0,3-11-1,0 0 3,0 0-3,-6 9 1,6-9-1,0 0 0,0 0-1,-7 11-1,7-11 0,-4 10 0,4-10 1,-4 12-1,4-12 0,-5 13 0,5-13 0,-6 16 1,6-16-1,-6 15 1,6-15-2,-6 18 1,6-18 0,-4 18 0,4-9-1,-5 1 1,5 2 0,-3 0 0,3 1 0,-3 1-2,3-2 2,-3 3-1,3-1 2,-3 1-2,3-1 0,-4 0 0,4-1 1,0 0-1,-4 0 2,4 1-2,-3-2 1,3 2-1,0 0 2,-3-1-2,3 1 0,0-1 1,0 1-1,-3-1 0,3 1 1,0-2-1,3 1 0,-3 0 0,4-2 0,-1 2 0,0-3 0,1 0 1,1 1-1,1-1 0,-2 1 0,3 0 1,-1 2-1,0-3 0,2 2 1,-1 1-1,0-2 0,1 1 1,-1-2 0,0 2-1,1-2 1,0 2 0,0-2 0,3 2 0,-4-3-1,4 3 1,-3 0 0,3-1-1,-4 0 1,2 0-1,-2 2 1,2-3 0,-2 3-1,1-2 2,0 0-2,0 0 2,-1-1-1,2 1 0,-9-11 0,16 18-1,-16-18 2,17 18-2,-17-18 1,17 17-1,-9-8 1,-8-9-1,16 17 0,-16-17 0,17 17 0,-7-9 0,-1-1 1,1 1-1,-1-1 0,0 0 0,1 1 1,0-2-1,-1 0 0,1 0 0,0 0 1,-1 0-1,2 0 0,-2 0 1,1 1-1,0-1 1,2 0-1,0 0 0,-2 2 0,2-1 1,-2-1-1,1 2 0,1-2 0,-2 0 0,2 1 0,-2 0 0,0-2 1,1 0-1,-1 0 0,0 0 0,0-1 0,-1 1 0,0-2 0,1 1 0,-1-4 0,0 4 0,-9-4 0,18 0 0,-18 0 0,17 0 1,-17 0-1,17 0 0,-17 0 0,15-6 0,-15 6 0,16-5 0,-6 1 1,1 1-1,0-1 0,-1 0 0,1 1 0,2-1 1,-1 1-1,0 0 0,-2-1 0,1 0 0,-1 1 0,0-1 0,1 1 1,-1-2-1,0 3 0,-1 0 0,0-2 0,0 0 0,-9 4 0,16-8 0,-16 8 1,16-10-1,-16 10 0,14-11 1,-14 11-1,12-16 1,-12 16-1,10-15 0,-4 5 1,-2 1-1,-4 9 0,11-18 0,-11 18 0,10-17 0,-10 17 0,11-17 1,-5 7-2,1 0 1,-3 0 0,3 0 0,-1 0-1,-1 0 2,1 1-2,1-3 0,0 0 2,1 0-2,-1-1 1,0 0-1,1 0 1,-1-1 0,1 0 0,-1 0-1,-1 1 1,3-1 0,-2 0 0,0-1 0,1 3 0,1-4 0,-2 2 0,1 1 0,1 0 0,-1 1 0,-1 2 0,0-2 0,0 2 1,1 0-1,-8 10 0,13-17 0,-6 8 0,-7 9 0,12-16 0,-12 16 0,12-12 0,-12 12 0,12-11 0,-12 11-1,11-9 1,-11 9 0,12-10 0,-12 10 0,13-13 0,-13 13 0,14-15 0,-5 5 1,-2 1-1,3-2 0,1 0 0,0-2 0,0 1 0,2 0 0,-1 0 0,1 0 1,0 0-1,1 1 0,-3 1 0,1 0 0,1-2 0,-1 3 0,0-1 0,0-1 0,-1 2 0,-1-1 0,0 2 0,1-1 0,-1 2 0,-1 1-1,-9 6 1,17-14 0,-17 14 1,17-12 0,-17 12-1,17-13 1,-17 13-2,16-12 2,-16 12-1,16-12 0,-7 4 0,0 2-1,-9 6 1,17-16 0,-7 8 0,-10 8 0,17-18 0,-6 9 0,-3 1 0,2-2 0,2 1 0,-1 0 0,0 0 0,0 1 0,0-2 0,-1 1 0,0-1 0,1 0 0,-2 0 0,1-2 0,0 2 1,0-1-1,-1-1 0,2 1 0,-3 0 0,1 2 0,-1-1 0,-1 1 0,0-1 0,-7 10 0,12-15 0,-12 15 0,11-16 0,-5 7 0,1 0 0,-7 9 0,13-17 0,-7 8 0,0-2 0,-6 11 0,12-17 0,-12 17 0,10-15 1,-10 15-1,9-15 0,-9 15 0,11-13 0,-11 13 0,10-12 1,-10 12-1,0 0 0,9-10 0,-9 10 1,0 0 0,0 0-1,0 0 0,0 0-5,0 0-30,0 0-4,-8 10-1,8-10-1</inkml:trace>
+</inkml:ink>
+</file>
+
+<file path=ppt/ink/ink19.xml><?xml version="1.0" encoding="utf-8"?>
+<inkml:ink xmlns:inkml="http://www.w3.org/2003/InkML">
+  <inkml:definitions>
+    <inkml:context xml:id="ctx0">
+      <inkml:inkSource xml:id="inkSrc0">
+        <inkml:traceFormat>
+          <inkml:channel name="X" type="integer" max="32767" units="in"/>
+          <inkml:channel name="Y" type="integer" max="32767" units="in"/>
+          <inkml:channel name="F" type="integer" max="255" units="dev"/>
+        </inkml:traceFormat>
+        <inkml:channelProperties>
+          <inkml:channelProperty channel="X" name="resolution" value="3971.75732" units="1/in"/>
+          <inkml:channelProperty channel="Y" name="resolution" value="5295.24854" units="1/in"/>
+          <inkml:channelProperty channel="F" name="resolution" value="0" units="1/dev"/>
+        </inkml:channelProperties>
+      </inkml:inkSource>
+      <inkml:timestamp xml:id="ts0" timeString="2017-01-27T04:45:42.176"/>
+    </inkml:context>
+    <inkml:brush xml:id="br0">
+      <inkml:brushProperty name="width" value="0.10583" units="cm"/>
+      <inkml:brushProperty name="height" value="0.05292" units="cm"/>
+      <inkml:brushProperty name="color" value="#7F7F7F"/>
+      <inkml:brushProperty name="fitToCurve" value="1"/>
+    </inkml:brush>
+  </inkml:definitions>
+  <inkml:trace contextRef="#ctx0" brushRef="#br0">1761 1431 4,'0'0'9,"0"0"-2,-9 4 3,9-4-3,0 0 0,0 0 1,0 0-2,0 0 1,0 0 0,0 0-2,0 0 3,0 0-2,0 0-1,0 0-1,0 0 1,0 0-1,0 0 0,0 0-1,0 0 0,0 0 0,0 0 2,0 0-3,10-9 0,-10 9 0,0 0 0,5-13-1,-5 13 0,10-14 0,-10 14 0,10-15-1,-3 6 1,0-1 0,2 1-1,2-1 1,-2-1 0,3 0 1,0-2 0,1 0-1,0 0 0,-1-2 0,3 3 0,-3-3-1,2 3 1,-2-1 0,0 2-1,0-1 1,0 2-1,-2 0 0,0-2 0,2 2 1,-2-1-1,1-2 0,-2 2 0,1-1 1,-1 0-1,3 0 0,-2 0 1,0 0-1,2-1 0,-1 1 1,0-2-1,0 0 1,2-1 0,-4 0-2,4-2 2,-2 1-1,-1 0 1,0 0-2,2 1 2,-2-1-2,2 1 2,-1 1-1,0-1 0,1 1 0,0-1 0,0 0 1,1 0-1,0 0 1,0-2-1,1 0 0,-1 0 1,2 1-1,-1-3 0,0 2 1,-1-3-1,0 3 0,3-1 0,-2 1 1,2-2-1,-1 0 0,1 1 1,0-1-1,2 0 0,-2 1 1,-1-2-1,0 1 1,-2 1-1,-1 0 1,1 0-1,-1 3 0,1-1 1,-2 0-1,0 3 0,0-1 1,1-1-2,-2 2 2,0 0-1,1 0 1,-2 1-1,1 0 1,0 0-1,-2 0 1,2 3 0,0-2-1,1 0 1,-1 1-1,0 0 0,2 0 0,-2 0 1,1 2-1,-3-1 0,-8 9 0,15-16 0,-15 16 0,16-16 2,-16 16-2,15-16 0,-15 16 1,13-14-1,-13 14 1,12-13-1,-12 13 0,10-10 1,-10 10-1,9-9 0,-9 9 1,9-10-1,-9 10 1,9-9-1,-9 9 1,0 0-1,9-9 1,-9 9 0,0 0-1,0 0 1,0 0 0,0 0 0,0 0-1,0 0 1,0 0 0,0 0-1,0 0 1,0 0 0,0 0-1,0 0 1,0 0-1,0 0 0,0 0 1,0 0-1,0 0 0,0 0 0,0 0-1,0 0-1,0 0-2,0 0-1,0 0-2,0 0 0,0 0-1,0 0 0,-6 15 2,6-15-2,-4 10 4,4-10 2,0 0 0,-9 10 2,9-10 0,0 0 0,0 0 1,-11 3-1,11-3 0,0 0 1,0 0-1,0 0 1,0 0-1,0 0 0,0 0-8,0 0-26,0 0 1,-5 11-2</inkml:trace>
+  <inkml:trace contextRef="#ctx0" brushRef="#br0" timeOffset="1">1777 1422 9,'0'0'15,"-10"0"0,10 0-2,0 0-1,0 0-2,0 0 0,0 0-2,0 0-1,0 0 0,0 0 0,0 0-3,0 0 1,0 0 1,0 0-4,0 0 0,0 0 0,0 0-1,0 0 0,0 0 0,0 0-1,0 0 1,10 0 0,-10 0 0,0 0 0,0 0 0,12 8 0,-12-8 1,12 2 1,-3-2-2,-9 0 1,19 0-1,-9 0 0,1 0 1,3 0-2,-2 0 1,3 0 0,-3 0 0,2 0-1,0 0 1,0-2-1,-1 2 1,-1 0-1,0-4 1,-1 4 0,-1-7 0,-10 7 0,15-6 0,-15 6 0,11-7-1,-11 7 1,0 0 0,12-7-1,-12 7 1,0 0-1,0 0 0,0 0 1,0 0-1,0 0 0,0 0 0,0 0 0,0 0 0,0 0 0,0 0 0,0 0 0,0 0 0,0 0 0,0 0 0,9 0 0,-9 0 0,0 0 0,0 0 0,0 0 0,0 0 0,0 0 1,0 0-1,0 0 0,0 0 0,0 0 1,0 0-1,0 0 0,0 0 1,0 0 0,0 0-1,0 0 1,-3 7 0,3-7-1,0 0 1,-9 11-1,9-11 0,-11 11 0,11-11 1,-14 16-1,4-5 0,1-2 0,0 2 0,-3 3 0,2 0 0,-2 0 2,1 0-4,-1 2 4,0-2-1,-1 0-1,1 2 1,-1-4-1,1 2 0,-1 0 0,1-2 1,0 1-1,0 0 0,3-1 0,-1 1-1,2-2 1,0 0 0,-1 1 1,-1-2-2,1 2 2,0 0-2,-3 1 1,0 0 0,-1 0 0,1-1 0,-1 2 0,1-2 0,-1 0 0,2 0 0,-1 0 0,2-1 0,-1 0 0,0 2 0,1 0 0,-1 0 0,2-1 0,-1 1 0,1 0 0,-1 0 0,0-1 0,-1 0 0,-1 0 0,0 0 0,1 0 0,-2 0 0,1 0 0,0-1 0,0-1 0,2 2 0,0-1 0,1-2 0,0 1 0,-1-2 0,10-8 0,-17 17 0,17-17 0,-16 17 0,16-17 0,-16 17 0,16-17 0,-14 16 0,14-16 0,-14 17 1,14-17-1,-12 14 0,12-14 0,-12 12 1,12-12-1,-10 10 1,10-10-1,-9 7 0,9-7 0,0 0 0,-10 9 0,10-9 0,0 0 1,0 0-1,-10 7 0,10-7 0,0 0 0,0 0 0,0 0 1,-10 7-1,10-7 0,0 0 1,0 0-1,-10 7 0,10-7 0,0 0 1,0 0-1,-10 7 0,10-7 0,0 0 0,0 0 0,-9 8 1,9-8-1,0 0 0,0 0 0,0 0 0,0 0 0,0 0 0,0 0 0,0 0 0,0 0 0,0 0 0,0 0 0,0 0 0,0 0 0,0 0 0,10 5 0,-10-5 0,12 0 0,-12 0 0,16 0 0,-5 0 1,-1 0-1,2 0 0,1 0 0,-1 0 0,3 0 0,-1 0 1,1-5-1,-1 5 0,0-4 0,1 4 0,1-4 1,-3 2-1,3 2 0,-2-3 0,-1 3 0,-1 0 0,0-5 0,-12 5 0,15 0 0,-15 0 0,10 0 0,-10 0 1,0 0-1,0 0 1,0 0-1,0 0 1,0 0-1,0 0 1,0 0-1,0 0 0,0 0 1,0 0-1,0 0 0,0 0 0,0 0 0,0 0 0,0 0 0,-13 6 1,13-6-1,-11 3 0,11-3 0,-13 8 0,13-8 0,-16 11 1,7-3-1,-1 1 0,-1 2 0,0 2-1,-1 1 2,-2 1-2,0 2 1,-1 1 0,-1 0 0,-1 0 0,0 2 0,-1 0 0,0 0 0,-1 1 0,0 0 0,0-1-1,0 1 1,2 0 0,1-2 0,-1-1 0,1 0 0,0-1 0,0 1 0,0-2 0,0-1 0,-2 2 0,1 0-1,0 0 1,-2 2 0,1 1 0,0-2 0,1 1 0,-1 1-1,3 1 2,-1-1-1,-2 0 0,2-2 0,0-1 0,1 1 0,0 0 0,0-1 1,1 0-1,-1 1 0,2-1 0,1 1 0,-1-1 0,-1 1 0,0 2 0,1 1 0,0-1-1,-2 1 1,1-1 0,-1 3 0,-1-2 0,2 0 0,0-2 0,-2-1 0,1 1 0,-1-3 0,-1 2 0,1-1 0,1-1 0,-1 1 0,2-1 0,0 3 0,1 0 1,0 0-1,1 0 0,0-1 0,-1-1 1,0 2-1,1-1 0,-1-1 0,1 0 0,0-2 0,1-1 0,0 2 0,-1-1 0,2-1 0,1 1 0,-2 0 0,3-1 0,0 0 0,-1-1-1,2-1 1,1 0 0,0 0 0,0-1 0,-1-1 1,-2 1-1,0 1 1,0 0-1,-1-1 0,1 2 1,-2-2-1,1 2 0,0-1 1,2-1-1,0 2 0,0-2 0,1 2 0,0-2 0,0 2 0,0-2 0,1 0 0,-1 0 0,1 1 0,0-1 0,-1 3 0,1-4-1,0 2 1,0-2 0,0 0 1,2-1-1,4-9 1,-9 17-1,9-17 1,-7 11-2,7-11 2,0 0-1,-8 10 0,8-10 0,0 0 0,0 0 0,0 0 0,0 0 0,0 0 0,-10 9 0,10-9 0,0 0 0,0 0 0,0 0 0,0 0 0,0 0 0,0 0 0,0 0 0,0 0-1,0 0 1,0 0 0,0 0 0,0 0 0,0 0-1,0 0 1,0 0 0,0 0 0,7-9-1,-7 9 1,9-10 0,-9 10 0,13-18 0,-5 8 0,1-3 0,0-2-1,2 0 1,1-3 0,0 1 0,1 0-1,0-1 2,5-1-2,-2-1 1,2 1 0,1 0 0,-1-2-1,2-1 1,0 2 0,1-1-1,-1 0 1,1 0 1,1 1-1,0-1 0,3 1 0,-2 0 0,2-3 0,0 0 0,1-2 0,1 0 1,1-1-1,0-2-1,0 0 2,1-1-2,-1 1 1,0 1 0,0 1 0,-4 0-1,0 4 2,2 2-1,-2 0-1,0 2 1,-1 0 0,-1 2 0,0-1 0,1 1 0,0-2-1,-2 1 2,1-1-1,-1 1 0,2 2 0,-1 0 0,-1 0 0,1 2 1,1 0-1,-2 2 0,3 0 0,-3 0 0,0-2 0,1 2 0,1 0 0,1-2 1,1 1-1,-1-2 0,1 0 0,0-1 0,0 0 0,0-1 0,1 0 0,1-1 0,1-1 0,0 1 0,0 1 0,1-1 0,1 0 0,1 0 0,0 1 0,-3 0 0,3 1 1,-3 0-1,3-2 0,0-1 0,-1 0 0,0-1 0,0-2 0,1-1 1,0-2-1,1-3 0,1 3 0,1-2 0,-2 2 0,-2 0 0,0 1 0,-1 2 1,-1 0-2,2 3 2,-4-2-1,1 2 0,1-1 0,-2 2 0,1-2 0,1 2 0,0-1 1,0 2-1,-1-2 0,0 0 0,-3 2 0,1-2 0,-3 3 0,-1 0 0,0 2 0,-2 0 0,-1 1 0,0 1 0,-1 1 0,0 1 0,-1-2 0,1 1 0,-1-1 0,1 0 0,-2 1 0,1-2 0,-1 1 0,1 1 0,-1-1 0,-2 1 0,0 0 0,0 0 0,-1 2 0,-2-1 0,1 1 0,-2 1 0,1 1 0,-10 6 0,15-12 0,-15 12 1,14-11-1,-14 11 0,14-9 0,-14 9 0,14-11 0,-14 11 0,14-9 0,-14 9 0,11-8 1,-11 8-1,0 0 0,12-8 0,-12 8 0,0 0 0,0 0 0,0 0 1,0 0-1,0 0 0,0 0 0,0 0 1,0 0-1,0 0 0,0 0 0,-10-8 0,10 8 0,-10-7 1,10 7-1,-15-6 0,5 3 0,-1-1 0,-3 0 0,-1 0 0,-3 0 0,-1 0 0,0 1 0,-3-2 0,-1 1 0,0 0 0,-2 0 0,1 1 0,2 3 0,-2-5 0,2 2 0,2 3 0,0-5 0,1 2 0,0-2 0,2 2 0,-1 0 0,1 3 0,-1-4 0,1 4-1,-1 0 1,2 0 0,1 0 0,0 0 0,3 0 0,12 0 0,-17 3 0,17-3 0,-13 0 0,13 0-1,0 0 1,0 0 0,0 0 0,0 0 0,0 0 0,0 0 0,0 0 0,0 0-1,0 0 1,0 0 0,0 0-1,0 0 1,0 0-1,0 0 1,0 0 0,0 0 0,14-7 0,-2 2 0,6-3 0,0-2 0,6-2 0,2-4 0,3-3 0,1-1 0,2-3 0,3-4 0,0-1 0,2-2-1,0-1 1,0-1 0,2 0 0,-1 0 0,1-1-1,-2 4 1,-2-1 0,-1 3 1,-3 0-1,0 2 0,-2 2 0,-2 3 0,-2 4 1,-1-1-1,-2 4 0,-1-1 0,-1 3 0,-2 1 0,-1-1 0,-1-1 0,-1 1 0,-2 1 0,-1 2 0,-2 0 0,-10 8 0,15-12 0,-15 12 0,10-7 0,-10 7 1,0 0-1,0 0 0,0 0 0,9-8 0,-9 8 0,0 0 0,0 0 0,0 0 0,0 0 0,10-10 0,-10 10 0,0 0 0,0 0 1,0 0-1,0 0 0,0 0 1,0 0-1,0 0 0,0 0 0,-3-9 1,3 9-1,0 0 0,-10-7 0,10 7 0,-10-7 0,10 7 0,-14-8 0,14 8 0,-17-10 0,6 3 0,-1 2 0,0-1 0,-2 0 0,-2 0 0,-2 0 0,0-2 0,-2 1-1,-2 1 1,1-1-1,-3-1 1,4 2-1,-1-1 1,2 0-1,1 0 1,2 1 0,0 0 1,2 0-1,2 1 0,-1-1 0,1 1 0,2 2 0,1-1 0,9 4 0,-16-4 0,16 4-1,-9 0 1,9 0 0,0 0 0,0 0 0,-10-4 0,10 4-1,0 0 1,0 0 0,0 0-1,0 0 1,0 0 0,0 0-1,0 0 1,10 0-1,-10 0 1,11 0 0,-11 0 0,18 0 0,-5-5 0,2 1 0,2-1 0,2-2 0,5-1 0,1-4 0,4-1 1,1-2-1,2-2 0,2-2 0,1-2 0,0-2 0,1-1 1,1-2-1,-2 0 0,1 0 0,1 2 0,-2-2 0,1 0 1,0 1-1,-1 2 0,0 0 0,3 1 0,-2 0 0,1 1 0,-2 1 1,-1 1-2,-1 2 2,-2 0-1,-1-1 0,-3 4-1,-2-1 1,-2 1 1,0 0-1,1 0 0,1 1 0,-3 0 1,-1 2-2,-1 0 2,-1 2-1,-1 0 0,-3 0 0,-5 2 0,-10 7 1,15-10-1,-15 10 0,0 0 0,9-6 0,-9 6 1,0 0-1,0 0 0,0 0 0,0 0 1,0 0-1,-9 0 0,9 0 0,0 0 0,-12 0 0,12 0 0,-10 0 0,10 0 0,-13 0 0,13 0 0,-15 4 0,15-4 0,-21 0 0,8 3 0,0-3 0,-2 0 0,-1 0 0,0 0 0,-1 0 0,-2 0 0,3 0 0,-2 0 0,0 0 0,-1-3 0,-3 3 0,0-6 0,-2 3 0,-1-1 0,0 0 0,0-1 0,-3 1 0,1-1 0,1 1 0,-2-2 0,1 2 0,-1 0 0,2 1 0,0-1 0,0 1 0,1-1 0,-2 0 0,2-2 0,-2 1 0,1-1 0,-1 0 0,-1-2 0,0 0 0,3 0 0,-1-1 0,2 1 0,-1 0 0,3 2 0,-3-1 0,3 1 0,-2 3 0,3 0 0,-1 3-1,0 0 1,2 0 0,-2 0 0,2 5 0,2-1 0,0-4-1,-1 4 2,2-4-1,2 0 0,0 0 0,2 0 0,0 0 0,2 0 0,1 0 0,1 0 0,9 0 0,-16 0 0,16 0 0,-11 6 0,11-6 0,0 0 0,-11 3 0,11-3 0,0 0 0,0 0 0,0 0 0,-9 0 0,9 0 0,0 0 0,0 0 0,0 0 0,0 0-1,0 0 0,0 0-5,0 0-25,17 19-8,-6-9-5,4 4-1</inkml:trace>
+  <inkml:trace contextRef="#ctx0" brushRef="#br0" timeOffset="2">4193 216 16,'0'0'17,"0"0"-6,0 0 2,0 0-4,0 0-1,0 0-1,0 0-2,0 0-1,0 0-1,0 0 0,0 0-1,0 0 1,0 0 1,0 0 0,0 0 0,0 0-1,10 10 2,-10-10-1,0 0 1,5 10-1,-5-10-2,4 13 1,-1-4 0,-3-9 2,3 19-3,-3-19 1,0 20-2,0-20 1,3 18-1,-3-18 0,0 17 0,0-17 0,6 14-1,-6-14 1,3 12-1,-3-12 1,4 11-1,-4-11 0,0 0 1,0 0 0,6 9-1,-6-9 2,0 0-1,0 0 0,0 0 0,0 0 1,0 0-1,0 0 0,0 0 1,0 0-1,0 0-1,0 0 1,0 0 0,0 0-1,0 0 0,0 0 0,0 0 1,-11 7-1,11-7 0,0 0 2,-9 5-2,9-5 1,-9 3-1,9-3 1,-12 3-1,12-3 1,-13 5-1,13-5 1,-18 6-1,5-3 0,1 2 1,-1 1-1,-2 0 1,-1 0-1,-3 2 0,-1 1 0,0 3 0,-1 0 0,-2 3 0,-3 2 0,-2-3 0,-1 3 0,-1-1 0,1 2 0,0 0 0,1-1 0,2 0 0,0-2 0,3 3 0,1-1 0,2-2 0,0-1 0,1 0 0,2-3 0,-1 0 0,2 0 0,0-1 0,2 0 0,-1-1 0,3 0 0,-3 1 0,1-2 0,0 1 0,1-1 0,-1 2 0,0-2 0,-1 2 0,1-2 0,0 1 1,0-1-1,-1 3 0,0-2 0,2 0 0,-1 0 0,0 0-1,2-1 2,-1 1-1,1-2 1,0 0-1,2-1 1,0 1-1,10-7 1,-18 10-1,18-10 0,-14 8 0,14-8 0,-11 6 0,11-6 0,0 0 0,-13 5 0,13-5 0,0 0 0,0 0 0,0 0 0,0 0 0,0 0-1,-9 0-1,9 0-4,0 0-10,0 0-22,0 0-3,10 0-2,-10 0 2</inkml:trace>
+  <inkml:trace contextRef="#ctx0" brushRef="#br0" timeOffset="3">3164 857 4,'0'0'8,"0"0"-1,0 0 1,11-7 0,-11 7-3,0 0 2,0 0 0,10-3 1,-10 3-2,0 0-1,0 0 1,0 0-1,0 0-1,0 0 1,0 0-2,10-3-1,-10 3 1,0 0 0,0 0-1,0 0 1,0 0-2,0 0 1,0 11 0,0-11 0,0 0 0,3 11 1,-3-11 0,0 0-2,0 9 2,0-9-2,0 0 1,0 11-1,0-11-1,0 0 1,0 0 0,0 0 0,0 0-1,0 0 1,0 0 0,0 0-1,0 0 1,0 0-1,9 0-1,-9 0 0,0 0 0,9-12-1,-9 12 1,9-14-1,-9 14 1,12-17 0,-12 17 0,15-15 1,-15 15-2,13-15 2,-13 15 0,10-10-1,-10 10 1,0 0 0,0 0 0,10-4 0,-10 4 1,0 0 1,0 15-1,0-4 0,0 0 0,0 3 1,0-1-1,0 1 0,0-1 1,0-1-1,0-12 0,0 16 0,0-16 0,0 0 0,0 0 1,0 0 0,11-5 0,-11 5-1,13-21 0,-3 7 0,1-5 0,1-2 0,1-3 0,2 0-1,-1 0 1,1 1-1,-2 1 0,0 2 0,-2 4 0,-4 4 0,1 2 0,-8 10 0,8-9 0,-8 9 0,0 0 0,3 15 0,-3-4 1,-3 2-1,3 2 1,-3 0-1,3-1 1,-3-1-1,3-2 0,0-11 0,0 11 0,0-11 1,0 0-1,7 0 1,-7 0-1,14-13 1,-5 2 0,3-3 0,0-2-1,2-5 1,1-3-1,-1 1 1,2-2-1,-1 1 0,-1 2 1,0 2-2,-4 6 1,-2 3 0,-8 11 0,10-8 0,-10 8-1,0 0 1,0 19 0,-4-6 0,1 2 0,0 2 0,3-1 0,-5-1 0,5-2 0,0-2 0,0-11 0,0 15 0,0-15 0,0 0 1,0 0-1,12-4 1,-12 4-1,13-20 1,-5 7 0,3-1-1,1-4 1,1-1-1,2-1 0,-1 1 1,0 0-1,-2 2 0,1 5 0,-5 0 0,-8 12 0,11-13 0,-11 13 0,0 0-1,0 14 1,0-2 0,-5 1 0,1 4 0,-1 1 0,0 0 0,1-1 0,4-4 0,-3-4 0,3-9 0,0 14 0,0-14 0,0 0 0,10-6 0,-10 6 0,18-16 1,-6 4-1,2-5 0,4-3 1,1-2-1,2-1 0,0 0 0,-1-2 1,1 2-1,-3 4 0,-2 2 0,-2 4 0,-3 4-1,-11 9 1,16-7 0,-16 7 0,0 0 0,5 17-1,-5-6 1,-4 4 0,4-1 0,-5 2 1,2-3-1,3 0 0,-5-3-1,5-10 1,0 12 0,0-12 0,0 0 0,13-4 1,-13 4-1,16-18 0,-6 4 1,2-2-1,3-1 0,2-3 1,1 1-1,0 0 0,-1 1 0,-1 3 0,-2 2 0,-2 3 0,-3 4 0,-9 6-1,0 0 1,0 0 0,5 17 0,-8-4 0,-1 1 0,1-1 0,0-1 0,3-1 0,0-11-1,-6 13 1,6-13 0,0 0 0,10 0 0,-10 0 1,12-13-1,-12 13 0,17-17 0,-6 12-10,-2-2-24,-9 7-6,13-11 0,-13 11-1</inkml:trace>
+  <inkml:trace contextRef="#ctx0" brushRef="#br0" timeOffset="4">3499 1122 9,'0'0'11,"0"0"0,0-11-1,0 11 0,0 0 0,-3-9-2,3 9 0,0 0 1,0 0-2,-4-9 0,4 9-1,0 0 0,0 0-2,0 0 1,0 0-1,0 0 0,0 0-1,0 0-1,0 0 0,-5 9 1,5-9-1,0 14 0,0-5 3,-3 1-3,3 4 0,0-2 0,0 3 0,-3 0 0,3 2-1,0-1 1,0 2-1,0-2 0,0 0 0,0 1 0,0-2 0,0-2-1,0-2 1,0-11-1,3 15 1,-3-15-1,0 0 1,0 0-1,4 9 1,-4-9 0,0 0-1,0 0 1,0 0 0,0 0-1,0 0 0,0 0 1,0 0-1,0 0 0,0 0 0,0 0 1,0 0-1,0 0 0,0 0 0,0 0 1,0 0-1,0 0 0,0 0 1,0 0-1,0 0 0,0 0 1,0 0-1,-11-3 0,11 3 2,0 0-2,-10 0 0,10 0 0,0 0 1,-9 0-1,9 0 0,0 0 0,-12 3 0,12-3 0,-10 7 0,10-7 0,-16 10 0,7-2 0,-3-1 0,0 1 0,-2 1 0,0 2 0,-1 1 0,-1 0 0,-1 0 0,-1 1 0,0-1 0,-1 3 0,0-1 0,2 0 0,-2-2 1,2 0-1,-1 0 0,0-2 1,2 1-1,3 0 1,-3-2-2,0 2 2,2-1-2,0 0 2,0-1-1,0 1 0,0-1 0,-1 0 0,2-1 0,1 0 0,-2 0 0,1 0 0,1 1 0,-1 0 0,2 1 0,0-1 0,1 0 0,1 1 0,1-1 0,8-9 0,-16 16 0,16-16 1,-13 14-1,13-14 0,-10 13 0,10-13 0,-10 9 0,10-9 1,0 0-1,-11 10 0,11-10 0,-10 5 1,10-5-1,0 0 0,-12 8 1,12-8-1,-9 4 0,9-4 0,0 0 0,0 0 1,-10 5-1,10-5 0,0 0 0,0 0 0,0 0 0,0 0 0,-10 6 0,10-6 0,0 0 0,0 0 0,0 0 0,0 0 0,0 0 0,0 0-1,0 0 0,0 0-1,-11 4-3,11-4-9,0 0-19,0 0-7,0 0-2,6-11 0</inkml:trace>
+  <inkml:trace contextRef="#ctx0" brushRef="#br0" timeOffset="5">2733 1654 12,'0'0'12,"-11"0"2,11 0-3,0 0 1,0 0-3,-9 9 0,9-9-2,-4 10 1,4-10-3,-5 14 2,5-3-1,0-11-1,-6 18 2,6-18-2,-7 20 0,7-20-1,-4 15-1,4-15 3,-4 9-4,4-9 1,0 0-1,0 0 0,0 0 0,0 0-1,0 0 1,3-14-1,-3 14 0,8-20-1,-4 7 1,2-1-1,-1-1 0,1 3 0,-1 0 1,1 3-1,-6 9-1,6-10 1,-6 10 0,0 0 0,0 12 1,0 0-1,0 1 0,0 3 0,0 0 1,0 1-1,0-1 0,0-4 0,0-3 0,0-9-1,4 11 2,-4-11-1,0 0 0,0 0 1,11-11-1,-7 1 1,2-3 0,3-2 0,1-5-1,2-2 0,-1-3 0,2 1 0,0-1 1,-1 1-2,-2 4 1,-2 1-1,-1 6 1,-4 4 1,-3 9-2,0 0 1,0 0 1,0 18 0,-3-2-1,-2 4 2,1 0-2,0 3 1,-1-1-1,5-3 1,-3-3-2,3-4 1,0-2 0,0-10 0,0 0 0,0 0 0,0 0 0,7 0 1,-7 0-1,11-15 1,-4 1 0,3-3-2,0-3 2,4-6-1,-1-2 0,2-4 0,1 0 0,1-2-1,-1 6 1,-2 0 1,-2 6-2,-3 5 1,0 6 0,-9 11 0,0 0 0,7 12 0,-7 5 1,-7 4-1,1 3 0,0 3 0,2 2 0,-3-3 1,3-3-1,1-4 0,3-3 0,-4-4 2,4-12-2,0 10 1,0-10-1,0 0 0,0 0 0,10-6 0,-10 6 1,14-17-2,-5 2 2,1-2-2,3-5 2,0-2-2,1-2 1,1-1 1,1 0-2,-2 4 1,0 2 0,-3 4 0,-3 4 0,1 5 0,-9 8 0,0 0 0,9 11 0,-9 3 0,-6 3 0,2 2 0,-1 1 0,0 0 0,0-3 0,1-2 0,1-3 0,3-3 0,0-9-1,0 10 1,0-10 0,0 0 0,0 0 1,11-14-1,-3 3 0,2-4 1,0-3-1,2-4 1,1-3-1,1-4 0,-1 0 0,0 0 1,0 1-1,-1 4 0,-1 4 0,-1 3 0,-1 4-1,-9 13 1,10-12 0,-10 12 0,0 0 0,0 0 0,8 15 0,-8-2 0,0 2 0,0 3 0,-3 0 0,3 2 0,-3-2 0,3-3 0,0-2 0,0-13 0,0 14 0,0-14 0,0 0 0,0 0 0,8-6 0,-2-3 1,0-4-1,2-3 0,1-4 1,1-1-1,2-3 0,-1-3 1,1 1-1,1 0 0,-2 1 0,0 3 0,-2 4 0,-1 3 0,-4 4 0,-4 11 0,0 0 0,0 0 0,3 13 0,-6 3-1,-1 5 1,-3 4 0,1 3 0,0 1 0,-2-1 0,2-3 0,1-2 0,1-4 0,1-4 0,3-5-1,0-10 1,-4 13 0,4-13 0,0 0 1,0 0-1,0 0 0,0 0 0,10 0 1,-10 0-2,0 0-2,0 0-20,0 0-17,0 0 1,11-10-3</inkml:trace>
+</inkml:ink>
+</file>
+
 <file path=ppt/ink/ink2.xml><?xml version="1.0" encoding="utf-8"?>
 <inkml:ink xmlns:inkml="http://www.w3.org/2003/InkML">
   <inkml:definitions>
@@ -351,6 +614,193 @@
   <inkml:trace contextRef="#ctx0" brushRef="#br0" timeOffset="2563">39 2603 6,'0'0'11,"0"0"2,0 0-3,4 9 1,-4-9-1,6 19-1,-3-6-3,5 6 2,-2-5-1,3 5-1,-3-6 0,3 2 0,-9-15-1,13 16 0,-13-16 4,0 0-3,0 0-1,14-16 1,-14-2 0,7-3-3,-4-7 0,4-6-2,-2-7 1,2-3-2,-1-3 1,-1 2-1,-1 1 1,-1 4 0,0 6 0,-3 9 0,0 7-1,0 5 1,0 13-1,3 9 1,-3 12-1,0 7 0,0 7 0,3 8 0,-3 3 0,0 1 1,0-2-1,0-4 0,3-6 0,-3-9 1,0-7-1,4-8 1,-4-11 0,0 0-1,0 0 1,12-7 0,-9-8 0,2-2-1,3-10 2,1-2-2,3-8 1,1-8-1,3-5 1,1-2-1,1-1 2,-1 1-2,0 4 1,-1 8-1,-4 8 0,-1 8 0,-5 9 0,-6 15 0,0 0 1,9 12-1,-9 12 0,-4 6 1,1 5-1,3 4 0,-6 3 1,6-1-1,-4-5 0,4-6 0,0-7 0,0-7 0,0-4 0,0-12-1,0 0 1,0 0 0,3-9 1,2-7-1,3-5 0,1-7 0,5-6 1,1-3-1,4-5 1,2-3-1,0 1-1,0 1 1,-1 5 0,-3 6 0,-3 7-1,-1 6 1,-4 7-1,-9 12 1,9 10 1,-9 9-1,0 7 1,-4 6-1,-1 5 1,0 4 0,0 0 0,-1-4-1,0-5 0,2-7-1,1-5 1,3-7 0,0-13-1,0 11 1,0-11 0,0 0 0,7-14 0,0 0 0,1-8 0,4-5 1,1-6-1,3-7 2,2-8-3,4-2 1,1 0-1,0 1 1,-1 6-1,-3 7 1,-2 6-1,-4 11 0,-3 10 1,-10 9 0,5 17 1,-8 6-1,-6 9 1,0 6 0,-3 4 0,2 1-1,0-3 1,-1-4-1,4-8 1,0-4-1,4-9 0,3-15-1,0 12 1,0-12 0,0 0-1,11-19 1,-2 3 0,4-8 1,2-5-2,2-6 1,3-6 0,4-4 0,1-3-1,1-1 2,0 1-2,-1 7 0,-1 5 2,-3 5-1,-4 10 0,-4 6 0,-4 8 0,-9 7 0,4 24 1,-8 3-1,-5 6 0,0 6 0,-1 4 0,-1 1 0,0 1 1,0-8-1,4-8 0,1-6 0,3-10 0,3-13 0,0 11 1,0-11-1,9-14-1,-1 0 1,2-7 0,4-4 0,0-4 0,5-5 0,2-5 0,1-2 0,3 3 0,0 1 0,-3 6 0,-1 4 0,-2 6 0,-4 6 0,-3 8 0,-12 7 0,10 11 0,-10 3 1,0 8-1,-4 3 0,-2 4 0,1 0 1,0-2-2,0-1 2,1-7-2,-1-4 1,5-15 0,0 12-1,0-12 1,13-9 0,-2-5 0,1-3 0,5-8 0,4-5 1,3-4-1,2-6 0,5-2 0,2 0 0,-2 1 0,1 3 0,-3 5 0,-2 5 0,-6 5 0,-3 8 0,-6 4 0,-12 11 0,9 0 1,-12 13-1,-3 3 0,-4 6 0,0 3 0,0 1 0,-2 0 0,2-2 0,1-3 0,2-5 0,2-5 0,5-11 0,-3 10 0,3-10 0,0 0 0,0 0 0,8-18 0,-1 3 0,3-2 0,2-6 0,4-5 0,2-4 0,4-3 0,4-1 0,0 1 0,-4 4 1,-1 5-2,-3 4 2,-4 8-1,-3 9 0,-11 5 1,0 22-1,-11 2 0,-2 4 0,-2 7 0,-2 2 0,-3 1 0,0-3 0,4-6 0,4-4 0,2-7-1,4-6 1,6-12 0,-4 12-1,4-12 1,0 0 0,0 0 0,11-17 0,-5 6 0,4-5 0,0-3 1,4-2-1,2-4 0,2-2 0,-1 0 1,0 1-1,0 4 0,-2 2 0,-2 5-1,-3 5 1,-10 10 0,10 0 0,-10 10 0,0 6 0,-3 4 1,-3-1-1,1 3 0,1-2 0,1-2 0,-1-5 0,4-13-1,0 11 1,0-11 0,0 0 0,13-8 0,-4-2 0,1-2 1,2-5-1,4-5 0,3-5 1,1-3-1,2-2 0,0-1 0,-1 3 0,-4 3 0,-2 4 0,-2 6 0,-4 7 0,-9 10 0,0 0 0,5 14 0,-5 0 0,-6 5 0,1 0 0,1 2 1,0 1-2,1-3 1,3-3 0,-3-4 0,3-2 0,0-10 0,3 10 0,-3-10 0,0 0 0,12-12 0,-5 3 0,0-5 0,4-3 0,-1-4 0,3-3 1,3-3-1,-1-1 0,2 0 0,-1 1 0,0 2 0,-3 4 0,-1 5 0,-2 5-1,-10 11 1,0 0 0,11 0 0,-11 10 0,0 3 0,0 3 0,0 0 0,0 1 0,0-3 0,0 0 0,3-4 0,-3-10 0,7 11 0,-7-11-1,0 0 2,14-3-1,-14 3 0,14-21 0,-4 6 0,0-8 0,3-2 1,2-5-1,1-4 0,2 1 0,-1-2 1,1 5-2,-3 3 2,-2 6-2,-2 6 1,-3 5 0,-8 10 0,9 3 0,-9 8 0,0 4 0,0 5-1,0 2 2,0 3-1,0-1 0,0-1 0,0-4 0,0-4 0,4-4 0,-4-11 0,5 11 0,-5-11-1,0 0 2,15-16-1,-8 3 0,1-4 0,3-5 1,1-3-1,3-4 0,1-3 1,0 1-2,1 0 2,-1 5-1,-3 2 0,0 4 0,-4 7 0,-1 3-1,-8 10 1,0 0 0,0 0 0,6 19 0,-6-4 0,-3 3 0,3 1 0,-3 1 0,3 0 0,0-3 0,0-3 0,0-4-1,0-10 1,7 11 0,-7-11 0,10-7 0,-3-2 1,1-4-1,3-5 0,-1-3 1,2-3-1,1-4 0,2 2 0,0-1 0,-1-1 0,-2 3 0,0 3 0,-2 4 0,-2 3 0,-2 5 0,-6 10-1,0 0 1,10 0 0,-10 9 0,0 4 0,0 1 0,0 3 0,3 1 0,-3 1 0,0-5 0,0 0 0,3-4 0,-3-10 0,3 14 0,-3-14 0,0 0 0,0 0 0,12-3 0,-12 3 1,13-20-1,-5 4 0,3-2 1,1-5-1,0-1 0,1 0 0,0 0 0,-2 3-1,-1 2 1,0 4 0,-4 5-1,-6 10 1,9-8 0,-9 8 0,3 12 0,-3 1 0,0 5 0,-4 0 0,4 2 0,-3 0 0,3-2 0,-3-4 1,3-1-2,0-13 2,0 9-2,0-9 1,0 0 1,9-10-2,-3 0 2,-2-5-1,4-2 0,0-5 0,1-2 0,0-2 1,2-1-2,-1 2 1,-3 2 0,3 4 0,-3 4 0,-2 3-1,-5 12 1,11-8 0,-11 8-1,9 9 1,-5 0 0,0 3 0,0 0 0,-1 3 0,1-1 0,-4 1 0,4-1 0,-4-1 0,6-2 0,-6-1 0,0-10 0,6 14 0,-6-14 0,0 0 1,0 0-1,10 0 0,-10 0 0,5-19 1,-1 7-1,2-3 0,-3-2 0,3-2 0,-1 2 0,-1 1 0,0 3 0,1 2 0,-5 11 0,3-13-1,-3 13 1,0 0 0,0 0 0,10 0 0,-10 0 0,0 0-2,5 9-6,-5-9-28,7 10-7,-7-10 2,0 0-3</inkml:trace>
   <inkml:trace contextRef="#ctx0" brushRef="#br0" timeOffset="7421">1097 924 2,'0'0'8,"0"0"0,0 0 2,0 0-1,0 0-1,0 0 1,0 0 0,0 0-1,0 0-2,0 0 1,-10-8-1,10 8-1,0 0 0,0 0 0,0 0-1,0 0 0,0 0-1,0 0-1,0 0-1,0 0 2,0 0-1,-8 16-1,8-16 1,0 17-1,3-6-1,-3 3 1,3 0 0,-3 1 1,3-2-1,-3 4 0,3-5 0,-3 0 0,0 0-1,4-3 1,-4-9-1,0 14 1,0-14-1,4 9 0,-4-9 1,0 0-1,0 0 1,0 0-1,0 0 1,0 0 0,0 0 0,0 0 1,0 0 0,0 0-2,8-10 1,-8 10 0,4-11-1,-4 11 0,6-16 1,-6 16-1,6-18 0,-3 9 0,-3 9 1,5-20-1,-5 9 0,4 1 0,-4-1 0,3 1 0,-3-1 0,0 11 0,7-16 0,-7 16 0,3-12 0,-3 12 0,0 0 0,4-10-1,-4 10 1,0 0 0,0 10 0,0-10 0,0 18-1,-4-5 1,4 2 0,0 0 1,-3 0-1,3-2 0,0-3-1,0-10 1,0 12 0,0-12 0,0 0 0,9-7 0,-5-2 1,2-2-1,2-2 1,-1-2-1,2-2 1,0 0-1,0 2 1,-2 1-1,0 3 0,-7 11 0,9-14 0,-9 14 1,0 0-1,0 0 0,0 0 0,0 16 1,-4-4-1,0 1 0,-1 2 1,-1 1-1,2 0 0,-1-4 0,2-3 0,3-9 0,-4 12 0,4-12-1,0 0 1,0 0 0,7-9 0,-7 9 0,11-16 0,-5 4 1,1 1-1,0-1 0,1 3 0,-8 9 0,10-15 0,-10 15 0,0 0 0,10-9 0,-10 9-1,0 0 1,0 0 0,0 0 1,0 0-1,9 10 0,-9-10 0,0 0 0,0 0 1,0 0-3,9 9-10,-9-9-22,0 0-2,3-11-1,-3 2 1</inkml:trace>
   <inkml:trace contextRef="#ctx0" brushRef="#br0" timeOffset="9136">1643 18 4,'0'0'11,"0"0"-3,0 0 2,0 0-4,0-9-1,0 9 3,0 0-2,0 0 1,0 0-1,0 0 0,0 0 1,0 0-1,0 0-1,0 0-1,0 0 0,0 0-2,0 0 0,0 0 1,0 0-2,0 0 1,0 0-1,-4 16 1,4-6 1,4 4 2,-4 0-1,5 5 0,-5-2-1,4 3 0,-4-1 0,3 1-1,-3-5 2,4-1-4,-4-2 2,0-2-2,0-10 0,4 13 1,-4-13-1,0 0 1,0 0-1,0 0 1,0 0 0,0 0-1,0 0 1,11-12 0,-11 3 0,5-1 0,-2-3-1,0-2 0,2-3 0,-5-1 0,3 0 0,-3 0 0,0 1-1,3 0 0,-3 1 1,3 3-1,-3 5 1,0 9-1,5-13 0,-5 13 1,0 0-1,0 0 0,0 0 0,0 0 1,7 15-1,-7-4 1,0 4 0,0-1 0,4 1 0,-4-1 0,4-3 0,-4 0 0,0-11 0,8 12 0,-8-12 0,0 0 0,12 0 1,-12 0-1,12-15 0,-6 5 0,1-1 0,2-1 0,-1-2 1,0 1-2,0 2 1,-4 2 0,-4 9 0,9-10 0,-9 10 0,0 0 0,0 0 0,5 10 0,-5-1-1,0 1 2,0 1-2,5-2 2,-5 2-1,5-2 0,-5-9 0,6 13 1,-6-13-1,0 0 1,10 0-1,-10 0 1,0 0-1,0 0-7,10-6-24,-10 6-4,0 0-2,0 0-1</inkml:trace>
+</inkml:ink>
+</file>
+
+<file path=ppt/ink/ink20.xml><?xml version="1.0" encoding="utf-8"?>
+<inkml:ink xmlns:inkml="http://www.w3.org/2003/InkML">
+  <inkml:definitions>
+    <inkml:context xml:id="ctx0">
+      <inkml:inkSource xml:id="inkSrc0">
+        <inkml:traceFormat>
+          <inkml:channel name="X" type="integer" max="32767" units="in"/>
+          <inkml:channel name="Y" type="integer" max="32767" units="in"/>
+          <inkml:channel name="F" type="integer" max="255" units="dev"/>
+        </inkml:traceFormat>
+        <inkml:channelProperties>
+          <inkml:channelProperty channel="X" name="resolution" value="3971.75732" units="1/in"/>
+          <inkml:channelProperty channel="Y" name="resolution" value="5295.24854" units="1/in"/>
+          <inkml:channelProperty channel="F" name="resolution" value="0" units="1/dev"/>
+        </inkml:channelProperties>
+      </inkml:inkSource>
+      <inkml:timestamp xml:id="ts0" timeString="2017-01-27T04:45:42.182"/>
+    </inkml:context>
+    <inkml:brush xml:id="br0">
+      <inkml:brushProperty name="width" value="0.10583" units="cm"/>
+      <inkml:brushProperty name="height" value="0.05292" units="cm"/>
+      <inkml:brushProperty name="color" value="#7F7F7F"/>
+      <inkml:brushProperty name="fitToCurve" value="1"/>
+    </inkml:brush>
+  </inkml:definitions>
+  <inkml:trace contextRef="#ctx0" brushRef="#br0">2984 481 4,'0'0'11,"0"0"1,0 0 0,0 0 0,10-3-3,-10 3-1,0 0-2,0 0 0,0 0-2,0 0 0,12 0 0,-12 0-1,0 0 1,0 0 2,0 0 1,0 0-1,0 0 3,0 0-3,0 0 0,3 10 2,-3-10-4,-5 10 0,5-1-1,0-9-1,0 20 0,-4-9 0,4 4 0,0-2 0,0 2-1,-3-1 1,3 1-1,-5-1 1,5 0-1,-3-1 0,3-2 0,-3 0 0,3-11 1,0 15-2,0-15 0,0 10 1,0-10-1,0 0 1,0 0-1,0 0 1,0 0-1,0 0 0,0 0 1,0 0-1,0 9 0,0-9 0,0 0 1,0 0-1,0 0 0,0 0 0,0 0 0,0 0 0,0 0 0,0 0 1,-5 11-1,5-11 0,-3 9 0,3-9 0,-5 14 0,5-14 0,-3 14 1,3-14-1,-3 11 0,3-11 0,0 0 1,0 0-1,0 0 1,0 0-1,0 0 1,0 0-1,0 0 1,0 0 0,0 0-1,0 0 1,-9 4 0,9-4-1,0 0 0,-9 0 0,9 0 0,0 0 0,-11 0 0,11 0 0,-9 0 0,9 0 0,-14 5 0,14-5 0,-16 5 0,7-1 1,-1 1-2,0 0 2,-2 0-2,1 1 1,-2 1 0,1 1 0,-1-1 0,0 2 0,-2 1 0,-1 0 0,0 1 0,-2 0 0,1 0 0,-3 1 0,1 1 0,-1 0-1,0 2 2,1-1-1,-2 1 0,1 2 0,-2-1 0,-1 0-1,0 3 1,-4 1 0,-1 1 0,-1 0 0,-2 1 0,0 1 0,-1-3 0,0 3 0,1-3 0,3-2 0,2 0 0,0-2-1,3-2 1,2 1 0,1-2 0,0 0 0,2 1 0,-2-1 0,-1-1 0,1 2 1,-1 0-2,-1 1 1,-1-1 0,0 2 0,-2-1 0,-2 2 0,0 2 0,-3 1-1,-1-1 1,-2 1 0,1 1 0,-2-1 0,0 3 0,0-1 0,0-1 0,1 2-1,0 1 1,-1 0 0,1 1 0,0-1 0,0 2 1,0 1-1,1 0 0,-1 1 0,0-1 0,-2-1-1,0 1 1,-2-2 1,0 3-2,0 0 2,0-2-1,2 2 0,-2 1 0,3 0 0,0-1 0,4 0 0,1-3 0,2-1 0,0-3 0,2-2 0,1-2 1,2-1-1,1-3 0,2-1 0,-1-1 1,1 0-1,2-1 0,-1 0 0,1 0 0,-1 3 0,0-1-1,-1 3 1,-2-2 0,0 2 0,-2 1 0,0-2 0,2 1 0,-1 0 0,2-2 0,0 1 0,1-1-1,2 0 1,2-1 0,1 0 0,0-1 0,0 0 0,2 0 0,-3 2-1,5 1 2,-1-1-1,1 2 1,0-1-1,1-1 1,0 1-2,0-1 3,2-2-3,-2-2 2,1 0-1,8-9 0,-17 15 0,17-15-1,-17 15 2,17-15-2,-15 13 2,15-13-2,-14 14 2,14-14-2,-14 10 1,14-10 0,-11 8 1,11-8-1,0 0 0,-12 8 1,12-8-1,0 0 0,-12 6 0,12-6 0,0 0 0,0 0 0,-9 7 0,9-7 0,0 0 0,0 0 0,0 0 0,0 0 0,0 0 0,0 0 0,0 0 0,0 0 0,0 0 0,0 0 0,0 0 0,0 0 0,-9 10 0,9-10 0,0 0-1,0 0 1,0 0 0,0 0 1,0 0-1,0 0 0,0 0 0,0 0 0,0 0 0,0 0 0,0 0 0,0 0 0,0 0 0,0 0 0,0 0 0,0 0 0,0 0 0,0 0 0,0 0 0,0 0 0,0 0 0,0 0 0,0 0 0,0 0 1,0 0-1,0 0 0,0 0 0,0 0 0,0 0 1,0 0-1,0 0 0,0 0 0,0-10 0,0 10 0,-3-12 0,3 3 1,-4-4-2,4-1 2,-3-4-2,3-1 2,-5-5-2,5 0 1,-3 1 0,3 1-1,-3 3 1,3 2-1,0 4 1,0 2-1,0 11 1,0-10 0,0 10 0,0 0 0,0 0 0,0 0 0,0 0 0,0 0-1,0 0 1,0 0 0,0 0-2,0 10-1,0 2-5,0-12-7,6 15-10,-6-6-15,5 1 1,-5-1-4</inkml:trace>
+  <inkml:trace contextRef="#ctx0" brushRef="#br0" timeOffset="1">39 2602 6,'0'0'11,"0"0"2,0 0-3,4 9 1,-4-9-1,6 19-1,-3-6-3,5 6 2,-2-5-1,3 5-1,-3-6 0,3 2 0,-9-15-1,13 16 0,-13-16 4,0 0-3,0 0-1,14-16 1,-14-2 0,7-3-3,-4-7 0,4-6-2,-2-7 1,2-3-2,-1-3 1,-1 2-1,-1 1 1,-1 4 0,0 6 0,-3 9 0,0 7-1,0 5 1,0 13-1,3 9 1,-3 12-1,0 7 0,0 7 0,3 8 0,-3 3 0,0 1 1,0-2-1,0-4 0,3-6 0,-3-9 1,0-7-1,4-8 1,-4-11 0,0 0-1,0 0 1,12-7 0,-9-8 0,2-2-1,3-10 2,1-2-2,3-8 1,1-8-1,4-5 1,0-2-1,1-1 2,-1 1-2,0 4 1,-1 8-1,-4 8 0,-1 8 0,-5 9 0,-6 15 0,0 0 1,9 12-1,-9 12 0,-4 6 1,1 5-1,3 4 0,-6 3 1,6-1-1,-4-5 0,4-6 0,0-7 0,0-7 0,0-4 0,0-12-1,0 0 1,0 0 0,3-9 1,2-7-1,3-5 0,1-7 0,5-6 1,1-3-1,4-5 1,2-3-1,0 1-1,0 1 1,-1 5 0,-3 6 0,-3 7-1,-1 6 1,-4 7-1,-9 12 1,9 10 1,-9 9-1,0 7 1,-4 6-1,-1 5 1,0 4 0,0 0 0,-1-4-1,0-5 0,2-7-1,1-5 1,3-7 0,0-13-1,0 11 1,0-11 0,0 0 0,7-14 0,0 0 0,1-8 0,4-5 1,1-6-1,3-7 2,2-8-3,4-2 1,1 0-1,0 1 1,-1 6-1,-3 7 1,-2 6-1,-3 11 0,-4 10 1,-10 9 0,5 17 1,-8 6-1,-6 9 1,0 6 0,-4 4 0,3 1-1,0-3 1,-1-4-1,4-8 1,0-4-1,4-9 0,3-15-1,0 12 1,0-12 0,0 0-1,11-19 1,-2 3 0,4-8 1,2-5-2,3-6 1,2-6 0,4-4 0,1-3-1,1-1 2,0 1-2,-1 7 0,-1 5 2,-3 5-1,-4 10 0,-4 6 0,-4 8 0,-9 7 0,4 24 1,-8 3-1,-5 6 0,0 6 0,-1 4 0,-1 1 0,0 1 1,0-8-1,4-8 0,1-6 0,3-10 0,3-13 0,0 11 1,0-11-1,9-14-1,-1 0 1,2-7 0,4-4 0,0-4 0,5-5 0,2-5 0,1-2 0,3 3 0,0 1 0,-3 6 0,-1 4 0,-2 6 0,-4 6 0,-3 8 0,-12 7 0,10 11 0,-10 3 1,0 8-1,-4 3 0,-2 4 0,1 0 1,0-2-2,0-1 2,1-7-2,-1-4 1,5-15 0,0 12-1,0-12 1,13-9 0,-2-5 0,1-3 0,5-8 0,4-5 1,3-4-1,3-6 0,4-2 0,2 0 0,-2 1 0,1 3 0,-3 5 0,-2 5 0,-6 5 0,-3 8 0,-6 4 0,-12 11 0,9 0 1,-12 13-1,-3 3 0,-4 6 0,0 3 0,0 1 0,-2 0 0,2-2 0,1-3 0,2-5 0,2-5 0,5-11 0,-3 10 0,3-10 0,0 0 0,0 0 0,8-18 0,-1 3 0,3-2 0,2-6 0,4-5 0,2-4 0,4-3 0,4-1 0,0 1 0,-4 5 1,-1 4-2,-3 4 2,-4 8-1,-3 9 0,-11 5 1,0 22-1,-11 2 0,-2 3 0,-2 8 0,-2 2 0,-3 1 0,0-3 0,4-6 0,4-4 0,2-7-1,4-6 1,6-12 0,-4 12-1,4-12 1,0 0 0,0 0 0,11-17 0,-5 6 0,4-5 0,0-3 1,4-2-1,2-4 0,2-2 0,-1 0 1,0 1-1,0 4 0,-2 2 0,-2 6-1,-3 4 1,-10 10 0,10 0 0,-10 10 0,0 5 0,-3 5 1,-3-1-1,1 3 0,1-2 0,1-2 0,-1-5 0,4-13-1,0 11 1,0-11 0,0 0 0,13-8 0,-4-2 0,1-2 1,2-5-1,4-5 0,3-5 1,2-3-1,1-1 0,0-2 0,-1 3 0,-4 3 0,-2 4 0,-2 6 0,-4 7 0,-9 10 0,0 0 0,5 14 0,-5 0 0,-6 5 0,1 0 0,1 2 1,0 1-2,1-3 1,3-3 0,-3-4 0,3-3 0,0-9 0,3 10 0,-3-10 0,0 0 0,12-12 0,-5 4 0,0-6 0,4-3 0,-1-4 0,3-3 1,3-3-1,-1-1 0,2 0 0,-1 1 0,0 2 0,-3 4 0,-1 5 0,-2 5-1,-10 11 1,0 0 0,11 0 0,-11 10 0,0 3 0,0 3 0,0 0 0,0 1 0,0-3 0,0 0 0,3-4 0,-3-10 0,7 11 0,-7-11-1,0 0 2,14-3-1,-14 3 0,14-21 0,-4 6 0,0-8 0,3-2 1,2-5-1,1-4 0,2 1 0,-1-2 1,1 5-2,-3 3 2,-2 6-2,-2 6 1,-2 5 0,-9 10 0,9 3 0,-9 8 0,0 4 0,0 5-1,0 2 2,0 3-1,0-1 0,0-1 0,0-4 0,0-4 0,4-4 0,-4-11 0,5 11 0,-5-11-1,0 0 2,15-16-1,-8 3 0,1-4 0,3-5 1,1-3-1,3-4 0,1-3 1,0 1-2,1 0 2,-1 5-1,-3 2 0,0 4 0,-4 7 0,-1 3-1,-8 10 1,0 0 0,0 0 0,6 19 0,-6-4 0,-3 3 0,3 1 0,-3 1 0,3 0 0,0-3 0,0-3 0,0-4-1,0-10 1,7 11 0,-7-11 0,10-7 0,-3-2 1,1-4-1,3-5 0,-1-3 1,2-3-1,1-4 0,2 2 0,0-1 0,-1-1 0,-2 3 0,0 3 0,-2 4 0,-2 3 0,-2 5 0,-6 10-1,0 0 1,10 0 0,-10 9 0,0 4 0,0 1 0,0 3 0,3 1 0,-3 1 0,0-5 0,0 0 0,3-4 0,-3-10 0,3 14 0,-3-14 0,0 0 0,0 0 0,12-3 0,-12 3 1,13-20-1,-5 4 0,3-2 1,1-5-1,0-1 0,1 0 0,0 0 0,-2 3-1,-1 2 1,1 4 0,-5 5-1,-6 10 1,9-8 0,-9 8 0,3 12 0,-3 1 0,0 5 0,-4 0 0,4 2 0,-3 0 0,3-2 0,-3-4 1,3-1-2,0-13 2,0 9-2,0-9 1,0 0 1,9-10-2,-3 0 2,-2-5-1,4-2 0,0-5 0,1-2 0,0-2 1,2-1-2,-1 2 1,-3 2 0,3 4 0,-3 4 0,-2 3-1,-5 12 1,11-8 0,-11 8-1,9 9 1,-5 0 0,0 3 0,0 0 0,-1 3 0,1-1 0,-4 1 0,4-1 0,-4-1 0,6-2 0,-6-1 0,0-10 0,6 14 0,-6-14 0,0 0 1,0 0-1,10 0 0,-10 0 0,5-19 1,-1 7-1,2-3 0,-3-2 0,3-2 0,-1 2 0,-1 1 0,0 3 0,1 2 0,-5 11 0,3-13-1,-3 13 1,0 0 0,0 0 0,10 0 0,-10 0 0,0 0-2,5 9-6,-5-9-28,7 10-7,-7-10 2,0 0-3</inkml:trace>
+  <inkml:trace contextRef="#ctx0" brushRef="#br0" timeOffset="2">1099 924 2,'0'0'8,"0"0"0,0 0 2,0 0-1,0 0-1,0 0 1,0 0 0,0 0-1,0 0-2,0 0 1,-10-8-1,10 8-1,0 0 0,0 0 0,0 0-1,0 0 0,0 0-1,0 0-1,0 0-1,0 0 2,0 0-1,-8 16-1,8-16 1,0 17-1,3-6-1,-3 3 1,3 0 0,-3 1 1,3-2-1,-3 4 0,3-5 0,-3 0 0,0 0-1,4-3 1,-4-9-1,0 14 1,0-14-1,4 9 0,-4-9 1,0 0-1,0 0 1,0 0-1,0 0 1,0 0 0,0 0 0,0 0 1,0 0 0,0 0-2,8-10 1,-8 10 0,4-11-1,-4 11 0,6-16 1,-6 16-1,6-18 0,-3 9 0,-3 9 1,5-20-1,-5 9 0,4 1 0,-4-1 0,3 1 0,-3-1 0,0 11 0,7-16 0,-7 16 0,3-12 0,-3 12 0,0 0 0,4-10-1,-4 10 1,0 0 0,0 10 0,0-10 0,0 18-1,-4-5 1,4 2 0,0 0 1,-3 0-1,3-2 0,0-3-1,0-10 1,0 12 0,0-12 0,0 0 0,9-7 0,-5-2 1,2-2-1,2-2 1,-1-2-1,2-2 1,0 0-1,0 2 1,-2 1-1,0 3 0,-7 11 0,9-14 0,-9 14 1,0 0-1,0 0 0,0 0 0,0 16 1,-4-4-1,0 1 0,-1 2 1,-1 1-1,2 0 0,-1-4 0,2-3 0,3-9 0,-4 12 0,4-12-1,0 0 1,0 0 0,7-9 0,-7 9 0,11-16 0,-5 4 1,1 1-1,0-1 0,1 3 0,-8 9 0,10-15 0,-10 15 0,0 0 0,11-9 0,-11 9-1,0 0 1,0 0 0,0 0 1,0 0-1,9 10 0,-9-10 0,0 0 0,0 0 1,0 0-3,9 9-10,-9-9-22,0 0-2,3-11-1,-3 2 1</inkml:trace>
+  <inkml:trace contextRef="#ctx0" brushRef="#br0" timeOffset="3">1646 18 4,'0'0'11,"0"0"-3,0 0 2,0 0-4,0-9-1,0 9 3,0 0-2,0 0 1,0 0-1,0 0 0,0 0 1,0 0-1,0 0-1,0 0-1,0 0 0,0 0-2,0 0 0,0 0 1,0 0-2,0 0 1,0 0-1,-4 16 1,4-6 1,4 4 2,-4 0-1,5 5 0,-5-2-1,4 3 0,-4-1 0,3 1-1,-3-5 2,4-1-4,-4-2 2,0-2-2,0-10 0,4 13 1,-4-13-1,0 0 1,0 0-1,0 0 1,0 0 0,0 0-1,0 0 1,11-12 0,-11 3 0,5-1 0,-2-3-1,0-2 0,2-3 0,-5-1 0,3 0 0,-3 0 0,0 1-1,3 0 0,-3 1 1,3 3-1,-3 5 1,0 9-1,5-13 0,-5 13 1,0 0-1,0 0 0,0 0 0,0 0 1,7 15-1,-7-4 1,0 4 0,0-1 0,4 1 0,-4-1 0,4-3 0,-4 0 0,0-11 0,8 12 0,-8-12 0,0 0 0,12 0 1,-12 0-1,12-15 0,-6 5 0,2-1 0,1-1 0,-1-2 1,0 1-2,0 2 1,-4 2 0,-4 9 0,9-10 0,-9 10 0,0 0 0,0 0 0,5 10 0,-5-1-1,0 1 2,0 1-2,5-2 2,-5 2-1,5-2 0,-5-9 0,6 13 1,-6-13-1,0 0 1,10 0-1,-10 0 1,0 0-1,0 0-7,10-6-24,-10 6-4,0 0-2,0 0-1</inkml:trace>
+</inkml:ink>
+</file>
+
+<file path=ppt/ink/ink21.xml><?xml version="1.0" encoding="utf-8"?>
+<inkml:ink xmlns:inkml="http://www.w3.org/2003/InkML">
+  <inkml:definitions>
+    <inkml:context xml:id="ctx0">
+      <inkml:inkSource xml:id="inkSrc0">
+        <inkml:traceFormat>
+          <inkml:channel name="X" type="integer" max="32767" units="in"/>
+          <inkml:channel name="Y" type="integer" max="32767" units="in"/>
+          <inkml:channel name="F" type="integer" max="255" units="dev"/>
+        </inkml:traceFormat>
+        <inkml:channelProperties>
+          <inkml:channelProperty channel="X" name="resolution" value="3971.75732" units="1/in"/>
+          <inkml:channelProperty channel="Y" name="resolution" value="5295.24854" units="1/in"/>
+          <inkml:channelProperty channel="F" name="resolution" value="0" units="1/dev"/>
+        </inkml:channelProperties>
+      </inkml:inkSource>
+      <inkml:timestamp xml:id="ts0" timeString="2017-01-27T04:45:42.186"/>
+    </inkml:context>
+    <inkml:brush xml:id="br0">
+      <inkml:brushProperty name="width" value="0.10583" units="cm"/>
+      <inkml:brushProperty name="height" value="0.05292" units="cm"/>
+      <inkml:brushProperty name="color" value="#7F7F7F"/>
+      <inkml:brushProperty name="fitToCurve" value="1"/>
+    </inkml:brush>
+  </inkml:definitions>
+  <inkml:trace contextRef="#ctx0" brushRef="#br0">390 4 7,'0'0'13,"0"0"4,-10-9-5,10 9 1,0 0-3,0 0-2,0 0-1,0 0-2,0 0-1,0 0-2,0 0 0,0 0-1,0 0 1,0 10-1,0-10 1,10 16 1,-4-5-1,4 5 0,1 0 2,1 5 0,1 0 2,4 5-3,0-1 0,2 8 0,0-2 0,3 5 0,1 1 0,2 2 0,2 4-2,3 4 1,0-1-1,3 2 0,1 1 0,3 2 0,3-1 1,3 2-2,0-1 2,2 1-2,2-2 1,1 2 0,1-1-1,-3-3 1,-1 1 0,-3 0 0,-4-4-1,-1-3 1,-5-4-1,-2-1 1,-3-4-1,-2-2 2,-3-6-2,-3-3 1,-4-5-1,-3-3 1,-2-3 0,-10-11 0,12 11 0,-12-11 1,0 0-1,0 0 0,0 0 0,0 0-1,0 0-3,-8-12-3,8 12-21,-4-13-11,-2 3-1,-3-2-4</inkml:trace>
+  <inkml:trace contextRef="#ctx0" brushRef="#br0" timeOffset="1">404 17 3,'0'0'11,"0"0"-2,0 0 1,0 0-3,0 0 1,0 0 0,0 0-2,-9 0 0,9 0-2,0 0 0,0 0 0,0 0 0,-8 11 0,8-11 0,-6 13-1,6-13 0,-9 17 0,2-7 1,0 3 0,0-1 0,-1 4-1,-1-1 0,-1 2 2,1 0-1,-3 4-1,2 0 0,-2 2-1,-1 0 0,1 1-1,0 1 0,2 0 1,-2 0-1,3 2 1,-1 0-2,2 1 3,0-2-3,3 1 1,-2-1 0,4 2 0,-2-1-1,5 1 1,-4 0-1,4 2 1,0 1 0,0 0-1,5-1 1,-1 3 0,0-1-1,2 1 1,1-1 0,0 1-1,1 0 0,3 0 1,-1 1-1,2-2 1,2 0-1,0 0 1,3-3-1,1 0 1,-2-1-1,2-2 1,0-1-1,3-1 1,-1-2-1,2 0 1,-2 1-1,2-1 1,1-1-1,1 1 1,-1-2 0,0 1-1,0-3 1,-1 2 0,3-5 0,0 2-1,-2-3 1,0 2-1,1-1 0,1-2 1,-1-1-1,1 1 0,-2-2 0,2 0 0,0-2 1,0 0-1,1-2 0,-1-2 0,2 2 0,-1-4 0,1 0 0,-2-3 1,2 0-1,-2 0 0,0-6 0,0 2 0,-2-3 1,0 0-1,-1 0 0,-2 1 1,-1-3-1,0 3 0,-2-2 0,-1 1 1,0 0-1,0-1 0,-1 0 2,-1 0-2,-1 0 1,1 0-1,-2-1 1,2 1-1,-4-2 0,0 2 1,-1-1-1,1 1 0,-10 8 0,15-12 1,-15 12-2,12-8 2,-12 8-2,0 0 2,0 0-2,9-5 2,-9 5 0,0 0 0,0 0 0,0 0-1,0 0 1,0 0-2,0 0-4,-13 0-24,13 0-11,0 0-1,0 0 0</inkml:trace>
+  <inkml:trace contextRef="#ctx0" brushRef="#br0" timeOffset="2">1615 1479 10,'-10'0'21,"10"0"-5,0 0-1,0 0-5,0 0-1,0 0-2,0 0-1,0 0-3,0 0 0,0 0 0,0 0 0,0 0 0,12 12 0,-12-12-1,10 5 1,0-2-1,-10-3 3,20 4-2,-10-4 0,5 0-2,-2 3 1,3-3 0,2 0-1,0 0 0,1 0 0,2 3 0,-1-3-1,2 0 1,0 4 0,2-4-1,1 3 1,0-3-1,6 4 1,0-4 1,4 0 0,2 0-1,3 0 0,7 0 0,2 0 0,6 0 1,-2-4-1,5 4 0,1 0 0,3 0 0,1 4 0,-1-4 0,0 3 0,3-3 0,0 0 0,3 0 0,1 0 1,1 0-1,-3 0 0,2 0 0,-3-3 0,-3 3 0,-4 0 0,-5-4 0,-5 4 0,-6 0-1,-4 0 1,-10-3-1,-5 3 1,-6 0 0,-8-3 0,-10 3 0,0 0 1,0 0-1,0 0-1,-18-10-4,9 10-4,-7-6-18,3 1-13,1 1-1,-1 0-2</inkml:trace>
+  <inkml:trace contextRef="#ctx0" brushRef="#br0" timeOffset="3">1580 1519 3,'-7'11'14,"7"-11"0,0 0-3,-6 12 0,6-12-2,-5 18-1,5-3-2,-4-1 1,4 5-2,0-1 1,0 4-2,-3 2 1,3 0-1,0 3 1,0 1-2,0-3 0,3 4 1,-3-2-1,6 3 0,-3-4-2,2 2 1,-1 0 0,3 2 0,-1-1 0,3 4 0,-1-3 1,1 5 0,0 1 1,2 2-2,-1 1-1,3 1 1,-2 3 0,3 1 0,-1 0-1,2 3 0,2-1 0,0 2 0,2 1 1,1 2-1,0-3 0,1-1 0,0 1 0,-1-1 0,1 0 0,1-3 0,0-4-1,2 0 1,-1-4-1,2 0 0,1-1 0,0-4 1,0-3-1,1 1 0,3-4 0,-2-2 1,1-4-1,2-1 0,0-2 1,2-2-1,1-3 0,0 0 0,0-2 1,1-2 0,-3 1-1,1-3 1,-1-1-1,1-4 2,0 3-2,0-3 1,0-5-1,1 2 0,-2-5 1,1 1-1,1-3 0,1 0 0,-2-2 1,-1 0-1,-1-3 0,1 1 1,0-3-1,-1-2 0,-1 0 1,-3-3-1,0-1 0,-1-3 1,-2 0-1,-2-2 0,-1-1 1,-1-2-1,-1-2 1,-1-1-1,1-1 0,1 0 0,0-6 0,-1 2 0,0-1 0,-1-1 1,0-1-2,0 0 2,-2-1-1,-1-1 0,-3 2 1,-1-2-1,-1-2 0,-2 0 0,-1 0 1,-1-1-1,-1-1 0,0 2 0,-2-2 0,0 4 0,-3-1 0,3 2 0,-3 1-1,3-1 1,-3 3 1,3 1-1,0 2 0,0 1 0,0 5 1,2 3-1,-2 3 0,0 8 0,-3 1 1,4 5-1,-4 1 0,0 10 0,3-9 0,-3 9 0,0 0 0,0 0 0,0 0 0,0 0 0,0 0 0,0-10 0,0 10-2,0 0-5,0 0-30,-11-7-4,11 7 0,-16 0-2</inkml:trace>
+  <inkml:trace contextRef="#ctx0" brushRef="#br0" timeOffset="4">1907 1925 4,'-10'0'15,"10"0"2,0 0-2,0 0 0,-10 0-2,10 0-1,0 0-3,0 0 0,0 0-3,0 0 0,-7 8 0,7-8-2,0 0-2,7 15 0,-7-15 0,10 14 0,-10-14-1,18 18 1,-6-9-1,1 0 3,5-1-3,1-1 1,2-1 0,2-3 0,2-3 0,2 0-1,-2-5 1,4 0 0,-4-4 0,1 2-1,-3-2 1,-1 2-1,-5-2 1,-1 4-1,-4 0 0,-2 1 0,-10 4 0,14-5 0,-14 5-1,0 0 1,0 0-1,9 0-1,-9 0-5,0 11-27,0-11-5,12 18-1,-9-9-2</inkml:trace>
+  <inkml:trace contextRef="#ctx0" brushRef="#br0" timeOffset="5">2858 1977 10,'-9'0'20,"9"0"-3,0 0 0,-9 0-1,9 0-2,0 0-2,-10 0-2,10 0-1,0 0-2,0 0-3,0 0 0,0 11-2,0-11 1,5 10-1,-5-10 0,10 15 0,-10-15 1,18 17-2,-8-7 2,3-2 0,1-1 0,3-2-1,1-5 0,2 5 0,3-5-1,3-5 1,-2-3-2,4 3 1,-6-5-1,2 2 1,-4 0 0,-2 2 0,-5 0 0,-1 0-1,-12 6 2,12-6-2,-12 6 1,0 0 0,0 0-1,0 0 1,0 0-1,0 0 0,0 0-1,0 0-4,10 3-10,-10-3-22,0 0-2,3 12-3,-3-12 1</inkml:trace>
+  <inkml:trace contextRef="#ctx0" brushRef="#br0" timeOffset="6">2511 2381 12,'-6'-11'15,"6"11"-1,0 0-3,0 0-1,-10 9-2,10-9-3,-8 15 0,5-6-1,0 4-1,3 0 1,-3 3-1,3 0 0,0 1-1,6 0 2,-1-2-2,2 0 0,0-3 2,1-3-2,-8-9 1,16 8 0,-16-8 2,14-5-1,-14 5-1,11-16 0,-6 4 0,0 1 0,-2-2-1,1 0 1,-4-1-1,4 4 0,-4 0-1,0-1 0,0 11 0,0-16 0,0 16 0,-7-12-1,7 12-1,-9-7-4,9 7-21,-8 9-8,-1-4-2,3 7-1</inkml:trace>
+  <inkml:trace contextRef="#ctx0" brushRef="#br0" timeOffset="7">2136 2636 15,'-9'-6'23,"9"6"-5,0 0-3,0 0-5,0 0-1,-4 19-3,8-6-3,2 3 2,1 3-2,2 1 2,3 2-2,3 1 1,3-2-1,1-5 2,6 1-3,1-6 0,4-3 0,2-8-1,3 0 1,1-8-1,3-1 1,-3-8 0,2-4 2,0-4-2,-1 0 0,-5-2-2,1 2 2,-4 1-2,-3 1 1,-4 4-2,-2 4 1,-6 3 0,-3 4 0,-11 8 0,14-11 0,-14 11 1,0 0-1,0 0 0,0 0 0,10 4 0,-10-4 1,0 11-1,3-2 1,-3 3-1,5 1 1,-5 2 0,5 1-2,-5 4 2,3 3-1,-3 1 1,0 2-1,0 1 1,-4 1-1,0 1 0,0 2 1,-3-2-1,0-1 1,-1 0-1,-2-2 1,-3 0-1,-1-1 0,-3-4 1,-1 0-1,-1-5 1,-2-1-1,-4-5 1,1-2-1,-3-8 1,-2 0-1,-1-4 1,-5-4-1,0-4 1,-2 0-1,-2-2 0,1-2 0,1-1 1,5 2-1,1-3 0,6 1 0,1-2 1,6-1-1,2-1 0,5-1 0,1-1 0,0 0 1,3 1-1,2 3 0,0 1 0,1 5 0,4 3-4,-7-2-10,7 12-24,0 0 1,0 0-1,13 3-1</inkml:trace>
+  <inkml:trace contextRef="#ctx0" brushRef="#br0" timeOffset="8">42 710 2,'0'0'10,"0"0"0,0 0 1,0 0-2,-12 0 2,12 0 1,0 0 0,-10 0 1,10 0-3,-9 0 1,9 0-3,0 0 2,-13 0-3,13 0-1,0 0 0,0 0-2,0 0-1,0 0-1,0 0-1,0 0 1,0 0-1,18 5 0,-7-5 1,6 4 0,0-4-1,2 4 1,1-4-1,0 5 0,-1-5 0,-4 3-1,-3-3 1,-2 0 0,-10 0-1,14 0 0,-14 0-1,0 0-3,10 7-7,-10-7-26,0 0-1,6 15-3,-6-6 1</inkml:trace>
+  <inkml:trace contextRef="#ctx0" brushRef="#br0" timeOffset="9">105 1218 6,'-10'9'35,"1"-5"0,9-4-13,0 0-3,-10-4-4,10 4-6,0 0 0,13-13-5,-5 2 0,5-3-2,4-2 1,3-3-1,3-3 1,3 3-2,-1-1 1,1 5-1,-5 0 1,-1 5-1,-5 2 0,-3 4 0,-12 4-1,12 0-1,-12 0-3,0 10-7,0-10-25,7 20-3,-7-8-3,3 2 1</inkml:trace>
+  <inkml:trace contextRef="#ctx0" brushRef="#br0" timeOffset="10">383 1512 6,'0'16'31,"0"-16"2,3 10-13,-3-10-5,9-8-3,-2-3 0,8 0-4,-2-6 0,5 1-1,-2-5-3,3 5 0,-4-3-2,0 4 0,-4 2-2,0 5 2,-11 8-2,14-7 0,-14 7-1,0 0-7,17 11-20,-11-1-9,0 4-1,2 2-1</inkml:trace>
+  <inkml:trace contextRef="#ctx0" brushRef="#br0" timeOffset="11">805 1855 7,'7'21'34,"-7"-21"-7,0 0-7,0 0 1,0 0-3,0-16-5,-4-8-2,8 2-4,-4-12-1,3 1-2,-3-7-1,7 2 0,-2 1-1,2 5-1,-1 4 0,0 5 1,0 7-1,-1 6 0,-5 10-1,7-11 1,-7 11-1,0 0 1,0 0-3,0 0-15,0 0-19,0 0-3,0 0-4,3-14 2</inkml:trace>
+</inkml:ink>
+</file>
+
+<file path=ppt/ink/ink22.xml><?xml version="1.0" encoding="utf-8"?>
+<inkml:ink xmlns:inkml="http://www.w3.org/2003/InkML">
+  <inkml:definitions>
+    <inkml:context xml:id="ctx0">
+      <inkml:inkSource xml:id="inkSrc0">
+        <inkml:traceFormat>
+          <inkml:channel name="X" type="integer" max="32767" units="in"/>
+          <inkml:channel name="Y" type="integer" max="32767" units="in"/>
+          <inkml:channel name="F" type="integer" max="255" units="dev"/>
+        </inkml:traceFormat>
+        <inkml:channelProperties>
+          <inkml:channelProperty channel="X" name="resolution" value="3971.75732" units="1/in"/>
+          <inkml:channelProperty channel="Y" name="resolution" value="5295.24854" units="1/in"/>
+          <inkml:channelProperty channel="F" name="resolution" value="0" units="1/dev"/>
+        </inkml:channelProperties>
+      </inkml:inkSource>
+      <inkml:timestamp xml:id="ts0" timeString="2017-01-27T04:45:42.198"/>
+    </inkml:context>
+    <inkml:brush xml:id="br0">
+      <inkml:brushProperty name="width" value="0.10583" units="cm"/>
+      <inkml:brushProperty name="height" value="0.05292" units="cm"/>
+      <inkml:brushProperty name="color" value="#7F7F7F"/>
+      <inkml:brushProperty name="fitToCurve" value="1"/>
+    </inkml:brush>
+  </inkml:definitions>
+  <inkml:trace contextRef="#ctx0" brushRef="#br0">2044 58 20,'0'0'21,"-3"-10"-1,3 10-5,0 0 0,-9-8-5,9 8 1,-10-4-2,10 4-1,-15 0-2,6 0-1,-5 0 0,0 6 0,-5-2-2,0 5-1,-3 1 1,-3 4-1,-3 2 0,0 3-1,-2 2 1,1 5-1,-5 2 1,0 8 0,-4 1-1,2 7 0,-5 7 0,2 6 0,-2 5 0,1 3 1,0 4-1,4 2 1,2 0-1,3 0 0,3-3 1,3-1-2,4-5 1,3-3 0,3-7-1,3-5 1,2-9-1,4-7 1,2-7-1,4-6 1,-4-7-1,4-11 1,0 11 0,0-11 0,0 0 0,0 0 0,0 0-1,0-14-3,0 14-10,10-19-24,1 3-4,0-4 1,5-7-5</inkml:trace>
+  <inkml:trace contextRef="#ctx0" brushRef="#br0" timeOffset="1">2297 437 16,'0'0'24,"-12"-12"-2,12 12-4,-12-5-2,2 1-2,10 4-3,-24 4-1,8 5-3,-6 0-2,0 10 1,-7-1-3,0 9 0,-5 3-1,0 7 0,-3 2 0,2 6 0,0 2 0,-1 6-1,1 2 1,1 4-1,1 1 0,2 3 0,0 0 0,3 1-1,3-1 0,3-2 0,4-6 1,4-5-2,3-5 1,5-6 0,6-6 0,0-4 0,0-7 0,0-2 0,3-3 0,-3-2 0,0-2 1,0-3-1,0-10 1,0 15-1,0-15 1,0 0 0,0 0-1,0 0 1,0 0 0,0 0-1,0 0-3,-4-18-8,4 8-25,4-2-4,-4-3 0,0-4-1</inkml:trace>
+  <inkml:trace contextRef="#ctx0" brushRef="#br0" timeOffset="2">1172 1378 2,'0'0'20,"-13"-5"-1,13 5-2,0 0-3,-11-10-1,11 10-2,-7-10-1,7 10-1,-12-11 0,12 11-3,-18-9-1,18 9 0,-22-9-2,10 9 2,-5-8-3,2 8 0,-4-6 1,-1 6-2,0-5 1,-1 5-1,0-4 1,2 4-1,1-3 0,4 3 0,-1 0 0,5 0 1,1 0-1,9 0 0,-10 0-1,10 0 1,0 0-1,0 0 1,0 18-1,5-7 0,1 3 1,0 6-1,3 2 1,0 5-1,1 3 1,0 2-2,0 3 2,3 3-1,-1 1 0,1 2 0,1-2 0,3-1 0,-1-3 0,2-2 0,0-3 0,1-7 0,1 0 0,1-4 0,-2-3 1,-3-3-1,0-3 0,-3-1 0,-3-4 0,-10-5 1,14 8-1,-14-8 0,0 0 1,0 0-1,0 0 0,0 0 1,0 0-1,0 0 0,10 0 0,-10 0 2,0 0-2,4-12 0,-4 12 0,8-13 0,-8 13 0,12-15 0,-5 5 0,3 1 0,-1-3 0,3 1 0,1-3 1,2 0-1,2-1 0,3-2 0,2-2 0,2 3 0,4-2 0,0 0 0,2 2 0,1 0 0,-1 2 0,0 0 0,-1 4 0,-1 0 0,-3 2 0,-1 2 0,-3 1 0,-2 2 0,-4 3 0,-2-3 0,-2 3 0,-11 0 0,15-4 0,-15 4 0,11-3 0,-11 3 0,0 0 0,11-4 0,-11 4 0,0 0 0,0 0 0,0 0 0,0 0 1,0 0-1,0 0 0,0 0 0,0 0 0,0 0 0,0 0 0,9-6 0,-9 6 0,0 0 1,0 0-1,0 0 0,0 0 0,0 0 1,0 0-1,0 0 1,-9-3-1,9 3 1,-10-3-1,10 3 1,-15-5 0,6 2-1,-1-1 1,-3 0 0,0-2 0,1 1-1,-3-1 1,2 1 0,0-1-1,3 0 1,0 2-1,10 4 0,-14-7 1,14 7-1,0 0 0,-9-7 0,9 7 0,0 0-1,0 0-5,0 0-28,0 0-7,0 0 0,0 0-3</inkml:trace>
+  <inkml:trace contextRef="#ctx0" brushRef="#br0" timeOffset="3">2001-2 9,'0'0'21,"-7"-9"-3,7 9 0,0 0-1,0 0-5,0 0-1,0 0-2,0 0 0,0 0-3,0 0-2,0 0 0,5 16-1,-5-16 3,14 18-3,-5-5 1,4 3-2,-2 3 1,5 3-1,2-1 1,1 6-1,2-4 0,2 3 0,-2-2-1,1 0 1,0-5-1,-1-1 0,-5-4 0,-1-3 0,-4-2 0,-2-2 1,-9-7-1,9 7 0,-9-7 0,0 0 0,0 0 0,0 0 0,0 0-1,0 0-4,0 0-16,8 12-17,-8-12-2,0 17-4,-6-7 2</inkml:trace>
+  <inkml:trace contextRef="#ctx0" brushRef="#br0" timeOffset="4">2285 356 4,'0'0'4,"0"0"0,0 0-2,0 0-1,0 0 1,0 0-1,0 0-1,0 0 1,0 0-2,0 0-7</inkml:trace>
+  <inkml:trace contextRef="#ctx0" brushRef="#br0" timeOffset="5">2195 264 14,'0'0'21,"0"0"-5,0-10-1,0 10-4,0 0 2,0 0-6,0 0 1,0 0-1,0 0-3,-8 8 1,8-8-1,-10 9 0,10-9-2,-15 12-1,5-4 1,3 1 0,-5 0-1,3 3 1,-3-2-1,2 4 0,-4 1 0,0 2 0,-1 2 1,-1 2 0,-1 2-2,-1 2 1,0 3 0,-1-3-1,-1 5 1,3-1-1,-3 0 0,1-1 1,1 2-1,-3-1 0,1 1 1,-2 1-2,1 0 2,-1 0-1,0 1 0,1-1 0,1 3 0,1-5 0,2 2 0,1-3 0,2 0 0,0 0 0,4-4 0,-1-1 0,3-2-1,0 2 1,2-2 0,0-1 0,1-1 0,0-2 0,1 1 0,-2-3 0,3 1 0,-2-2 0,2 1 0,-1-4 0,1 2-1,0-1 1,0-1 0,0 0 1,3-2-1,-4 1 0,4-10 0,-3 14 0,3-14 0,-4 10 0,4-10 0,0 0 0,0 0 0,0 10 1,0-10-1,0 0 0,0 0 0,0 0 0,0 0 1,0 9-1,0-9 0,0 0 0,0 0 1,0 0 0,0 0-1,0 0 1,0 0 0,0 0-1,0 0 1,0-9-1,0 9 0,0 0 0,0 0 1,5-10-2,-5 10 1,0 0 0,0 0 0,0 0 0,0 0 0,0 0 0,0 0 0,0 0-1,0 9 1,0-9 0,0 0 0,0 0 0,0 0 0,-5 10 0,5-10 0,0 0 1,0 0-1,0 0 0,0 0 0,0 0 0,0 0 0,0-9 0,0 9 0,0-19 0,7 4 0,0-4 0,2-5 0,3-4 0,1-6 0,2-5 0,2-4 0,3-1 0,-2-4 1,2 0-1,-1 0 1,2 2-2,1 1 1,0 4 0,2-2 0,-1 5 0,1 0 0,1 1 1,3 1-2,-1-1 2,-4 3-1,1 3 1,-2 3-1,-1 2 0,-4 4 0,-2 3 0,-2 2 1,-2 2-1,-1 4 0,-3-1 0,0 1 0,-7 11 0,13-16 0,-13 16 0,9-14 0,-9 14 0,9-15 0,-9 15 0,7-15 0,-3 6 0,-1-2 0,-3 11 0,9-17 1,-9 17-2,5-14 1,-5 14 0,0 0 0,8-10-1,-8 10 1,0 0 0,12 8-1,-12-8 1,10 15 0,-10-15 0,11 18-1,-11-18 2,12 17-1,-12-17 0,6 12 0,-6-12 0,0 0 0,0 0 1,0 0-1,0 0 1,0 0-1,0 0 1,0 0-1,0 0 0,0-14 1,0 14-1,-5-16 0,2 7 0,3 9 0,-4-16 0,4 16 0,-5-14 0,5 14 0,0 0-1,0 0 1,0 0-1,0 0 1,9 12 0,-6-2-1,1 0 1,0 0 0,0 1 0,0-2 0,-4-9 0,8 14 0,-8-14 0,0 0 0,0 0 0,9 9 1,-9-9-1,0 0 1,0-10-1,0 10 1,-3-12-1,3 12 0,-6-12 1,6 12-1,-9-9 0,9 9 0,-10 0 0,10 0 0,-14 5 0,5 3 0,0 3 0,-2 4 0,-1 2-1,0 4 1,-3 2 0,2 0 0,-2-1 0,1 2 0,2-2 0,0-3 0,0-5 0,3-2 0,9-12 0,-12 13 0,12-13 0,0 0 0,0 0 0,0 0 0,0 0 1,-10 11-1,10-11 0,-7 12 0,0-1 0,-2 4-1,-2 4 1,-3 5 0,-3 5 0,0 3 0,-6 3 0,0 2 1,-1 0-2,1 1 1,-1-1 0,2-2 0,3-3 0,1-2 0,5-3 0,2-1 0,2-3 0,1-5-1,3 1 1,-1-2 0,2-3 0,0 0 0,0-4 0,0 0 0,4-10 0,-9 14 0,9-14 1,-9 11-2,9-11 1,-10 13 0,10-13 0,-12 18 0,5-8 0,0 2 0,0 1 0,0 2 0,0 0 0,1-3 0,-1-1 0,3-2 0,4-9 0,-5 12-1,5-12 1,0 0 0,-5 11 1,5-11-1,0 0 0,-4 10 0,4-10 0,0 0 0,-5 10 0,5-10 0,0 0 0,0 0 0,0 0 0,-5 9 0,5-9 0,0 0 0,0 0 0,-7 11 0,7-11 0,0 0 0,0 0 0,-10 10 0,10-10 0,0 0 0,0 0 0,-10 9 0,10-9 0,0 0 0,0 0 0,-4 9 0,4-9 0,0 0 0,0 0 0,0 12 0,0-12-1,0 0 1,0 0-1,-6 9 1,6-9 0,0 0 0,0 0 0,0 0 0,0 0 0,0 0 0,0 0 0,0 0 0,0 0 0,0 9 0,0-9 0,0 0 0,0 0 0,0 0-1,0 0 1,0 0 0,0 0-1,0 0 1,8 6 0,-8-6 0,0 0 0,15 8-1,-15-8 1,19 10 0,-7-4 0,0 2 0,0-1 0,1 1 0,-1-1 0,-3-1 0,-9-6 0,14 7 0,-14-7 1,9 3-1,-9-3 0,0 0 0,9-3 1,-9 3-1,0 0-1,0 0-7,0 0-28,0 0 0,11 8-2,-11-8-1</inkml:trace>
+  <inkml:trace contextRef="#ctx0" brushRef="#br0" timeOffset="6">1222 1920 8,'0'0'14,"0"0"-1,0 0-4,0 0-1,-7 9 0,7-9-3,0 9 1,0-9-2,4 14 1,-4-14-1,8 14 0,-8-14 1,9 14-2,-9-14 0,10 12-1,-10-12 1,10 10-2,-10-10 1,10 8 0,-10-8-1,0 0 0,0 0 0,9 8 1,-9-8 0,0 0 0,0 0 1,0 0 0,0 0 1,0 0-2,0 0-1,0 0 0,-4-9 0,4 9 0,0 0-1,0 0 0,5-11 1,-5 11-1,10-9 0,-10 9 1,20-15 0,-6 4 0,2-3 0,4-1 0,0-2 1,4-1 1,2 0-1,1-1 0,1-1-1,0 3 0,-2 0 0,2 0 0,-3 3-1,-1 0 0,-1 2 1,-3-1-1,-4 3 1,0 2-1,-4-1 1,-2 3-1,-10 6 1,14-9 0,-14 9 0,0 0 0,0 0-1,8-11 1,-8 11 0,0 0 0,0 0-1,0 0 1,0 0-1,0 0 0,0 0 1,0 0-1,0 0 0,-11 0 0,11 0 0,-12 6 0,3 0 0,-3 2 0,-4 3 0,-3 3 1,-6 2-2,-5 3 1,-1 3 0,-3 1 1,-1 0-2,-1-3 2,3-1-2,2-2 1,4-5 0,6-3 1,5-1-2,3-3 1,4-2 0,9-3 0,-10 3 0,10-3 0,0 0-1,0 0 1,0 0 0,0 0 0,0 0-1,13-11 1,-3 4 0,3-2 0,4-4 0,3-3 0,7-3 0,4-2 0,0-2 0,3 0 0,1-1 0,-4 5 0,-1 2 0,-5 3 0,-6 4 1,-3 4-1,-6 6 0,-10 0 0,9-4 0,-9 4 1,0 0-1,0 0 0,-14 9 1,3-4-1,-1 1 0,-4 2 0,-1 1 0,-4 0 0,-1 3 0,-3 0 0,-3 1 0,-2 0 0,1 0 0,-1 1 0,1 0 0,2 1 0,4-2 0,2-1 0,5-1-1,4-2 1,3-1 0,9-8 0,-10 11-1,10-11 1,0 0 0,0 0 0,0 0 0,0 0 0,0 0 0,0 0 0,13-12 0,-3 5-1,3-4 1,5-2 0,6-2 0,2-3 0,7-2 0,2-2 0,2 0 0,-1 3 0,-2 1 0,-3 4 0,-3 3 0,-5 4 0,-7 2 0,-3 5 0,-13 0 0,13 0 1,-13 0-1,0 0 1,0 0-1,0 0 1,0 0-1,0 0 1,-11 5-1,11-5 0,-10 7-2,10-7-6,-12 6-28,12-6-1,-9 10-3,9-10 0</inkml:trace>
+  <inkml:trace contextRef="#ctx0" brushRef="#br0" timeOffset="7">1518 1469 3,'16'9'10,"-5"-2"-1,0-1 3,2 1-5,-2-1 3,2 0-3,-4 0-1,0-1-1,-9-5-2,14 6 1,-14-6 0,0 0 1,10 0 0,-10 0-1,0 0 1,0 0 0,0 0-2,0 0 2,0 0-2,0 0-1,-10-3-1,10 3 0,-10-7 1,10 7-2,-11-7 0,11 7 0,-10-9 1,10 9-1,-9-9 0,9 9 0,-4-10 0,4 10-1,0 0 1,0-11 1,0 11-1,0 0 0,0 0 0,0-9 2,0 9-2,0 0 0,0 0 0,0 0 0,0 0-2,0 0 2,6-10 0,-6 10 0,0 0 0,0 0 0,10-8-3,-10 8-4,10-14-17,-1 6-8,-3-6-1</inkml:trace>
+  <inkml:trace contextRef="#ctx0" brushRef="#br0" timeOffset="8">1605 1406 9,'6'-28'14,"-6"14"1,7-4-1,-1-1-2,-2-3-1,6 2-1,-4-8-1,6 4-2,-3-8 1,4 1-2,-1-1 0,2 0 1,-3-2-3,5 1-1,-1-1 0,4 2 0,-2-1-1,2 6 2,-2-4-2,3 6-1,-2-3 0,3 1 1,-3 1-1,2 0 0,0 0-1,1 1 1,-1 0 0,3 0 0,-3 1 0,4 1-1,-2 0 1,1 1-1,1 0 0,-2 0 0,0 2 1,-2 0-1,0 1 0,-1 4 0,-2 1 1,-4 2-1,-1 0 1,-1 3-1,-11 9 0,14-13 1,-14 13-1,0 0 1,12-11-1,-12 11 1,0 0-1,0 0 1,0 0-1,0 0-1,-3 14-7,3-14-28,-11 12 0,5-2-3,-2-1 0</inkml:trace>
+  <inkml:trace contextRef="#ctx0" brushRef="#br0" timeOffset="9">56 2144 7,'0'0'8,"0"0"0,-9-11 2,9 11-3,0 0-2,0 0 2,0 0-2,0 0 0,0 0-2,0 0 1,-9 12-2,9-12 1,0 0 0,-6 12 1,6-12-1,-4 12 0,4-12 1,-4 12-1,4-12 0,-4 14-1,4-14 2,-4 15-2,4-6 0,-3 1 1,3 0-1,-3 0 0,3 2-1,-4 0 1,4 1 0,-3-3 1,3 4 0,-3-3-1,3 1 0,0 0-1,0-1 0,0 0 0,0 2 0,0 0 0,0-1 0,0 1 0,3 1 0,-3-1-1,0 2 1,3-3 0,-3 2-1,3-1 1,-3 1-1,4-2 1,-4 1-1,6 0 1,-3 0-1,0 0 1,0 0 1,0 0-2,0 0 2,0 1-1,1-2 0,-4 3 1,6 0-1,-3 1 0,1 1 0,-1-2 1,0 2-1,0 1 0,2 1 0,-2-3 0,1 2 0,-1 0-1,1 0 1,-4 1-1,5 0 1,-2-1-1,0 3 1,-3-3-1,4 2 0,-4 0 0,5 1 1,-5-2-1,4 2 0,-4-1 0,3-2 0,-3 3 0,6-2 1,-3 0-1,0-2 0,3-1 0,-3 1 1,3-1-1,0-1 0,-1-1 0,1 0 1,0 1-1,0-2 0,0 1 1,1-2-1,-1 4 1,0-2-1,2 1 1,-1 1-1,0-2 1,1 1-2,-1 0 1,2 1 0,-1-3 0,0 0 1,1 2-1,0-2 0,0 1 0,0 0 0,-1 1 0,1-1 0,0 1 0,1 0 0,0 1 0,0 0 0,1-1 0,-1 2 0,1-2 0,0-1 0,0 2 0,1 0 0,1 0 0,1 1 0,-2 0 0,1-1 0,0 1 0,-1 0 0,1-1 0,0-1 0,-2-1 0,2-1 0,-2 0 0,2 0 0,-2 0 0,1 0 0,1 0 0,-2-1 1,1-1-1,-1 0 0,0-1 0,-1-2 0,0 0 0,1-1 0,-1 1 0,0 0 1,1 0-1,-1-1 1,1 0-1,0 1 0,0 1 1,-1-1-1,-1-2 0,-9-6 0,18 11 0,-9-6 1,-9-5-1,17 8 0,-8-4 1,0 0-1,1-1 2,0 1-2,1-1 0,1-3-11,7 0-23,0 0-4,0-4-1,3-6-3</inkml:trace>
+  <inkml:trace contextRef="#ctx0" brushRef="#br0" timeOffset="10">2021 2182 12,'0'0'15,"0"0"-1,0 0-1,-12 0 1,12 0-5,0 0 2,0 0-3,0 0 0,0 0-3,0 0-1,0 0 0,0 0-2,-7 11 3,7-11-2,0 13-1,0-13 1,3 19-1,-3-9 1,0 4 0,0-1 0,3 3 2,-3 0-2,0 1-1,0 3 0,-3 2 0,3-1 0,-3 3-1,3-2 0,-3 2 0,3 1-1,-4-1 1,4 0-1,-4-2 0,4 1 1,-4-1-1,4 0 0,-5-2 0,2 3 1,0-1 0,-1 1 0,0 0-1,0 0 1,-3 0-1,3 2 1,-3 0-1,0 0 0,-1 0 0,-1 3 0,1 1 0,-1 0 0,-2 0 0,1 2 0,0-1 1,-1 0-2,2-1 1,-1-2 0,-1 0 0,0 0 0,1 0 0,-1-1 0,0 1-1,-2 2 2,1 0-1,-1 1 0,1 1 0,0-1 1,-1 0-2,1 0 2,-1 0 0,0-3-2,1 0 1,0-1 0,-1-2 0,1-4 0,2-1 1,-1-1-1,1-4 0,0 0 0,0-2 0,-1-1 0,1 0 0,0 2 0,-1-1 1,1 0-1,-2 1 0,0 0 0,0 1 0,-1-2 1,3 0-1,0 0 1,-1 0-1,1 0 1,-1-1-1,1-1 1,1 2-1,-1-3 1,1 1-1,-1-2 1,0 1-1,0-1 0,0 2 2,1-1-2,9-9 0,-17 16 0,17-16 0,-17 18 1,7-9 0,3 0-1,-3-1 1,1 0-1,0 1 1,-2 0-1,1 1 1,-2-1-1,2-1 0,0 0 0,-1 1 0,2-2 1,9-7-1,-16 12 1,6-6 0,1-4 0,9-2-1,-15 6 1,15-6 0,-16 0-1,16 0 1,-17 0-1,17 0 0,-14 0 0,14 0 1,-15 0-1,15 0 0,-15 0 0,15 0 1,-16-3-1,16 3 0,-16-4 0,16 4 0,-18-4-1,9 1 1,0 0 0,-1 0 0,0 0 0,-1 0 0,2 0 0,9 3 0,-16-6 0,16 6 0,-16-5 1,16 5-1,-14-7 0,14 7 0,-14-6 0,14 6 1,-15-8-1,15 8 0,-15-9 0,15 9 0,-15-8 0,15 8 0,-17-13 1,17 13-2,-15-13 1,6 7 0,9 6 0,-15-13 0,15 13 0,-16-12-1,16 12 1,-17-10 0,17 10 1,-17-10-1,7 5 0,1 1-1,9 4 2,-16-9-1,16 9 0,-12-6-1,12 6 1,0 0 0,-9-5 0,9 5 0,0 0 0,0 0-1,0 0 0,0 0 1,0 0-1,0 0 1,0 0-1,12 5 0,-12-5 1,18 6 0,-7-3 0,1 1 0,2-1 0,0 0 0,3 1 0,-1-2 0,2 1 0,-1-3 0,1 4 0,1-4 0,0 5 0,0-5 0,-2 3 0,-1-3 0,0 3 0,-2-3 0,-1 0 0,0 0 0,-1 3 0,-2-3 0,0 0 0,1 0 0,-2 0 0,0 0 0,-9 0 0,17 0 0,-17 0 0,17 0 0,-17 0 0,17 0 0,-17 0 0,17 0 0,-17 0 0,16 0 0,-16 0 1,14 0-1,-14 0 0,13 0 0,-13 0 0,10 0 0,-10 0 0,9 0 0,-9 0 0,0 0 0,10 0 0,-10 0 1,0 0-1,0 0 0,0 0 0,0 0 1,0 0-1,0 0 1,0 0-1,0 0 1,0 0 0,0 7-1,0-7 1,-7 13-1,7-13 1,-21 18-1,8-9 0,-1 0 1,1 0-1,-3-1 1,0-3-1,1-1 0,1-1 0,3 0-1,0-3 1,2 3 0,9-3 0,-14 0 0,14 0 0,-9 4 0,9-4 0,0 0 0,0 0-1,0 0 1,0 0-1,0 0 1,0 0-1,0 0 0,0 0 1,0 0-1,0 0 0,15 7 1,-15-7-1,20 0 1,-9 0 0,2 0 0,2 0 0,1 0 0,0 0 0,-1-4 0,-1 0 0,2 1 0,-1-2 0,-1 1 1,0-2-1,-1 0 0,1-2 0,0-1 0,2-2-2,-1-7-13,4-1-21,3-4-5,0-10 1,1-10-4</inkml:trace>
+  <inkml:trace contextRef="#ctx0" brushRef="#br0" timeOffset="11">1413 2816 4,'0'0'5,"0"0"0,0 0-1,0 0-2,0 0 2,0 0-1,0 0 0,0 0 0,0 0-1,0 0 0,0 0 0,0 0 0,0 0 0,-9-9-1,9 9 0,0 0 2,0 0-2,0 0 2,0 0-2,0 0 0,0 0 2,0 0-2,0 0 2,0 0-2,-10-9 1,10 9 0,0 0 1,0 0-1,0 0 0,0 0 1,0 0 0,0 0-1,0 0 1,-9-9-1,9 9 2,0 0-2,0 0 1,0 0 0,0 0 0,0 0 0,0 0 0,0 0-1,0 0 0,0 0-1,0 0-1,0 0 0,0 0 0,0 0 0,0 0 0,0 0 0,0 0 0,0 0 0,7 13 0,-7-13 1,10 9 0,-10-9 0,12 10 0,-12-10 0,16 5 0,-16-5 2,14 4-2,-14-4 2,14 0-1,-14 0 0,14 0 0,-14 0-2,16-7-18,-3 3-12,-5-7-4,4 1 2</inkml:trace>
+  <inkml:trace contextRef="#ctx0" brushRef="#br0" timeOffset="12">488 2719 3,'0'0'7,"-9"-5"1,9 5 1,0 0-1,0 0-1,0 0 0,0 0 1,0 0-2,0 0-1,-10 0-1,10 0-1,0 0 1,0 0-2,0 0 2,0 0-3,0 0 1,0 0 1,-12 9-2,12-9 0,0 0 1,-10 12-2,10-12 1,0 0 0,-13 11 0,13-11 0,0 0 0,-8 9 0,8-9 1,0 0-1,0 0 0,0 0 0,0 0 2,0 0-1,0 0 0,0 0 0,0 0 0,0 0 0,0 0 1,0 0 0,0 0-1,0 0-1,0 0 0,0 0 0,0 0-1,0 0 0,0 0 0,0 0 0,-4 10 0,4-10 0,0 0 0,0 0 0,9 8 0,-9-8 1,12 7-1,-12-7 1,14 8-1,-3-3 1,-2-3 0,1 3 0,0-5 0,2 5 0,-12-5 0,19 0 1,-19 0-1,17 0 1,-17 0 2,17-5-2,-17 5 0,15-14 1,-8 4-1,1-1 0,-1-2 0,-1 2-1,0 0 0,0 2 0,-6 9-2,6-15 1,-6 15 0,0 0-1,0 0 0,7-9 2,-7 9-2,0 0 1,0 0 1,0 0-1,0 0 1,0 0 0,0 0 0,0 0-1,0 0-4,0 0-20,3 13-12,-3-13 0,0 0-2</inkml:trace>
+</inkml:ink>
+</file>
+
+<file path=ppt/ink/ink23.xml><?xml version="1.0" encoding="utf-8"?>
+<inkml:ink xmlns:inkml="http://www.w3.org/2003/InkML">
+  <inkml:definitions>
+    <inkml:context xml:id="ctx0">
+      <inkml:inkSource xml:id="inkSrc0">
+        <inkml:traceFormat>
+          <inkml:channel name="X" type="integer" max="32767" units="in"/>
+          <inkml:channel name="Y" type="integer" max="32767" units="in"/>
+          <inkml:channel name="F" type="integer" max="255" units="dev"/>
+        </inkml:traceFormat>
+        <inkml:channelProperties>
+          <inkml:channelProperty channel="X" name="resolution" value="3971.75732" units="1/in"/>
+          <inkml:channelProperty channel="Y" name="resolution" value="5295.24854" units="1/in"/>
+          <inkml:channelProperty channel="F" name="resolution" value="0" units="1/dev"/>
+        </inkml:channelProperties>
+      </inkml:inkSource>
+      <inkml:timestamp xml:id="ts0" timeString="2017-01-27T04:45:42.211"/>
+    </inkml:context>
+    <inkml:brush xml:id="br0">
+      <inkml:brushProperty name="width" value="0.10583" units="cm"/>
+      <inkml:brushProperty name="height" value="0.05292" units="cm"/>
+      <inkml:brushProperty name="color" value="#7F7F7F"/>
+      <inkml:brushProperty name="fitToCurve" value="1"/>
+    </inkml:brush>
+  </inkml:definitions>
+  <inkml:trace contextRef="#ctx0" brushRef="#br0">1029 3208 1,'0'0'8,"3"-9"1,-3 9 1,4-13 0,-4 3-1,5-2 0,-2-1-2,1-3 0,0-2-3,0-2 1,0 1 0,2-3-2,-3 1 0,2 0 0,-2 0-1,0 2 0,0-1-1,-3 0 1,5 3-1,-5-3 1,4 2-1,-4 0 1,6 0-1,-6-2 1,7 0-1,-4-2 0,2 0 0,-2-1 0,3 0 0,-2-1-1,2-1 1,-2-1 0,1 3 0,0-4 0,0 3 0,1-2 1,0 2-1,-1 0 1,1 0-1,-1-1 2,1 1-2,0 0 0,-1 2-1,0 0 2,0-2-1,-2 1 0,3 2 0,-3 0 0,0 1 0,-3 1 0,6 0-1,-3-1 1,0 1-1,0-1 0,1 0 0,2-3 0,-2 2 1,3-2-1,-2 2 0,1-1 1,0 0-1,1 0 1,0 2-1,-1 0 1,0 0-1,-1 2 2,2 0-2,-1 1 2,0-1-2,1 0 0,1 1 1,1-1-1,0 0 0,2-2 0,-1 1 1,2-1-1,2-1 0,0 0 1,1 1-1,-2-1 0,2 2 0,-1 0 0,0 0 1,0 2-1,-1 3 1,-3-1-2,1 2 2,-1 1-1,0-2 1,-1 3-2,0-1 1,1 0 1,0 1-1,-1-1 0,0 2 0,1 0 0,-1 2 0,0-1 0,1 2 0,-10 7 0,17-13 0,-17 13 1,17-11-1,-17 11 0,17-11 0,-8 5 0,-9 6 1,19-11-1,-8 6 0,0 0 0,-1 0 0,1-1 1,-1 1-1,2-2 1,-1 1-1,-2-4 0,2 2 1,-1-2-1,0 0 0,2-1 1,-2 0-1,2 0 0,-2 1 0,0 0 0,1-2 0,0 1 1,0-1-1,1-2 0,-1 3 1,2-2-1,0 0 0,0 0 1,2-1-1,-3 2 0,1 0 1,0 2-1,1-1 0,-3-1 0,1 3 0,-1 1 1,-2 1-1,2-2 0,1 3 0,-3 0 0,0-1 0,-9 7 0,16-9 0,-16 9 0,15-7 0,-15 7 0,13-4 0,-13 4 0,12 0 0,-12 0 0,13-3 0,-13 3 0,14 0 0,-14 0 0,17 5 0,-17-5 0,16 5 0,-16-5 0,15 9 0,-15-9 0,16 10 1,-16-10-1,14 11 0,-14-11 0,12 12 0,-12-12 0,13 14 1,-13-14-1,12 17 0,-12-17 0,10 16 0,-4-7 1,-2 2-1,-4-11 0,10 14 0,-10-14 0,9 16 1,-9-16-1,8 14 0,-8-14 0,7 15 1,-7-15-1,5 15 0,-5-15 0,5 14 1,-5-14-1,3 13 0,-3-13 1,0 13-1,0-13 1,3 15-1,-3-15 1,0 16-1,0-16 1,-4 16-1,4-16 0,-5 17 1,2-8-1,-1 0 0,0 2 0,-1-1 1,0 0-1,0 1 0,0 0 0,0-2 0,5-9 0,-11 17 0,11-17 0,-7 14 0,7-14 0,-8 12 1,8-12-1,-7 9 0,7-9 0,0 0 0,-10 11 1,10-11-1,0 0 0,-10 10-5,10-10-28,0 14-6,-3-3 2,-2 2-4</inkml:trace>
+  <inkml:trace contextRef="#ctx0" brushRef="#br0" timeOffset="1">2376 1349 10,'-9'5'12,"9"-5"-4,-4 10-2,4-10-3,-6 13-1,6-13-1,-7 16 1,7-16 1,-8 18 1,8-18-2,-9 18 2,9-18 1,-9 19-2,9-19 2,-9 18-2,9-18 1,-11 19 0,11-19 1,-13 17-3,6-8 2,0 2-2,-2-2 0,1 1 0,-1 0 0,1 2-1,-2-2 2,1 0-2,0 1 1,-1 1 0,1-1 0,0 0-1,-1 0 1,0 1-1,1-2 1,0 1-1,0 0 2,0-2-2,0 1 1,2-1 1,-3-1-2,10-8 0,-15 15 0,15-15 0,-15 16 0,9-7-1,6-9 1,-16 19-1,8-9 1,-2 3-1,1-1 1,0-1 0,2 1-1,-2 0 1,0-1-1,1-1 1,-1 1-1,1-2 1,0 1 0,1-1-1,0 0 1,0 1-1,7-10 1,-14 17-1,14-17 0,-13 14 1,13-14-1,-12 15 0,12-15 0,-11 14 0,11-14 0,-9 15 0,9-15 0,-11 15 0,11-15 0,-9 15 2,4-5-4,5-10 4,-9 17-2,3-8 0,1 1 0,5-10 0,-10 20 0,6-11 0,-2 2 0,1-1-2,1 2 4,0-1-2,0 2 0,0-1 0,1-1 2,-3 1-2,3-1 1,-1 0-1,0 0 0,0-2 0,0 1 0,4-10 0,-7 16 0,7-16 0,-5 14 0,5-14 0,-5 12 0,5-12 0,-3 15 0,3-15 0,-3 14-1,3-14 1,0 15 0,0-15 0,0 15-2,0-15 2,0 14-2,0-14 2,0 13-1,0-13 1,3 12 0,-3-12 0,3 10-1,-3-10 1,7 9 0,-7-9 0,6 9-1,-6-9 1,0 0 0,12 11 0,-12-11 0,0 0 0,0 0 0,10 9 0,-10-9 0,0 0 1,0 0-2,0 0 1,10 4 1,-10-4-1,0 0 0,0 0 0,12 5 0,-12-5 0,0 0 0,0 0 0,12 0 0,-12 0 0,0 0 0,10 0 0,-10 0 0,0 0 0,12 0 0,-12 0 0,9-5 1,-9 5-1,12-3 0,-12 3 0,13-5 0,-13 5 0,13-5 0,-13 5 0,16-9 0,-16 9 0,17-12 1,-8 4-1,-9 8 2,17-19-2,-7 7 2,1 1-2,-1-2 0,-1 1 1,1 0-1,1-1 0,-2 2 0,1 0 0,0 1 0,0-2 0,1 0 1,-1-1-1,2 0 0,0-1 0,2 0 0,0-1 0,-2-1-1,1-1 1,0 3 0,-2 0 0,-1 0 0,0 1 0,0 1 0,-1 1 0,0 1 1,2-2-1,-1 0 0,0-1 0,0 0 1,1-1-1,-2 0 0,1-2 0,-1 2 0,1 0 0,-1 0 0,0 1 0,0 1 1,-2 1-1,1 0 0,-1-1 0,-1 1 0,1 0 0,0-1 1,0-1-1,1 1 0,-2 1 0,3-1 1,0 1-1,0 0 0,0-1 0,-1 0 0,1 0 0,-1 0 1,1-1-1,-2 0 0,0 1 0,1 0 0,-2 0 0,1 1 1,-1 0-1,0 1 0,0-1 0,0 0 1,-1 1-1,0-2 0,1 1 1,-2 0 0,1 0-1,-1 0 1,0-1 0,-1 3-1,0-1 1,-3 1-1,0 9 1,6-16-1,-6 16 1,3-13-1,-3 13 0,3-14 1,-3 14-1,0-13 1,0 13-1,3-13 1,-3 13 0,0-13 0,0 13 0,0-11 0,0 11 1,0-11-1,0 11 0,-7-9 1,7 9-1,-11-9 0,11 9 1,-16-8-1,6 4 0,-1 0-1,-2 1 1,-2 3-1,-2 0 0,-4 0 0,2 3 1,-3 3-1,1 1-1,0 10-8,-3 2-27,3 7-3,0 4 0,1 6-4</inkml:trace>
+  <inkml:trace contextRef="#ctx0" brushRef="#br0" timeOffset="2">2085 2309 1,'-10'10'3,"10"-10"1,0 0-2,0 0 1,-10 12-1,10-12-1,-9 13 1,9-13 0,-8 15 0,8-15 0,-8 15 1,8-15 0,-9 18 0,4-8-1,1 0 1,4-10 0,-8 18 0,4-7 0,4-11 1,-6 17-1,6-17 0,-7 15 0,7-15-1,-6 13 0,6-13-1,-4 15 2,4-15-1,-4 16-1,4-16 1,0 16-1,0-16 1,-4 15-1,4-15 1,0 16-2,0-16 1,0 13-1,0-13 1,7 14-1,-7-14 2,5 12-2,-5-12 1,7 12 0,-7-12-1,8 10 1,-8-10 0,0 0 0,10 13 1,-10-13-2,0 0 1,7 11-1,-7-11 0,0 0 1,9 9-1,-9-9 0,0 0 0,10 6 0,-10-6 1,0 0-1,12 5 0,-12-5 1,0 0-1,14 3 1,-14-3-1,10 0 1,-10 0-1,12 0 1,-12 0-1,11 0 1,-11 0 0,14 0-1,-14 0 1,14-4 2,-14 4-2,15-6 0,-15 6 0,17-8 0,-17 8 1,16-10-2,-16 10 1,17-13 0,-8 7-1,-9 6 1,18-17 0,-10 8 0,0-2-1,1 0 1,0-1-1,-1 1 1,2-3-1,-2 1 0,1-2 1,0 2-1,0-1 0,1-1 0,1 1 1,-1 1-1,0-2 0,1 2 0,1 0 1,-1-2-1,1-1 0,0 2 2,0-2-2,1-2 0,0 1 1,-1 0-1,1-1 0,-1 0 2,2 1-2,-3 1 0,1-1 0,-1 2-2,0-3 2,1 1 0,-1 1 0,0 0 0,0 1 0,0 0-1,0 1 2,-1 0-1,-1 4 0,1 2 0,-10 8 0,16-17 0,-16 17 0,15-12 2,-15 12-2,14-13 0,-14 13 0,11-11 0,-11 11 1,12-14-1,-12 14 0,9-11 0,-9 11 2,12-12-2,-12 12 0,10-14 1,-10 14-1,12-12 1,-12 12-1,10-15 0,-10 15 1,12-14-1,-12 14 1,12-15-1,-12 15 1,10-15 0,-10 15-1,9-15 1,-9 15 0,9-17-1,-9 17 1,9-15-1,-9 15 1,8-17-1,-8 17 1,9-14 0,-9 14-1,9-13 1,-9 13 0,9-13-1,-9 13 1,9-16 0,-5 7 1,1-1 0,-2 1-1,1-1 1,-1 1-1,-3-2 0,0 11 0,7-17 1,-7 17-1,3-15 1,-3 15 0,0-13-1,0 13 1,0-12 0,0 12-1,0-11 0,0 11 1,-7-13-1,7 13 0,-7-11 1,7 11-1,-9-12 0,9 12 0,-13-11 0,13 11 0,-17-11 1,8 6-1,-1 0 0,-2 0-1,-1 0 1,-2 1 0,1 1-1,-1 0 1,-2 3-1,-2 0 0,0 0 0,-2 7 1,-1 3-2,-1-1-3,2 10-19,-4-3-16,0 4 0,0 1-2</inkml:trace>
+  <inkml:trace contextRef="#ctx0" brushRef="#br0" timeOffset="3">2344 2498 7,'0'0'12,"-8"12"0,8-12-4,-4 9-3,4-9-1,-5 17-1,5-6-2,-5 1 0,5 2 2,-4 1-2,4 1 0,-5 0 2,5 0-2,-5 1 1,5-2-1,-3-1 2,3 0-2,0-1 0,0 0 1,0-2-1,0 1 0,0-2 1,0 0-1,3 0 1,-3 0-1,0-10 0,7 16 1,-7-16-1,7 13-1,-7-13 1,8 11 0,-8-11 0,11 8 0,-11-8 1,10 6-1,-10-6 0,12 5 0,-12-5 1,14 3-1,-14-3 1,14 0 0,-14 0 1,17-4-1,-17 4 2,18-8-2,-18 8 1,18-14 0,-11 4-1,5 0 1,-3-2-1,0-1 1,1-2-2,0 2 0,1-2-1,-1 2 1,2-2-1,-2 2 0,3 0 0,-2-1 1,2 0-1,-1 0 0,1 0 0,-1 0 1,1-1-1,0 0 0,1 0 1,-2-2-1,0 1 0,-1-2 1,2 2-1,-1-1 0,0 0 0,2 2 0,-3 1 0,2 0 0,1 0 0,-1 1 0,-1 0 1,1-1-1,-1 1 0,0-1 0,0 0 0,1 1 1,-3-2-1,1 2 0,-1 0 0,0 1 0,-1 1 0,-1 0 0,0 2 0,-8 9 0,14-16 1,-14 16-1,13-16 0,-13 16 0,13-15-1,-13 15 1,12-15-1,-12 15 1,13-17 0,-7 8 0,0 0-1,0-2 2,0 1-1,0 0 0,0-2 0,0 3 0,1-2 1,-1 2-1,-6 9 1,13-16 0,-7 7-1,-6 9 1,13-17 0,-13 17 0,12-15 0,-12 15 0,9-15 1,-9 15 0,9-16-1,-9 16 0,6-14 1,-6 14-1,5-16 0,-5 16 0,5-16 0,-5 16 0,4-18 0,-4 9 0,0 9 0,5-17 0,-5 17 1,0-14-1,0 14 0,0-14 0,0 14 0,0-10 0,0 10 1,0-11-1,0 11 0,-5-12 0,5 12 0,-5-12 0,5 12 0,-8-13 0,8 13 0,-9-14 0,9 14 1,-15-9-1,5 4 0,1 1-1,-3-2 1,-1 3 0,-1 0 0,-3 0-1,1 3 1,-2 0-1,-1 0-2,-3 4-9,3 12-25,-2 5-4,-2 7 0,-2 7-4</inkml:trace>
+  <inkml:trace contextRef="#ctx0" brushRef="#br0" timeOffset="4">2652 2652 4,'-5'11'9,"5"-11"-3,-5 17 1,0-8-2,2 2-1,-1 2-1,4-1 0,-6 2-1,6-1 0,-3 0 0,3 2-1,0-2 0,0 0 1,3-3-1,-3 2-1,4-2 2,-1-1 0,0 1-1,-3-10 0,6 14 1,-6-14-1,8 15 0,-8-15 1,8 12-1,-8-12 0,9 12 1,-9-12-1,10 13 0,-10-13 1,12 9-1,-12-9 1,14 7 0,-14-7 1,16 7 0,-16-7-1,15 3 0,-15-3 1,16 0 0,-16 0-1,15 0 0,-6 0 1,-9 0 0,20-5-1,-11 1 0,3 1 1,-2-2-1,1 0-1,-1 0-1,2 0 1,-2-2 0,2 0-1,-3 0 1,2-2 0,1 1-1,-1-1 1,0 0 0,1-1-1,-2 0 2,1 1-1,-1-1-1,0 0 2,-2 1-1,2-1-1,-1-2 2,1 1-2,1-2 1,-2 1-1,2-1 0,1 0 0,-1-1 1,0 2-1,1-1 0,0-1 1,-3 1-1,1-2 1,-1 0-1,0-2 0,-1 2 1,0-2-1,-1-1 0,2 2 0,-2-1 1,0 0-1,0-1 1,0 2-1,1 0 1,-2 1 0,1-2 0,-1 3 0,1-2 0,-1 3 0,0-2 0,-1 3 0,0-1 0,0 1 1,-1 1 0,1 1-1,-2-1 0,1 1 0,0 0-1,1-1 1,-2 1-1,1-1 1,1 1-1,-1 0 1,-1 1-1,1-1 1,-1 1-1,0 0 0,-3-1 1,5 1-1,-1 0 0,-1-3 0,-3 2 0,5-1 1,-2 1-1,-3 1 1,5 0-1,-5 9 1,5-16-1,-5 16 1,3-10-1,-3 10 1,4-10 0,-4 10-1,0-9 2,0 9-1,0-9 0,0 9 1,0-10 0,0 10-1,-7-10 1,7 10-1,-8-11 1,8 11-1,-13-12 1,13 12 0,-17-11-1,6 7 0,-1-2 0,-1 3 0,-2 3 0,0-4 0,-1 4-1,0 0 0,0 12-5,-5-3-28,6 7-6,-7 4-2,-3 2-3</inkml:trace>
+  <inkml:trace contextRef="#ctx0" brushRef="#br0" timeOffset="5">926 1615 2,'-12'0'13,"12"0"0,0 0-1,-11 5 0,11-5 0,0 0-3,0 0 1,-11 5-3,11-5-1,0 0-2,0 0 0,0 0-2,0 0-1,0 0 1,0 10-2,0-10 0,9 10-2,-9-10 2,16 17 0,-5-4 2,1 2-2,3-1 1,3 3 0,-2 0 1,3 0-1,3 0 0,3 2 1,-2-5-1,0 1 0,1-1 1,-2 0 1,-1-2-2,-2 0 2,-6-4-2,-1 1 1,-12-9 0,14 12 1,-14-12-1,0 0 1,0 0-2,0 0-3,0 0-9,0 0-23,-10-6 1,6-4-3</inkml:trace>
+  <inkml:trace contextRef="#ctx0" brushRef="#br0" timeOffset="6">933 1603 6,'0'0'12,"0"-12"0,4-2-1,1-4 0,1-7 0,2-4-1,0-6-2,2 0-2,0-3-1,0 3-2,-2 1-1,2 3-1,-3 3 1,0 6-1,-1 2 1,-2 4-1,-1 4 0,1 3 1,-4 9 0,3-12-1,-3 12 0,0 0 0,0 0 0,0 0 0,0 0 0,0 0 0,0 0 0,0 0 1,0 0 1,0 0 0,0 0 1,0 0-1,0 0 0,0 0-1,0 0 0,0 0 0,0 0-1,0 0 2,0 0-1,-7-9-1,7 9 0,0 0 0,-10-10 0,10 10 0,-12-13 0,12 13 0,-13-15 0,3 6-1,0-4 1,-3-1-1,-1-3 1,-3-2-1,-2-4 0,-3-3 1,0-3-1,-5-1 0,2-1 1,0-2-1,-2-1-1,-1 1 2,1 3-2,1-1 2,0 2-1,1-2 0,-2-2 0,2 1 0,0-3 0,0 0 0,0-2 1,-2-1-1,2-1 0,2 2 0,-1 1 0,2 2 1,-2 3-1,3 2 0,1 2 0,-1 3 0,2 2 1,0-1-2,1 2 1,-1 0 0,1 2 0,2 1 0,1 2-1,3 0 1,1 2-1,1 4 2,2 1-1,8 9 0,-10-14-1,10 14 1,-8-11 0,8 11-1,-4-9 1,4 9 0,0 0-1,0 0 0,0 0 0,-3-9-1,3 9 1,0 0 0,0 0-1,12 0 1,-12 0 0,11 0-1,-11 0 2,18 0-2,-6 3 2,0-1 0,1 3 0,3 0 0,1 2 0,0 3 0,3 1 0,2 3 0,1 4 2,1 3-2,3 0 2,3 2-2,-1 1 1,1 2-1,1-1 0,0 3 1,2-3-1,-2 2 1,0 2-1,0 0 0,1-1 1,2 1-1,-1-1 0,1-1 0,-1 0 0,-1-2 1,-2-3-1,1 0 1,-3-2-1,-1-2 0,-2-1 1,-1-2-1,0-2 0,1 0 1,-2-1-1,-1-1 1,2 0-1,-3 1 1,1-1-1,0-1 1,-4 0-1,1-1 0,0-1 0,-1 0 1,1-1-1,-2 1 0,1-2 0,1 1 0,-1 2 1,-2-1-1,2 1 1,-2 1-1,1-3 1,0 1-1,-4-2 0,2 1 0,0-2 0,0 0 0,-2-1 0,-1-1 0,0 2 0,1-1 1,-3 3-1,3-2 0,-1 2 0,0 1 0,-1 0 0,2 0 1,-3 0-1,2 0 0,-3 1 0,-9-9 0,16 14 0,-16-14 0,13 13 1,-13-13-1,11 9 0,-11-9 0,0 0 1,10 7-1,-10-7 1,0 0-1,0 0 1,0 0 0,0 0 0,0 0 0,0 0-1,0 0 1,0 0 0,0 0 0,0 0-1,0 0 1,0 0-1,0 0 1,0 0-1,0 0 1,0 0-1,0 0 0,0 0 0,0 0 0,0 0 0,0 0 0,0 0 0,-9 8 0,9-8 0,-5 16 0,1-4 0,1 4 0,-1 5-1,-2 2 1,1 6 0,0 2 0,0 3 0,-1 2 0,0-2 0,-1 5 0,1-3 0,1-3 0,0-3-1,-1-5 1,3-7 0,3-3 0,-5-5 0,5-10 0,0 0 0,0 0 1,0 0-3,0 0-9,-4-10-23,4 10-5,0-20 0,0 6-3</inkml:trace>
+  <inkml:trace contextRef="#ctx0" brushRef="#br0" timeOffset="7">3066 2912 4,'-10'0'11,"10"0"-2,0 0 2,0 0-5,0 0-2,0 0 3,0 0-5,0 0 2,0 0-2,9 10-1,-9-10 1,10 7 0,-10-7 2,12 9-2,-12-9 2,16 12 0,-16-12 1,15 14-1,-15-14 0,15 18-1,-8-8 0,2 1 0,-1 0 0,1 0-1,-1-1-1,1-1 1,-9-9-1,16 17 0,-16-17-1,12 11 1,-12-11 0,0 0 0,0 0 0,10 10 0,-10-10 1,0 0 1,0 0 0,0 0 0,0 0-1,0 0 1,0 0-1,0 0 0,0 0-1,0 0 1,0 0-1,0 0 1,0 0-2,0 0 1,0 0 1,0 0-2,0 0 0,-10 0 0,10 0 0,0 0 0,0 0 0,-10 8 0,10-8 0,-7 11 0,3 0 0,0-1 2,0 4-2,-2 0 0,1 3 0,0 0 0,0 1 0,0 0 0,0-4 0,0-1 0,1-1 0,4-12 0,-4 14 0,4-14-2,0 0 2,0 0 0,0 0-2,0 0 1,0 0 0,0 0 0,0 0 0,0 0 0,0 0 0,0 0 0,7 9 0,-7-9 1,11 4 0,-11-4 0,14 7 0,-4-3 0,0-1 1,1 1-1,1 1 0,0-1 0,2 0-1,2 0 2,2 0-1,-1 0 0,2 1 0,0 0 0,4 2 1,0-2-1,0 3 1,2-2-2,-1 3 2,2-2-1,-1 0 0,3 3 0,-2-2 0,0 0 0,-1-2 0,0 2 1,2-1 0,-1 1 0,0-2-1,-1-1 1,0 1 0,0 1 1,0-2 0,0 1-2,-2 0 1,-2-1-1,3 1 0,-3 0 0,-2-1 1,3 1-1,-5-1 0,1 2 0,0 1 1,1 0-1,-3 1 1,1 0-1,0 0 1,-3 1-1,-1 0 1,0-2-1,-2 1 0,0-1 0,-2 0 0,-9-8 1,15 14-1,-15-14 0,15 15 1,-15-15-1,11 16 0,-11-16 1,12 18-1,-7-9 0,0 0 0,0 0 0,-5-9 0,9 16 1,-9-16-2,10 12 1,-10-12 0,13 14 0,-13-14 0,14 13 0,-7-4 0,-7-9 0,13 14 0,-13-14 0,14 14 0,-14-14 0,14 11 0,-14-11 0,15 10 1,-15-10-1,18 13 1,-8-7-1,-1 0 1,0 0 0,-9-6-1,17 13 0,-17-13 0,15 10 0,-15-10 0,14 9 0,-14-9 0,12 5 0,-12-5 0,10 3 0,-10-3 0,0 0 0,9 3 1,-9-3-1,0 0 0,0 0 1,0 0-1,0 0 1,0 0 0,0 0 0,0 0 0,0 0-1,0 0 1,0 0 0,0 0 0,0 0-1,0 0 0,0 0-2,0 0-4,-17-14-17,8 3-15,-1-3 0,-6-8-5</inkml:trace>
+  <inkml:trace contextRef="#ctx0" brushRef="#br0" timeOffset="8">3782 2993 1,'0'0'13,"-11"-4"-1,11 4 0,0 0-2,0 0 0,0 0-2,0 0 0,0 0-2,0 0-1,0 0 0,0 0-2,0 9 0,0-9-2,8 16 0,0-6 1,1 5-1,2 1 2,2 4-1,1 1-1,4 6 2,1 1-1,3 5 0,2 1 0,2 2-1,3 4 1,3 0-2,1 0 2,1 1-2,-1-1 1,1 0-1,0-1 0,-3-1 0,-3-2 0,0 0 0,-2-4 2,0-2-1,-2 0-1,-1-5 2,-3-2-1,0-2 0,-3-5 0,-1-2 0,-5-4 0,-11-10 0,13 13 0,-13-13 1,0 0-1,5 12 1,-5-12-1,0 0 0,-4 9-5,4-9-11,-11-8-19,11 8-1,-16-20-2</inkml:trace>
+  <inkml:trace contextRef="#ctx0" brushRef="#br0" timeOffset="9">3730 3038 3,'0'0'14,"0"0"0,0 0-3,0 0-1,-10 8-1,10-8-2,0 0-4,0 0 0,0 0-2,0 0-1,0 0 0,0 0 0,0 0 0,0 0 0,0 0 0,0 0 1,10-4 0,-10 4-1,0 0 2,9-7 0,-9 7-2,0 0 3,11-9-2,-11 9 0,0 0 0,15-11 0,-15 11 1,8-12-1,-8 12 0,9-15-1,-1 6 1,-8 9-1,16-17 0,-6 10 0,2-1 1,0 0-1,1 1 0,-2 0 0,2 1 1,-4-1 0,1 1 0,-10 6 0,13-10 0,-13 10 1,8-10 0,-8 10-1,0 0 0,6-10 0,-6 10-1,0 0 1,0 0 1,4-9-2,-4 9 1,0 0 0,0 0 0,0 0-1,0 0 1,0 0 0,0 0 0,0 0 0,0 0 0,0 0 0,0 0 0,0 0 1,0 0-2,0 0 1,0 0-1,0 0 2,0 0-2,0 0 1,0 0-1,0 0 0,0 0 0,0 0-1,0 0 1,0 0-2,0 0 2,0 0-1,0 0-1,0 0 2,6-9 0,-6 9-1,0 0 1,0 0-1,11-7 1,-11 7 0,0 0 0,9-3 0,-9 3 1,0 0-1,0 0 1,0 0-1,0 0 2,0 0-1,0 0 2,0 0-1,0 0 0,0 0 0,0 0 0,0 0 0,0 0 0,0 0-1,0 0 1,-12-7-1,12 7 0,-17-5-1,7 2 1,-1 0 1,-1-1-2,-1-1 2,-3 0-1,1-1-1,-3 0 1,1-1 0,-3-1-1,-1 0 1,-2 0-1,1-3 1,0 1-1,-2-1 1,-1-2-1,0 0 1,0-2-1,1 1 0,-1 0 0,0-1 0,-1 2 1,2-1-1,-1 3 1,2-1 0,0 2-1,3 1 0,-1 0 1,2 1-1,3 1 0,1 1 0,2-1 0,1 3 0,2-1 0,10 5 0,-12-6 0,12 6 0,0 0 0,0 0 0,-9-5 0,9 5 0,0 0 0,0 0 0,0 0 1,0 0-2,0 0 1,0 0 0,0 0 0,0 0 0,0 0-1,0 0-2,0 0-9,0 0-23,10 0 0,0-7-1,-4-2 0</inkml:trace>
+  <inkml:trace contextRef="#ctx0" brushRef="#br0" timeOffset="10">3134 3346 2,'0'0'11,"-13"9"-2,13-9 2,0 0-4,0 0 0,0 0-1,-3 10-1,3-10-2,5 9-2,-5-9-1,15 18-1,-1-5 1,5 2-1,8 2 2,3 1-2,8 1 2,4-1-1,6 0 1,0-1 0,3-2 0,-1-1 0,-2-2 2,0 0-2,-6 2 0,-2-1 1,-4 1-1,-5 1 1,-3 1 0,-6-3 1,-4-1 0,-6-2 0,-12-10 1,13 11-2,-13-11 1,0 0-1,-13-8 0,2 2 0,-6-6 1,-4 1-3,-6-6 0,-4 2 0,-4-5 1,-6 1-1,-4-3 0,-2 0 0,-2-1 0,1 3 0,3-2 0,3 3 0,3 0 0,8 1 1,5 5-1,6 0 1,4 5-1,5 0 2,11 8-5,-12-8 2,12 8-1,0 0-3,16 9 3,0 0-1,9 3 1,5 4-1,11 4 3,8 3 0,4 4 2,4 1-1,4 0 0,-2 0 1,-3 0-1,-2-2 0,-9-3 0,-5-3 0,-7-5 0,-6-1 3,-9-6-2,-6 0 2,-12-8-1,0 0 0,-9 0-1,-6-8 2,-9-3-1,-5-3-2,-9-5-1,-5-2 0,-6-3 0,-6 0 0,-4-2 2,0 3-2,-1 0 0,4 4 0,6 2 0,5 3 0,8 3 0,9 2-2,9 3 1,6 2-2,13 4 0,0 0 1,12 0-1,9 7 1,12 5 0,9 2 0,10 5 1,7 4 1,8 4 0,4 1 1,2 2-1,-1 1 0,-1-2 0,-7-1 2,-2-2-2,-6-4 1,-8-4-1,-9-2 0,-8-4 1,-7-5 1,-12-7 0,-12 0 0,0-8 2,-12-3-1,-10-8 0,-9-3-1,-10-6-1,-7-5 0,-8 1 0,-1-3-1,-3 3 0,2 4 0,3 2 0,10 6 0,6 4-1,8 5 1,12 5-2,4 2 0,15 4-1,0 0 1,6 9-1,12 2 1,9 7 1,8 3 1,11 10 0,8 5 1,10 2 0,4 3 0,2 1 1,0-1-1,-4-3-1,-4-4 2,-9-7-2,-8-3 1,-7-7 2,-12-3-1,-9-8 0,-7-2 1,-10-4-1,-6-12 0,-10-3 0,-8-5 0,-10-6-2,-8-7 0,-9-8 2,-5-2-2,0-1 2,1 1-2,3 4 0,6 6 0,9 3 0,7 8 0,12 10-4,8 3 3,10 9 0,0 0-1,21 15 1,2 1 0,10 8-1,7 6 1,12 9 1,6 2 0,4 4-1,-1 2 1,0-3 1,-4-3-1,-7-6 1,-6-4 0,-10-6 0,-8-7 0,-6-5 1,-7-5-1,-13-8 0,0 0 0,0-9 1,-10-5-2,-6-4 0,-5-5 0,-4-5 0,-4-2 0,-4 0 0,-1 0 0,3 3-2,2 2 2,4 5 0,3 5 0,8 6-1,4 2-1,10 7 1,0 0 0,18 14 0,1 1-1,6 5 1,6 5 1,4 3 1,4 2 0,-2-1-1,-2-1 1,-5-5-1,-4-3 1,-7-6 1,-5-6-1,-14-8 0,0 0 0,0 0 1,0 0 1,-11-10-3,-1 1-6,4 0-20,-1-1-10,-5-8-1,5 4 0</inkml:trace>
+  <inkml:trace contextRef="#ctx0" brushRef="#br0" timeOffset="11">234 310 3,'-15'-19'13,"0"4"-1,15 15 1,-12-9-1,12 9-1,0 0-3,0 0-1,0 0-2,5 21-2,8 1 0,5 7-3,5 8 1,8 11-1,7 10 0,4 10 1,5 5-1,0 3 1,2 1-1,-2-4 0,-1-3 0,-6-12 1,-6-9-2,-6-12 1,-6-11 0,-6-9 1,-5-6 0,-11-11 1,0 0 0,0-20 2,-6 0-2,-8-9 2,-3-4-2,-6-12 0,-5-8-1,-4-9 0,-6-6 0,-5-8-1,0-4 1,-3-3 0,2 0 0,0 3-1,1 6 0,4 9 2,4 10-1,7 9 1,2 13-1,4 8 2,5 10-1,3 4-1,5 7 0,9 4 0,-3 16 0,11 5-1,7 11 0,6 14 0,8 9-1,7 13 0,10 12 1,5 6 0,7 7 0,5 3 0,2 0 0,3-6 0,-3-4 0,-2-10 1,-7-9-2,-7-15 1,-9-10 1,-11-12-1,-6-11 1,-10-8 0,-13-11-1,0 0 1,-5-18 0,-11-4 0,-7-9 0,-7-11-1,-10-10 1,-5-11-1,-6-7 0,-3-6 1,-2-5-1,0 2 0,5 4 1,3 7-1,6 11 1,8 11-1,6 10 2,6 12-2,8 9 0,14 15 0,0 0-2,0 25 2,11 3-1,13 12 0,7 10 0,9 12 1,7 10 0,6 3 0,2 0 0,4-1 0,-3-5 0,-4-7 0,-5-7-1,-8-12 1,-7-11 0,-6-7 1,-8-7-1,-5-7 0,-13-11 1,10 6-1,-10-6 0,-10-20 1,-3 0-1,-5-8 1,-4-8-1,-8-9 0,-6-9 0,-3-4 0,-1 1 0,1 1 0,3 8 2,5 8-2,7 8 2,7 13-4,17 19 4,0 0-2,6 29 0,14 4 0,7 10-2,10 12 2,4 4-2,5 3 4,1-1-4,-4-6 2,-2-7 0,-7-8 0,-6-11 0,-7-10-1,-8-6 2,-13-13-1,12 6 0,-12-6 0,-5-23 2,-5 3-2,-2-7 2,-4-3-1,-3-4-1,-2 1 1,1 1-1,1 7 1,2 4-1,5 6 0,12 15 0,-9 0 0,12 14 0,5 5 0,4 4-1,0 4 1,2 1 0,1 1 0,0-2 0,-5-5 0,-1-5 1,-3-5-1,0-2 1,-6-10-1,3 9 1,-3-9 0,0 0-1,-11 0 1,2-5-1,-2-1 0,-5-1 0,-4-1 0,-2-2 0,-1-1 0,0 1 0,0 0 0,4 1 0,2 3 0,4 1-1,13 5 0,-10 0 0,10 0 0,16 18 0,0-3 0,5 3 0,4 2-1,2 2 2,-1 0 0,-1-1 0,-3-5 0,-3-3 0,-7-3 2,-1-4-2,-11-6 1,0 0-1,0 0 1,0-9 0,-6-3-1,-4-2 0,-2-6-2,-7-10-6,2-3-8,-8-11-18,-4-10 0,-4-4-4</inkml:trace>
+  <inkml:trace contextRef="#ctx0" brushRef="#br0" timeOffset="12">146 82 1,'0'0'6,"0"0"-1,0 0-1,0 0-2,0 0 3,0 0-1,0 0 0,0 0 0,0 0 0,0 0 0,-10 0 0,10 0 1,0 0-1,-10 7 0,10-7-1,-12 5 0,3-1 0,9-4-1,-20 12 0,11-4 0,-3 0-1,1 1 0,1-2 1,0 2-1,10-9-1,-15 14 1,15-14-1,-9 9 0,9-9-1,0 0 1,0 0-3,-10 8 2,10-8-1,0 0 0,0 0 0,0 0 1,0 0-2,0 0 2,12 3 0,-12-3 1,0 0 0,11 5 0,-11-5 0,9 6 0,-9-6 0,11 12 1,-5-1-1,2-1 0,1 4 0,2 3 0,2 3 0,3 1 0,2 3 0,0 2 0,2 0 1,-2-2-1,1-1 0,-1-1 2,-4-3-2,0-5 0,-5 0 0,-9-14 0,14 12 0,-14-12 1,0 0 1,9 8 0,-9-8 0,0 0 2,0-10-2,0 10 1,-9-18 0,4 3-2,-3-5 1,-2-2-1,-2-5 0,-4-1-1,1-5 1,-3 1-1,1 3 1,0 0-1,1 3 0,2 4 0,2 5 0,4 4-1,8 13 0,-10-14 0,10 14 0,0 0-2,0 0 2,0 0 0,16 0 0,-6 7 0,4 2 1,0 4-2,4 4 2,0 3 0,2 3 0,1-1 0,-3 2 0,1-2 2,-5-1-2,0-5 1,-5-1-1,0-5 2,-9-10-1,7 11 2,-7-11-1,0 0 0,0 0 0,-12-6-1,3-1 0,-2-1 0,-3-3-1,-5-1 0,1-4 1,-5 0-1,1-2 0,-3 0 0,3 1 0,1 1 0,2 3 0,5 2-1,3 2-1,11 9 0,-9-8 0,9 8 0,10 6-1,2 1 1,6 5 0,1 0 1,5 4 1,1 0 0,0 2 1,-3-3 0,-2 0 0,-2-3 0,-4 0 0,-3-4-3,-11-8-23,19 17-2,-19-17-1</inkml:trace>
+  <inkml:trace contextRef="#ctx0" brushRef="#br0" timeOffset="13">904 1623 4,'-7'0'9,"7"0"-3,0 0 1,0 0-2,-10 9 0,10-9-2,-7 10-1,7-10 0,-10 12 2,10-12-2,-12 17 2,3-8 0,1 0-1,-1 1 0,-1-1 0,-1 1 1,1-3-1,10-7-1,-18 13 2,18-13-2,-14 8 0,14-8-1,0 0-1,-9 6 0,9-6-1,0 0-1,0 0 1,0 0 0,0 0-1,0 0 1,0 0 1,0 0 0,0 0 0,0 0 0,11 0 0,-11 0 0,0 0-1,0 0 1,0 0 0,11 3 0,-11-3 0,0 0 0,0 0 1,0 0-1,0 0 0,0 0 0,11 0-1,-11 0 1,0 0 0,11 12 0,-11-12-1,21 17 1,-6-5 0,4 3 0,2 4 0,2-1 0,1 4 0,1 0 0,2-1 0,-2 2 0,0-2 0,-1-1 1,-1 0-1,-2-2 0,-4-3 0,-2-2 1,-5-3-1,1-3 1,-11-7 2,7 10 0,-7-10 0,0 0 2,-4-12-2,-6 6 1,1-5-1,-6-2 1,-3-4 0,-4-3-3,-4-4-1,-3-2 1,-3-3-1,0-3 0,-1 0 1,1-1-1,4 2 0,1 3 0,5 3 0,5 6-1,4 4 1,5 5 0,8 10-2,-8-12 0,8 12 1,0 0 0,12 11-1,1 0 0,5 5 1,6 2 0,4 6 1,5 3 0,6 1 0,-4-1 0,1-3-1,-3-3 1,-6-3 1,-2-2-1,-6-7 0,-4-3 0,-15-6 1,15 4 2,-15-4-2,0 0 1,-4-11 1,-5 0-1,-6-3 0,-1-4 0,-7-6-1,-2-3 0,-2-3-1,0-2 0,0 4 1,5 3-1,5 3 0,3 6 0,4 3 0,10 13 0,-10-7-1,10 7 0,6 9 0,4 3 0,4 3 0,4 4 0,7 5 1,5 3-1,1-1 1,0 2 0,1-4 0,-5-2 0,-2-5 0,-5-4 0,-6-5 0,-5-3 2,-9-5 0,0 0 0,0 0 0,0 0 1,-11-15 0,-3 2 0,-7-4-1,-1-2-1,-5 1 0,2-3-1,2 3 0,2 3 0,3 4-1,8 1 0,10 10 0,0 0 0,0 0 0,10 10-2,8 3 1,5 3 1,4 2 1,2 1 0,0 1 0,-1-1 0,-3-5 1,-3 0-1,-9-7 2,-3-2 1,-10-5-2,0 0 1,0 0 0,0 0-1,0 0 1,-20-3-1,5-5 0,-6-3-1,-5-2 0,-2-4 0,-3-1 0,-3-1 0,0 0 0,-1 0 0,2 2 0,4 2 0,3 4 1,4 1-1,3 3 0,6 1 0,1 3 0,12 3 1,-13 0-1,13 0 0,0 0 0,-10 0-1,10 0 1,0 0-1,0 0 0,0 0 0,0 0 0,0 0 0,0 0 0,0 0 0,0 10 0,0-10 0,0 0 0,0 0 1,14-4-1,-14 4-1,9-10 2,-9 10-1,12-16 1,-6 5 0,1-3 0,1-2-2,-1-2 2,0-1 0,1-2 0,-2 1 0,-1 1 2,1 0-2,-1 1 0,-1 3 1,-1 2-1,1 2 3,-4 11-3,3-13 2,-3 13 0,0 0 0,0-10-1,0 10 0,0 0 1,0 0-2,-7 13 1,4-3-1,-3 5 0,0 2-1,1 5 1,-3 3-1,2 3 1,-1-3 0,1 3 0,0-7 1,0-1-1,2-6 0,-1-4-1,5-10 0,-4 10 0,4-10-1,0 0 1,3-15-1,1 4 1,1-4-1,1-3 0,1-4 2,2-3 0,-2-3 0,2-2-1,0-2 1,1-3 0,0 2 1,-2 1-1,1 4 0,0 2 2,-2 6-2,-1 2 0,0 8 0,-6 10 1,7-12-1,-7 12 1,0 0 0,0 0 0,0 0-4,0 0-8,9 0-15,-9 0-7,10 0-1</inkml:trace>
+  <inkml:trace contextRef="#ctx0" brushRef="#br0" timeOffset="14">3157 3374 2,'0'0'11,"-12"5"-1,12-5-2,0 0-2,0 0-2,0 0-1,7 11-2,5-8-1,6 2-1,2 2 0,7-1 2,4 2-1,6 0 0,-3 0 1,3 1-1,-4 0 3,-2 0-2,-4-1 1,-5-2 0,-6 0 1,-5-2 1,-11-4-1,0 0 0,0 0 1,-9 0-1,-6-7 0,-9-2 0,-1-4 1,-5 0-3,0-1 1,0 1-2,4 1 2,1 1 0,7 2-1,5 4-1,13 5-1,-14-6-1,14 6 2,0 0-1,11 0 1,2 6 0,5 0-1,7 1 1,5 6 0,5-2 2,2 4-2,1 1 0,0-1 0,-2-1 0,-4 0 2,-5-5-1,-6-2 0,-7-3 1,-2-1 0,-12-3 0,0 0 0,0 0 1,-15-6-1,-2-1 0,-5 1 0,-2-1-2,-1 1 1,0 0-1,3 1 0,4 1-1,3 0-1,15 4 1,0 0 0,0 0-1,12 9 0,7-1 1,8 1 0,2 4 0,8 0 1,5 4 0,3-1 1,1 2-1,1 0 1,-1-1-1,-2-1 1,-2 2-1,-3-2 2,-8-2-2,-4-2 0,-7-3 1,-3-1 0,-17-8 0,12 5 0,-12-5 1,-11-8-1,-2-2 0,-5 1 0,-2-4-1,-6 1 1,0-2-1,-1 2 0,4 1 0,3 2 0,2 3-1,6 1 0,12 5 0,-12-5 0,12 5-2,11 0 2,4 8 0,5-1 0,6 6 1,2 2 0,8 2 0,1 4 1,1 1-1,-4-1 0,-3-4 0,-6-3-3,-3-4-4,-6-4-16,-16-6-9,14-16 0</inkml:trace>
+  <inkml:trace contextRef="#ctx0" brushRef="#br0" timeOffset="15">3905 2942 6,'0'0'8,"0"0"1,0 0 2,0 0-4,-6 9 1,3 3 0,-4 3-5,1 0-2,0 0 0,0 2 0,3-2 0,-1-2-1,1-3-1,3-10 0,0 9-1,0-9-1,0 0 0,0 0 1,10-11-1,-4 2 1,1 0 0,1-5 2,3 2 0,-2-2-1,0 0 2,-2 0-1,1 1 0,-3 2 2,-1 2 0,-4 9 3,3-9-1,-3 9 1,0 0-2,0 0 2,-12 10-1,6 0-2,-3 2 1,2 2-2,-2 3 1,1 2-2,0-2 1,2 1-1,0-5 0,1 0-1,5-13-2,-4 12 0,4-12 1,0 0 0,0 0-1,7-16 1,-2 7-1,0-6 2,1-1 1,2-1 0,1-2 0,-2 2 0,1-1 0,-1 4 0,0 0 0,0 4 1,-7 10 3,7-11-2,-7 11 1,0 0-1,0 0 2,-11 17-1,2-4-1,1 4 0,-3 2-2,1 1 0,-2 1 0,2 0 0,1-5 0,1-1 0,3-5-2,5-10 1,0 0-2,-11 0 1,11 0 0,0-21 0,0 7 0,-3-5 1,3 0 0,0 0 1,0 1 0,0 4 0,0 0 1,0 14 1,0-14 0,0 14 1,0 0-1,0 0 2,0 0-2,-9 15 1,6-3-2,-1-1-1,0 4 0,1-2 1,0 0-1,0-2 0,3-11-1,-5 14 0,5-14-1,0 0 0,0 0 1,0 0 0,0 0 0,0 0-1,0-13 1,5 4 0,-5-4-1,5 1-1,0-2-3,-1 1-6,2 0-7,5 4-10</inkml:trace>
+  <inkml:trace contextRef="#ctx0" brushRef="#br0" timeOffset="16">3245 2482 1,'0'0'5,"0"0"-2,0 0 1,0 0-1,0 0-1,0 0 0,0 0 0,0 0 0,0 0 0,0 0-2,0 0 1,0 0-1,0 0 0,0 0 1,0 0-1,0 0 0,0 0 0,0 0 0,0 0 0,0 0 0,0 0 0,0 0 0,0 0 2,0 0-2,0 0 0,0 0 1,0 0-1,0 0 0,0 0 2,0 0-2,0 0 1,0 0-1,0 0 0,0 0 0,0 0 0,0 0-1,11 13 1,-1-5-2,4 1 2,3 3 0,6 3 0,6 2-1,6 1-7,0-4-13</inkml:trace>
+</inkml:ink>
+</file>
+
+<file path=ppt/ink/ink24.xml><?xml version="1.0" encoding="utf-8"?>
+<inkml:ink xmlns:inkml="http://www.w3.org/2003/InkML">
+  <inkml:definitions>
+    <inkml:context xml:id="ctx0">
+      <inkml:inkSource xml:id="inkSrc0">
+        <inkml:traceFormat>
+          <inkml:channel name="X" type="integer" max="32767" units="in"/>
+          <inkml:channel name="Y" type="integer" max="32767" units="in"/>
+          <inkml:channel name="F" type="integer" max="255" units="dev"/>
+        </inkml:traceFormat>
+        <inkml:channelProperties>
+          <inkml:channelProperty channel="X" name="resolution" value="3971.75732" units="1/in"/>
+          <inkml:channelProperty channel="Y" name="resolution" value="5295.24854" units="1/in"/>
+          <inkml:channelProperty channel="F" name="resolution" value="0" units="1/dev"/>
+        </inkml:channelProperties>
+      </inkml:inkSource>
+      <inkml:timestamp xml:id="ts0" timeString="2017-01-27T04:45:42.228"/>
+    </inkml:context>
+    <inkml:brush xml:id="br0">
+      <inkml:brushProperty name="width" value="0.10583" units="cm"/>
+      <inkml:brushProperty name="height" value="0.05292" units="cm"/>
+      <inkml:brushProperty name="color" value="#7F7F7F"/>
+      <inkml:brushProperty name="fitToCurve" value="1"/>
+    </inkml:brush>
+  </inkml:definitions>
+  <inkml:trace contextRef="#ctx0" brushRef="#br0">97 204 8,'0'0'9,"0"0"0,0 0 0,0 0-4,0 0 0,-7 9-1,7-9 0,0 0-1,0 0-2,-5 9 2,5-9-1,0 0 0,0 0 0,0 0 2,-3 11 0,3-11-1,0 0 3,0 0-3,-6 9 1,6-9-1,0 0 0,0 0-1,-7 11-1,7-11 0,-4 10 0,4-10 1,-4 12-1,4-12 0,-5 13 0,5-13 0,-6 16 1,6-16-1,-6 15 1,6-15-2,-6 18 1,6-18 0,-4 18 0,4-9-1,-5 1 1,5 2 0,-3 0 0,3 1 0,-3 1-2,3-2 2,-3 3-1,3-1 2,-3 1-2,3-1 0,-4 0 0,4-1 1,0 0-1,-4 0 2,4 1-2,-3-2 1,3 2-1,0 0 2,-3-1-2,3 1 0,0-1 1,0 1-1,-3-1 0,3 1 1,0-2-1,3 1 0,-3 0 0,4-2 0,-1 2 0,0-3 0,1 0 1,1 1-1,1-1 0,-2 1 0,3 0 1,-1 2-1,0-3 0,2 2 1,-1 1-1,0-2 0,1 1 1,-1-2 0,0 2-1,1-2 1,0 2 0,0-2 0,3 2 0,-4-3-1,4 3 1,-3 0 0,3-1-1,-4 0 1,2 0-1,-2 2 1,2-3 0,-2 3-1,1-2 2,0 0-2,0 0 2,-1-1-1,2 1 0,-9-11 0,16 18-1,-16-18 2,17 18-2,-17-18 1,17 17-1,-9-8 1,-8-9-1,16 17 0,-16-17 0,17 17 0,-7-9 0,-1-1 1,1 1-1,-1-1 0,0 0 0,1 1 1,0-2-1,-1 0 0,1 0 0,0 0 1,-1 0-1,2 0 0,-2 0 1,1 1-1,0-1 1,2 0-1,0 0 0,-2 2 0,2-1 1,-2-1-1,1 2 0,1-2 0,-2 0 0,2 1 0,-2 0 0,0-2 1,1 0-1,-1 0 0,0 0 0,0-1 0,-1 1 0,0-2 0,1 1 0,-1-4 0,0 4 0,-9-4 0,18 0 0,-18 0 0,17 0 1,-17 0-1,17 0 0,-17 0 0,15-6 0,-15 6 0,16-5 0,-6 1 1,1 1-1,0-1 0,-1 0 0,1 1 0,2-1 1,-1 1-1,0 0 0,-2-1 0,1 0 0,-1 1 0,0-1 0,1 1 1,-1-2-1,0 3 0,-1 0 0,0-2 0,0 0 0,-9 4 0,16-8 0,-16 8 1,16-10-1,-16 10 0,14-11 1,-14 11-1,12-16 1,-12 16-1,10-15 0,-4 5 1,-2 1-1,-4 9 0,11-18 0,-11 18 0,10-17 0,-10 17 0,11-17 1,-5 7-2,1 0 1,-3 0 0,3 0 0,-1 0-1,-1 0 2,1 1-2,1-3 0,0 0 2,1 0-2,-1-1 1,0 0-1,1 0 1,-1-1 0,1 0 0,-1 0-1,-1 1 1,3-1 0,-2 0 0,0-1 0,1 3 0,1-4 0,-2 2 0,1 1 0,1 0 0,-1 1 0,-1 2 0,0-2 0,0 2 1,1 0-1,-8 10 0,13-17 0,-6 8 0,-7 9 0,12-16 0,-12 16 0,12-12 0,-12 12 0,12-11 0,-12 11-1,11-9 1,-11 9 0,12-10 0,-12 10 0,13-13 0,-13 13 0,14-15 0,-5 5 1,-2 1-1,3-2 0,1 0 0,0-2 0,0 1 0,2 0 0,-1 0 0,1 0 1,0 0-1,1 1 0,-3 1 0,1 0 0,1-2 0,-1 3 0,0-1 0,0-1 0,-1 2 0,-1-1 0,0 2 0,1-1 0,-1 2 0,-1 1-1,-9 6 1,17-14 0,-17 14 1,17-12 0,-17 12-1,17-13 1,-17 13-2,16-12 2,-16 12-1,16-12 0,-7 4 0,0 2-1,-9 6 1,17-16 0,-7 8 0,-10 8 0,17-18 0,-6 9 0,-3 1 0,2-2 0,2 1 0,-1 0 0,0 0 0,0 1 0,0-2 0,-1 1 0,0-1 0,1 0 0,-2 0 0,1-2 0,0 2 1,0-1-1,-1-1 0,2 1 0,-3 0 0,1 2 0,-1-1 0,-1 1 0,0-1 0,-7 10 0,12-15 0,-12 15 0,11-16 0,-5 7 0,1 0 0,-7 9 0,13-17 0,-7 8 0,0-2 0,-6 11 0,12-17 0,-12 17 0,10-15 1,-10 15-1,9-15 0,-9 15 0,11-13 0,-11 13 0,10-12 1,-10 12-1,0 0 0,9-10 0,-9 10 1,0 0 0,0 0-1,0 0 0,0 0-5,0 0-30,0 0-4,-8 10-1,8-10-1</inkml:trace>
 </inkml:ink>
 </file>
 
@@ -697,7 +1147,7 @@
           <a:p>
             <a:fld id="{48E32F65-35C4-4EA7-AB30-C882F6C87A5D}" type="datetimeFigureOut">
               <a:rPr lang="en-SG" smtClean="0"/>
-              <a:t>11/6/2015</a:t>
+              <a:t>27/1/2017</a:t>
             </a:fld>
             <a:endParaRPr lang="en-SG"/>
           </a:p>
@@ -761,35 +1211,35 @@
           <a:p>
             <a:pPr lvl="0"/>
             <a:r>
-              <a:rPr lang="zh-CN" altLang="en-US" smtClean="0"/>
+              <a:rPr lang="zh-CN" altLang="en-US"/>
               <a:t>单击此处编辑母版文本样式</a:t>
             </a:r>
           </a:p>
           <a:p>
             <a:pPr lvl="1"/>
             <a:r>
-              <a:rPr lang="zh-CN" altLang="en-US" smtClean="0"/>
+              <a:rPr lang="zh-CN" altLang="en-US"/>
               <a:t>第二级</a:t>
             </a:r>
           </a:p>
           <a:p>
             <a:pPr lvl="2"/>
             <a:r>
-              <a:rPr lang="zh-CN" altLang="en-US" smtClean="0"/>
+              <a:rPr lang="zh-CN" altLang="en-US"/>
               <a:t>第三级</a:t>
             </a:r>
           </a:p>
           <a:p>
             <a:pPr lvl="3"/>
             <a:r>
-              <a:rPr lang="zh-CN" altLang="en-US" smtClean="0"/>
+              <a:rPr lang="zh-CN" altLang="en-US"/>
               <a:t>第四级</a:t>
             </a:r>
           </a:p>
           <a:p>
             <a:pPr lvl="4"/>
             <a:r>
-              <a:rPr lang="zh-CN" altLang="en-US" smtClean="0"/>
+              <a:rPr lang="zh-CN" altLang="en-US"/>
               <a:t>第五级</a:t>
             </a:r>
             <a:endParaRPr lang="en-SG"/>
@@ -1441,10 +1891,9 @@
           <a:lstStyle/>
           <a:p>
             <a:r>
-              <a:rPr lang="en-US" smtClean="0"/>
+              <a:rPr lang="en-US"/>
               <a:t>Click to edit Master title style</a:t>
             </a:r>
-            <a:endParaRPr lang="en-US"/>
           </a:p>
         </p:txBody>
       </p:sp>
@@ -1560,10 +2009,9 @@
           </a:lstStyle>
           <a:p>
             <a:r>
-              <a:rPr lang="en-US" smtClean="0"/>
+              <a:rPr lang="en-US"/>
               <a:t>Click to edit Master subtitle style</a:t>
             </a:r>
-            <a:endParaRPr lang="en-US"/>
           </a:p>
         </p:txBody>
       </p:sp>
@@ -1584,7 +2032,7 @@
           <a:p>
             <a:fld id="{699DC775-C286-4358-8C92-D7E584E969B3}" type="datetimeFigureOut">
               <a:rPr lang="en-US" smtClean="0"/>
-              <a:t>6/11/2015</a:t>
+              <a:t>1/27/2017</a:t>
             </a:fld>
             <a:endParaRPr lang="en-US"/>
           </a:p>
@@ -1678,10 +2126,9 @@
           <a:lstStyle/>
           <a:p>
             <a:r>
-              <a:rPr lang="en-US" smtClean="0"/>
+              <a:rPr lang="en-US"/>
               <a:t>Click to edit Master title style</a:t>
             </a:r>
-            <a:endParaRPr lang="en-US"/>
           </a:p>
         </p:txBody>
       </p:sp>
@@ -1702,38 +2149,37 @@
           <a:p>
             <a:pPr lvl="0"/>
             <a:r>
-              <a:rPr lang="en-US" smtClean="0"/>
+              <a:rPr lang="en-US"/>
               <a:t>Click to edit Master text styles</a:t>
             </a:r>
           </a:p>
           <a:p>
             <a:pPr lvl="1"/>
             <a:r>
-              <a:rPr lang="en-US" smtClean="0"/>
+              <a:rPr lang="en-US"/>
               <a:t>Second level</a:t>
             </a:r>
           </a:p>
           <a:p>
             <a:pPr lvl="2"/>
             <a:r>
-              <a:rPr lang="en-US" smtClean="0"/>
+              <a:rPr lang="en-US"/>
               <a:t>Third level</a:t>
             </a:r>
           </a:p>
           <a:p>
             <a:pPr lvl="3"/>
             <a:r>
-              <a:rPr lang="en-US" smtClean="0"/>
+              <a:rPr lang="en-US"/>
               <a:t>Fourth level</a:t>
             </a:r>
           </a:p>
           <a:p>
             <a:pPr lvl="4"/>
             <a:r>
-              <a:rPr lang="en-US" smtClean="0"/>
+              <a:rPr lang="en-US"/>
               <a:t>Fifth level</a:t>
             </a:r>
-            <a:endParaRPr lang="en-US"/>
           </a:p>
         </p:txBody>
       </p:sp>
@@ -1754,7 +2200,7 @@
           <a:p>
             <a:fld id="{699DC775-C286-4358-8C92-D7E584E969B3}" type="datetimeFigureOut">
               <a:rPr lang="en-US" smtClean="0"/>
-              <a:t>6/11/2015</a:t>
+              <a:t>1/27/2017</a:t>
             </a:fld>
             <a:endParaRPr lang="en-US"/>
           </a:p>
@@ -1853,10 +2299,9 @@
           <a:lstStyle/>
           <a:p>
             <a:r>
-              <a:rPr lang="en-US" smtClean="0"/>
+              <a:rPr lang="en-US"/>
               <a:t>Click to edit Master title style</a:t>
             </a:r>
-            <a:endParaRPr lang="en-US"/>
           </a:p>
         </p:txBody>
       </p:sp>
@@ -1882,38 +2327,37 @@
           <a:p>
             <a:pPr lvl="0"/>
             <a:r>
-              <a:rPr lang="en-US" smtClean="0"/>
+              <a:rPr lang="en-US"/>
               <a:t>Click to edit Master text styles</a:t>
             </a:r>
           </a:p>
           <a:p>
             <a:pPr lvl="1"/>
             <a:r>
-              <a:rPr lang="en-US" smtClean="0"/>
+              <a:rPr lang="en-US"/>
               <a:t>Second level</a:t>
             </a:r>
           </a:p>
           <a:p>
             <a:pPr lvl="2"/>
             <a:r>
-              <a:rPr lang="en-US" smtClean="0"/>
+              <a:rPr lang="en-US"/>
               <a:t>Third level</a:t>
             </a:r>
           </a:p>
           <a:p>
             <a:pPr lvl="3"/>
             <a:r>
-              <a:rPr lang="en-US" smtClean="0"/>
+              <a:rPr lang="en-US"/>
               <a:t>Fourth level</a:t>
             </a:r>
           </a:p>
           <a:p>
             <a:pPr lvl="4"/>
             <a:r>
-              <a:rPr lang="en-US" smtClean="0"/>
+              <a:rPr lang="en-US"/>
               <a:t>Fifth level</a:t>
             </a:r>
-            <a:endParaRPr lang="en-US"/>
           </a:p>
         </p:txBody>
       </p:sp>
@@ -1934,7 +2378,7 @@
           <a:p>
             <a:fld id="{699DC775-C286-4358-8C92-D7E584E969B3}" type="datetimeFigureOut">
               <a:rPr lang="en-US" smtClean="0"/>
-              <a:t>6/11/2015</a:t>
+              <a:t>1/27/2017</a:t>
             </a:fld>
             <a:endParaRPr lang="en-US"/>
           </a:p>
@@ -2033,10 +2477,9 @@
           <a:lstStyle/>
           <a:p>
             <a:r>
-              <a:rPr lang="en-US" smtClean="0"/>
+              <a:rPr lang="en-US"/>
               <a:t>Click to edit Master title style</a:t>
             </a:r>
-            <a:endParaRPr lang="en-US"/>
           </a:p>
         </p:txBody>
       </p:sp>
@@ -2152,10 +2595,9 @@
           </a:lstStyle>
           <a:p>
             <a:r>
-              <a:rPr lang="en-US" smtClean="0"/>
+              <a:rPr lang="en-US"/>
               <a:t>Click to edit Master subtitle style</a:t>
             </a:r>
-            <a:endParaRPr lang="en-US"/>
           </a:p>
         </p:txBody>
       </p:sp>
@@ -2176,7 +2618,7 @@
           <a:p>
             <a:fld id="{699DC775-C286-4358-8C92-D7E584E969B3}" type="datetimeFigureOut">
               <a:rPr lang="en-US" smtClean="0"/>
-              <a:t>6/11/2015</a:t>
+              <a:t>1/27/2017</a:t>
             </a:fld>
             <a:endParaRPr lang="en-US"/>
           </a:p>
@@ -2270,10 +2712,9 @@
           <a:lstStyle/>
           <a:p>
             <a:r>
-              <a:rPr lang="en-US" smtClean="0"/>
+              <a:rPr lang="en-US"/>
               <a:t>Click to edit Master title style</a:t>
             </a:r>
-            <a:endParaRPr lang="en-US"/>
           </a:p>
         </p:txBody>
       </p:sp>
@@ -2294,38 +2735,37 @@
           <a:p>
             <a:pPr lvl="0"/>
             <a:r>
-              <a:rPr lang="en-US" smtClean="0"/>
+              <a:rPr lang="en-US"/>
               <a:t>Click to edit Master text styles</a:t>
             </a:r>
           </a:p>
           <a:p>
             <a:pPr lvl="1"/>
             <a:r>
-              <a:rPr lang="en-US" smtClean="0"/>
+              <a:rPr lang="en-US"/>
               <a:t>Second level</a:t>
             </a:r>
           </a:p>
           <a:p>
             <a:pPr lvl="2"/>
             <a:r>
-              <a:rPr lang="en-US" smtClean="0"/>
+              <a:rPr lang="en-US"/>
               <a:t>Third level</a:t>
             </a:r>
           </a:p>
           <a:p>
             <a:pPr lvl="3"/>
             <a:r>
-              <a:rPr lang="en-US" smtClean="0"/>
+              <a:rPr lang="en-US"/>
               <a:t>Fourth level</a:t>
             </a:r>
           </a:p>
           <a:p>
             <a:pPr lvl="4"/>
             <a:r>
-              <a:rPr lang="en-US" smtClean="0"/>
+              <a:rPr lang="en-US"/>
               <a:t>Fifth level</a:t>
             </a:r>
-            <a:endParaRPr lang="en-US"/>
           </a:p>
         </p:txBody>
       </p:sp>
@@ -2346,7 +2786,7 @@
           <a:p>
             <a:fld id="{699DC775-C286-4358-8C92-D7E584E969B3}" type="datetimeFigureOut">
               <a:rPr lang="en-US" smtClean="0"/>
-              <a:t>6/11/2015</a:t>
+              <a:t>1/27/2017</a:t>
             </a:fld>
             <a:endParaRPr lang="en-US"/>
           </a:p>
@@ -2449,10 +2889,9 @@
           </a:lstStyle>
           <a:p>
             <a:r>
-              <a:rPr lang="en-US" smtClean="0"/>
+              <a:rPr lang="en-US"/>
               <a:t>Click to edit Master title style</a:t>
             </a:r>
-            <a:endParaRPr lang="en-US"/>
           </a:p>
         </p:txBody>
       </p:sp>
@@ -2569,7 +3008,7 @@
           <a:p>
             <a:pPr lvl="0"/>
             <a:r>
-              <a:rPr lang="en-US" smtClean="0"/>
+              <a:rPr lang="en-US"/>
               <a:t>Click to edit Master text styles</a:t>
             </a:r>
           </a:p>
@@ -2592,7 +3031,7 @@
           <a:p>
             <a:fld id="{699DC775-C286-4358-8C92-D7E584E969B3}" type="datetimeFigureOut">
               <a:rPr lang="en-US" smtClean="0"/>
-              <a:t>6/11/2015</a:t>
+              <a:t>1/27/2017</a:t>
             </a:fld>
             <a:endParaRPr lang="en-US"/>
           </a:p>
@@ -2686,10 +3125,9 @@
           <a:lstStyle/>
           <a:p>
             <a:r>
-              <a:rPr lang="en-US" smtClean="0"/>
+              <a:rPr lang="en-US"/>
               <a:t>Click to edit Master title style</a:t>
             </a:r>
-            <a:endParaRPr lang="en-US"/>
           </a:p>
         </p:txBody>
       </p:sp>
@@ -2743,38 +3181,37 @@
           <a:p>
             <a:pPr lvl="0"/>
             <a:r>
-              <a:rPr lang="en-US" smtClean="0"/>
+              <a:rPr lang="en-US"/>
               <a:t>Click to edit Master text styles</a:t>
             </a:r>
           </a:p>
           <a:p>
             <a:pPr lvl="1"/>
             <a:r>
-              <a:rPr lang="en-US" smtClean="0"/>
+              <a:rPr lang="en-US"/>
               <a:t>Second level</a:t>
             </a:r>
           </a:p>
           <a:p>
             <a:pPr lvl="2"/>
             <a:r>
-              <a:rPr lang="en-US" smtClean="0"/>
+              <a:rPr lang="en-US"/>
               <a:t>Third level</a:t>
             </a:r>
           </a:p>
           <a:p>
             <a:pPr lvl="3"/>
             <a:r>
-              <a:rPr lang="en-US" smtClean="0"/>
+              <a:rPr lang="en-US"/>
               <a:t>Fourth level</a:t>
             </a:r>
           </a:p>
           <a:p>
             <a:pPr lvl="4"/>
             <a:r>
-              <a:rPr lang="en-US" smtClean="0"/>
+              <a:rPr lang="en-US"/>
               <a:t>Fifth level</a:t>
             </a:r>
-            <a:endParaRPr lang="en-US"/>
           </a:p>
         </p:txBody>
       </p:sp>
@@ -2828,38 +3265,37 @@
           <a:p>
             <a:pPr lvl="0"/>
             <a:r>
-              <a:rPr lang="en-US" smtClean="0"/>
+              <a:rPr lang="en-US"/>
               <a:t>Click to edit Master text styles</a:t>
             </a:r>
           </a:p>
           <a:p>
             <a:pPr lvl="1"/>
             <a:r>
-              <a:rPr lang="en-US" smtClean="0"/>
+              <a:rPr lang="en-US"/>
               <a:t>Second level</a:t>
             </a:r>
           </a:p>
           <a:p>
             <a:pPr lvl="2"/>
             <a:r>
-              <a:rPr lang="en-US" smtClean="0"/>
+              <a:rPr lang="en-US"/>
               <a:t>Third level</a:t>
             </a:r>
           </a:p>
           <a:p>
             <a:pPr lvl="3"/>
             <a:r>
-              <a:rPr lang="en-US" smtClean="0"/>
+              <a:rPr lang="en-US"/>
               <a:t>Fourth level</a:t>
             </a:r>
           </a:p>
           <a:p>
             <a:pPr lvl="4"/>
             <a:r>
-              <a:rPr lang="en-US" smtClean="0"/>
+              <a:rPr lang="en-US"/>
               <a:t>Fifth level</a:t>
             </a:r>
-            <a:endParaRPr lang="en-US"/>
           </a:p>
         </p:txBody>
       </p:sp>
@@ -2880,7 +3316,7 @@
           <a:p>
             <a:fld id="{699DC775-C286-4358-8C92-D7E584E969B3}" type="datetimeFigureOut">
               <a:rPr lang="en-US" smtClean="0"/>
-              <a:t>6/11/2015</a:t>
+              <a:t>1/27/2017</a:t>
             </a:fld>
             <a:endParaRPr lang="en-US"/>
           </a:p>
@@ -2978,10 +3414,9 @@
           </a:lstStyle>
           <a:p>
             <a:r>
-              <a:rPr lang="en-US" smtClean="0"/>
+              <a:rPr lang="en-US"/>
               <a:t>Click to edit Master title style</a:t>
             </a:r>
-            <a:endParaRPr lang="en-US"/>
           </a:p>
         </p:txBody>
       </p:sp>
@@ -3044,7 +3479,7 @@
           <a:p>
             <a:pPr lvl="0"/>
             <a:r>
-              <a:rPr lang="en-US" smtClean="0"/>
+              <a:rPr lang="en-US"/>
               <a:t>Click to edit Master text styles</a:t>
             </a:r>
           </a:p>
@@ -3100,38 +3535,37 @@
           <a:p>
             <a:pPr lvl="0"/>
             <a:r>
-              <a:rPr lang="en-US" smtClean="0"/>
+              <a:rPr lang="en-US"/>
               <a:t>Click to edit Master text styles</a:t>
             </a:r>
           </a:p>
           <a:p>
             <a:pPr lvl="1"/>
             <a:r>
-              <a:rPr lang="en-US" smtClean="0"/>
+              <a:rPr lang="en-US"/>
               <a:t>Second level</a:t>
             </a:r>
           </a:p>
           <a:p>
             <a:pPr lvl="2"/>
             <a:r>
-              <a:rPr lang="en-US" smtClean="0"/>
+              <a:rPr lang="en-US"/>
               <a:t>Third level</a:t>
             </a:r>
           </a:p>
           <a:p>
             <a:pPr lvl="3"/>
             <a:r>
-              <a:rPr lang="en-US" smtClean="0"/>
+              <a:rPr lang="en-US"/>
               <a:t>Fourth level</a:t>
             </a:r>
           </a:p>
           <a:p>
             <a:pPr lvl="4"/>
             <a:r>
-              <a:rPr lang="en-US" smtClean="0"/>
+              <a:rPr lang="en-US"/>
               <a:t>Fifth level</a:t>
             </a:r>
-            <a:endParaRPr lang="en-US"/>
           </a:p>
         </p:txBody>
       </p:sp>
@@ -3194,7 +3628,7 @@
           <a:p>
             <a:pPr lvl="0"/>
             <a:r>
-              <a:rPr lang="en-US" smtClean="0"/>
+              <a:rPr lang="en-US"/>
               <a:t>Click to edit Master text styles</a:t>
             </a:r>
           </a:p>
@@ -3250,38 +3684,37 @@
           <a:p>
             <a:pPr lvl="0"/>
             <a:r>
-              <a:rPr lang="en-US" smtClean="0"/>
+              <a:rPr lang="en-US"/>
               <a:t>Click to edit Master text styles</a:t>
             </a:r>
           </a:p>
           <a:p>
             <a:pPr lvl="1"/>
             <a:r>
-              <a:rPr lang="en-US" smtClean="0"/>
+              <a:rPr lang="en-US"/>
               <a:t>Second level</a:t>
             </a:r>
           </a:p>
           <a:p>
             <a:pPr lvl="2"/>
             <a:r>
-              <a:rPr lang="en-US" smtClean="0"/>
+              <a:rPr lang="en-US"/>
               <a:t>Third level</a:t>
             </a:r>
           </a:p>
           <a:p>
             <a:pPr lvl="3"/>
             <a:r>
-              <a:rPr lang="en-US" smtClean="0"/>
+              <a:rPr lang="en-US"/>
               <a:t>Fourth level</a:t>
             </a:r>
           </a:p>
           <a:p>
             <a:pPr lvl="4"/>
             <a:r>
-              <a:rPr lang="en-US" smtClean="0"/>
+              <a:rPr lang="en-US"/>
               <a:t>Fifth level</a:t>
             </a:r>
-            <a:endParaRPr lang="en-US"/>
           </a:p>
         </p:txBody>
       </p:sp>
@@ -3302,7 +3735,7 @@
           <a:p>
             <a:fld id="{699DC775-C286-4358-8C92-D7E584E969B3}" type="datetimeFigureOut">
               <a:rPr lang="en-US" smtClean="0"/>
-              <a:t>6/11/2015</a:t>
+              <a:t>1/27/2017</a:t>
             </a:fld>
             <a:endParaRPr lang="en-US"/>
           </a:p>
@@ -3396,10 +3829,9 @@
           <a:lstStyle/>
           <a:p>
             <a:r>
-              <a:rPr lang="en-US" smtClean="0"/>
+              <a:rPr lang="en-US"/>
               <a:t>Click to edit Master title style</a:t>
             </a:r>
-            <a:endParaRPr lang="en-US"/>
           </a:p>
         </p:txBody>
       </p:sp>
@@ -3420,7 +3852,7 @@
           <a:p>
             <a:fld id="{699DC775-C286-4358-8C92-D7E584E969B3}" type="datetimeFigureOut">
               <a:rPr lang="en-US" smtClean="0"/>
-              <a:t>6/11/2015</a:t>
+              <a:t>1/27/2017</a:t>
             </a:fld>
             <a:endParaRPr lang="en-US"/>
           </a:p>
@@ -3515,7 +3947,7 @@
           <a:p>
             <a:fld id="{699DC775-C286-4358-8C92-D7E584E969B3}" type="datetimeFigureOut">
               <a:rPr lang="en-US" smtClean="0"/>
-              <a:t>6/11/2015</a:t>
+              <a:t>1/27/2017</a:t>
             </a:fld>
             <a:endParaRPr lang="en-US"/>
           </a:p>
@@ -3618,10 +4050,9 @@
           </a:lstStyle>
           <a:p>
             <a:r>
-              <a:rPr lang="en-US" smtClean="0"/>
+              <a:rPr lang="en-US"/>
               <a:t>Click to edit Master title style</a:t>
             </a:r>
-            <a:endParaRPr lang="en-US"/>
           </a:p>
         </p:txBody>
       </p:sp>
@@ -3675,38 +4106,37 @@
           <a:p>
             <a:pPr lvl="0"/>
             <a:r>
-              <a:rPr lang="en-US" smtClean="0"/>
+              <a:rPr lang="en-US"/>
               <a:t>Click to edit Master text styles</a:t>
             </a:r>
           </a:p>
           <a:p>
             <a:pPr lvl="1"/>
             <a:r>
-              <a:rPr lang="en-US" smtClean="0"/>
+              <a:rPr lang="en-US"/>
               <a:t>Second level</a:t>
             </a:r>
           </a:p>
           <a:p>
             <a:pPr lvl="2"/>
             <a:r>
-              <a:rPr lang="en-US" smtClean="0"/>
+              <a:rPr lang="en-US"/>
               <a:t>Third level</a:t>
             </a:r>
           </a:p>
           <a:p>
             <a:pPr lvl="3"/>
             <a:r>
-              <a:rPr lang="en-US" smtClean="0"/>
+              <a:rPr lang="en-US"/>
               <a:t>Fourth level</a:t>
             </a:r>
           </a:p>
           <a:p>
             <a:pPr lvl="4"/>
             <a:r>
-              <a:rPr lang="en-US" smtClean="0"/>
+              <a:rPr lang="en-US"/>
               <a:t>Fifth level</a:t>
             </a:r>
-            <a:endParaRPr lang="en-US"/>
           </a:p>
         </p:txBody>
       </p:sp>
@@ -3769,7 +4199,7 @@
           <a:p>
             <a:pPr lvl="0"/>
             <a:r>
-              <a:rPr lang="en-US" smtClean="0"/>
+              <a:rPr lang="en-US"/>
               <a:t>Click to edit Master text styles</a:t>
             </a:r>
           </a:p>
@@ -3792,7 +4222,7 @@
           <a:p>
             <a:fld id="{699DC775-C286-4358-8C92-D7E584E969B3}" type="datetimeFigureOut">
               <a:rPr lang="en-US" smtClean="0"/>
-              <a:t>6/11/2015</a:t>
+              <a:t>1/27/2017</a:t>
             </a:fld>
             <a:endParaRPr lang="en-US"/>
           </a:p>
@@ -3886,10 +4316,9 @@
           <a:lstStyle/>
           <a:p>
             <a:r>
-              <a:rPr lang="en-US" smtClean="0"/>
+              <a:rPr lang="en-US"/>
               <a:t>Click to edit Master title style</a:t>
             </a:r>
-            <a:endParaRPr lang="en-US"/>
           </a:p>
         </p:txBody>
       </p:sp>
@@ -3910,38 +4339,37 @@
           <a:p>
             <a:pPr lvl="0"/>
             <a:r>
-              <a:rPr lang="en-US" smtClean="0"/>
+              <a:rPr lang="en-US"/>
               <a:t>Click to edit Master text styles</a:t>
             </a:r>
           </a:p>
           <a:p>
             <a:pPr lvl="1"/>
             <a:r>
-              <a:rPr lang="en-US" smtClean="0"/>
+              <a:rPr lang="en-US"/>
               <a:t>Second level</a:t>
             </a:r>
           </a:p>
           <a:p>
             <a:pPr lvl="2"/>
             <a:r>
-              <a:rPr lang="en-US" smtClean="0"/>
+              <a:rPr lang="en-US"/>
               <a:t>Third level</a:t>
             </a:r>
           </a:p>
           <a:p>
             <a:pPr lvl="3"/>
             <a:r>
-              <a:rPr lang="en-US" smtClean="0"/>
+              <a:rPr lang="en-US"/>
               <a:t>Fourth level</a:t>
             </a:r>
           </a:p>
           <a:p>
             <a:pPr lvl="4"/>
             <a:r>
-              <a:rPr lang="en-US" smtClean="0"/>
+              <a:rPr lang="en-US"/>
               <a:t>Fifth level</a:t>
             </a:r>
-            <a:endParaRPr lang="en-US"/>
           </a:p>
         </p:txBody>
       </p:sp>
@@ -3962,7 +4390,7 @@
           <a:p>
             <a:fld id="{699DC775-C286-4358-8C92-D7E584E969B3}" type="datetimeFigureOut">
               <a:rPr lang="en-US" smtClean="0"/>
-              <a:t>6/11/2015</a:t>
+              <a:t>1/27/2017</a:t>
             </a:fld>
             <a:endParaRPr lang="en-US"/>
           </a:p>
@@ -4065,10 +4493,9 @@
           </a:lstStyle>
           <a:p>
             <a:r>
-              <a:rPr lang="en-US" smtClean="0"/>
+              <a:rPr lang="en-US"/>
               <a:t>Click to edit Master title style</a:t>
             </a:r>
-            <a:endParaRPr lang="en-US"/>
           </a:p>
         </p:txBody>
       </p:sp>
@@ -4192,7 +4619,7 @@
           <a:p>
             <a:pPr lvl="0"/>
             <a:r>
-              <a:rPr lang="en-US" smtClean="0"/>
+              <a:rPr lang="en-US"/>
               <a:t>Click to edit Master text styles</a:t>
             </a:r>
           </a:p>
@@ -4215,7 +4642,7 @@
           <a:p>
             <a:fld id="{699DC775-C286-4358-8C92-D7E584E969B3}" type="datetimeFigureOut">
               <a:rPr lang="en-US" smtClean="0"/>
-              <a:t>6/11/2015</a:t>
+              <a:t>1/27/2017</a:t>
             </a:fld>
             <a:endParaRPr lang="en-US"/>
           </a:p>
@@ -4309,10 +4736,9 @@
           <a:lstStyle/>
           <a:p>
             <a:r>
-              <a:rPr lang="en-US" smtClean="0"/>
+              <a:rPr lang="en-US"/>
               <a:t>Click to edit Master title style</a:t>
             </a:r>
-            <a:endParaRPr lang="en-US"/>
           </a:p>
         </p:txBody>
       </p:sp>
@@ -4333,38 +4759,37 @@
           <a:p>
             <a:pPr lvl="0"/>
             <a:r>
-              <a:rPr lang="en-US" smtClean="0"/>
+              <a:rPr lang="en-US"/>
               <a:t>Click to edit Master text styles</a:t>
             </a:r>
           </a:p>
           <a:p>
             <a:pPr lvl="1"/>
             <a:r>
-              <a:rPr lang="en-US" smtClean="0"/>
+              <a:rPr lang="en-US"/>
               <a:t>Second level</a:t>
             </a:r>
           </a:p>
           <a:p>
             <a:pPr lvl="2"/>
             <a:r>
-              <a:rPr lang="en-US" smtClean="0"/>
+              <a:rPr lang="en-US"/>
               <a:t>Third level</a:t>
             </a:r>
           </a:p>
           <a:p>
             <a:pPr lvl="3"/>
             <a:r>
-              <a:rPr lang="en-US" smtClean="0"/>
+              <a:rPr lang="en-US"/>
               <a:t>Fourth level</a:t>
             </a:r>
           </a:p>
           <a:p>
             <a:pPr lvl="4"/>
             <a:r>
-              <a:rPr lang="en-US" smtClean="0"/>
+              <a:rPr lang="en-US"/>
               <a:t>Fifth level</a:t>
             </a:r>
-            <a:endParaRPr lang="en-US"/>
           </a:p>
         </p:txBody>
       </p:sp>
@@ -4385,7 +4810,7 @@
           <a:p>
             <a:fld id="{699DC775-C286-4358-8C92-D7E584E969B3}" type="datetimeFigureOut">
               <a:rPr lang="en-US" smtClean="0"/>
-              <a:t>6/11/2015</a:t>
+              <a:t>1/27/2017</a:t>
             </a:fld>
             <a:endParaRPr lang="en-US"/>
           </a:p>
@@ -4484,10 +4909,9 @@
           <a:lstStyle/>
           <a:p>
             <a:r>
-              <a:rPr lang="en-US" smtClean="0"/>
+              <a:rPr lang="en-US"/>
               <a:t>Click to edit Master title style</a:t>
             </a:r>
-            <a:endParaRPr lang="en-US"/>
           </a:p>
         </p:txBody>
       </p:sp>
@@ -4513,38 +4937,37 @@
           <a:p>
             <a:pPr lvl="0"/>
             <a:r>
-              <a:rPr lang="en-US" smtClean="0"/>
+              <a:rPr lang="en-US"/>
               <a:t>Click to edit Master text styles</a:t>
             </a:r>
           </a:p>
           <a:p>
             <a:pPr lvl="1"/>
             <a:r>
-              <a:rPr lang="en-US" smtClean="0"/>
+              <a:rPr lang="en-US"/>
               <a:t>Second level</a:t>
             </a:r>
           </a:p>
           <a:p>
             <a:pPr lvl="2"/>
             <a:r>
-              <a:rPr lang="en-US" smtClean="0"/>
+              <a:rPr lang="en-US"/>
               <a:t>Third level</a:t>
             </a:r>
           </a:p>
           <a:p>
             <a:pPr lvl="3"/>
             <a:r>
-              <a:rPr lang="en-US" smtClean="0"/>
+              <a:rPr lang="en-US"/>
               <a:t>Fourth level</a:t>
             </a:r>
           </a:p>
           <a:p>
             <a:pPr lvl="4"/>
             <a:r>
-              <a:rPr lang="en-US" smtClean="0"/>
+              <a:rPr lang="en-US"/>
               <a:t>Fifth level</a:t>
             </a:r>
-            <a:endParaRPr lang="en-US"/>
           </a:p>
         </p:txBody>
       </p:sp>
@@ -4565,7 +4988,7 @@
           <a:p>
             <a:fld id="{699DC775-C286-4358-8C92-D7E584E969B3}" type="datetimeFigureOut">
               <a:rPr lang="en-US" smtClean="0"/>
-              <a:t>6/11/2015</a:t>
+              <a:t>1/27/2017</a:t>
             </a:fld>
             <a:endParaRPr lang="en-US"/>
           </a:p>
@@ -4672,10 +5095,9 @@
           <a:lstStyle/>
           <a:p>
             <a:r>
-              <a:rPr lang="en-US" smtClean="0"/>
+              <a:rPr lang="en-US"/>
               <a:t>Click to edit Master title style</a:t>
             </a:r>
-            <a:endParaRPr lang="en-US"/>
           </a:p>
         </p:txBody>
       </p:sp>
@@ -4791,10 +5213,9 @@
           </a:lstStyle>
           <a:p>
             <a:r>
-              <a:rPr lang="en-US" smtClean="0"/>
+              <a:rPr lang="en-US"/>
               <a:t>Click to edit Master subtitle style</a:t>
             </a:r>
-            <a:endParaRPr lang="en-US"/>
           </a:p>
         </p:txBody>
       </p:sp>
@@ -4815,7 +5236,7 @@
           <a:p>
             <a:fld id="{699DC775-C286-4358-8C92-D7E584E969B3}" type="datetimeFigureOut">
               <a:rPr lang="en-US" smtClean="0"/>
-              <a:t>6/11/2015</a:t>
+              <a:t>1/27/2017</a:t>
             </a:fld>
             <a:endParaRPr lang="en-US"/>
           </a:p>
@@ -4917,10 +5338,9 @@
           <a:lstStyle/>
           <a:p>
             <a:r>
-              <a:rPr lang="en-US" smtClean="0"/>
+              <a:rPr lang="en-US"/>
               <a:t>Click to edit Master title style</a:t>
             </a:r>
-            <a:endParaRPr lang="en-US"/>
           </a:p>
         </p:txBody>
       </p:sp>
@@ -4941,38 +5361,37 @@
           <a:p>
             <a:pPr lvl="0"/>
             <a:r>
-              <a:rPr lang="en-US" smtClean="0"/>
+              <a:rPr lang="en-US"/>
               <a:t>Click to edit Master text styles</a:t>
             </a:r>
           </a:p>
           <a:p>
             <a:pPr lvl="1"/>
             <a:r>
-              <a:rPr lang="en-US" smtClean="0"/>
+              <a:rPr lang="en-US"/>
               <a:t>Second level</a:t>
             </a:r>
           </a:p>
           <a:p>
             <a:pPr lvl="2"/>
             <a:r>
-              <a:rPr lang="en-US" smtClean="0"/>
+              <a:rPr lang="en-US"/>
               <a:t>Third level</a:t>
             </a:r>
           </a:p>
           <a:p>
             <a:pPr lvl="3"/>
             <a:r>
-              <a:rPr lang="en-US" smtClean="0"/>
+              <a:rPr lang="en-US"/>
               <a:t>Fourth level</a:t>
             </a:r>
           </a:p>
           <a:p>
             <a:pPr lvl="4"/>
             <a:r>
-              <a:rPr lang="en-US" smtClean="0"/>
+              <a:rPr lang="en-US"/>
               <a:t>Fifth level</a:t>
             </a:r>
-            <a:endParaRPr lang="en-US"/>
           </a:p>
         </p:txBody>
       </p:sp>
@@ -4993,7 +5412,7 @@
           <a:p>
             <a:fld id="{699DC775-C286-4358-8C92-D7E584E969B3}" type="datetimeFigureOut">
               <a:rPr lang="en-US" smtClean="0"/>
-              <a:t>6/11/2015</a:t>
+              <a:t>1/27/2017</a:t>
             </a:fld>
             <a:endParaRPr lang="en-US"/>
           </a:p>
@@ -5104,10 +5523,9 @@
           </a:lstStyle>
           <a:p>
             <a:r>
-              <a:rPr lang="en-US" smtClean="0"/>
+              <a:rPr lang="en-US"/>
               <a:t>Click to edit Master title style</a:t>
             </a:r>
-            <a:endParaRPr lang="en-US"/>
           </a:p>
         </p:txBody>
       </p:sp>
@@ -5224,7 +5642,7 @@
           <a:p>
             <a:pPr lvl="0"/>
             <a:r>
-              <a:rPr lang="en-US" smtClean="0"/>
+              <a:rPr lang="en-US"/>
               <a:t>Click to edit Master text styles</a:t>
             </a:r>
           </a:p>
@@ -5247,7 +5665,7 @@
           <a:p>
             <a:fld id="{699DC775-C286-4358-8C92-D7E584E969B3}" type="datetimeFigureOut">
               <a:rPr lang="en-US" smtClean="0"/>
-              <a:t>6/11/2015</a:t>
+              <a:t>1/27/2017</a:t>
             </a:fld>
             <a:endParaRPr lang="en-US"/>
           </a:p>
@@ -5349,10 +5767,9 @@
           <a:lstStyle/>
           <a:p>
             <a:r>
-              <a:rPr lang="en-US" smtClean="0"/>
+              <a:rPr lang="en-US"/>
               <a:t>Click to edit Master title style</a:t>
             </a:r>
-            <a:endParaRPr lang="en-US"/>
           </a:p>
         </p:txBody>
       </p:sp>
@@ -5406,38 +5823,37 @@
           <a:p>
             <a:pPr lvl="0"/>
             <a:r>
-              <a:rPr lang="en-US" smtClean="0"/>
+              <a:rPr lang="en-US"/>
               <a:t>Click to edit Master text styles</a:t>
             </a:r>
           </a:p>
           <a:p>
             <a:pPr lvl="1"/>
             <a:r>
-              <a:rPr lang="en-US" smtClean="0"/>
+              <a:rPr lang="en-US"/>
               <a:t>Second level</a:t>
             </a:r>
           </a:p>
           <a:p>
             <a:pPr lvl="2"/>
             <a:r>
-              <a:rPr lang="en-US" smtClean="0"/>
+              <a:rPr lang="en-US"/>
               <a:t>Third level</a:t>
             </a:r>
           </a:p>
           <a:p>
             <a:pPr lvl="3"/>
             <a:r>
-              <a:rPr lang="en-US" smtClean="0"/>
+              <a:rPr lang="en-US"/>
               <a:t>Fourth level</a:t>
             </a:r>
           </a:p>
           <a:p>
             <a:pPr lvl="4"/>
             <a:r>
-              <a:rPr lang="en-US" smtClean="0"/>
+              <a:rPr lang="en-US"/>
               <a:t>Fifth level</a:t>
             </a:r>
-            <a:endParaRPr lang="en-US"/>
           </a:p>
         </p:txBody>
       </p:sp>
@@ -5491,38 +5907,37 @@
           <a:p>
             <a:pPr lvl="0"/>
             <a:r>
-              <a:rPr lang="en-US" smtClean="0"/>
+              <a:rPr lang="en-US"/>
               <a:t>Click to edit Master text styles</a:t>
             </a:r>
           </a:p>
           <a:p>
             <a:pPr lvl="1"/>
             <a:r>
-              <a:rPr lang="en-US" smtClean="0"/>
+              <a:rPr lang="en-US"/>
               <a:t>Second level</a:t>
             </a:r>
           </a:p>
           <a:p>
             <a:pPr lvl="2"/>
             <a:r>
-              <a:rPr lang="en-US" smtClean="0"/>
+              <a:rPr lang="en-US"/>
               <a:t>Third level</a:t>
             </a:r>
           </a:p>
           <a:p>
             <a:pPr lvl="3"/>
             <a:r>
-              <a:rPr lang="en-US" smtClean="0"/>
+              <a:rPr lang="en-US"/>
               <a:t>Fourth level</a:t>
             </a:r>
           </a:p>
           <a:p>
             <a:pPr lvl="4"/>
             <a:r>
-              <a:rPr lang="en-US" smtClean="0"/>
+              <a:rPr lang="en-US"/>
               <a:t>Fifth level</a:t>
             </a:r>
-            <a:endParaRPr lang="en-US"/>
           </a:p>
         </p:txBody>
       </p:sp>
@@ -5543,7 +5958,7 @@
           <a:p>
             <a:fld id="{699DC775-C286-4358-8C92-D7E584E969B3}" type="datetimeFigureOut">
               <a:rPr lang="en-US" smtClean="0"/>
-              <a:t>6/11/2015</a:t>
+              <a:t>1/27/2017</a:t>
             </a:fld>
             <a:endParaRPr lang="en-US"/>
           </a:p>
@@ -5649,10 +6064,9 @@
           </a:lstStyle>
           <a:p>
             <a:r>
-              <a:rPr lang="en-US" smtClean="0"/>
+              <a:rPr lang="en-US"/>
               <a:t>Click to edit Master title style</a:t>
             </a:r>
-            <a:endParaRPr lang="en-US"/>
           </a:p>
         </p:txBody>
       </p:sp>
@@ -5715,7 +6129,7 @@
           <a:p>
             <a:pPr lvl="0"/>
             <a:r>
-              <a:rPr lang="en-US" smtClean="0"/>
+              <a:rPr lang="en-US"/>
               <a:t>Click to edit Master text styles</a:t>
             </a:r>
           </a:p>
@@ -5771,38 +6185,37 @@
           <a:p>
             <a:pPr lvl="0"/>
             <a:r>
-              <a:rPr lang="en-US" smtClean="0"/>
+              <a:rPr lang="en-US"/>
               <a:t>Click to edit Master text styles</a:t>
             </a:r>
           </a:p>
           <a:p>
             <a:pPr lvl="1"/>
             <a:r>
-              <a:rPr lang="en-US" smtClean="0"/>
+              <a:rPr lang="en-US"/>
               <a:t>Second level</a:t>
             </a:r>
           </a:p>
           <a:p>
             <a:pPr lvl="2"/>
             <a:r>
-              <a:rPr lang="en-US" smtClean="0"/>
+              <a:rPr lang="en-US"/>
               <a:t>Third level</a:t>
             </a:r>
           </a:p>
           <a:p>
             <a:pPr lvl="3"/>
             <a:r>
-              <a:rPr lang="en-US" smtClean="0"/>
+              <a:rPr lang="en-US"/>
               <a:t>Fourth level</a:t>
             </a:r>
           </a:p>
           <a:p>
             <a:pPr lvl="4"/>
             <a:r>
-              <a:rPr lang="en-US" smtClean="0"/>
+              <a:rPr lang="en-US"/>
               <a:t>Fifth level</a:t>
             </a:r>
-            <a:endParaRPr lang="en-US"/>
           </a:p>
         </p:txBody>
       </p:sp>
@@ -5865,7 +6278,7 @@
           <a:p>
             <a:pPr lvl="0"/>
             <a:r>
-              <a:rPr lang="en-US" smtClean="0"/>
+              <a:rPr lang="en-US"/>
               <a:t>Click to edit Master text styles</a:t>
             </a:r>
           </a:p>
@@ -5921,38 +6334,37 @@
           <a:p>
             <a:pPr lvl="0"/>
             <a:r>
-              <a:rPr lang="en-US" smtClean="0"/>
+              <a:rPr lang="en-US"/>
               <a:t>Click to edit Master text styles</a:t>
             </a:r>
           </a:p>
           <a:p>
             <a:pPr lvl="1"/>
             <a:r>
-              <a:rPr lang="en-US" smtClean="0"/>
+              <a:rPr lang="en-US"/>
               <a:t>Second level</a:t>
             </a:r>
           </a:p>
           <a:p>
             <a:pPr lvl="2"/>
             <a:r>
-              <a:rPr lang="en-US" smtClean="0"/>
+              <a:rPr lang="en-US"/>
               <a:t>Third level</a:t>
             </a:r>
           </a:p>
           <a:p>
             <a:pPr lvl="3"/>
             <a:r>
-              <a:rPr lang="en-US" smtClean="0"/>
+              <a:rPr lang="en-US"/>
               <a:t>Fourth level</a:t>
             </a:r>
           </a:p>
           <a:p>
             <a:pPr lvl="4"/>
             <a:r>
-              <a:rPr lang="en-US" smtClean="0"/>
+              <a:rPr lang="en-US"/>
               <a:t>Fifth level</a:t>
             </a:r>
-            <a:endParaRPr lang="en-US"/>
           </a:p>
         </p:txBody>
       </p:sp>
@@ -5973,7 +6385,7 @@
           <a:p>
             <a:fld id="{699DC775-C286-4358-8C92-D7E584E969B3}" type="datetimeFigureOut">
               <a:rPr lang="en-US" smtClean="0"/>
-              <a:t>6/11/2015</a:t>
+              <a:t>1/27/2017</a:t>
             </a:fld>
             <a:endParaRPr lang="en-US"/>
           </a:p>
@@ -6075,10 +6487,9 @@
           <a:lstStyle/>
           <a:p>
             <a:r>
-              <a:rPr lang="en-US" smtClean="0"/>
+              <a:rPr lang="en-US"/>
               <a:t>Click to edit Master title style</a:t>
             </a:r>
-            <a:endParaRPr lang="en-US"/>
           </a:p>
         </p:txBody>
       </p:sp>
@@ -6099,7 +6510,7 @@
           <a:p>
             <a:fld id="{699DC775-C286-4358-8C92-D7E584E969B3}" type="datetimeFigureOut">
               <a:rPr lang="en-US" smtClean="0"/>
-              <a:t>6/11/2015</a:t>
+              <a:t>1/27/2017</a:t>
             </a:fld>
             <a:endParaRPr lang="en-US"/>
           </a:p>
@@ -6202,7 +6613,7 @@
           <a:p>
             <a:fld id="{699DC775-C286-4358-8C92-D7E584E969B3}" type="datetimeFigureOut">
               <a:rPr lang="en-US" smtClean="0"/>
-              <a:t>6/11/2015</a:t>
+              <a:t>1/27/2017</a:t>
             </a:fld>
             <a:endParaRPr lang="en-US"/>
           </a:p>
@@ -6305,10 +6716,9 @@
           </a:lstStyle>
           <a:p>
             <a:r>
-              <a:rPr lang="en-US" smtClean="0"/>
+              <a:rPr lang="en-US"/>
               <a:t>Click to edit Master title style</a:t>
             </a:r>
-            <a:endParaRPr lang="en-US"/>
           </a:p>
         </p:txBody>
       </p:sp>
@@ -6425,7 +6835,7 @@
           <a:p>
             <a:pPr lvl="0"/>
             <a:r>
-              <a:rPr lang="en-US" smtClean="0"/>
+              <a:rPr lang="en-US"/>
               <a:t>Click to edit Master text styles</a:t>
             </a:r>
           </a:p>
@@ -6448,7 +6858,7 @@
           <a:p>
             <a:fld id="{699DC775-C286-4358-8C92-D7E584E969B3}" type="datetimeFigureOut">
               <a:rPr lang="en-US" smtClean="0"/>
-              <a:t>6/11/2015</a:t>
+              <a:t>1/27/2017</a:t>
             </a:fld>
             <a:endParaRPr lang="en-US"/>
           </a:p>
@@ -6559,10 +6969,9 @@
           </a:lstStyle>
           <a:p>
             <a:r>
-              <a:rPr lang="en-US" smtClean="0"/>
+              <a:rPr lang="en-US"/>
               <a:t>Click to edit Master title style</a:t>
             </a:r>
-            <a:endParaRPr lang="en-US"/>
           </a:p>
         </p:txBody>
       </p:sp>
@@ -6616,38 +7025,37 @@
           <a:p>
             <a:pPr lvl="0"/>
             <a:r>
-              <a:rPr lang="en-US" smtClean="0"/>
+              <a:rPr lang="en-US"/>
               <a:t>Click to edit Master text styles</a:t>
             </a:r>
           </a:p>
           <a:p>
             <a:pPr lvl="1"/>
             <a:r>
-              <a:rPr lang="en-US" smtClean="0"/>
+              <a:rPr lang="en-US"/>
               <a:t>Second level</a:t>
             </a:r>
           </a:p>
           <a:p>
             <a:pPr lvl="2"/>
             <a:r>
-              <a:rPr lang="en-US" smtClean="0"/>
+              <a:rPr lang="en-US"/>
               <a:t>Third level</a:t>
             </a:r>
           </a:p>
           <a:p>
             <a:pPr lvl="3"/>
             <a:r>
-              <a:rPr lang="en-US" smtClean="0"/>
+              <a:rPr lang="en-US"/>
               <a:t>Fourth level</a:t>
             </a:r>
           </a:p>
           <a:p>
             <a:pPr lvl="4"/>
             <a:r>
-              <a:rPr lang="en-US" smtClean="0"/>
+              <a:rPr lang="en-US"/>
               <a:t>Fifth level</a:t>
             </a:r>
-            <a:endParaRPr lang="en-US"/>
           </a:p>
         </p:txBody>
       </p:sp>
@@ -6710,7 +7118,7 @@
           <a:p>
             <a:pPr lvl="0"/>
             <a:r>
-              <a:rPr lang="en-US" smtClean="0"/>
+              <a:rPr lang="en-US"/>
               <a:t>Click to edit Master text styles</a:t>
             </a:r>
           </a:p>
@@ -6733,7 +7141,7 @@
           <a:p>
             <a:fld id="{699DC775-C286-4358-8C92-D7E584E969B3}" type="datetimeFigureOut">
               <a:rPr lang="en-US" smtClean="0"/>
-              <a:t>6/11/2015</a:t>
+              <a:t>1/27/2017</a:t>
             </a:fld>
             <a:endParaRPr lang="en-US"/>
           </a:p>
@@ -6844,10 +7252,9 @@
           </a:lstStyle>
           <a:p>
             <a:r>
-              <a:rPr lang="en-US" smtClean="0"/>
+              <a:rPr lang="en-US"/>
               <a:t>Click to edit Master title style</a:t>
             </a:r>
-            <a:endParaRPr lang="en-US"/>
           </a:p>
         </p:txBody>
       </p:sp>
@@ -6971,7 +7378,7 @@
           <a:p>
             <a:pPr lvl="0"/>
             <a:r>
-              <a:rPr lang="en-US" smtClean="0"/>
+              <a:rPr lang="en-US"/>
               <a:t>Click to edit Master text styles</a:t>
             </a:r>
           </a:p>
@@ -6994,7 +7401,7 @@
           <a:p>
             <a:fld id="{699DC775-C286-4358-8C92-D7E584E969B3}" type="datetimeFigureOut">
               <a:rPr lang="en-US" smtClean="0"/>
-              <a:t>6/11/2015</a:t>
+              <a:t>1/27/2017</a:t>
             </a:fld>
             <a:endParaRPr lang="en-US"/>
           </a:p>
@@ -7096,10 +7503,9 @@
           <a:lstStyle/>
           <a:p>
             <a:r>
-              <a:rPr lang="en-US" smtClean="0"/>
+              <a:rPr lang="en-US"/>
               <a:t>Click to edit Master title style</a:t>
             </a:r>
-            <a:endParaRPr lang="en-US"/>
           </a:p>
         </p:txBody>
       </p:sp>
@@ -7120,38 +7526,37 @@
           <a:p>
             <a:pPr lvl="0"/>
             <a:r>
-              <a:rPr lang="en-US" smtClean="0"/>
+              <a:rPr lang="en-US"/>
               <a:t>Click to edit Master text styles</a:t>
             </a:r>
           </a:p>
           <a:p>
             <a:pPr lvl="1"/>
             <a:r>
-              <a:rPr lang="en-US" smtClean="0"/>
+              <a:rPr lang="en-US"/>
               <a:t>Second level</a:t>
             </a:r>
           </a:p>
           <a:p>
             <a:pPr lvl="2"/>
             <a:r>
-              <a:rPr lang="en-US" smtClean="0"/>
+              <a:rPr lang="en-US"/>
               <a:t>Third level</a:t>
             </a:r>
           </a:p>
           <a:p>
             <a:pPr lvl="3"/>
             <a:r>
-              <a:rPr lang="en-US" smtClean="0"/>
+              <a:rPr lang="en-US"/>
               <a:t>Fourth level</a:t>
             </a:r>
           </a:p>
           <a:p>
             <a:pPr lvl="4"/>
             <a:r>
-              <a:rPr lang="en-US" smtClean="0"/>
+              <a:rPr lang="en-US"/>
               <a:t>Fifth level</a:t>
             </a:r>
-            <a:endParaRPr lang="en-US"/>
           </a:p>
         </p:txBody>
       </p:sp>
@@ -7172,7 +7577,7 @@
           <a:p>
             <a:fld id="{699DC775-C286-4358-8C92-D7E584E969B3}" type="datetimeFigureOut">
               <a:rPr lang="en-US" smtClean="0"/>
-              <a:t>6/11/2015</a:t>
+              <a:t>1/27/2017</a:t>
             </a:fld>
             <a:endParaRPr lang="en-US"/>
           </a:p>
@@ -7279,10 +7684,9 @@
           <a:lstStyle/>
           <a:p>
             <a:r>
-              <a:rPr lang="en-US" smtClean="0"/>
+              <a:rPr lang="en-US"/>
               <a:t>Click to edit Master title style</a:t>
             </a:r>
-            <a:endParaRPr lang="en-US"/>
           </a:p>
         </p:txBody>
       </p:sp>
@@ -7308,38 +7712,37 @@
           <a:p>
             <a:pPr lvl="0"/>
             <a:r>
-              <a:rPr lang="en-US" smtClean="0"/>
+              <a:rPr lang="en-US"/>
               <a:t>Click to edit Master text styles</a:t>
             </a:r>
           </a:p>
           <a:p>
             <a:pPr lvl="1"/>
             <a:r>
-              <a:rPr lang="en-US" smtClean="0"/>
+              <a:rPr lang="en-US"/>
               <a:t>Second level</a:t>
             </a:r>
           </a:p>
           <a:p>
             <a:pPr lvl="2"/>
             <a:r>
-              <a:rPr lang="en-US" smtClean="0"/>
+              <a:rPr lang="en-US"/>
               <a:t>Third level</a:t>
             </a:r>
           </a:p>
           <a:p>
             <a:pPr lvl="3"/>
             <a:r>
-              <a:rPr lang="en-US" smtClean="0"/>
+              <a:rPr lang="en-US"/>
               <a:t>Fourth level</a:t>
             </a:r>
           </a:p>
           <a:p>
             <a:pPr lvl="4"/>
             <a:r>
-              <a:rPr lang="en-US" smtClean="0"/>
+              <a:rPr lang="en-US"/>
               <a:t>Fifth level</a:t>
             </a:r>
-            <a:endParaRPr lang="en-US"/>
           </a:p>
         </p:txBody>
       </p:sp>
@@ -7360,7 +7763,7 @@
           <a:p>
             <a:fld id="{699DC775-C286-4358-8C92-D7E584E969B3}" type="datetimeFigureOut">
               <a:rPr lang="en-US" smtClean="0"/>
-              <a:t>6/11/2015</a:t>
+              <a:t>1/27/2017</a:t>
             </a:fld>
             <a:endParaRPr lang="en-US"/>
           </a:p>
@@ -7454,10 +7857,9 @@
           <a:lstStyle/>
           <a:p>
             <a:r>
-              <a:rPr lang="en-US" smtClean="0"/>
+              <a:rPr lang="en-US"/>
               <a:t>Click to edit Master title style</a:t>
             </a:r>
-            <a:endParaRPr lang="en-US"/>
           </a:p>
         </p:txBody>
       </p:sp>
@@ -7511,38 +7913,37 @@
           <a:p>
             <a:pPr lvl="0"/>
             <a:r>
-              <a:rPr lang="en-US" smtClean="0"/>
+              <a:rPr lang="en-US"/>
               <a:t>Click to edit Master text styles</a:t>
             </a:r>
           </a:p>
           <a:p>
             <a:pPr lvl="1"/>
             <a:r>
-              <a:rPr lang="en-US" smtClean="0"/>
+              <a:rPr lang="en-US"/>
               <a:t>Second level</a:t>
             </a:r>
           </a:p>
           <a:p>
             <a:pPr lvl="2"/>
             <a:r>
-              <a:rPr lang="en-US" smtClean="0"/>
+              <a:rPr lang="en-US"/>
               <a:t>Third level</a:t>
             </a:r>
           </a:p>
           <a:p>
             <a:pPr lvl="3"/>
             <a:r>
-              <a:rPr lang="en-US" smtClean="0"/>
+              <a:rPr lang="en-US"/>
               <a:t>Fourth level</a:t>
             </a:r>
           </a:p>
           <a:p>
             <a:pPr lvl="4"/>
             <a:r>
-              <a:rPr lang="en-US" smtClean="0"/>
+              <a:rPr lang="en-US"/>
               <a:t>Fifth level</a:t>
             </a:r>
-            <a:endParaRPr lang="en-US"/>
           </a:p>
         </p:txBody>
       </p:sp>
@@ -7596,38 +7997,37 @@
           <a:p>
             <a:pPr lvl="0"/>
             <a:r>
-              <a:rPr lang="en-US" smtClean="0"/>
+              <a:rPr lang="en-US"/>
               <a:t>Click to edit Master text styles</a:t>
             </a:r>
           </a:p>
           <a:p>
             <a:pPr lvl="1"/>
             <a:r>
-              <a:rPr lang="en-US" smtClean="0"/>
+              <a:rPr lang="en-US"/>
               <a:t>Second level</a:t>
             </a:r>
           </a:p>
           <a:p>
             <a:pPr lvl="2"/>
             <a:r>
-              <a:rPr lang="en-US" smtClean="0"/>
+              <a:rPr lang="en-US"/>
               <a:t>Third level</a:t>
             </a:r>
           </a:p>
           <a:p>
             <a:pPr lvl="3"/>
             <a:r>
-              <a:rPr lang="en-US" smtClean="0"/>
+              <a:rPr lang="en-US"/>
               <a:t>Fourth level</a:t>
             </a:r>
           </a:p>
           <a:p>
             <a:pPr lvl="4"/>
             <a:r>
-              <a:rPr lang="en-US" smtClean="0"/>
+              <a:rPr lang="en-US"/>
               <a:t>Fifth level</a:t>
             </a:r>
-            <a:endParaRPr lang="en-US"/>
           </a:p>
         </p:txBody>
       </p:sp>
@@ -7648,7 +8048,7 @@
           <a:p>
             <a:fld id="{699DC775-C286-4358-8C92-D7E584E969B3}" type="datetimeFigureOut">
               <a:rPr lang="en-US" smtClean="0"/>
-              <a:t>6/11/2015</a:t>
+              <a:t>1/27/2017</a:t>
             </a:fld>
             <a:endParaRPr lang="en-US"/>
           </a:p>
@@ -7746,10 +8146,9 @@
           </a:lstStyle>
           <a:p>
             <a:r>
-              <a:rPr lang="en-US" smtClean="0"/>
+              <a:rPr lang="en-US"/>
               <a:t>Click to edit Master title style</a:t>
             </a:r>
-            <a:endParaRPr lang="en-US"/>
           </a:p>
         </p:txBody>
       </p:sp>
@@ -7812,7 +8211,7 @@
           <a:p>
             <a:pPr lvl="0"/>
             <a:r>
-              <a:rPr lang="en-US" smtClean="0"/>
+              <a:rPr lang="en-US"/>
               <a:t>Click to edit Master text styles</a:t>
             </a:r>
           </a:p>
@@ -7868,38 +8267,37 @@
           <a:p>
             <a:pPr lvl="0"/>
             <a:r>
-              <a:rPr lang="en-US" smtClean="0"/>
+              <a:rPr lang="en-US"/>
               <a:t>Click to edit Master text styles</a:t>
             </a:r>
           </a:p>
           <a:p>
             <a:pPr lvl="1"/>
             <a:r>
-              <a:rPr lang="en-US" smtClean="0"/>
+              <a:rPr lang="en-US"/>
               <a:t>Second level</a:t>
             </a:r>
           </a:p>
           <a:p>
             <a:pPr lvl="2"/>
             <a:r>
-              <a:rPr lang="en-US" smtClean="0"/>
+              <a:rPr lang="en-US"/>
               <a:t>Third level</a:t>
             </a:r>
           </a:p>
           <a:p>
             <a:pPr lvl="3"/>
             <a:r>
-              <a:rPr lang="en-US" smtClean="0"/>
+              <a:rPr lang="en-US"/>
               <a:t>Fourth level</a:t>
             </a:r>
           </a:p>
           <a:p>
             <a:pPr lvl="4"/>
             <a:r>
-              <a:rPr lang="en-US" smtClean="0"/>
+              <a:rPr lang="en-US"/>
               <a:t>Fifth level</a:t>
             </a:r>
-            <a:endParaRPr lang="en-US"/>
           </a:p>
         </p:txBody>
       </p:sp>
@@ -7962,7 +8360,7 @@
           <a:p>
             <a:pPr lvl="0"/>
             <a:r>
-              <a:rPr lang="en-US" smtClean="0"/>
+              <a:rPr lang="en-US"/>
               <a:t>Click to edit Master text styles</a:t>
             </a:r>
           </a:p>
@@ -8018,38 +8416,37 @@
           <a:p>
             <a:pPr lvl="0"/>
             <a:r>
-              <a:rPr lang="en-US" smtClean="0"/>
+              <a:rPr lang="en-US"/>
               <a:t>Click to edit Master text styles</a:t>
             </a:r>
           </a:p>
           <a:p>
             <a:pPr lvl="1"/>
             <a:r>
-              <a:rPr lang="en-US" smtClean="0"/>
+              <a:rPr lang="en-US"/>
               <a:t>Second level</a:t>
             </a:r>
           </a:p>
           <a:p>
             <a:pPr lvl="2"/>
             <a:r>
-              <a:rPr lang="en-US" smtClean="0"/>
+              <a:rPr lang="en-US"/>
               <a:t>Third level</a:t>
             </a:r>
           </a:p>
           <a:p>
             <a:pPr lvl="3"/>
             <a:r>
-              <a:rPr lang="en-US" smtClean="0"/>
+              <a:rPr lang="en-US"/>
               <a:t>Fourth level</a:t>
             </a:r>
           </a:p>
           <a:p>
             <a:pPr lvl="4"/>
             <a:r>
-              <a:rPr lang="en-US" smtClean="0"/>
+              <a:rPr lang="en-US"/>
               <a:t>Fifth level</a:t>
             </a:r>
-            <a:endParaRPr lang="en-US"/>
           </a:p>
         </p:txBody>
       </p:sp>
@@ -8070,7 +8467,7 @@
           <a:p>
             <a:fld id="{699DC775-C286-4358-8C92-D7E584E969B3}" type="datetimeFigureOut">
               <a:rPr lang="en-US" smtClean="0"/>
-              <a:t>6/11/2015</a:t>
+              <a:t>1/27/2017</a:t>
             </a:fld>
             <a:endParaRPr lang="en-US"/>
           </a:p>
@@ -8164,10 +8561,9 @@
           <a:lstStyle/>
           <a:p>
             <a:r>
-              <a:rPr lang="en-US" smtClean="0"/>
+              <a:rPr lang="en-US"/>
               <a:t>Click to edit Master title style</a:t>
             </a:r>
-            <a:endParaRPr lang="en-US"/>
           </a:p>
         </p:txBody>
       </p:sp>
@@ -8188,7 +8584,7 @@
           <a:p>
             <a:fld id="{699DC775-C286-4358-8C92-D7E584E969B3}" type="datetimeFigureOut">
               <a:rPr lang="en-US" smtClean="0"/>
-              <a:t>6/11/2015</a:t>
+              <a:t>1/27/2017</a:t>
             </a:fld>
             <a:endParaRPr lang="en-US"/>
           </a:p>
@@ -8283,7 +8679,7 @@
           <a:p>
             <a:fld id="{699DC775-C286-4358-8C92-D7E584E969B3}" type="datetimeFigureOut">
               <a:rPr lang="en-US" smtClean="0"/>
-              <a:t>6/11/2015</a:t>
+              <a:t>1/27/2017</a:t>
             </a:fld>
             <a:endParaRPr lang="en-US"/>
           </a:p>
@@ -8386,10 +8782,9 @@
           </a:lstStyle>
           <a:p>
             <a:r>
-              <a:rPr lang="en-US" smtClean="0"/>
+              <a:rPr lang="en-US"/>
               <a:t>Click to edit Master title style</a:t>
             </a:r>
-            <a:endParaRPr lang="en-US"/>
           </a:p>
         </p:txBody>
       </p:sp>
@@ -8443,38 +8838,37 @@
           <a:p>
             <a:pPr lvl="0"/>
             <a:r>
-              <a:rPr lang="en-US" smtClean="0"/>
+              <a:rPr lang="en-US"/>
               <a:t>Click to edit Master text styles</a:t>
             </a:r>
           </a:p>
           <a:p>
             <a:pPr lvl="1"/>
             <a:r>
-              <a:rPr lang="en-US" smtClean="0"/>
+              <a:rPr lang="en-US"/>
               <a:t>Second level</a:t>
             </a:r>
           </a:p>
           <a:p>
             <a:pPr lvl="2"/>
             <a:r>
-              <a:rPr lang="en-US" smtClean="0"/>
+              <a:rPr lang="en-US"/>
               <a:t>Third level</a:t>
             </a:r>
           </a:p>
           <a:p>
             <a:pPr lvl="3"/>
             <a:r>
-              <a:rPr lang="en-US" smtClean="0"/>
+              <a:rPr lang="en-US"/>
               <a:t>Fourth level</a:t>
             </a:r>
           </a:p>
           <a:p>
             <a:pPr lvl="4"/>
             <a:r>
-              <a:rPr lang="en-US" smtClean="0"/>
+              <a:rPr lang="en-US"/>
               <a:t>Fifth level</a:t>
             </a:r>
-            <a:endParaRPr lang="en-US"/>
           </a:p>
         </p:txBody>
       </p:sp>
@@ -8537,7 +8931,7 @@
           <a:p>
             <a:pPr lvl="0"/>
             <a:r>
-              <a:rPr lang="en-US" smtClean="0"/>
+              <a:rPr lang="en-US"/>
               <a:t>Click to edit Master text styles</a:t>
             </a:r>
           </a:p>
@@ -8560,7 +8954,7 @@
           <a:p>
             <a:fld id="{699DC775-C286-4358-8C92-D7E584E969B3}" type="datetimeFigureOut">
               <a:rPr lang="en-US" smtClean="0"/>
-              <a:t>6/11/2015</a:t>
+              <a:t>1/27/2017</a:t>
             </a:fld>
             <a:endParaRPr lang="en-US"/>
           </a:p>
@@ -8663,10 +9057,9 @@
           </a:lstStyle>
           <a:p>
             <a:r>
-              <a:rPr lang="en-US" smtClean="0"/>
+              <a:rPr lang="en-US"/>
               <a:t>Click to edit Master title style</a:t>
             </a:r>
-            <a:endParaRPr lang="en-US"/>
           </a:p>
         </p:txBody>
       </p:sp>
@@ -8790,7 +9183,7 @@
           <a:p>
             <a:pPr lvl="0"/>
             <a:r>
-              <a:rPr lang="en-US" smtClean="0"/>
+              <a:rPr lang="en-US"/>
               <a:t>Click to edit Master text styles</a:t>
             </a:r>
           </a:p>
@@ -8813,7 +9206,7 @@
           <a:p>
             <a:fld id="{699DC775-C286-4358-8C92-D7E584E969B3}" type="datetimeFigureOut">
               <a:rPr lang="en-US" smtClean="0"/>
-              <a:t>6/11/2015</a:t>
+              <a:t>1/27/2017</a:t>
             </a:fld>
             <a:endParaRPr lang="en-US"/>
           </a:p>
@@ -8922,10 +9315,9 @@
           <a:lstStyle/>
           <a:p>
             <a:r>
-              <a:rPr lang="en-US" smtClean="0"/>
+              <a:rPr lang="en-US"/>
               <a:t>Click to edit Master title style</a:t>
             </a:r>
-            <a:endParaRPr lang="en-US"/>
           </a:p>
         </p:txBody>
       </p:sp>
@@ -8956,38 +9348,37 @@
           <a:p>
             <a:pPr lvl="0"/>
             <a:r>
-              <a:rPr lang="en-US" smtClean="0"/>
+              <a:rPr lang="en-US"/>
               <a:t>Click to edit Master text styles</a:t>
             </a:r>
           </a:p>
           <a:p>
             <a:pPr lvl="1"/>
             <a:r>
-              <a:rPr lang="en-US" smtClean="0"/>
+              <a:rPr lang="en-US"/>
               <a:t>Second level</a:t>
             </a:r>
           </a:p>
           <a:p>
             <a:pPr lvl="2"/>
             <a:r>
-              <a:rPr lang="en-US" smtClean="0"/>
+              <a:rPr lang="en-US"/>
               <a:t>Third level</a:t>
             </a:r>
           </a:p>
           <a:p>
             <a:pPr lvl="3"/>
             <a:r>
-              <a:rPr lang="en-US" smtClean="0"/>
+              <a:rPr lang="en-US"/>
               <a:t>Fourth level</a:t>
             </a:r>
           </a:p>
           <a:p>
             <a:pPr lvl="4"/>
             <a:r>
-              <a:rPr lang="en-US" smtClean="0"/>
+              <a:rPr lang="en-US"/>
               <a:t>Fifth level</a:t>
             </a:r>
-            <a:endParaRPr lang="en-US"/>
           </a:p>
         </p:txBody>
       </p:sp>
@@ -9026,7 +9417,7 @@
           <a:p>
             <a:fld id="{699DC775-C286-4358-8C92-D7E584E969B3}" type="datetimeFigureOut">
               <a:rPr lang="en-US" smtClean="0"/>
-              <a:t>6/11/2015</a:t>
+              <a:t>1/27/2017</a:t>
             </a:fld>
             <a:endParaRPr lang="en-US"/>
           </a:p>
@@ -9437,10 +9828,9 @@
           <a:lstStyle/>
           <a:p>
             <a:r>
-              <a:rPr lang="en-US" smtClean="0"/>
+              <a:rPr lang="en-US"/>
               <a:t>Click to edit Master title style</a:t>
             </a:r>
-            <a:endParaRPr lang="en-US"/>
           </a:p>
         </p:txBody>
       </p:sp>
@@ -9471,38 +9861,37 @@
           <a:p>
             <a:pPr lvl="0"/>
             <a:r>
-              <a:rPr lang="en-US" smtClean="0"/>
+              <a:rPr lang="en-US"/>
               <a:t>Click to edit Master text styles</a:t>
             </a:r>
           </a:p>
           <a:p>
             <a:pPr lvl="1"/>
             <a:r>
-              <a:rPr lang="en-US" smtClean="0"/>
+              <a:rPr lang="en-US"/>
               <a:t>Second level</a:t>
             </a:r>
           </a:p>
           <a:p>
             <a:pPr lvl="2"/>
             <a:r>
-              <a:rPr lang="en-US" smtClean="0"/>
+              <a:rPr lang="en-US"/>
               <a:t>Third level</a:t>
             </a:r>
           </a:p>
           <a:p>
             <a:pPr lvl="3"/>
             <a:r>
-              <a:rPr lang="en-US" smtClean="0"/>
+              <a:rPr lang="en-US"/>
               <a:t>Fourth level</a:t>
             </a:r>
           </a:p>
           <a:p>
             <a:pPr lvl="4"/>
             <a:r>
-              <a:rPr lang="en-US" smtClean="0"/>
+              <a:rPr lang="en-US"/>
               <a:t>Fifth level</a:t>
             </a:r>
-            <a:endParaRPr lang="en-US"/>
           </a:p>
         </p:txBody>
       </p:sp>
@@ -9541,7 +9930,7 @@
           <a:p>
             <a:fld id="{699DC775-C286-4358-8C92-D7E584E969B3}" type="datetimeFigureOut">
               <a:rPr lang="en-US" smtClean="0"/>
-              <a:t>6/11/2015</a:t>
+              <a:t>1/27/2017</a:t>
             </a:fld>
             <a:endParaRPr lang="en-US"/>
           </a:p>
@@ -9950,10 +10339,9 @@
           <a:lstStyle/>
           <a:p>
             <a:r>
-              <a:rPr lang="en-US" dirty="0" smtClean="0"/>
+              <a:rPr lang="en-US" dirty="0"/>
               <a:t>Click to edit Master title style</a:t>
             </a:r>
-            <a:endParaRPr lang="en-US" dirty="0"/>
           </a:p>
         </p:txBody>
       </p:sp>
@@ -9984,38 +10372,37 @@
           <a:p>
             <a:pPr lvl="0"/>
             <a:r>
-              <a:rPr lang="en-US" smtClean="0"/>
+              <a:rPr lang="en-US"/>
               <a:t>Click to edit Master text styles</a:t>
             </a:r>
           </a:p>
           <a:p>
             <a:pPr lvl="1"/>
             <a:r>
-              <a:rPr lang="en-US" smtClean="0"/>
+              <a:rPr lang="en-US"/>
               <a:t>Second level</a:t>
             </a:r>
           </a:p>
           <a:p>
             <a:pPr lvl="2"/>
             <a:r>
-              <a:rPr lang="en-US" smtClean="0"/>
+              <a:rPr lang="en-US"/>
               <a:t>Third level</a:t>
             </a:r>
           </a:p>
           <a:p>
             <a:pPr lvl="3"/>
             <a:r>
-              <a:rPr lang="en-US" smtClean="0"/>
+              <a:rPr lang="en-US"/>
               <a:t>Fourth level</a:t>
             </a:r>
           </a:p>
           <a:p>
             <a:pPr lvl="4"/>
             <a:r>
-              <a:rPr lang="en-US" smtClean="0"/>
+              <a:rPr lang="en-US"/>
               <a:t>Fifth level</a:t>
             </a:r>
-            <a:endParaRPr lang="en-US"/>
           </a:p>
         </p:txBody>
       </p:sp>
@@ -10054,7 +10441,7 @@
           <a:p>
             <a:fld id="{699DC775-C286-4358-8C92-D7E584E969B3}" type="datetimeFigureOut">
               <a:rPr lang="en-US" smtClean="0"/>
-              <a:t>6/11/2015</a:t>
+              <a:t>1/27/2017</a:t>
             </a:fld>
             <a:endParaRPr lang="en-US"/>
           </a:p>
@@ -10447,7 +10834,7 @@
           <a:lstStyle/>
           <a:p>
             <a:r>
-              <a:rPr lang="en-US" sz="5400" b="1" dirty="0" err="1" smtClean="0">
+              <a:rPr lang="en-US" sz="5400" b="1" dirty="0" err="1">
                 <a:solidFill>
                   <a:schemeClr val="accent6">
                     <a:lumMod val="75000"/>
@@ -10457,7 +10844,7 @@
               <a:t>PowerPointLabs</a:t>
             </a:r>
             <a:r>
-              <a:rPr lang="en-US" sz="5400" b="1" dirty="0" smtClean="0">
+              <a:rPr lang="en-US" sz="5400" b="1" dirty="0">
                 <a:solidFill>
                   <a:schemeClr val="accent6">
                     <a:lumMod val="75000"/>
@@ -10495,7 +10882,7 @@
               <a:buNone/>
             </a:pPr>
             <a:r>
-              <a:rPr lang="en-US" b="1" dirty="0" smtClean="0">
+              <a:rPr lang="en-US" b="1" dirty="0">
                 <a:solidFill>
                   <a:srgbClr val="0070C0"/>
                 </a:solidFill>
@@ -10506,34 +10893,21 @@
           <a:p>
             <a:pPr marL="285750" indent="-285750"/>
             <a:r>
-              <a:rPr lang="en-US" b="1" dirty="0" smtClean="0">
-                <a:solidFill>
-                  <a:srgbClr val="0070C0"/>
-                </a:solidFill>
-              </a:rPr>
-              <a:t>DO </a:t>
-            </a:r>
-            <a:r>
               <a:rPr lang="en-US" b="1" dirty="0">
                 <a:solidFill>
                   <a:srgbClr val="0070C0"/>
                 </a:solidFill>
               </a:rPr>
-              <a:t>NOT SAVE </a:t>
-            </a:r>
-            <a:r>
-              <a:rPr lang="en-US" dirty="0" smtClean="0">
+              <a:t>DO NOT SAVE </a:t>
+            </a:r>
+            <a:r>
+              <a:rPr lang="en-US" dirty="0">
                 <a:solidFill>
                   <a:srgbClr val="0070C0"/>
                 </a:solidFill>
               </a:rPr>
               <a:t>these slides after testing. Keep this file in its original form.</a:t>
             </a:r>
-            <a:endParaRPr lang="en-US" dirty="0">
-              <a:solidFill>
-                <a:srgbClr val="0070C0"/>
-              </a:solidFill>
-            </a:endParaRPr>
           </a:p>
           <a:p>
             <a:pPr marL="285750" indent="-285750"/>
@@ -10543,47 +10917,7 @@
                   <a:srgbClr val="0070C0"/>
                 </a:solidFill>
               </a:rPr>
-              <a:t>If </a:t>
-            </a:r>
-            <a:r>
-              <a:rPr lang="en-US" dirty="0" smtClean="0">
-                <a:solidFill>
-                  <a:srgbClr val="0070C0"/>
-                </a:solidFill>
-              </a:rPr>
-              <a:t>your </a:t>
-            </a:r>
-            <a:r>
-              <a:rPr lang="en-US" dirty="0">
-                <a:solidFill>
-                  <a:srgbClr val="0070C0"/>
-                </a:solidFill>
-              </a:rPr>
-              <a:t>result </a:t>
-            </a:r>
-            <a:r>
-              <a:rPr lang="en-US" dirty="0" smtClean="0">
-                <a:solidFill>
-                  <a:srgbClr val="0070C0"/>
-                </a:solidFill>
-              </a:rPr>
-              <a:t>is different from the </a:t>
-            </a:r>
-            <a:r>
-              <a:rPr lang="en-US" dirty="0">
-                <a:solidFill>
-                  <a:srgbClr val="0070C0"/>
-                </a:solidFill>
-              </a:rPr>
-              <a:t>expected output, </a:t>
-            </a:r>
-            <a:r>
-              <a:rPr lang="en-US" dirty="0" smtClean="0">
-                <a:solidFill>
-                  <a:srgbClr val="0070C0"/>
-                </a:solidFill>
-              </a:rPr>
-              <a:t>please submit a bug report (attach slides/screenshots as necessary).</a:t>
+              <a:t>If your result is different from the expected output, please submit a bug report (attach slides/screenshots as necessary).</a:t>
             </a:r>
             <a:endParaRPr lang="en-SG" dirty="0">
               <a:solidFill>
@@ -10606,13 +10940,6 @@
   <p:clrMapOvr>
     <a:masterClrMapping/>
   </p:clrMapOvr>
-  <p:timing>
-    <p:tnLst>
-      <p:par>
-        <p:cTn id="1" dur="indefinite" restart="never" nodeType="tmRoot"/>
-      </p:par>
-    </p:tnLst>
-  </p:timing>
 </p:sld>
 </file>
 
@@ -12273,7 +12600,7 @@
           <a:lstStyle/>
           <a:p>
             <a:r>
-              <a:rPr lang="en-US" sz="6600" dirty="0" smtClean="0">
+              <a:rPr lang="en-US" sz="6600" dirty="0">
                 <a:solidFill>
                   <a:schemeClr val="accent1"/>
                 </a:solidFill>
@@ -12311,7 +12638,7 @@
           <a:lstStyle/>
           <a:p>
             <a:r>
-              <a:rPr lang="en-US" sz="6600" dirty="0" smtClean="0">
+              <a:rPr lang="en-US" sz="6600" dirty="0">
                 <a:solidFill>
                   <a:schemeClr val="accent1"/>
                 </a:solidFill>
@@ -12349,7 +12676,7 @@
           <a:lstStyle/>
           <a:p>
             <a:r>
-              <a:rPr lang="en-US" sz="6600" dirty="0" smtClean="0">
+              <a:rPr lang="en-US" sz="6600" dirty="0">
                 <a:solidFill>
                   <a:schemeClr val="accent1"/>
                 </a:solidFill>
@@ -14212,7 +14539,7 @@
           <a:lstStyle/>
           <a:p>
             <a:r>
-              <a:rPr lang="en-US" sz="6600" dirty="0" smtClean="0">
+              <a:rPr lang="en-US" sz="6600" dirty="0">
                 <a:solidFill>
                   <a:schemeClr val="accent1"/>
                 </a:solidFill>
@@ -14250,7 +14577,7 @@
           <a:lstStyle/>
           <a:p>
             <a:r>
-              <a:rPr lang="en-US" sz="6600" dirty="0" smtClean="0">
+              <a:rPr lang="en-US" sz="6600" dirty="0">
                 <a:solidFill>
                   <a:schemeClr val="accent1"/>
                 </a:solidFill>
@@ -14288,7 +14615,7 @@
           <a:lstStyle/>
           <a:p>
             <a:r>
-              <a:rPr lang="en-US" sz="6600" dirty="0" smtClean="0">
+              <a:rPr lang="en-US" sz="6600" dirty="0">
                 <a:solidFill>
                   <a:schemeClr val="accent1"/>
                 </a:solidFill>
@@ -14326,7 +14653,7 @@
           <a:lstStyle/>
           <a:p>
             <a:r>
-              <a:rPr lang="en-US" sz="2800" b="1" dirty="0" smtClean="0">
+              <a:rPr lang="en-US" sz="2800" b="1" dirty="0">
                 <a:solidFill>
                   <a:schemeClr val="accent1"/>
                 </a:solidFill>
@@ -14911,16 +15238,8 @@
           <a:lstStyle/>
           <a:p>
             <a:r>
-              <a:rPr lang="en-US" dirty="0" smtClean="0"/>
-              <a:t>Animate in Slide:: </a:t>
-            </a:r>
-            <a:r>
               <a:rPr lang="en-US" dirty="0"/>
-              <a:t>In-Slide Animate followed by </a:t>
-            </a:r>
-            <a:r>
-              <a:rPr lang="en-US" dirty="0" smtClean="0"/>
-              <a:t>Auto Animate</a:t>
+              <a:t>Animate in Slide:: In-Slide Animate followed by Auto Animate</a:t>
             </a:r>
             <a:endParaRPr lang="en-SG" dirty="0"/>
           </a:p>
@@ -14947,21 +15266,13 @@
           <a:lstStyle/>
           <a:p>
             <a:r>
-              <a:rPr lang="en-US" dirty="0" smtClean="0"/>
-              <a:t>Select shapes sequentially in the initial slide and click ‘Animate </a:t>
-            </a:r>
-            <a:r>
               <a:rPr lang="en-US" dirty="0"/>
-              <a:t>I</a:t>
-            </a:r>
-            <a:r>
-              <a:rPr lang="en-US" dirty="0" smtClean="0"/>
-              <a:t>n Slide’ button.</a:t>
-            </a:r>
-          </a:p>
-          <a:p>
-            <a:r>
-              <a:rPr lang="en-US" dirty="0" smtClean="0"/>
+              <a:t>Select shapes sequentially in the initial slide and click ‘Animate In Slide’ button.</a:t>
+            </a:r>
+          </a:p>
+          <a:p>
+            <a:r>
+              <a:rPr lang="en-US" dirty="0"/>
               <a:t>Then select the initial slide and click ‘Add Animation Slide’ button.</a:t>
             </a:r>
             <a:endParaRPr lang="en-SG" dirty="0"/>
@@ -14978,13 +15289,6 @@
   <p:clrMapOvr>
     <a:masterClrMapping/>
   </p:clrMapOvr>
-  <p:timing>
-    <p:tnLst>
-      <p:par>
-        <p:cTn id="1" dur="indefinite" restart="never" nodeType="tmRoot"/>
-      </p:par>
-    </p:tnLst>
-  </p:timing>
 </p:sld>
 </file>
 
@@ -16657,7 +16961,7 @@
           <a:lstStyle/>
           <a:p>
             <a:r>
-              <a:rPr lang="en-US" sz="6600" dirty="0" smtClean="0">
+              <a:rPr lang="en-US" sz="6600" dirty="0">
                 <a:solidFill>
                   <a:schemeClr val="accent1"/>
                 </a:solidFill>
@@ -16695,7 +16999,7 @@
           <a:lstStyle/>
           <a:p>
             <a:r>
-              <a:rPr lang="en-US" sz="6600" dirty="0" smtClean="0">
+              <a:rPr lang="en-US" sz="6600" dirty="0">
                 <a:solidFill>
                   <a:schemeClr val="accent1"/>
                 </a:solidFill>
@@ -16733,7 +17037,7 @@
           <a:lstStyle/>
           <a:p>
             <a:r>
-              <a:rPr lang="en-US" sz="6600" dirty="0" smtClean="0">
+              <a:rPr lang="en-US" sz="6600" dirty="0">
                 <a:solidFill>
                   <a:schemeClr val="accent1"/>
                 </a:solidFill>
@@ -16771,7 +17075,7 @@
           <a:lstStyle/>
           <a:p>
             <a:r>
-              <a:rPr lang="en-US" sz="2800" b="1" dirty="0" smtClean="0">
+              <a:rPr lang="en-US" sz="2800" b="1" dirty="0">
                 <a:solidFill>
                   <a:schemeClr val="accent1"/>
                 </a:solidFill>
@@ -18480,7 +18784,7 @@
           <a:lstStyle/>
           <a:p>
             <a:r>
-              <a:rPr lang="en-US" sz="2800" b="1" dirty="0" smtClean="0">
+              <a:rPr lang="en-US" sz="2800" b="1" dirty="0">
                 <a:solidFill>
                   <a:schemeClr val="accent1"/>
                 </a:solidFill>
@@ -18505,21 +18809,6 @@
   <p:clrMapOvr>
     <a:masterClrMapping/>
   </p:clrMapOvr>
-  <mc:AlternateContent xmlns:mc="http://schemas.openxmlformats.org/markup-compatibility/2006" xmlns:p14="http://schemas.microsoft.com/office/powerpoint/2010/main">
-    <mc:Choice Requires="p14">
-      <p:transition spd="slow" p14:dur="2000"/>
-    </mc:Choice>
-    <mc:Fallback xmlns="">
-      <p:transition spd="slow"/>
-    </mc:Fallback>
-  </mc:AlternateContent>
-  <p:timing>
-    <p:tnLst>
-      <p:par>
-        <p:cTn id="1" dur="indefinite" restart="never" nodeType="tmRoot"/>
-      </p:par>
-    </p:tnLst>
-  </p:timing>
 </p:sld>
 </file>
 
@@ -20196,7 +20485,7 @@
           <a:lstStyle/>
           <a:p>
             <a:r>
-              <a:rPr lang="en-US" sz="6600" dirty="0" smtClean="0">
+              <a:rPr lang="en-US" sz="6600" dirty="0">
                 <a:solidFill>
                   <a:schemeClr val="accent1"/>
                 </a:solidFill>
@@ -20234,7 +20523,7 @@
           <a:lstStyle/>
           <a:p>
             <a:r>
-              <a:rPr lang="en-US" sz="6600" dirty="0" smtClean="0">
+              <a:rPr lang="en-US" sz="6600" dirty="0">
                 <a:solidFill>
                   <a:schemeClr val="accent1"/>
                 </a:solidFill>
@@ -20272,7 +20561,7 @@
           <a:lstStyle/>
           <a:p>
             <a:r>
-              <a:rPr lang="en-US" sz="6600" dirty="0" smtClean="0">
+              <a:rPr lang="en-US" sz="6600" dirty="0">
                 <a:solidFill>
                   <a:schemeClr val="accent1"/>
                 </a:solidFill>
@@ -20310,7 +20599,7 @@
           <a:lstStyle/>
           <a:p>
             <a:r>
-              <a:rPr lang="en-US" sz="2800" b="1" dirty="0" smtClean="0">
+              <a:rPr lang="en-US" sz="2800" b="1" dirty="0">
                 <a:solidFill>
                   <a:schemeClr val="accent1"/>
                 </a:solidFill>
@@ -22501,7 +22790,7 @@
           <a:lstStyle/>
           <a:p>
             <a:r>
-              <a:rPr lang="en-US" sz="6600" dirty="0" smtClean="0">
+              <a:rPr lang="en-US" sz="6600" dirty="0">
                 <a:solidFill>
                   <a:schemeClr val="accent1"/>
                 </a:solidFill>
@@ -22539,7 +22828,7 @@
           <a:lstStyle/>
           <a:p>
             <a:r>
-              <a:rPr lang="en-US" sz="6600" dirty="0" smtClean="0">
+              <a:rPr lang="en-US" sz="6600" dirty="0">
                 <a:solidFill>
                   <a:schemeClr val="accent1"/>
                 </a:solidFill>
@@ -22577,7 +22866,7 @@
           <a:lstStyle/>
           <a:p>
             <a:r>
-              <a:rPr lang="en-US" sz="6600" dirty="0" smtClean="0">
+              <a:rPr lang="en-US" sz="6600" dirty="0">
                 <a:solidFill>
                   <a:schemeClr val="accent1"/>
                 </a:solidFill>
@@ -22645,7 +22934,7 @@
           <a:lstStyle/>
           <a:p>
             <a:r>
-              <a:rPr lang="en-US" sz="2800" b="1" dirty="0" smtClean="0">
+              <a:rPr lang="en-US" sz="2800" b="1" dirty="0">
                 <a:solidFill>
                   <a:schemeClr val="accent1"/>
                 </a:solidFill>
@@ -23058,8 +23347,8 @@
 </file>
 
 <file path=ppt/slides/slide17.xml><?xml version="1.0" encoding="utf-8"?>
-<p:sld xmlns:a="http://schemas.openxmlformats.org/drawingml/2006/main" xmlns:r="http://schemas.openxmlformats.org/officeDocument/2006/relationships" xmlns:p="http://schemas.openxmlformats.org/presentationml/2006/main" show="0">
-  <p:cSld name="PPAck201403240026082737">
+<p:sld xmlns:a="http://schemas.openxmlformats.org/drawingml/2006/main" xmlns:r="http://schemas.openxmlformats.org/officeDocument/2006/relationships" xmlns:p="http://schemas.openxmlformats.org/presentationml/2006/main">
+  <p:cSld>
     <p:spTree>
       <p:nvGrpSpPr>
         <p:cNvPr id="1" name=""/>
@@ -23076,7 +23365,7 @@
       </p:grpSpPr>
       <p:sp>
         <p:nvSpPr>
-          <p:cNvPr id="2" name="标题 1"/>
+          <p:cNvPr id="2" name="Title 1"/>
           <p:cNvSpPr>
             <a:spLocks noGrp="1"/>
           </p:cNvSpPr>
@@ -23089,63 +23378,2791 @@
           <a:bodyPr/>
           <a:lstStyle/>
           <a:p>
-            <a:endParaRPr lang="en-SG"/>
+            <a:r>
+              <a:rPr lang="en-US" dirty="0"/>
+              <a:t>Animate in Slide:: straight line shapes</a:t>
+            </a:r>
+            <a:endParaRPr lang="en-SG" dirty="0"/>
           </a:p>
         </p:txBody>
       </p:sp>
-      <p:pic>
-        <p:nvPicPr>
-          <p:cNvPr id="4" name="内容占位符 3"/>
-          <p:cNvPicPr>
-            <a:picLocks noGrp="1"/>
-          </p:cNvPicPr>
-          <p:nvPr>
-            <p:ph idx="1"/>
-          </p:nvPr>
-        </p:nvPicPr>
-        <p:blipFill>
-          <a:blip r:embed="rId2">
-            <a:extLst>
-              <a:ext uri="{28A0092B-C50C-407E-A947-70E740481C1C}">
-                <a14:useLocalDpi xmlns:a14="http://schemas.microsoft.com/office/drawing/2010/main" val="0"/>
-              </a:ext>
-            </a:extLst>
-          </a:blip>
-          <a:stretch>
-            <a:fillRect/>
-          </a:stretch>
-        </p:blipFill>
-        <p:spPr>
-          <a:xfrm>
-            <a:off x="1074665" y="1600200"/>
-            <a:ext cx="6994670" cy="4525963"/>
-          </a:xfrm>
-        </p:spPr>
-      </p:pic>
     </p:spTree>
     <p:extLst>
       <p:ext uri="{BB962C8B-B14F-4D97-AF65-F5344CB8AC3E}">
-        <p14:creationId xmlns:p14="http://schemas.microsoft.com/office/powerpoint/2010/main" val="2306293579"/>
+        <p14:creationId xmlns:p14="http://schemas.microsoft.com/office/powerpoint/2010/main" val="936921598"/>
       </p:ext>
     </p:extLst>
   </p:cSld>
   <p:clrMapOvr>
     <a:masterClrMapping/>
   </p:clrMapOvr>
-  <mc:AlternateContent xmlns:mc="http://schemas.openxmlformats.org/markup-compatibility/2006" xmlns:p14="http://schemas.microsoft.com/office/powerpoint/2010/main">
-    <mc:Choice Requires="p14">
-      <p:transition spd="slow" p14:dur="2000"/>
-    </mc:Choice>
-    <mc:Fallback xmlns="">
-      <p:transition spd="slow"/>
-    </mc:Fallback>
-  </mc:AlternateContent>
+</p:sld>
+</file>
+
+<file path=ppt/slides/slide18.xml><?xml version="1.0" encoding="utf-8"?>
+<p:sld xmlns:a="http://schemas.openxmlformats.org/drawingml/2006/main" xmlns:r="http://schemas.openxmlformats.org/officeDocument/2006/relationships" xmlns:p="http://schemas.openxmlformats.org/presentationml/2006/main">
+  <p:cSld>
+    <p:bg>
+      <p:bgPr>
+        <a:solidFill>
+          <a:schemeClr val="bg1"/>
+        </a:solidFill>
+        <a:effectLst/>
+      </p:bgPr>
+    </p:bg>
+    <p:spTree>
+      <p:nvGrpSpPr>
+        <p:cNvPr id="1" name=""/>
+        <p:cNvGrpSpPr/>
+        <p:nvPr/>
+      </p:nvGrpSpPr>
+      <p:grpSpPr>
+        <a:xfrm>
+          <a:off x="0" y="0"/>
+          <a:ext cx="0" cy="0"/>
+          <a:chOff x="0" y="0"/>
+          <a:chExt cx="0" cy="0"/>
+        </a:xfrm>
+      </p:grpSpPr>
+      <p:grpSp>
+        <p:nvGrpSpPr>
+          <p:cNvPr id="11" name="Group 23"/>
+          <p:cNvGrpSpPr/>
+          <p:nvPr/>
+        </p:nvGrpSpPr>
+        <p:grpSpPr>
+          <a:xfrm>
+            <a:off x="899352" y="3657600"/>
+            <a:ext cx="2160240" cy="2340000"/>
+            <a:chOff x="899592" y="944984"/>
+            <a:chExt cx="2160240" cy="2340000"/>
+          </a:xfrm>
+        </p:grpSpPr>
+        <p:sp>
+          <p:nvSpPr>
+            <p:cNvPr id="12" name="Rounded Rectangle 26"/>
+            <p:cNvSpPr>
+              <a:spLocks noChangeAspect="1"/>
+            </p:cNvSpPr>
+            <p:nvPr/>
+          </p:nvSpPr>
+          <p:spPr>
+            <a:xfrm>
+              <a:off x="899592" y="944984"/>
+              <a:ext cx="2160000" cy="2340000"/>
+            </a:xfrm>
+            <a:prstGeom prst="roundRect">
+              <a:avLst/>
+            </a:prstGeom>
+            <a:solidFill>
+              <a:schemeClr val="bg1"/>
+            </a:solidFill>
+            <a:ln w="38100">
+              <a:solidFill>
+                <a:schemeClr val="bg1">
+                  <a:lumMod val="50000"/>
+                </a:schemeClr>
+              </a:solidFill>
+            </a:ln>
+            <a:effectLst>
+              <a:outerShdw blurRad="50800" dist="38100" dir="2700000" algn="tl" rotWithShape="0">
+                <a:prstClr val="black">
+                  <a:alpha val="40000"/>
+                </a:prstClr>
+              </a:outerShdw>
+            </a:effectLst>
+          </p:spPr>
+          <p:style>
+            <a:lnRef idx="2">
+              <a:schemeClr val="accent1">
+                <a:shade val="50000"/>
+              </a:schemeClr>
+            </a:lnRef>
+            <a:fillRef idx="1">
+              <a:schemeClr val="accent1"/>
+            </a:fillRef>
+            <a:effectRef idx="0">
+              <a:schemeClr val="accent1"/>
+            </a:effectRef>
+            <a:fontRef idx="minor">
+              <a:schemeClr val="lt1"/>
+            </a:fontRef>
+          </p:style>
+          <p:txBody>
+            <a:bodyPr rtlCol="0" anchor="ctr"/>
+            <a:lstStyle/>
+            <a:p>
+              <a:pPr algn="ctr"/>
+              <a:endParaRPr lang="en-SG">
+                <a:solidFill>
+                  <a:prstClr val="white"/>
+                </a:solidFill>
+              </a:endParaRPr>
+            </a:p>
+          </p:txBody>
+        </p:sp>
+        <p:sp>
+          <p:nvSpPr>
+            <p:cNvPr id="13" name="Round Same Side Corner Rectangle 29"/>
+            <p:cNvSpPr/>
+            <p:nvPr/>
+          </p:nvSpPr>
+          <p:spPr>
+            <a:xfrm rot="10800000">
+              <a:off x="899592" y="2852935"/>
+              <a:ext cx="2160240" cy="432047"/>
+            </a:xfrm>
+            <a:prstGeom prst="round2SameRect">
+              <a:avLst>
+                <a:gd name="adj1" fmla="val 50000"/>
+                <a:gd name="adj2" fmla="val 0"/>
+              </a:avLst>
+            </a:prstGeom>
+            <a:solidFill>
+              <a:schemeClr val="bg1">
+                <a:lumMod val="50000"/>
+              </a:schemeClr>
+            </a:solidFill>
+            <a:ln w="38100">
+              <a:solidFill>
+                <a:schemeClr val="bg1">
+                  <a:lumMod val="50000"/>
+                </a:schemeClr>
+              </a:solidFill>
+            </a:ln>
+            <a:effectLst>
+              <a:outerShdw blurRad="50800" dist="38100" dir="2700000" algn="tl" rotWithShape="0">
+                <a:prstClr val="black">
+                  <a:alpha val="40000"/>
+                </a:prstClr>
+              </a:outerShdw>
+            </a:effectLst>
+          </p:spPr>
+          <p:style>
+            <a:lnRef idx="2">
+              <a:schemeClr val="accent1">
+                <a:shade val="50000"/>
+              </a:schemeClr>
+            </a:lnRef>
+            <a:fillRef idx="1">
+              <a:schemeClr val="accent1"/>
+            </a:fillRef>
+            <a:effectRef idx="0">
+              <a:schemeClr val="accent1"/>
+            </a:effectRef>
+            <a:fontRef idx="minor">
+              <a:schemeClr val="lt1"/>
+            </a:fontRef>
+          </p:style>
+          <p:txBody>
+            <a:bodyPr rtlCol="0" anchor="ctr"/>
+            <a:lstStyle/>
+            <a:p>
+              <a:pPr algn="ctr"/>
+              <a:endParaRPr lang="en-SG" dirty="0">
+                <a:solidFill>
+                  <a:prstClr val="white"/>
+                </a:solidFill>
+              </a:endParaRPr>
+            </a:p>
+          </p:txBody>
+        </p:sp>
+        <p:sp>
+          <p:nvSpPr>
+            <p:cNvPr id="14" name="TextBox 13"/>
+            <p:cNvSpPr txBox="1"/>
+            <p:nvPr/>
+          </p:nvSpPr>
+          <p:spPr>
+            <a:xfrm>
+              <a:off x="971600" y="2852936"/>
+              <a:ext cx="2016224" cy="369332"/>
+            </a:xfrm>
+            <a:prstGeom prst="rect">
+              <a:avLst/>
+            </a:prstGeom>
+            <a:noFill/>
+          </p:spPr>
+          <p:txBody>
+            <a:bodyPr wrap="square" rtlCol="0">
+              <a:spAutoFit/>
+            </a:bodyPr>
+            <a:lstStyle/>
+            <a:p>
+              <a:pPr algn="ctr"/>
+              <a:r>
+                <a:rPr lang="en-US" b="1" dirty="0">
+                  <a:solidFill>
+                    <a:prstClr val="white"/>
+                  </a:solidFill>
+                </a:rPr>
+                <a:t>POWERFUL</a:t>
+              </a:r>
+              <a:endParaRPr lang="en-SG" b="1" dirty="0">
+                <a:solidFill>
+                  <a:prstClr val="white"/>
+                </a:solidFill>
+              </a:endParaRPr>
+            </a:p>
+          </p:txBody>
+        </p:sp>
+      </p:grpSp>
+      <p:sp>
+        <p:nvSpPr>
+          <p:cNvPr id="15" name="Rounded Rectangle 23"/>
+          <p:cNvSpPr>
+            <a:spLocks noChangeAspect="1"/>
+          </p:cNvSpPr>
+          <p:nvPr/>
+        </p:nvSpPr>
+        <p:spPr>
+          <a:xfrm>
+            <a:off x="3509882" y="944984"/>
+            <a:ext cx="2160000" cy="2340000"/>
+          </a:xfrm>
+          <a:prstGeom prst="roundRect">
+            <a:avLst/>
+          </a:prstGeom>
+          <a:solidFill>
+            <a:schemeClr val="bg1"/>
+          </a:solidFill>
+          <a:ln w="38100">
+            <a:solidFill>
+              <a:schemeClr val="bg1">
+                <a:lumMod val="50000"/>
+              </a:schemeClr>
+            </a:solidFill>
+          </a:ln>
+          <a:effectLst>
+            <a:outerShdw blurRad="50800" dist="38100" dir="2700000" algn="tl" rotWithShape="0">
+              <a:prstClr val="black">
+                <a:alpha val="40000"/>
+              </a:prstClr>
+            </a:outerShdw>
+          </a:effectLst>
+        </p:spPr>
+        <p:style>
+          <a:lnRef idx="2">
+            <a:schemeClr val="accent1">
+              <a:shade val="50000"/>
+            </a:schemeClr>
+          </a:lnRef>
+          <a:fillRef idx="1">
+            <a:schemeClr val="accent1"/>
+          </a:fillRef>
+          <a:effectRef idx="0">
+            <a:schemeClr val="accent1"/>
+          </a:effectRef>
+          <a:fontRef idx="minor">
+            <a:schemeClr val="lt1"/>
+          </a:fontRef>
+        </p:style>
+        <p:txBody>
+          <a:bodyPr rtlCol="0" anchor="ctr"/>
+          <a:lstStyle/>
+          <a:p>
+            <a:pPr algn="ctr"/>
+            <a:endParaRPr lang="en-SG">
+              <a:solidFill>
+                <a:prstClr val="white"/>
+              </a:solidFill>
+            </a:endParaRPr>
+          </a:p>
+        </p:txBody>
+      </p:sp>
+      <p:sp>
+        <p:nvSpPr>
+          <p:cNvPr id="16" name="Round Same Side Corner Rectangle 31"/>
+          <p:cNvSpPr/>
+          <p:nvPr/>
+        </p:nvSpPr>
+        <p:spPr>
+          <a:xfrm rot="10800000">
+            <a:off x="3509882" y="2852935"/>
+            <a:ext cx="2160240" cy="432047"/>
+          </a:xfrm>
+          <a:prstGeom prst="round2SameRect">
+            <a:avLst>
+              <a:gd name="adj1" fmla="val 50000"/>
+              <a:gd name="adj2" fmla="val 0"/>
+            </a:avLst>
+          </a:prstGeom>
+          <a:solidFill>
+            <a:schemeClr val="bg1">
+              <a:lumMod val="50000"/>
+            </a:schemeClr>
+          </a:solidFill>
+          <a:ln w="38100">
+            <a:solidFill>
+              <a:schemeClr val="bg1">
+                <a:lumMod val="50000"/>
+              </a:schemeClr>
+            </a:solidFill>
+          </a:ln>
+          <a:effectLst>
+            <a:outerShdw blurRad="50800" dist="38100" dir="2700000" algn="tl" rotWithShape="0">
+              <a:prstClr val="black">
+                <a:alpha val="40000"/>
+              </a:prstClr>
+            </a:outerShdw>
+          </a:effectLst>
+        </p:spPr>
+        <p:style>
+          <a:lnRef idx="2">
+            <a:schemeClr val="accent1">
+              <a:shade val="50000"/>
+            </a:schemeClr>
+          </a:lnRef>
+          <a:fillRef idx="1">
+            <a:schemeClr val="accent1"/>
+          </a:fillRef>
+          <a:effectRef idx="0">
+            <a:schemeClr val="accent1"/>
+          </a:effectRef>
+          <a:fontRef idx="minor">
+            <a:schemeClr val="lt1"/>
+          </a:fontRef>
+        </p:style>
+        <p:txBody>
+          <a:bodyPr rtlCol="0" anchor="ctr"/>
+          <a:lstStyle/>
+          <a:p>
+            <a:pPr algn="ctr"/>
+            <a:endParaRPr lang="en-SG" dirty="0">
+              <a:solidFill>
+                <a:prstClr val="white"/>
+              </a:solidFill>
+            </a:endParaRPr>
+          </a:p>
+        </p:txBody>
+      </p:sp>
+      <p:sp>
+        <p:nvSpPr>
+          <p:cNvPr id="17" name="TextBox 32"/>
+          <p:cNvSpPr txBox="1"/>
+          <p:nvPr/>
+        </p:nvSpPr>
+        <p:spPr>
+          <a:xfrm>
+            <a:off x="3581890" y="2852936"/>
+            <a:ext cx="2016224" cy="369332"/>
+          </a:xfrm>
+          <a:prstGeom prst="rect">
+            <a:avLst/>
+          </a:prstGeom>
+          <a:noFill/>
+        </p:spPr>
+        <p:txBody>
+          <a:bodyPr wrap="square" rtlCol="0">
+            <a:spAutoFit/>
+          </a:bodyPr>
+          <a:lstStyle/>
+          <a:p>
+            <a:pPr algn="ctr"/>
+            <a:r>
+              <a:rPr lang="en-US" b="1" dirty="0">
+                <a:solidFill>
+                  <a:prstClr val="white"/>
+                </a:solidFill>
+              </a:rPr>
+              <a:t>LEARNABLE</a:t>
+            </a:r>
+            <a:endParaRPr lang="en-SG" b="1" dirty="0">
+              <a:solidFill>
+                <a:prstClr val="white"/>
+              </a:solidFill>
+            </a:endParaRPr>
+          </a:p>
+        </p:txBody>
+      </p:sp>
+      <p:grpSp>
+        <p:nvGrpSpPr>
+          <p:cNvPr id="18" name="Group 33"/>
+          <p:cNvGrpSpPr/>
+          <p:nvPr/>
+        </p:nvGrpSpPr>
+        <p:grpSpPr>
+          <a:xfrm>
+            <a:off x="6138790" y="3552369"/>
+            <a:ext cx="2160240" cy="2340000"/>
+            <a:chOff x="6156176" y="1016992"/>
+            <a:chExt cx="2160240" cy="2340000"/>
+          </a:xfrm>
+          <a:effectLst>
+            <a:outerShdw blurRad="50800" dist="38100" dir="2700000" algn="tl" rotWithShape="0">
+              <a:prstClr val="black">
+                <a:alpha val="40000"/>
+              </a:prstClr>
+            </a:outerShdw>
+          </a:effectLst>
+        </p:grpSpPr>
+        <p:sp>
+          <p:nvSpPr>
+            <p:cNvPr id="19" name="Rounded Rectangle 34"/>
+            <p:cNvSpPr>
+              <a:spLocks noChangeAspect="1"/>
+            </p:cNvSpPr>
+            <p:nvPr/>
+          </p:nvSpPr>
+          <p:spPr>
+            <a:xfrm>
+              <a:off x="6156176" y="1016992"/>
+              <a:ext cx="2160000" cy="2340000"/>
+            </a:xfrm>
+            <a:prstGeom prst="roundRect">
+              <a:avLst/>
+            </a:prstGeom>
+            <a:solidFill>
+              <a:schemeClr val="bg1"/>
+            </a:solidFill>
+            <a:ln w="38100">
+              <a:solidFill>
+                <a:schemeClr val="bg1">
+                  <a:lumMod val="50000"/>
+                </a:schemeClr>
+              </a:solidFill>
+            </a:ln>
+          </p:spPr>
+          <p:style>
+            <a:lnRef idx="2">
+              <a:schemeClr val="accent1">
+                <a:shade val="50000"/>
+              </a:schemeClr>
+            </a:lnRef>
+            <a:fillRef idx="1">
+              <a:schemeClr val="accent1"/>
+            </a:fillRef>
+            <a:effectRef idx="0">
+              <a:schemeClr val="accent1"/>
+            </a:effectRef>
+            <a:fontRef idx="minor">
+              <a:schemeClr val="lt1"/>
+            </a:fontRef>
+          </p:style>
+          <p:txBody>
+            <a:bodyPr rtlCol="0" anchor="ctr"/>
+            <a:lstStyle/>
+            <a:p>
+              <a:pPr algn="ctr"/>
+              <a:endParaRPr lang="en-SG">
+                <a:solidFill>
+                  <a:prstClr val="white"/>
+                </a:solidFill>
+              </a:endParaRPr>
+            </a:p>
+          </p:txBody>
+        </p:sp>
+        <p:sp>
+          <p:nvSpPr>
+            <p:cNvPr id="20" name="Round Same Side Corner Rectangle 35"/>
+            <p:cNvSpPr/>
+            <p:nvPr/>
+          </p:nvSpPr>
+          <p:spPr>
+            <a:xfrm rot="10800000">
+              <a:off x="6156176" y="2924943"/>
+              <a:ext cx="2160240" cy="432047"/>
+            </a:xfrm>
+            <a:prstGeom prst="round2SameRect">
+              <a:avLst>
+                <a:gd name="adj1" fmla="val 50000"/>
+                <a:gd name="adj2" fmla="val 0"/>
+              </a:avLst>
+            </a:prstGeom>
+            <a:solidFill>
+              <a:schemeClr val="bg1">
+                <a:lumMod val="50000"/>
+              </a:schemeClr>
+            </a:solidFill>
+            <a:ln w="38100">
+              <a:solidFill>
+                <a:schemeClr val="bg1">
+                  <a:lumMod val="50000"/>
+                </a:schemeClr>
+              </a:solidFill>
+            </a:ln>
+          </p:spPr>
+          <p:style>
+            <a:lnRef idx="2">
+              <a:schemeClr val="accent1">
+                <a:shade val="50000"/>
+              </a:schemeClr>
+            </a:lnRef>
+            <a:fillRef idx="1">
+              <a:schemeClr val="accent1"/>
+            </a:fillRef>
+            <a:effectRef idx="0">
+              <a:schemeClr val="accent1"/>
+            </a:effectRef>
+            <a:fontRef idx="minor">
+              <a:schemeClr val="lt1"/>
+            </a:fontRef>
+          </p:style>
+          <p:txBody>
+            <a:bodyPr rtlCol="0" anchor="ctr"/>
+            <a:lstStyle/>
+            <a:p>
+              <a:pPr algn="ctr"/>
+              <a:endParaRPr lang="en-SG" dirty="0">
+                <a:solidFill>
+                  <a:prstClr val="white"/>
+                </a:solidFill>
+              </a:endParaRPr>
+            </a:p>
+          </p:txBody>
+        </p:sp>
+        <p:sp>
+          <p:nvSpPr>
+            <p:cNvPr id="21" name="TextBox 20"/>
+            <p:cNvSpPr txBox="1"/>
+            <p:nvPr/>
+          </p:nvSpPr>
+          <p:spPr>
+            <a:xfrm>
+              <a:off x="6228184" y="2924944"/>
+              <a:ext cx="2016224" cy="369332"/>
+            </a:xfrm>
+            <a:prstGeom prst="rect">
+              <a:avLst/>
+            </a:prstGeom>
+            <a:noFill/>
+            <a:ln>
+              <a:solidFill>
+                <a:schemeClr val="bg1">
+                  <a:lumMod val="50000"/>
+                </a:schemeClr>
+              </a:solidFill>
+            </a:ln>
+          </p:spPr>
+          <p:txBody>
+            <a:bodyPr wrap="square" rtlCol="0">
+              <a:spAutoFit/>
+            </a:bodyPr>
+            <a:lstStyle/>
+            <a:p>
+              <a:pPr algn="ctr"/>
+              <a:r>
+                <a:rPr lang="en-US" b="1" dirty="0">
+                  <a:solidFill>
+                    <a:schemeClr val="bg1">
+                      <a:lumMod val="95000"/>
+                    </a:schemeClr>
+                  </a:solidFill>
+                </a:rPr>
+                <a:t>AVAILABLE</a:t>
+              </a:r>
+              <a:endParaRPr lang="en-SG" b="1" dirty="0">
+                <a:solidFill>
+                  <a:schemeClr val="bg1">
+                    <a:lumMod val="95000"/>
+                  </a:schemeClr>
+                </a:solidFill>
+              </a:endParaRPr>
+            </a:p>
+          </p:txBody>
+        </p:sp>
+      </p:grpSp>
+      <p:grpSp>
+        <p:nvGrpSpPr>
+          <p:cNvPr id="22" name="Group 9"/>
+          <p:cNvGrpSpPr>
+            <a:grpSpLocks/>
+          </p:cNvGrpSpPr>
+          <p:nvPr/>
+        </p:nvGrpSpPr>
+        <p:grpSpPr bwMode="auto">
+          <a:xfrm>
+            <a:off x="1213503" y="3810000"/>
+            <a:ext cx="1531937" cy="1543050"/>
+            <a:chOff x="823" y="708"/>
+            <a:chExt cx="965" cy="972"/>
+          </a:xfrm>
+        </p:grpSpPr>
+        <mc:AlternateContent xmlns:mc="http://schemas.openxmlformats.org/markup-compatibility/2006" xmlns:p14="http://schemas.microsoft.com/office/powerpoint/2010/main">
+          <mc:Choice Requires="p14">
+            <p:contentPart p14:bwMode="auto" r:id="rId2">
+              <p14:nvContentPartPr>
+                <p14:cNvPr id="23" name="Ink 3"/>
+                <p14:cNvContentPartPr>
+                  <a14:cpLocks xmlns:a14="http://schemas.microsoft.com/office/drawing/2010/main" noRot="1" noChangeAspect="1" noEditPoints="1" noChangeArrowheads="1" noChangeShapeType="1"/>
+                </p14:cNvContentPartPr>
+                <p14:nvPr/>
+              </p14:nvContentPartPr>
+              <p14:xfrm>
+                <a:off x="823" y="708"/>
+                <a:ext cx="965" cy="952"/>
+              </p14:xfrm>
+            </p:contentPart>
+          </mc:Choice>
+          <mc:Fallback xmlns="">
+            <p:pic>
+              <p:nvPicPr>
+                <p:cNvPr id="51207" name="Ink 3"/>
+                <p:cNvPicPr>
+                  <a:picLocks noRot="1" noChangeAspect="1" noEditPoints="1" noChangeArrowheads="1" noChangeShapeType="1"/>
+                </p:cNvPicPr>
+                <p:nvPr/>
+              </p:nvPicPr>
+              <p:blipFill>
+                <a:blip r:embed="rId3"/>
+                <a:stretch>
+                  <a:fillRect/>
+                </a:stretch>
+              </p:blipFill>
+              <p:spPr>
+                <a:xfrm>
+                  <a:off x="806" y="691"/>
+                  <a:ext cx="1000" cy="986"/>
+                </a:xfrm>
+                <a:prstGeom prst="rect">
+                  <a:avLst/>
+                </a:prstGeom>
+              </p:spPr>
+            </p:pic>
+          </mc:Fallback>
+        </mc:AlternateContent>
+        <mc:AlternateContent xmlns:mc="http://schemas.openxmlformats.org/markup-compatibility/2006" xmlns:p14="http://schemas.microsoft.com/office/powerpoint/2010/main">
+          <mc:Choice Requires="p14">
+            <p:contentPart p14:bwMode="auto" r:id="rId4">
+              <p14:nvContentPartPr>
+                <p14:cNvPr id="24" name="Ink 4"/>
+                <p14:cNvContentPartPr>
+                  <a14:cpLocks xmlns:a14="http://schemas.microsoft.com/office/drawing/2010/main" noRot="1" noChangeAspect="1" noEditPoints="1" noChangeArrowheads="1" noChangeShapeType="1"/>
+                </p14:cNvContentPartPr>
+                <p14:nvPr/>
+              </p14:nvContentPartPr>
+              <p14:xfrm>
+                <a:off x="839" y="1026"/>
+                <a:ext cx="685" cy="654"/>
+              </p14:xfrm>
+            </p:contentPart>
+          </mc:Choice>
+          <mc:Fallback xmlns="">
+            <p:pic>
+              <p:nvPicPr>
+                <p:cNvPr id="51208" name="Ink 4"/>
+                <p:cNvPicPr>
+                  <a:picLocks noRot="1" noChangeAspect="1" noEditPoints="1" noChangeArrowheads="1" noChangeShapeType="1"/>
+                </p:cNvPicPr>
+                <p:nvPr/>
+              </p:nvPicPr>
+              <p:blipFill>
+                <a:blip r:embed="rId5"/>
+                <a:stretch>
+                  <a:fillRect/>
+                </a:stretch>
+              </p:blipFill>
+              <p:spPr>
+                <a:xfrm>
+                  <a:off x="822" y="1012"/>
+                  <a:ext cx="716" cy="685"/>
+                </a:xfrm>
+                <a:prstGeom prst="rect">
+                  <a:avLst/>
+                </a:prstGeom>
+              </p:spPr>
+            </p:pic>
+          </mc:Fallback>
+        </mc:AlternateContent>
+      </p:grpSp>
+      <p:grpSp>
+        <p:nvGrpSpPr>
+          <p:cNvPr id="25" name="Group 10"/>
+          <p:cNvGrpSpPr>
+            <a:grpSpLocks/>
+          </p:cNvGrpSpPr>
+          <p:nvPr/>
+        </p:nvGrpSpPr>
+        <p:grpSpPr bwMode="auto">
+          <a:xfrm>
+            <a:off x="3851275" y="1196975"/>
+            <a:ext cx="1384300" cy="1485900"/>
+            <a:chOff x="2426" y="754"/>
+            <a:chExt cx="872" cy="936"/>
+          </a:xfrm>
+        </p:grpSpPr>
+        <mc:AlternateContent xmlns:mc="http://schemas.openxmlformats.org/markup-compatibility/2006" xmlns:p14="http://schemas.microsoft.com/office/powerpoint/2010/main">
+          <mc:Choice Requires="p14">
+            <p:contentPart p14:bwMode="auto" r:id="rId6">
+              <p14:nvContentPartPr>
+                <p14:cNvPr id="26" name="Ink 7"/>
+                <p14:cNvContentPartPr>
+                  <a14:cpLocks xmlns:a14="http://schemas.microsoft.com/office/drawing/2010/main" noRot="1" noChangeAspect="1" noEditPoints="1" noChangeArrowheads="1" noChangeShapeType="1"/>
+                </p14:cNvContentPartPr>
+                <p14:nvPr/>
+              </p14:nvContentPartPr>
+              <p14:xfrm>
+                <a:off x="2426" y="896"/>
+                <a:ext cx="816" cy="762"/>
+              </p14:xfrm>
+            </p:contentPart>
+          </mc:Choice>
+          <mc:Fallback xmlns="">
+            <p:pic>
+              <p:nvPicPr>
+                <p:cNvPr id="51210" name="Ink 7"/>
+                <p:cNvPicPr>
+                  <a:picLocks noRot="1" noChangeAspect="1" noEditPoints="1" noChangeArrowheads="1" noChangeShapeType="1"/>
+                </p:cNvPicPr>
+                <p:nvPr/>
+              </p:nvPicPr>
+              <p:blipFill>
+                <a:blip r:embed="rId7"/>
+                <a:stretch>
+                  <a:fillRect/>
+                </a:stretch>
+              </p:blipFill>
+              <p:spPr>
+                <a:xfrm>
+                  <a:off x="2412" y="886"/>
+                  <a:ext cx="846" cy="788"/>
+                </a:xfrm>
+                <a:prstGeom prst="rect">
+                  <a:avLst/>
+                </a:prstGeom>
+              </p:spPr>
+            </p:pic>
+          </mc:Fallback>
+        </mc:AlternateContent>
+        <mc:AlternateContent xmlns:mc="http://schemas.openxmlformats.org/markup-compatibility/2006" xmlns:p14="http://schemas.microsoft.com/office/powerpoint/2010/main">
+          <mc:Choice Requires="p14">
+            <p:contentPart p14:bwMode="auto" r:id="rId8">
+              <p14:nvContentPartPr>
+                <p14:cNvPr id="27" name="Ink 8"/>
+                <p14:cNvContentPartPr>
+                  <a14:cpLocks xmlns:a14="http://schemas.microsoft.com/office/drawing/2010/main" noRot="1" noChangeAspect="1" noEditPoints="1" noChangeArrowheads="1" noChangeShapeType="1"/>
+                </p14:cNvContentPartPr>
+                <p14:nvPr/>
+              </p14:nvContentPartPr>
+              <p14:xfrm>
+                <a:off x="2777" y="754"/>
+                <a:ext cx="521" cy="936"/>
+              </p14:xfrm>
+            </p:contentPart>
+          </mc:Choice>
+          <mc:Fallback xmlns="">
+            <p:pic>
+              <p:nvPicPr>
+                <p:cNvPr id="51211" name="Ink 8"/>
+                <p:cNvPicPr>
+                  <a:picLocks noRot="1" noChangeAspect="1" noEditPoints="1" noChangeArrowheads="1" noChangeShapeType="1"/>
+                </p:cNvPicPr>
+                <p:nvPr/>
+              </p:nvPicPr>
+              <p:blipFill>
+                <a:blip r:embed="rId9"/>
+                <a:stretch>
+                  <a:fillRect/>
+                </a:stretch>
+              </p:blipFill>
+              <p:spPr>
+                <a:xfrm>
+                  <a:off x="2764" y="741"/>
+                  <a:ext cx="548" cy="965"/>
+                </a:xfrm>
+                <a:prstGeom prst="rect">
+                  <a:avLst/>
+                </a:prstGeom>
+              </p:spPr>
+            </p:pic>
+          </mc:Fallback>
+        </mc:AlternateContent>
+      </p:grpSp>
+      <p:grpSp>
+        <p:nvGrpSpPr>
+          <p:cNvPr id="28" name="Group 12"/>
+          <p:cNvGrpSpPr>
+            <a:grpSpLocks/>
+          </p:cNvGrpSpPr>
+          <p:nvPr/>
+        </p:nvGrpSpPr>
+        <p:grpSpPr bwMode="auto">
+          <a:xfrm>
+            <a:off x="6414721" y="3672472"/>
+            <a:ext cx="1608137" cy="1603375"/>
+            <a:chOff x="4059" y="746"/>
+            <a:chExt cx="1013" cy="1010"/>
+          </a:xfrm>
+        </p:grpSpPr>
+        <mc:AlternateContent xmlns:mc="http://schemas.openxmlformats.org/markup-compatibility/2006" xmlns:p14="http://schemas.microsoft.com/office/powerpoint/2010/main">
+          <mc:Choice Requires="p14">
+            <p:contentPart p14:bwMode="auto" r:id="rId10">
+              <p14:nvContentPartPr>
+                <p14:cNvPr id="29" name="Ink 13"/>
+                <p14:cNvContentPartPr>
+                  <a14:cpLocks xmlns:a14="http://schemas.microsoft.com/office/drawing/2010/main" noRot="1" noChangeAspect="1" noEditPoints="1" noChangeArrowheads="1" noChangeShapeType="1"/>
+                </p14:cNvContentPartPr>
+                <p14:nvPr/>
+              </p14:nvContentPartPr>
+              <p14:xfrm>
+                <a:off x="4059" y="746"/>
+                <a:ext cx="1013" cy="899"/>
+              </p14:xfrm>
+            </p:contentPart>
+          </mc:Choice>
+          <mc:Fallback xmlns="">
+            <p:pic>
+              <p:nvPicPr>
+                <p:cNvPr id="51213" name="Ink 13"/>
+                <p:cNvPicPr>
+                  <a:picLocks noRot="1" noChangeAspect="1" noEditPoints="1" noChangeArrowheads="1" noChangeShapeType="1"/>
+                </p:cNvPicPr>
+                <p:nvPr/>
+              </p:nvPicPr>
+              <p:blipFill>
+                <a:blip r:embed="rId11"/>
+                <a:stretch>
+                  <a:fillRect/>
+                </a:stretch>
+              </p:blipFill>
+              <p:spPr>
+                <a:xfrm>
+                  <a:off x="4051" y="732"/>
+                  <a:ext cx="1035" cy="926"/>
+                </a:xfrm>
+                <a:prstGeom prst="rect">
+                  <a:avLst/>
+                </a:prstGeom>
+              </p:spPr>
+            </p:pic>
+          </mc:Fallback>
+        </mc:AlternateContent>
+        <mc:AlternateContent xmlns:mc="http://schemas.openxmlformats.org/markup-compatibility/2006" xmlns:p14="http://schemas.microsoft.com/office/powerpoint/2010/main">
+          <mc:Choice Requires="p14">
+            <p:contentPart p14:bwMode="auto" r:id="rId12">
+              <p14:nvContentPartPr>
+                <p14:cNvPr id="30" name="Ink 14"/>
+                <p14:cNvContentPartPr>
+                  <a14:cpLocks xmlns:a14="http://schemas.microsoft.com/office/drawing/2010/main" noRot="1" noChangeAspect="1" noEditPoints="1" noChangeArrowheads="1" noChangeShapeType="1"/>
+                </p14:cNvContentPartPr>
+                <p14:nvPr/>
+              </p14:nvContentPartPr>
+              <p14:xfrm>
+                <a:off x="4286" y="1434"/>
+                <a:ext cx="483" cy="322"/>
+              </p14:xfrm>
+            </p:contentPart>
+          </mc:Choice>
+          <mc:Fallback xmlns="">
+            <p:pic>
+              <p:nvPicPr>
+                <p:cNvPr id="51214" name="Ink 14"/>
+                <p:cNvPicPr>
+                  <a:picLocks noRot="1" noChangeAspect="1" noEditPoints="1" noChangeArrowheads="1" noChangeShapeType="1"/>
+                </p:cNvPicPr>
+                <p:nvPr/>
+              </p:nvPicPr>
+              <p:blipFill>
+                <a:blip r:embed="rId13"/>
+                <a:stretch>
+                  <a:fillRect/>
+                </a:stretch>
+              </p:blipFill>
+              <p:spPr>
+                <a:xfrm>
+                  <a:off x="4274" y="1419"/>
+                  <a:ext cx="510" cy="352"/>
+                </a:xfrm>
+                <a:prstGeom prst="rect">
+                  <a:avLst/>
+                </a:prstGeom>
+              </p:spPr>
+            </p:pic>
+          </mc:Fallback>
+        </mc:AlternateContent>
+      </p:grpSp>
+      <p:sp>
+        <p:nvSpPr>
+          <p:cNvPr id="34" name="tb 3"/>
+          <p:cNvSpPr txBox="1"/>
+          <p:nvPr/>
+        </p:nvSpPr>
+        <p:spPr>
+          <a:xfrm>
+            <a:off x="3722633" y="5042328"/>
+            <a:ext cx="544780" cy="1107996"/>
+          </a:xfrm>
+          <a:prstGeom prst="rect">
+            <a:avLst/>
+          </a:prstGeom>
+          <a:noFill/>
+        </p:spPr>
+        <p:txBody>
+          <a:bodyPr wrap="square" rtlCol="0">
+            <a:spAutoFit/>
+          </a:bodyPr>
+          <a:lstStyle/>
+          <a:p>
+            <a:r>
+              <a:rPr lang="en-US" sz="6600" dirty="0">
+                <a:solidFill>
+                  <a:schemeClr val="accent1"/>
+                </a:solidFill>
+              </a:rPr>
+              <a:t>1</a:t>
+            </a:r>
+            <a:endParaRPr lang="en-SG" sz="6600" dirty="0">
+              <a:solidFill>
+                <a:schemeClr val="accent1"/>
+              </a:solidFill>
+            </a:endParaRPr>
+          </a:p>
+        </p:txBody>
+      </p:sp>
+      <p:sp>
+        <p:nvSpPr>
+          <p:cNvPr id="35" name="tb 3"/>
+          <p:cNvSpPr txBox="1"/>
+          <p:nvPr/>
+        </p:nvSpPr>
+        <p:spPr>
+          <a:xfrm>
+            <a:off x="1875268" y="1805047"/>
+            <a:ext cx="544780" cy="1107996"/>
+          </a:xfrm>
+          <a:prstGeom prst="rect">
+            <a:avLst/>
+          </a:prstGeom>
+          <a:noFill/>
+        </p:spPr>
+        <p:txBody>
+          <a:bodyPr wrap="square" rtlCol="0">
+            <a:spAutoFit/>
+          </a:bodyPr>
+          <a:lstStyle/>
+          <a:p>
+            <a:r>
+              <a:rPr lang="en-US" sz="6600" dirty="0">
+                <a:solidFill>
+                  <a:schemeClr val="accent1"/>
+                </a:solidFill>
+              </a:rPr>
+              <a:t>2</a:t>
+            </a:r>
+            <a:endParaRPr lang="en-SG" sz="6600" dirty="0">
+              <a:solidFill>
+                <a:schemeClr val="accent1"/>
+              </a:solidFill>
+            </a:endParaRPr>
+          </a:p>
+        </p:txBody>
+      </p:sp>
+      <p:sp>
+        <p:nvSpPr>
+          <p:cNvPr id="36" name="tb 3"/>
+          <p:cNvSpPr txBox="1"/>
+          <p:nvPr/>
+        </p:nvSpPr>
+        <p:spPr>
+          <a:xfrm>
+            <a:off x="7621396" y="2105556"/>
+            <a:ext cx="544780" cy="1107996"/>
+          </a:xfrm>
+          <a:prstGeom prst="rect">
+            <a:avLst/>
+          </a:prstGeom>
+          <a:noFill/>
+        </p:spPr>
+        <p:txBody>
+          <a:bodyPr wrap="square" rtlCol="0">
+            <a:spAutoFit/>
+          </a:bodyPr>
+          <a:lstStyle/>
+          <a:p>
+            <a:r>
+              <a:rPr lang="en-US" sz="6600" dirty="0">
+                <a:solidFill>
+                  <a:schemeClr val="accent1"/>
+                </a:solidFill>
+              </a:rPr>
+              <a:t>3</a:t>
+            </a:r>
+            <a:endParaRPr lang="en-SG" sz="6600" dirty="0">
+              <a:solidFill>
+                <a:schemeClr val="accent1"/>
+              </a:solidFill>
+            </a:endParaRPr>
+          </a:p>
+        </p:txBody>
+      </p:sp>
+      <p:cxnSp>
+        <p:nvCxnSpPr>
+          <p:cNvPr id="62" name="Straight Arrow Connector 61"/>
+          <p:cNvCxnSpPr>
+            <a:stCxn id="34" idx="1"/>
+          </p:cNvCxnSpPr>
+          <p:nvPr/>
+        </p:nvCxnSpPr>
+        <p:spPr>
+          <a:xfrm flipH="1" flipV="1">
+            <a:off x="2514600" y="4827600"/>
+            <a:ext cx="1208033" cy="768726"/>
+          </a:xfrm>
+          <a:prstGeom prst="straightConnector1">
+            <a:avLst/>
+          </a:prstGeom>
+          <a:ln>
+            <a:tailEnd type="triangle"/>
+          </a:ln>
+        </p:spPr>
+        <p:style>
+          <a:lnRef idx="1">
+            <a:schemeClr val="accent1"/>
+          </a:lnRef>
+          <a:fillRef idx="0">
+            <a:schemeClr val="accent1"/>
+          </a:fillRef>
+          <a:effectRef idx="0">
+            <a:schemeClr val="accent1"/>
+          </a:effectRef>
+          <a:fontRef idx="minor">
+            <a:schemeClr val="tx1"/>
+          </a:fontRef>
+        </p:style>
+      </p:cxnSp>
+      <p:cxnSp>
+        <p:nvCxnSpPr>
+          <p:cNvPr id="64" name="Straight Arrow Connector 63"/>
+          <p:cNvCxnSpPr>
+            <a:cxnSpLocks/>
+            <a:stCxn id="35" idx="3"/>
+          </p:cNvCxnSpPr>
+          <p:nvPr/>
+        </p:nvCxnSpPr>
+        <p:spPr>
+          <a:xfrm flipV="1">
+            <a:off x="2420048" y="2359043"/>
+            <a:ext cx="1694752" cy="2"/>
+          </a:xfrm>
+          <a:prstGeom prst="straightConnector1">
+            <a:avLst/>
+          </a:prstGeom>
+          <a:ln>
+            <a:tailEnd type="triangle"/>
+          </a:ln>
+        </p:spPr>
+        <p:style>
+          <a:lnRef idx="1">
+            <a:schemeClr val="accent1"/>
+          </a:lnRef>
+          <a:fillRef idx="0">
+            <a:schemeClr val="accent1"/>
+          </a:fillRef>
+          <a:effectRef idx="0">
+            <a:schemeClr val="accent1"/>
+          </a:effectRef>
+          <a:fontRef idx="minor">
+            <a:schemeClr val="tx1"/>
+          </a:fontRef>
+        </p:style>
+      </p:cxnSp>
+      <p:cxnSp>
+        <p:nvCxnSpPr>
+          <p:cNvPr id="67" name="Straight Arrow Connector 66"/>
+          <p:cNvCxnSpPr/>
+          <p:nvPr/>
+        </p:nvCxnSpPr>
+        <p:spPr>
+          <a:xfrm>
+            <a:off x="7239000" y="1752600"/>
+            <a:ext cx="0" cy="2133600"/>
+          </a:xfrm>
+          <a:prstGeom prst="straightConnector1">
+            <a:avLst/>
+          </a:prstGeom>
+          <a:ln>
+            <a:tailEnd type="triangle"/>
+          </a:ln>
+        </p:spPr>
+        <p:style>
+          <a:lnRef idx="1">
+            <a:schemeClr val="accent1"/>
+          </a:lnRef>
+          <a:fillRef idx="0">
+            <a:schemeClr val="accent1"/>
+          </a:fillRef>
+          <a:effectRef idx="0">
+            <a:schemeClr val="accent1"/>
+          </a:effectRef>
+          <a:fontRef idx="minor">
+            <a:schemeClr val="tx1"/>
+          </a:fontRef>
+        </p:style>
+      </p:cxnSp>
+    </p:spTree>
+    <p:extLst>
+      <p:ext uri="{BB962C8B-B14F-4D97-AF65-F5344CB8AC3E}">
+        <p14:creationId xmlns:p14="http://schemas.microsoft.com/office/powerpoint/2010/main" val="1877111211"/>
+      </p:ext>
+    </p:extLst>
+  </p:cSld>
+  <p:clrMapOvr>
+    <a:masterClrMapping/>
+  </p:clrMapOvr>
+</p:sld>
+</file>
+
+<file path=ppt/slides/slide19.xml><?xml version="1.0" encoding="utf-8"?>
+<p:sld xmlns:a="http://schemas.openxmlformats.org/drawingml/2006/main" xmlns:r="http://schemas.openxmlformats.org/officeDocument/2006/relationships" xmlns:p="http://schemas.openxmlformats.org/presentationml/2006/main">
+  <p:cSld>
+    <p:bg>
+      <p:bgPr>
+        <a:solidFill>
+          <a:schemeClr val="bg1"/>
+        </a:solidFill>
+        <a:effectLst/>
+      </p:bgPr>
+    </p:bg>
+    <p:spTree>
+      <p:nvGrpSpPr>
+        <p:cNvPr id="1" name=""/>
+        <p:cNvGrpSpPr/>
+        <p:nvPr/>
+      </p:nvGrpSpPr>
+      <p:grpSpPr>
+        <a:xfrm>
+          <a:off x="0" y="0"/>
+          <a:ext cx="0" cy="0"/>
+          <a:chOff x="0" y="0"/>
+          <a:chExt cx="0" cy="0"/>
+        </a:xfrm>
+      </p:grpSpPr>
+      <p:grpSp>
+        <p:nvGrpSpPr>
+          <p:cNvPr id="11" name="Group 23"/>
+          <p:cNvGrpSpPr/>
+          <p:nvPr/>
+        </p:nvGrpSpPr>
+        <p:grpSpPr>
+          <a:xfrm>
+            <a:off x="899352" y="3657600"/>
+            <a:ext cx="2160240" cy="2340000"/>
+            <a:chOff x="899592" y="944984"/>
+            <a:chExt cx="2160240" cy="2340000"/>
+          </a:xfrm>
+        </p:grpSpPr>
+        <p:sp>
+          <p:nvSpPr>
+            <p:cNvPr id="12" name="Rounded Rectangle 26"/>
+            <p:cNvSpPr>
+              <a:spLocks noChangeAspect="1"/>
+            </p:cNvSpPr>
+            <p:nvPr/>
+          </p:nvSpPr>
+          <p:spPr>
+            <a:xfrm>
+              <a:off x="899592" y="944984"/>
+              <a:ext cx="2160000" cy="2340000"/>
+            </a:xfrm>
+            <a:prstGeom prst="roundRect">
+              <a:avLst/>
+            </a:prstGeom>
+            <a:solidFill>
+              <a:schemeClr val="bg1"/>
+            </a:solidFill>
+            <a:ln w="38100">
+              <a:solidFill>
+                <a:schemeClr val="bg1">
+                  <a:lumMod val="50000"/>
+                </a:schemeClr>
+              </a:solidFill>
+            </a:ln>
+            <a:effectLst>
+              <a:outerShdw blurRad="50800" dist="38100" dir="2700000" algn="tl" rotWithShape="0">
+                <a:prstClr val="black">
+                  <a:alpha val="40000"/>
+                </a:prstClr>
+              </a:outerShdw>
+            </a:effectLst>
+          </p:spPr>
+          <p:style>
+            <a:lnRef idx="2">
+              <a:schemeClr val="accent1">
+                <a:shade val="50000"/>
+              </a:schemeClr>
+            </a:lnRef>
+            <a:fillRef idx="1">
+              <a:schemeClr val="accent1"/>
+            </a:fillRef>
+            <a:effectRef idx="0">
+              <a:schemeClr val="accent1"/>
+            </a:effectRef>
+            <a:fontRef idx="minor">
+              <a:schemeClr val="lt1"/>
+            </a:fontRef>
+          </p:style>
+          <p:txBody>
+            <a:bodyPr rtlCol="0" anchor="ctr"/>
+            <a:lstStyle/>
+            <a:p>
+              <a:pPr algn="ctr"/>
+              <a:endParaRPr lang="en-SG">
+                <a:solidFill>
+                  <a:prstClr val="white"/>
+                </a:solidFill>
+              </a:endParaRPr>
+            </a:p>
+          </p:txBody>
+        </p:sp>
+        <p:sp>
+          <p:nvSpPr>
+            <p:cNvPr id="13" name="Round Same Side Corner Rectangle 29"/>
+            <p:cNvSpPr/>
+            <p:nvPr/>
+          </p:nvSpPr>
+          <p:spPr>
+            <a:xfrm rot="10800000">
+              <a:off x="899592" y="2852935"/>
+              <a:ext cx="2160240" cy="432047"/>
+            </a:xfrm>
+            <a:prstGeom prst="round2SameRect">
+              <a:avLst>
+                <a:gd name="adj1" fmla="val 50000"/>
+                <a:gd name="adj2" fmla="val 0"/>
+              </a:avLst>
+            </a:prstGeom>
+            <a:solidFill>
+              <a:schemeClr val="bg1">
+                <a:lumMod val="50000"/>
+              </a:schemeClr>
+            </a:solidFill>
+            <a:ln w="38100">
+              <a:solidFill>
+                <a:schemeClr val="bg1">
+                  <a:lumMod val="50000"/>
+                </a:schemeClr>
+              </a:solidFill>
+            </a:ln>
+            <a:effectLst>
+              <a:outerShdw blurRad="50800" dist="38100" dir="2700000" algn="tl" rotWithShape="0">
+                <a:prstClr val="black">
+                  <a:alpha val="40000"/>
+                </a:prstClr>
+              </a:outerShdw>
+            </a:effectLst>
+          </p:spPr>
+          <p:style>
+            <a:lnRef idx="2">
+              <a:schemeClr val="accent1">
+                <a:shade val="50000"/>
+              </a:schemeClr>
+            </a:lnRef>
+            <a:fillRef idx="1">
+              <a:schemeClr val="accent1"/>
+            </a:fillRef>
+            <a:effectRef idx="0">
+              <a:schemeClr val="accent1"/>
+            </a:effectRef>
+            <a:fontRef idx="minor">
+              <a:schemeClr val="lt1"/>
+            </a:fontRef>
+          </p:style>
+          <p:txBody>
+            <a:bodyPr rtlCol="0" anchor="ctr"/>
+            <a:lstStyle/>
+            <a:p>
+              <a:pPr algn="ctr"/>
+              <a:endParaRPr lang="en-SG" dirty="0">
+                <a:solidFill>
+                  <a:prstClr val="white"/>
+                </a:solidFill>
+              </a:endParaRPr>
+            </a:p>
+          </p:txBody>
+        </p:sp>
+        <p:sp>
+          <p:nvSpPr>
+            <p:cNvPr id="14" name="TextBox 13"/>
+            <p:cNvSpPr txBox="1"/>
+            <p:nvPr/>
+          </p:nvSpPr>
+          <p:spPr>
+            <a:xfrm>
+              <a:off x="971600" y="2852936"/>
+              <a:ext cx="2016224" cy="369332"/>
+            </a:xfrm>
+            <a:prstGeom prst="rect">
+              <a:avLst/>
+            </a:prstGeom>
+            <a:noFill/>
+          </p:spPr>
+          <p:txBody>
+            <a:bodyPr wrap="square" rtlCol="0">
+              <a:spAutoFit/>
+            </a:bodyPr>
+            <a:lstStyle/>
+            <a:p>
+              <a:pPr algn="ctr"/>
+              <a:r>
+                <a:rPr lang="en-US" b="1" dirty="0">
+                  <a:solidFill>
+                    <a:prstClr val="white"/>
+                  </a:solidFill>
+                </a:rPr>
+                <a:t>POWERFUL</a:t>
+              </a:r>
+              <a:endParaRPr lang="en-SG" b="1" dirty="0">
+                <a:solidFill>
+                  <a:prstClr val="white"/>
+                </a:solidFill>
+              </a:endParaRPr>
+            </a:p>
+          </p:txBody>
+        </p:sp>
+      </p:grpSp>
+      <p:sp>
+        <p:nvSpPr>
+          <p:cNvPr id="15" name="Rounded Rectangle 23"/>
+          <p:cNvSpPr>
+            <a:spLocks noChangeAspect="1"/>
+          </p:cNvSpPr>
+          <p:nvPr/>
+        </p:nvSpPr>
+        <p:spPr>
+          <a:xfrm>
+            <a:off x="3509882" y="944984"/>
+            <a:ext cx="2160000" cy="2340000"/>
+          </a:xfrm>
+          <a:prstGeom prst="roundRect">
+            <a:avLst/>
+          </a:prstGeom>
+          <a:solidFill>
+            <a:schemeClr val="bg1"/>
+          </a:solidFill>
+          <a:ln w="38100">
+            <a:solidFill>
+              <a:schemeClr val="bg1">
+                <a:lumMod val="50000"/>
+              </a:schemeClr>
+            </a:solidFill>
+          </a:ln>
+          <a:effectLst>
+            <a:outerShdw blurRad="50800" dist="38100" dir="2700000" algn="tl" rotWithShape="0">
+              <a:prstClr val="black">
+                <a:alpha val="40000"/>
+              </a:prstClr>
+            </a:outerShdw>
+          </a:effectLst>
+        </p:spPr>
+        <p:style>
+          <a:lnRef idx="2">
+            <a:schemeClr val="accent1">
+              <a:shade val="50000"/>
+            </a:schemeClr>
+          </a:lnRef>
+          <a:fillRef idx="1">
+            <a:schemeClr val="accent1"/>
+          </a:fillRef>
+          <a:effectRef idx="0">
+            <a:schemeClr val="accent1"/>
+          </a:effectRef>
+          <a:fontRef idx="minor">
+            <a:schemeClr val="lt1"/>
+          </a:fontRef>
+        </p:style>
+        <p:txBody>
+          <a:bodyPr rtlCol="0" anchor="ctr"/>
+          <a:lstStyle/>
+          <a:p>
+            <a:pPr algn="ctr"/>
+            <a:endParaRPr lang="en-SG">
+              <a:solidFill>
+                <a:prstClr val="white"/>
+              </a:solidFill>
+            </a:endParaRPr>
+          </a:p>
+        </p:txBody>
+      </p:sp>
+      <p:sp>
+        <p:nvSpPr>
+          <p:cNvPr id="16" name="Round Same Side Corner Rectangle 31"/>
+          <p:cNvSpPr/>
+          <p:nvPr/>
+        </p:nvSpPr>
+        <p:spPr>
+          <a:xfrm rot="10800000">
+            <a:off x="3509882" y="2852935"/>
+            <a:ext cx="2160240" cy="432047"/>
+          </a:xfrm>
+          <a:prstGeom prst="round2SameRect">
+            <a:avLst>
+              <a:gd name="adj1" fmla="val 50000"/>
+              <a:gd name="adj2" fmla="val 0"/>
+            </a:avLst>
+          </a:prstGeom>
+          <a:solidFill>
+            <a:schemeClr val="bg1">
+              <a:lumMod val="50000"/>
+            </a:schemeClr>
+          </a:solidFill>
+          <a:ln w="38100">
+            <a:solidFill>
+              <a:schemeClr val="bg1">
+                <a:lumMod val="50000"/>
+              </a:schemeClr>
+            </a:solidFill>
+          </a:ln>
+          <a:effectLst>
+            <a:outerShdw blurRad="50800" dist="38100" dir="2700000" algn="tl" rotWithShape="0">
+              <a:prstClr val="black">
+                <a:alpha val="40000"/>
+              </a:prstClr>
+            </a:outerShdw>
+          </a:effectLst>
+        </p:spPr>
+        <p:style>
+          <a:lnRef idx="2">
+            <a:schemeClr val="accent1">
+              <a:shade val="50000"/>
+            </a:schemeClr>
+          </a:lnRef>
+          <a:fillRef idx="1">
+            <a:schemeClr val="accent1"/>
+          </a:fillRef>
+          <a:effectRef idx="0">
+            <a:schemeClr val="accent1"/>
+          </a:effectRef>
+          <a:fontRef idx="minor">
+            <a:schemeClr val="lt1"/>
+          </a:fontRef>
+        </p:style>
+        <p:txBody>
+          <a:bodyPr rtlCol="0" anchor="ctr"/>
+          <a:lstStyle/>
+          <a:p>
+            <a:pPr algn="ctr"/>
+            <a:endParaRPr lang="en-SG" dirty="0">
+              <a:solidFill>
+                <a:prstClr val="white"/>
+              </a:solidFill>
+            </a:endParaRPr>
+          </a:p>
+        </p:txBody>
+      </p:sp>
+      <p:sp>
+        <p:nvSpPr>
+          <p:cNvPr id="17" name="TextBox 32"/>
+          <p:cNvSpPr txBox="1"/>
+          <p:nvPr/>
+        </p:nvSpPr>
+        <p:spPr>
+          <a:xfrm>
+            <a:off x="3581890" y="2852936"/>
+            <a:ext cx="2016224" cy="369332"/>
+          </a:xfrm>
+          <a:prstGeom prst="rect">
+            <a:avLst/>
+          </a:prstGeom>
+          <a:noFill/>
+        </p:spPr>
+        <p:txBody>
+          <a:bodyPr wrap="square" rtlCol="0">
+            <a:spAutoFit/>
+          </a:bodyPr>
+          <a:lstStyle/>
+          <a:p>
+            <a:pPr algn="ctr"/>
+            <a:r>
+              <a:rPr lang="en-US" b="1" dirty="0">
+                <a:solidFill>
+                  <a:prstClr val="white"/>
+                </a:solidFill>
+              </a:rPr>
+              <a:t>LEARNABLE</a:t>
+            </a:r>
+            <a:endParaRPr lang="en-SG" b="1" dirty="0">
+              <a:solidFill>
+                <a:prstClr val="white"/>
+              </a:solidFill>
+            </a:endParaRPr>
+          </a:p>
+        </p:txBody>
+      </p:sp>
+      <p:grpSp>
+        <p:nvGrpSpPr>
+          <p:cNvPr id="18" name="Group 33"/>
+          <p:cNvGrpSpPr/>
+          <p:nvPr/>
+        </p:nvGrpSpPr>
+        <p:grpSpPr>
+          <a:xfrm>
+            <a:off x="6138790" y="3552369"/>
+            <a:ext cx="2160240" cy="2340000"/>
+            <a:chOff x="6156176" y="1016992"/>
+            <a:chExt cx="2160240" cy="2340000"/>
+          </a:xfrm>
+          <a:effectLst>
+            <a:outerShdw blurRad="50800" dist="38100" dir="2700000" algn="tl" rotWithShape="0">
+              <a:prstClr val="black">
+                <a:alpha val="40000"/>
+              </a:prstClr>
+            </a:outerShdw>
+          </a:effectLst>
+        </p:grpSpPr>
+        <p:sp>
+          <p:nvSpPr>
+            <p:cNvPr id="19" name="Rounded Rectangle 34"/>
+            <p:cNvSpPr>
+              <a:spLocks noChangeAspect="1"/>
+            </p:cNvSpPr>
+            <p:nvPr/>
+          </p:nvSpPr>
+          <p:spPr>
+            <a:xfrm>
+              <a:off x="6156176" y="1016992"/>
+              <a:ext cx="2160000" cy="2340000"/>
+            </a:xfrm>
+            <a:prstGeom prst="roundRect">
+              <a:avLst/>
+            </a:prstGeom>
+            <a:solidFill>
+              <a:schemeClr val="bg1"/>
+            </a:solidFill>
+            <a:ln w="38100">
+              <a:solidFill>
+                <a:schemeClr val="bg1">
+                  <a:lumMod val="50000"/>
+                </a:schemeClr>
+              </a:solidFill>
+            </a:ln>
+          </p:spPr>
+          <p:style>
+            <a:lnRef idx="2">
+              <a:schemeClr val="accent1">
+                <a:shade val="50000"/>
+              </a:schemeClr>
+            </a:lnRef>
+            <a:fillRef idx="1">
+              <a:schemeClr val="accent1"/>
+            </a:fillRef>
+            <a:effectRef idx="0">
+              <a:schemeClr val="accent1"/>
+            </a:effectRef>
+            <a:fontRef idx="minor">
+              <a:schemeClr val="lt1"/>
+            </a:fontRef>
+          </p:style>
+          <p:txBody>
+            <a:bodyPr rtlCol="0" anchor="ctr"/>
+            <a:lstStyle/>
+            <a:p>
+              <a:pPr algn="ctr"/>
+              <a:endParaRPr lang="en-SG">
+                <a:solidFill>
+                  <a:prstClr val="white"/>
+                </a:solidFill>
+              </a:endParaRPr>
+            </a:p>
+          </p:txBody>
+        </p:sp>
+        <p:sp>
+          <p:nvSpPr>
+            <p:cNvPr id="20" name="Round Same Side Corner Rectangle 35"/>
+            <p:cNvSpPr/>
+            <p:nvPr/>
+          </p:nvSpPr>
+          <p:spPr>
+            <a:xfrm rot="10800000">
+              <a:off x="6156176" y="2924943"/>
+              <a:ext cx="2160240" cy="432047"/>
+            </a:xfrm>
+            <a:prstGeom prst="round2SameRect">
+              <a:avLst>
+                <a:gd name="adj1" fmla="val 50000"/>
+                <a:gd name="adj2" fmla="val 0"/>
+              </a:avLst>
+            </a:prstGeom>
+            <a:solidFill>
+              <a:schemeClr val="bg1">
+                <a:lumMod val="50000"/>
+              </a:schemeClr>
+            </a:solidFill>
+            <a:ln w="38100">
+              <a:solidFill>
+                <a:schemeClr val="bg1">
+                  <a:lumMod val="50000"/>
+                </a:schemeClr>
+              </a:solidFill>
+            </a:ln>
+          </p:spPr>
+          <p:style>
+            <a:lnRef idx="2">
+              <a:schemeClr val="accent1">
+                <a:shade val="50000"/>
+              </a:schemeClr>
+            </a:lnRef>
+            <a:fillRef idx="1">
+              <a:schemeClr val="accent1"/>
+            </a:fillRef>
+            <a:effectRef idx="0">
+              <a:schemeClr val="accent1"/>
+            </a:effectRef>
+            <a:fontRef idx="minor">
+              <a:schemeClr val="lt1"/>
+            </a:fontRef>
+          </p:style>
+          <p:txBody>
+            <a:bodyPr rtlCol="0" anchor="ctr"/>
+            <a:lstStyle/>
+            <a:p>
+              <a:pPr algn="ctr"/>
+              <a:endParaRPr lang="en-SG" dirty="0">
+                <a:solidFill>
+                  <a:prstClr val="white"/>
+                </a:solidFill>
+              </a:endParaRPr>
+            </a:p>
+          </p:txBody>
+        </p:sp>
+        <p:sp>
+          <p:nvSpPr>
+            <p:cNvPr id="21" name="TextBox 20"/>
+            <p:cNvSpPr txBox="1"/>
+            <p:nvPr/>
+          </p:nvSpPr>
+          <p:spPr>
+            <a:xfrm>
+              <a:off x="6228184" y="2924944"/>
+              <a:ext cx="2016224" cy="369332"/>
+            </a:xfrm>
+            <a:prstGeom prst="rect">
+              <a:avLst/>
+            </a:prstGeom>
+            <a:noFill/>
+            <a:ln>
+              <a:solidFill>
+                <a:schemeClr val="bg1">
+                  <a:lumMod val="50000"/>
+                </a:schemeClr>
+              </a:solidFill>
+            </a:ln>
+          </p:spPr>
+          <p:txBody>
+            <a:bodyPr wrap="square" rtlCol="0">
+              <a:spAutoFit/>
+            </a:bodyPr>
+            <a:lstStyle/>
+            <a:p>
+              <a:pPr algn="ctr"/>
+              <a:r>
+                <a:rPr lang="en-US" b="1" dirty="0">
+                  <a:solidFill>
+                    <a:schemeClr val="bg1">
+                      <a:lumMod val="95000"/>
+                    </a:schemeClr>
+                  </a:solidFill>
+                </a:rPr>
+                <a:t>AVAILABLE</a:t>
+              </a:r>
+              <a:endParaRPr lang="en-SG" b="1" dirty="0">
+                <a:solidFill>
+                  <a:schemeClr val="bg1">
+                    <a:lumMod val="95000"/>
+                  </a:schemeClr>
+                </a:solidFill>
+              </a:endParaRPr>
+            </a:p>
+          </p:txBody>
+        </p:sp>
+      </p:grpSp>
+      <p:grpSp>
+        <p:nvGrpSpPr>
+          <p:cNvPr id="22" name="Group 9"/>
+          <p:cNvGrpSpPr>
+            <a:grpSpLocks/>
+          </p:cNvGrpSpPr>
+          <p:nvPr/>
+        </p:nvGrpSpPr>
+        <p:grpSpPr bwMode="auto">
+          <a:xfrm>
+            <a:off x="1213503" y="3810000"/>
+            <a:ext cx="1531937" cy="1543050"/>
+            <a:chOff x="823" y="708"/>
+            <a:chExt cx="965" cy="972"/>
+          </a:xfrm>
+        </p:grpSpPr>
+        <mc:AlternateContent xmlns:mc="http://schemas.openxmlformats.org/markup-compatibility/2006" xmlns:p14="http://schemas.microsoft.com/office/powerpoint/2010/main">
+          <mc:Choice Requires="p14">
+            <p:contentPart p14:bwMode="auto" r:id="rId2">
+              <p14:nvContentPartPr>
+                <p14:cNvPr id="23" name="Ink 3"/>
+                <p14:cNvContentPartPr>
+                  <a14:cpLocks xmlns:a14="http://schemas.microsoft.com/office/drawing/2010/main" noRot="1" noChangeAspect="1" noEditPoints="1" noChangeArrowheads="1" noChangeShapeType="1"/>
+                </p14:cNvContentPartPr>
+                <p14:nvPr/>
+              </p14:nvContentPartPr>
+              <p14:xfrm>
+                <a:off x="823" y="708"/>
+                <a:ext cx="965" cy="952"/>
+              </p14:xfrm>
+            </p:contentPart>
+          </mc:Choice>
+          <mc:Fallback xmlns="">
+            <p:pic>
+              <p:nvPicPr>
+                <p:cNvPr id="51207" name="Ink 3"/>
+                <p:cNvPicPr>
+                  <a:picLocks noRot="1" noChangeAspect="1" noEditPoints="1" noChangeArrowheads="1" noChangeShapeType="1"/>
+                </p:cNvPicPr>
+                <p:nvPr/>
+              </p:nvPicPr>
+              <p:blipFill>
+                <a:blip r:embed="rId3"/>
+                <a:stretch>
+                  <a:fillRect/>
+                </a:stretch>
+              </p:blipFill>
+              <p:spPr>
+                <a:xfrm>
+                  <a:off x="806" y="691"/>
+                  <a:ext cx="1000" cy="986"/>
+                </a:xfrm>
+                <a:prstGeom prst="rect">
+                  <a:avLst/>
+                </a:prstGeom>
+              </p:spPr>
+            </p:pic>
+          </mc:Fallback>
+        </mc:AlternateContent>
+        <mc:AlternateContent xmlns:mc="http://schemas.openxmlformats.org/markup-compatibility/2006" xmlns:p14="http://schemas.microsoft.com/office/powerpoint/2010/main">
+          <mc:Choice Requires="p14">
+            <p:contentPart p14:bwMode="auto" r:id="rId4">
+              <p14:nvContentPartPr>
+                <p14:cNvPr id="24" name="Ink 4"/>
+                <p14:cNvContentPartPr>
+                  <a14:cpLocks xmlns:a14="http://schemas.microsoft.com/office/drawing/2010/main" noRot="1" noChangeAspect="1" noEditPoints="1" noChangeArrowheads="1" noChangeShapeType="1"/>
+                </p14:cNvContentPartPr>
+                <p14:nvPr/>
+              </p14:nvContentPartPr>
+              <p14:xfrm>
+                <a:off x="839" y="1026"/>
+                <a:ext cx="685" cy="654"/>
+              </p14:xfrm>
+            </p:contentPart>
+          </mc:Choice>
+          <mc:Fallback xmlns="">
+            <p:pic>
+              <p:nvPicPr>
+                <p:cNvPr id="51208" name="Ink 4"/>
+                <p:cNvPicPr>
+                  <a:picLocks noRot="1" noChangeAspect="1" noEditPoints="1" noChangeArrowheads="1" noChangeShapeType="1"/>
+                </p:cNvPicPr>
+                <p:nvPr/>
+              </p:nvPicPr>
+              <p:blipFill>
+                <a:blip r:embed="rId5"/>
+                <a:stretch>
+                  <a:fillRect/>
+                </a:stretch>
+              </p:blipFill>
+              <p:spPr>
+                <a:xfrm>
+                  <a:off x="822" y="1012"/>
+                  <a:ext cx="716" cy="685"/>
+                </a:xfrm>
+                <a:prstGeom prst="rect">
+                  <a:avLst/>
+                </a:prstGeom>
+              </p:spPr>
+            </p:pic>
+          </mc:Fallback>
+        </mc:AlternateContent>
+      </p:grpSp>
+      <p:grpSp>
+        <p:nvGrpSpPr>
+          <p:cNvPr id="25" name="Group 10"/>
+          <p:cNvGrpSpPr>
+            <a:grpSpLocks/>
+          </p:cNvGrpSpPr>
+          <p:nvPr/>
+        </p:nvGrpSpPr>
+        <p:grpSpPr bwMode="auto">
+          <a:xfrm>
+            <a:off x="3851275" y="1196975"/>
+            <a:ext cx="1384300" cy="1485900"/>
+            <a:chOff x="2426" y="754"/>
+            <a:chExt cx="872" cy="936"/>
+          </a:xfrm>
+        </p:grpSpPr>
+        <mc:AlternateContent xmlns:mc="http://schemas.openxmlformats.org/markup-compatibility/2006" xmlns:p14="http://schemas.microsoft.com/office/powerpoint/2010/main">
+          <mc:Choice Requires="p14">
+            <p:contentPart p14:bwMode="auto" r:id="rId6">
+              <p14:nvContentPartPr>
+                <p14:cNvPr id="26" name="Ink 7"/>
+                <p14:cNvContentPartPr>
+                  <a14:cpLocks xmlns:a14="http://schemas.microsoft.com/office/drawing/2010/main" noRot="1" noChangeAspect="1" noEditPoints="1" noChangeArrowheads="1" noChangeShapeType="1"/>
+                </p14:cNvContentPartPr>
+                <p14:nvPr/>
+              </p14:nvContentPartPr>
+              <p14:xfrm>
+                <a:off x="2426" y="896"/>
+                <a:ext cx="816" cy="762"/>
+              </p14:xfrm>
+            </p:contentPart>
+          </mc:Choice>
+          <mc:Fallback xmlns="">
+            <p:pic>
+              <p:nvPicPr>
+                <p:cNvPr id="51210" name="Ink 7"/>
+                <p:cNvPicPr>
+                  <a:picLocks noRot="1" noChangeAspect="1" noEditPoints="1" noChangeArrowheads="1" noChangeShapeType="1"/>
+                </p:cNvPicPr>
+                <p:nvPr/>
+              </p:nvPicPr>
+              <p:blipFill>
+                <a:blip r:embed="rId7"/>
+                <a:stretch>
+                  <a:fillRect/>
+                </a:stretch>
+              </p:blipFill>
+              <p:spPr>
+                <a:xfrm>
+                  <a:off x="2412" y="886"/>
+                  <a:ext cx="846" cy="788"/>
+                </a:xfrm>
+                <a:prstGeom prst="rect">
+                  <a:avLst/>
+                </a:prstGeom>
+              </p:spPr>
+            </p:pic>
+          </mc:Fallback>
+        </mc:AlternateContent>
+        <mc:AlternateContent xmlns:mc="http://schemas.openxmlformats.org/markup-compatibility/2006" xmlns:p14="http://schemas.microsoft.com/office/powerpoint/2010/main">
+          <mc:Choice Requires="p14">
+            <p:contentPart p14:bwMode="auto" r:id="rId8">
+              <p14:nvContentPartPr>
+                <p14:cNvPr id="27" name="Ink 8"/>
+                <p14:cNvContentPartPr>
+                  <a14:cpLocks xmlns:a14="http://schemas.microsoft.com/office/drawing/2010/main" noRot="1" noChangeAspect="1" noEditPoints="1" noChangeArrowheads="1" noChangeShapeType="1"/>
+                </p14:cNvContentPartPr>
+                <p14:nvPr/>
+              </p14:nvContentPartPr>
+              <p14:xfrm>
+                <a:off x="2777" y="754"/>
+                <a:ext cx="521" cy="936"/>
+              </p14:xfrm>
+            </p:contentPart>
+          </mc:Choice>
+          <mc:Fallback xmlns="">
+            <p:pic>
+              <p:nvPicPr>
+                <p:cNvPr id="51211" name="Ink 8"/>
+                <p:cNvPicPr>
+                  <a:picLocks noRot="1" noChangeAspect="1" noEditPoints="1" noChangeArrowheads="1" noChangeShapeType="1"/>
+                </p:cNvPicPr>
+                <p:nvPr/>
+              </p:nvPicPr>
+              <p:blipFill>
+                <a:blip r:embed="rId9"/>
+                <a:stretch>
+                  <a:fillRect/>
+                </a:stretch>
+              </p:blipFill>
+              <p:spPr>
+                <a:xfrm>
+                  <a:off x="2764" y="741"/>
+                  <a:ext cx="548" cy="965"/>
+                </a:xfrm>
+                <a:prstGeom prst="rect">
+                  <a:avLst/>
+                </a:prstGeom>
+              </p:spPr>
+            </p:pic>
+          </mc:Fallback>
+        </mc:AlternateContent>
+      </p:grpSp>
+      <p:grpSp>
+        <p:nvGrpSpPr>
+          <p:cNvPr id="28" name="Group 12"/>
+          <p:cNvGrpSpPr>
+            <a:grpSpLocks/>
+          </p:cNvGrpSpPr>
+          <p:nvPr/>
+        </p:nvGrpSpPr>
+        <p:grpSpPr bwMode="auto">
+          <a:xfrm>
+            <a:off x="6414721" y="3672472"/>
+            <a:ext cx="1608137" cy="1603375"/>
+            <a:chOff x="4059" y="746"/>
+            <a:chExt cx="1013" cy="1010"/>
+          </a:xfrm>
+        </p:grpSpPr>
+        <mc:AlternateContent xmlns:mc="http://schemas.openxmlformats.org/markup-compatibility/2006" xmlns:p14="http://schemas.microsoft.com/office/powerpoint/2010/main">
+          <mc:Choice Requires="p14">
+            <p:contentPart p14:bwMode="auto" r:id="rId10">
+              <p14:nvContentPartPr>
+                <p14:cNvPr id="29" name="Ink 13"/>
+                <p14:cNvContentPartPr>
+                  <a14:cpLocks xmlns:a14="http://schemas.microsoft.com/office/drawing/2010/main" noRot="1" noChangeAspect="1" noEditPoints="1" noChangeArrowheads="1" noChangeShapeType="1"/>
+                </p14:cNvContentPartPr>
+                <p14:nvPr/>
+              </p14:nvContentPartPr>
+              <p14:xfrm>
+                <a:off x="4059" y="746"/>
+                <a:ext cx="1013" cy="899"/>
+              </p14:xfrm>
+            </p:contentPart>
+          </mc:Choice>
+          <mc:Fallback xmlns="">
+            <p:pic>
+              <p:nvPicPr>
+                <p:cNvPr id="51213" name="Ink 13"/>
+                <p:cNvPicPr>
+                  <a:picLocks noRot="1" noChangeAspect="1" noEditPoints="1" noChangeArrowheads="1" noChangeShapeType="1"/>
+                </p:cNvPicPr>
+                <p:nvPr/>
+              </p:nvPicPr>
+              <p:blipFill>
+                <a:blip r:embed="rId11"/>
+                <a:stretch>
+                  <a:fillRect/>
+                </a:stretch>
+              </p:blipFill>
+              <p:spPr>
+                <a:xfrm>
+                  <a:off x="4051" y="732"/>
+                  <a:ext cx="1035" cy="926"/>
+                </a:xfrm>
+                <a:prstGeom prst="rect">
+                  <a:avLst/>
+                </a:prstGeom>
+              </p:spPr>
+            </p:pic>
+          </mc:Fallback>
+        </mc:AlternateContent>
+        <mc:AlternateContent xmlns:mc="http://schemas.openxmlformats.org/markup-compatibility/2006" xmlns:p14="http://schemas.microsoft.com/office/powerpoint/2010/main">
+          <mc:Choice Requires="p14">
+            <p:contentPart p14:bwMode="auto" r:id="rId12">
+              <p14:nvContentPartPr>
+                <p14:cNvPr id="30" name="Ink 14"/>
+                <p14:cNvContentPartPr>
+                  <a14:cpLocks xmlns:a14="http://schemas.microsoft.com/office/drawing/2010/main" noRot="1" noChangeAspect="1" noEditPoints="1" noChangeArrowheads="1" noChangeShapeType="1"/>
+                </p14:cNvContentPartPr>
+                <p14:nvPr/>
+              </p14:nvContentPartPr>
+              <p14:xfrm>
+                <a:off x="4286" y="1434"/>
+                <a:ext cx="483" cy="322"/>
+              </p14:xfrm>
+            </p:contentPart>
+          </mc:Choice>
+          <mc:Fallback xmlns="">
+            <p:pic>
+              <p:nvPicPr>
+                <p:cNvPr id="51214" name="Ink 14"/>
+                <p:cNvPicPr>
+                  <a:picLocks noRot="1" noChangeAspect="1" noEditPoints="1" noChangeArrowheads="1" noChangeShapeType="1"/>
+                </p:cNvPicPr>
+                <p:nvPr/>
+              </p:nvPicPr>
+              <p:blipFill>
+                <a:blip r:embed="rId13"/>
+                <a:stretch>
+                  <a:fillRect/>
+                </a:stretch>
+              </p:blipFill>
+              <p:spPr>
+                <a:xfrm>
+                  <a:off x="4274" y="1419"/>
+                  <a:ext cx="510" cy="352"/>
+                </a:xfrm>
+                <a:prstGeom prst="rect">
+                  <a:avLst/>
+                </a:prstGeom>
+              </p:spPr>
+            </p:pic>
+          </mc:Fallback>
+        </mc:AlternateContent>
+      </p:grpSp>
+      <p:sp>
+        <p:nvSpPr>
+          <p:cNvPr id="34" name="tb 3"/>
+          <p:cNvSpPr txBox="1"/>
+          <p:nvPr/>
+        </p:nvSpPr>
+        <p:spPr>
+          <a:xfrm>
+            <a:off x="3722633" y="5042328"/>
+            <a:ext cx="544780" cy="1107996"/>
+          </a:xfrm>
+          <a:prstGeom prst="rect">
+            <a:avLst/>
+          </a:prstGeom>
+          <a:noFill/>
+        </p:spPr>
+        <p:txBody>
+          <a:bodyPr wrap="square" rtlCol="0">
+            <a:spAutoFit/>
+          </a:bodyPr>
+          <a:lstStyle/>
+          <a:p>
+            <a:r>
+              <a:rPr lang="en-US" sz="6600" dirty="0">
+                <a:solidFill>
+                  <a:schemeClr val="accent1"/>
+                </a:solidFill>
+              </a:rPr>
+              <a:t>1</a:t>
+            </a:r>
+            <a:endParaRPr lang="en-SG" sz="6600" dirty="0">
+              <a:solidFill>
+                <a:schemeClr val="accent1"/>
+              </a:solidFill>
+            </a:endParaRPr>
+          </a:p>
+        </p:txBody>
+      </p:sp>
+      <p:sp>
+        <p:nvSpPr>
+          <p:cNvPr id="35" name="tb 3"/>
+          <p:cNvSpPr txBox="1"/>
+          <p:nvPr/>
+        </p:nvSpPr>
+        <p:spPr>
+          <a:xfrm>
+            <a:off x="1875268" y="1805047"/>
+            <a:ext cx="544780" cy="1107996"/>
+          </a:xfrm>
+          <a:prstGeom prst="rect">
+            <a:avLst/>
+          </a:prstGeom>
+          <a:noFill/>
+        </p:spPr>
+        <p:txBody>
+          <a:bodyPr wrap="square" rtlCol="0">
+            <a:spAutoFit/>
+          </a:bodyPr>
+          <a:lstStyle/>
+          <a:p>
+            <a:r>
+              <a:rPr lang="en-US" sz="6600" dirty="0">
+                <a:solidFill>
+                  <a:schemeClr val="accent1"/>
+                </a:solidFill>
+              </a:rPr>
+              <a:t>2</a:t>
+            </a:r>
+            <a:endParaRPr lang="en-SG" sz="6600" dirty="0">
+              <a:solidFill>
+                <a:schemeClr val="accent1"/>
+              </a:solidFill>
+            </a:endParaRPr>
+          </a:p>
+        </p:txBody>
+      </p:sp>
+      <p:sp>
+        <p:nvSpPr>
+          <p:cNvPr id="36" name="tb 3"/>
+          <p:cNvSpPr txBox="1"/>
+          <p:nvPr/>
+        </p:nvSpPr>
+        <p:spPr>
+          <a:xfrm>
+            <a:off x="7621396" y="2105556"/>
+            <a:ext cx="544780" cy="1107996"/>
+          </a:xfrm>
+          <a:prstGeom prst="rect">
+            <a:avLst/>
+          </a:prstGeom>
+          <a:noFill/>
+        </p:spPr>
+        <p:txBody>
+          <a:bodyPr wrap="square" rtlCol="0">
+            <a:spAutoFit/>
+          </a:bodyPr>
+          <a:lstStyle/>
+          <a:p>
+            <a:r>
+              <a:rPr lang="en-US" sz="6600" dirty="0">
+                <a:solidFill>
+                  <a:schemeClr val="accent1"/>
+                </a:solidFill>
+              </a:rPr>
+              <a:t>3</a:t>
+            </a:r>
+            <a:endParaRPr lang="en-SG" sz="6600" dirty="0">
+              <a:solidFill>
+                <a:schemeClr val="accent1"/>
+              </a:solidFill>
+            </a:endParaRPr>
+          </a:p>
+        </p:txBody>
+      </p:sp>
+      <p:cxnSp>
+        <p:nvCxnSpPr>
+          <p:cNvPr id="67" name="InSlideAnimateShape61301228-296c-4ecd-b588-80cb4194b779"/>
+          <p:cNvCxnSpPr/>
+          <p:nvPr/>
+        </p:nvCxnSpPr>
+        <p:spPr>
+          <a:xfrm>
+            <a:off x="7239000" y="1752600"/>
+            <a:ext cx="0" cy="2133600"/>
+          </a:xfrm>
+          <a:prstGeom prst="straightConnector1">
+            <a:avLst/>
+          </a:prstGeom>
+          <a:ln>
+            <a:tailEnd type="triangle"/>
+          </a:ln>
+        </p:spPr>
+        <p:style>
+          <a:lnRef idx="1">
+            <a:schemeClr val="accent1"/>
+          </a:lnRef>
+          <a:fillRef idx="0">
+            <a:schemeClr val="accent1"/>
+          </a:fillRef>
+          <a:effectRef idx="0">
+            <a:schemeClr val="accent1"/>
+          </a:effectRef>
+          <a:fontRef idx="minor">
+            <a:schemeClr val="tx1"/>
+          </a:fontRef>
+        </p:style>
+      </p:cxnSp>
+      <p:grpSp>
+        <p:nvGrpSpPr>
+          <p:cNvPr id="2" name="Group 1"/>
+          <p:cNvGrpSpPr>
+            <a:grpSpLocks/>
+          </p:cNvGrpSpPr>
+          <p:nvPr/>
+        </p:nvGrpSpPr>
+        <p:grpSpPr>
+          <a:xfrm>
+            <a:off x="2514600" y="4827600"/>
+            <a:ext cx="1208033" cy="768726"/>
+            <a:chOff x="2514600" y="4827600"/>
+            <a:chExt cx="1208033" cy="768726"/>
+          </a:xfrm>
+        </p:grpSpPr>
+        <p:cxnSp>
+          <p:nvCxnSpPr>
+            <p:cNvPr id="62" name="InSlideAnimateShape9895bc22-e015-410d-b8c3-7a0d18678872"/>
+            <p:cNvCxnSpPr>
+              <a:stCxn id="34" idx="1"/>
+            </p:cNvCxnSpPr>
+            <p:nvPr/>
+          </p:nvCxnSpPr>
+          <p:spPr>
+            <a:xfrm flipH="1" flipV="1">
+              <a:off x="2514600" y="4827600"/>
+              <a:ext cx="1208033" cy="768726"/>
+            </a:xfrm>
+            <a:prstGeom prst="straightConnector1">
+              <a:avLst/>
+            </a:prstGeom>
+            <a:ln>
+              <a:tailEnd type="triangle"/>
+            </a:ln>
+          </p:spPr>
+          <p:style>
+            <a:lnRef idx="1">
+              <a:schemeClr val="accent1"/>
+            </a:lnRef>
+            <a:fillRef idx="0">
+              <a:schemeClr val="accent1"/>
+            </a:fillRef>
+            <a:effectRef idx="0">
+              <a:schemeClr val="accent1"/>
+            </a:effectRef>
+            <a:fontRef idx="minor">
+              <a:schemeClr val="tx1"/>
+            </a:fontRef>
+          </p:style>
+        </p:cxnSp>
+        <p:cxnSp>
+          <p:nvCxnSpPr>
+            <p:cNvPr id="31" name="InSlideAnimateShape9895bc22-e015-410d-b8c3-7a0d18678872"/>
+            <p:cNvCxnSpPr>
+              <a:cxnSpLocks/>
+            </p:cNvCxnSpPr>
+            <p:nvPr/>
+          </p:nvCxnSpPr>
+          <p:spPr>
+            <a:xfrm rot="10800000" flipH="1" flipV="1">
+              <a:off x="2514600" y="4827600"/>
+              <a:ext cx="1208033" cy="768726"/>
+            </a:xfrm>
+            <a:prstGeom prst="straightConnector1">
+              <a:avLst/>
+            </a:prstGeom>
+            <a:ln w="9525" cap="flat" cmpd="sng" algn="ctr">
+              <a:solidFill>
+                <a:schemeClr val="accent1">
+                  <a:shade val="95000"/>
+                  <a:satMod val="105000"/>
+                  <a:alpha val="0"/>
+                </a:schemeClr>
+              </a:solidFill>
+              <a:prstDash val="solid"/>
+              <a:round/>
+              <a:headEnd type="none" w="med" len="med"/>
+              <a:tailEnd type="triangle" w="med" len="med"/>
+            </a:ln>
+          </p:spPr>
+          <p:style>
+            <a:lnRef idx="1">
+              <a:schemeClr val="accent1"/>
+            </a:lnRef>
+            <a:fillRef idx="0">
+              <a:schemeClr val="accent1"/>
+            </a:fillRef>
+            <a:effectRef idx="0">
+              <a:schemeClr val="accent1"/>
+            </a:effectRef>
+            <a:fontRef idx="minor">
+              <a:schemeClr val="tx1"/>
+            </a:fontRef>
+          </p:style>
+        </p:cxnSp>
+      </p:grpSp>
+      <p:grpSp>
+        <p:nvGrpSpPr>
+          <p:cNvPr id="3" name="Group 2"/>
+          <p:cNvGrpSpPr>
+            <a:grpSpLocks/>
+          </p:cNvGrpSpPr>
+          <p:nvPr/>
+        </p:nvGrpSpPr>
+        <p:grpSpPr>
+          <a:xfrm>
+            <a:off x="2420048" y="2359043"/>
+            <a:ext cx="1694752" cy="2"/>
+            <a:chOff x="2420048" y="2359043"/>
+            <a:chExt cx="1694752" cy="2"/>
+          </a:xfrm>
+        </p:grpSpPr>
+        <p:cxnSp>
+          <p:nvCxnSpPr>
+            <p:cNvPr id="64" name="InSlideAnimateShape123883ed-76ee-4c04-81ae-8111bbe42759"/>
+            <p:cNvCxnSpPr>
+              <a:cxnSpLocks/>
+              <a:stCxn id="35" idx="3"/>
+            </p:cNvCxnSpPr>
+            <p:nvPr/>
+          </p:nvCxnSpPr>
+          <p:spPr>
+            <a:xfrm flipV="1">
+              <a:off x="2420048" y="2359043"/>
+              <a:ext cx="1694752" cy="2"/>
+            </a:xfrm>
+            <a:prstGeom prst="straightConnector1">
+              <a:avLst/>
+            </a:prstGeom>
+            <a:ln>
+              <a:tailEnd type="triangle"/>
+            </a:ln>
+          </p:spPr>
+          <p:style>
+            <a:lnRef idx="1">
+              <a:schemeClr val="accent1"/>
+            </a:lnRef>
+            <a:fillRef idx="0">
+              <a:schemeClr val="accent1"/>
+            </a:fillRef>
+            <a:effectRef idx="0">
+              <a:schemeClr val="accent1"/>
+            </a:effectRef>
+            <a:fontRef idx="minor">
+              <a:schemeClr val="tx1"/>
+            </a:fontRef>
+          </p:style>
+        </p:cxnSp>
+        <p:cxnSp>
+          <p:nvCxnSpPr>
+            <p:cNvPr id="33" name="InSlideAnimateShape123883ed-76ee-4c04-81ae-8111bbe42759"/>
+            <p:cNvCxnSpPr>
+              <a:cxnSpLocks/>
+            </p:cNvCxnSpPr>
+            <p:nvPr/>
+          </p:nvCxnSpPr>
+          <p:spPr>
+            <a:xfrm rot="10800000" flipV="1">
+              <a:off x="2420048" y="2359043"/>
+              <a:ext cx="1694752" cy="2"/>
+            </a:xfrm>
+            <a:prstGeom prst="straightConnector1">
+              <a:avLst/>
+            </a:prstGeom>
+            <a:ln w="9525" cap="flat" cmpd="sng" algn="ctr">
+              <a:solidFill>
+                <a:schemeClr val="accent1">
+                  <a:shade val="95000"/>
+                  <a:satMod val="105000"/>
+                  <a:alpha val="0"/>
+                </a:schemeClr>
+              </a:solidFill>
+              <a:prstDash val="solid"/>
+              <a:round/>
+              <a:headEnd type="none" w="med" len="med"/>
+              <a:tailEnd type="triangle" w="med" len="med"/>
+            </a:ln>
+          </p:spPr>
+          <p:style>
+            <a:lnRef idx="1">
+              <a:schemeClr val="accent1"/>
+            </a:lnRef>
+            <a:fillRef idx="0">
+              <a:schemeClr val="accent1"/>
+            </a:fillRef>
+            <a:effectRef idx="0">
+              <a:schemeClr val="accent1"/>
+            </a:effectRef>
+            <a:fontRef idx="minor">
+              <a:schemeClr val="tx1"/>
+            </a:fontRef>
+          </p:style>
+        </p:cxnSp>
+      </p:grpSp>
+      <p:sp>
+        <p:nvSpPr>
+          <p:cNvPr id="38" name="Text Label Expected Output"/>
+          <p:cNvSpPr txBox="1"/>
+          <p:nvPr/>
+        </p:nvSpPr>
+        <p:spPr>
+          <a:xfrm>
+            <a:off x="285090" y="241875"/>
+            <a:ext cx="2644122" cy="523220"/>
+          </a:xfrm>
+          <a:prstGeom prst="rect">
+            <a:avLst/>
+          </a:prstGeom>
+          <a:noFill/>
+        </p:spPr>
+        <p:txBody>
+          <a:bodyPr wrap="none" rtlCol="0">
+            <a:spAutoFit/>
+          </a:bodyPr>
+          <a:lstStyle/>
+          <a:p>
+            <a:r>
+              <a:rPr lang="en-US" sz="2800" b="1" dirty="0">
+                <a:solidFill>
+                  <a:schemeClr val="accent1"/>
+                </a:solidFill>
+              </a:rPr>
+              <a:t>Expected output</a:t>
+            </a:r>
+            <a:endParaRPr lang="en-SG" sz="2800" b="1" dirty="0">
+              <a:solidFill>
+                <a:schemeClr val="accent1"/>
+              </a:solidFill>
+            </a:endParaRPr>
+          </a:p>
+        </p:txBody>
+      </p:sp>
+    </p:spTree>
+    <p:extLst>
+      <p:ext uri="{BB962C8B-B14F-4D97-AF65-F5344CB8AC3E}">
+        <p14:creationId xmlns:p14="http://schemas.microsoft.com/office/powerpoint/2010/main" val="1276264773"/>
+      </p:ext>
+    </p:extLst>
+  </p:cSld>
+  <p:clrMapOvr>
+    <a:masterClrMapping/>
+  </p:clrMapOvr>
   <p:timing>
     <p:tnLst>
       <p:par>
-        <p:cTn id="1" dur="indefinite" restart="never" nodeType="tmRoot"/>
+        <p:cTn id="1" dur="indefinite" restart="never" nodeType="tmRoot">
+          <p:childTnLst>
+            <p:seq concurrent="1" nextAc="seek">
+              <p:cTn id="2" dur="indefinite" nodeType="mainSeq">
+                <p:childTnLst>
+                  <p:par>
+                    <p:cTn id="3" fill="hold">
+                      <p:stCondLst>
+                        <p:cond delay="indefinite"/>
+                      </p:stCondLst>
+                      <p:childTnLst>
+                        <p:par>
+                          <p:cTn id="4" fill="hold">
+                            <p:stCondLst>
+                              <p:cond delay="0"/>
+                            </p:stCondLst>
+                            <p:childTnLst>
+                              <p:par>
+                                <p:cTn id="5" presetID="42" presetClass="path" presetSubtype="0" fill="hold" nodeType="clickEffect">
+                                  <p:stCondLst>
+                                    <p:cond delay="0"/>
+                                  </p:stCondLst>
+                                  <p:childTnLst>
+                                    <p:animMotion origin="layout" path="M 0 0 C 0.008136877 -0.2079993 0.008136877 -0.2079993 0.01627375 -0.4159987 E" pathEditMode="relative" ptsTypes="">
+                                      <p:cBhvr>
+                                        <p:cTn id="6" dur="500" fill="hold"/>
+                                        <p:tgtEl>
+                                          <p:spTgt spid="2"/>
+                                        </p:tgtEl>
+                                        <p:attrNameLst>
+                                          <p:attrName>ppt_x</p:attrName>
+                                          <p:attrName>ppt_y</p:attrName>
+                                        </p:attrNameLst>
+                                      </p:cBhvr>
+                                    </p:animMotion>
+                                  </p:childTnLst>
+                                </p:cTn>
+                              </p:par>
+                              <p:par>
+                                <p:cTn id="7" presetID="6" presetClass="emph" presetSubtype="0" fill="hold" nodeType="withEffect">
+                                  <p:stCondLst>
+                                    <p:cond delay="0"/>
+                                  </p:stCondLst>
+                                  <p:childTnLst>
+                                    <p:animScale>
+                                      <p:cBhvr>
+                                        <p:cTn id="8" dur="500" fill="hold"/>
+                                        <p:tgtEl>
+                                          <p:spTgt spid="2"/>
+                                        </p:tgtEl>
+                                      </p:cBhvr>
+                                      <p:by x="118358" y="118358"/>
+                                    </p:animScale>
+                                  </p:childTnLst>
+                                </p:cTn>
+                              </p:par>
+                              <p:par>
+                                <p:cTn id="9" presetID="8" presetClass="emph" presetSubtype="0" fill="hold" nodeType="withEffect">
+                                  <p:stCondLst>
+                                    <p:cond delay="0"/>
+                                  </p:stCondLst>
+                                  <p:childTnLst>
+                                    <p:animRot by="8851770">
+                                      <p:cBhvr>
+                                        <p:cTn id="10" dur="500" fill="hold"/>
+                                        <p:tgtEl>
+                                          <p:spTgt spid="2"/>
+                                        </p:tgtEl>
+                                        <p:attrNameLst>
+                                          <p:attrName>r</p:attrName>
+                                        </p:attrNameLst>
+                                      </p:cBhvr>
+                                    </p:animRot>
+                                  </p:childTnLst>
+                                </p:cTn>
+                              </p:par>
+                            </p:childTnLst>
+                          </p:cTn>
+                        </p:par>
+                        <p:par>
+                          <p:cTn id="11" fill="hold">
+                            <p:stCondLst>
+                              <p:cond delay="500"/>
+                            </p:stCondLst>
+                            <p:childTnLst>
+                              <p:par>
+                                <p:cTn id="12" presetID="1" presetClass="entr" presetSubtype="0" fill="hold" nodeType="afterEffect">
+                                  <p:stCondLst>
+                                    <p:cond delay="0"/>
+                                  </p:stCondLst>
+                                  <p:childTnLst>
+                                    <p:set>
+                                      <p:cBhvr>
+                                        <p:cTn id="13" dur="1" fill="hold">
+                                          <p:stCondLst>
+                                            <p:cond delay="0"/>
+                                          </p:stCondLst>
+                                        </p:cTn>
+                                        <p:tgtEl>
+                                          <p:spTgt spid="3"/>
+                                        </p:tgtEl>
+                                        <p:attrNameLst>
+                                          <p:attrName>style.visibility</p:attrName>
+                                        </p:attrNameLst>
+                                      </p:cBhvr>
+                                      <p:to>
+                                        <p:strVal val="visible"/>
+                                      </p:to>
+                                    </p:set>
+                                  </p:childTnLst>
+                                </p:cTn>
+                              </p:par>
+                              <p:par>
+                                <p:cTn id="14" presetID="10" presetClass="exit" presetSubtype="0" fill="hold" nodeType="withEffect">
+                                  <p:stCondLst>
+                                    <p:cond delay="0"/>
+                                  </p:stCondLst>
+                                  <p:childTnLst>
+                                    <p:animEffect transition="out" filter="fade">
+                                      <p:cBhvr>
+                                        <p:cTn id="15" dur="500"/>
+                                        <p:tgtEl>
+                                          <p:spTgt spid="2"/>
+                                        </p:tgtEl>
+                                      </p:cBhvr>
+                                    </p:animEffect>
+                                    <p:set>
+                                      <p:cBhvr>
+                                        <p:cTn id="16" dur="1" fill="hold">
+                                          <p:stCondLst>
+                                            <p:cond delay="499"/>
+                                          </p:stCondLst>
+                                        </p:cTn>
+                                        <p:tgtEl>
+                                          <p:spTgt spid="2"/>
+                                        </p:tgtEl>
+                                        <p:attrNameLst>
+                                          <p:attrName>style.visibility</p:attrName>
+                                        </p:attrNameLst>
+                                      </p:cBhvr>
+                                      <p:to>
+                                        <p:strVal val="hidden"/>
+                                      </p:to>
+                                    </p:set>
+                                  </p:childTnLst>
+                                </p:cTn>
+                              </p:par>
+                            </p:childTnLst>
+                          </p:cTn>
+                        </p:par>
+                        <p:par>
+                          <p:cTn id="17" fill="hold">
+                            <p:stCondLst>
+                              <p:cond delay="1000"/>
+                            </p:stCondLst>
+                            <p:childTnLst>
+                              <p:par>
+                                <p:cTn id="18" presetID="1" presetClass="entr" presetSubtype="0" fill="hold" nodeType="afterEffect">
+                                  <p:stCondLst>
+                                    <p:cond delay="0"/>
+                                  </p:stCondLst>
+                                  <p:childTnLst>
+                                    <p:set>
+                                      <p:cBhvr>
+                                        <p:cTn id="19" dur="1" fill="hold">
+                                          <p:stCondLst>
+                                            <p:cond delay="0"/>
+                                          </p:stCondLst>
+                                        </p:cTn>
+                                        <p:tgtEl>
+                                          <p:spTgt spid="3"/>
+                                        </p:tgtEl>
+                                        <p:attrNameLst>
+                                          <p:attrName>style.visibility</p:attrName>
+                                        </p:attrNameLst>
+                                      </p:cBhvr>
+                                      <p:to>
+                                        <p:strVal val="visible"/>
+                                      </p:to>
+                                    </p:set>
+                                  </p:childTnLst>
+                                </p:cTn>
+                              </p:par>
+                            </p:childTnLst>
+                          </p:cTn>
+                        </p:par>
+                      </p:childTnLst>
+                    </p:cTn>
+                  </p:par>
+                  <p:par>
+                    <p:cTn id="20" fill="hold">
+                      <p:stCondLst>
+                        <p:cond delay="indefinite"/>
+                      </p:stCondLst>
+                      <p:childTnLst>
+                        <p:par>
+                          <p:cTn id="21" fill="hold">
+                            <p:stCondLst>
+                              <p:cond delay="0"/>
+                            </p:stCondLst>
+                            <p:childTnLst>
+                              <p:par>
+                                <p:cTn id="22" presetID="42" presetClass="path" presetSubtype="0" fill="hold" nodeType="clickEffect">
+                                  <p:stCondLst>
+                                    <p:cond delay="0"/>
+                                  </p:stCondLst>
+                                  <p:childTnLst>
+                                    <p:animMotion origin="layout" path="M 0 0 C 0.2171684 0.03356343 0.2171684 0.03356343 0.4343368 0.06712686 E" pathEditMode="relative" ptsTypes="">
+                                      <p:cBhvr>
+                                        <p:cTn id="23" dur="500" fill="hold"/>
+                                        <p:tgtEl>
+                                          <p:spTgt spid="3"/>
+                                        </p:tgtEl>
+                                        <p:attrNameLst>
+                                          <p:attrName>ppt_x</p:attrName>
+                                          <p:attrName>ppt_y</p:attrName>
+                                        </p:attrNameLst>
+                                      </p:cBhvr>
+                                    </p:animMotion>
+                                  </p:childTnLst>
+                                </p:cTn>
+                              </p:par>
+                              <p:par>
+                                <p:cTn id="24" presetID="6" presetClass="emph" presetSubtype="0" fill="hold" nodeType="withEffect">
+                                  <p:stCondLst>
+                                    <p:cond delay="0"/>
+                                  </p:stCondLst>
+                                  <p:childTnLst>
+                                    <p:animScale>
+                                      <p:cBhvr>
+                                        <p:cTn id="25" dur="500" fill="hold"/>
+                                        <p:tgtEl>
+                                          <p:spTgt spid="3"/>
+                                        </p:tgtEl>
+                                      </p:cBhvr>
+                                      <p:by x="125895" y="125895"/>
+                                    </p:animScale>
+                                  </p:childTnLst>
+                                </p:cTn>
+                              </p:par>
+                              <p:par>
+                                <p:cTn id="26" presetID="8" presetClass="emph" presetSubtype="0" fill="hold" nodeType="withEffect">
+                                  <p:stCondLst>
+                                    <p:cond delay="0"/>
+                                  </p:stCondLst>
+                                  <p:childTnLst>
+                                    <p:animRot by="5400004">
+                                      <p:cBhvr>
+                                        <p:cTn id="27" dur="500" fill="hold"/>
+                                        <p:tgtEl>
+                                          <p:spTgt spid="3"/>
+                                        </p:tgtEl>
+                                        <p:attrNameLst>
+                                          <p:attrName>r</p:attrName>
+                                        </p:attrNameLst>
+                                      </p:cBhvr>
+                                    </p:animRot>
+                                  </p:childTnLst>
+                                </p:cTn>
+                              </p:par>
+                            </p:childTnLst>
+                          </p:cTn>
+                        </p:par>
+                        <p:par>
+                          <p:cTn id="28" fill="hold">
+                            <p:stCondLst>
+                              <p:cond delay="500"/>
+                            </p:stCondLst>
+                            <p:childTnLst>
+                              <p:par>
+                                <p:cTn id="29" presetID="1" presetClass="entr" presetSubtype="0" fill="hold" nodeType="afterEffect">
+                                  <p:stCondLst>
+                                    <p:cond delay="0"/>
+                                  </p:stCondLst>
+                                  <p:childTnLst>
+                                    <p:set>
+                                      <p:cBhvr>
+                                        <p:cTn id="30" dur="1" fill="hold">
+                                          <p:stCondLst>
+                                            <p:cond delay="0"/>
+                                          </p:stCondLst>
+                                        </p:cTn>
+                                        <p:tgtEl>
+                                          <p:spTgt spid="67"/>
+                                        </p:tgtEl>
+                                        <p:attrNameLst>
+                                          <p:attrName>style.visibility</p:attrName>
+                                        </p:attrNameLst>
+                                      </p:cBhvr>
+                                      <p:to>
+                                        <p:strVal val="visible"/>
+                                      </p:to>
+                                    </p:set>
+                                  </p:childTnLst>
+                                </p:cTn>
+                              </p:par>
+                              <p:par>
+                                <p:cTn id="31" presetID="10" presetClass="exit" presetSubtype="0" fill="hold" nodeType="withEffect">
+                                  <p:stCondLst>
+                                    <p:cond delay="0"/>
+                                  </p:stCondLst>
+                                  <p:childTnLst>
+                                    <p:animEffect transition="out" filter="fade">
+                                      <p:cBhvr>
+                                        <p:cTn id="32" dur="500"/>
+                                        <p:tgtEl>
+                                          <p:spTgt spid="3"/>
+                                        </p:tgtEl>
+                                      </p:cBhvr>
+                                    </p:animEffect>
+                                    <p:set>
+                                      <p:cBhvr>
+                                        <p:cTn id="33" dur="1" fill="hold">
+                                          <p:stCondLst>
+                                            <p:cond delay="499"/>
+                                          </p:stCondLst>
+                                        </p:cTn>
+                                        <p:tgtEl>
+                                          <p:spTgt spid="3"/>
+                                        </p:tgtEl>
+                                        <p:attrNameLst>
+                                          <p:attrName>style.visibility</p:attrName>
+                                        </p:attrNameLst>
+                                      </p:cBhvr>
+                                      <p:to>
+                                        <p:strVal val="hidden"/>
+                                      </p:to>
+                                    </p:set>
+                                  </p:childTnLst>
+                                </p:cTn>
+                              </p:par>
+                              <p:par>
+                                <p:cTn id="34" presetID="10" presetClass="exit" presetSubtype="0" fill="hold" grpId="0" nodeType="withEffect">
+                                  <p:stCondLst>
+                                    <p:cond delay="0"/>
+                                  </p:stCondLst>
+                                  <p:childTnLst>
+                                    <p:animEffect transition="out" filter="fade">
+                                      <p:cBhvr>
+                                        <p:cTn id="35" dur="500"/>
+                                        <p:tgtEl>
+                                          <p:spTgt spid="38"/>
+                                        </p:tgtEl>
+                                      </p:cBhvr>
+                                    </p:animEffect>
+                                    <p:set>
+                                      <p:cBhvr>
+                                        <p:cTn id="36" dur="1" fill="hold">
+                                          <p:stCondLst>
+                                            <p:cond delay="499"/>
+                                          </p:stCondLst>
+                                        </p:cTn>
+                                        <p:tgtEl>
+                                          <p:spTgt spid="38"/>
+                                        </p:tgtEl>
+                                        <p:attrNameLst>
+                                          <p:attrName>style.visibility</p:attrName>
+                                        </p:attrNameLst>
+                                      </p:cBhvr>
+                                      <p:to>
+                                        <p:strVal val="hidden"/>
+                                      </p:to>
+                                    </p:set>
+                                  </p:childTnLst>
+                                </p:cTn>
+                              </p:par>
+                            </p:childTnLst>
+                          </p:cTn>
+                        </p:par>
+                      </p:childTnLst>
+                    </p:cTn>
+                  </p:par>
+                </p:childTnLst>
+              </p:cTn>
+              <p:prevCondLst>
+                <p:cond evt="onPrev" delay="0">
+                  <p:tgtEl>
+                    <p:sldTgt/>
+                  </p:tgtEl>
+                </p:cond>
+              </p:prevCondLst>
+              <p:nextCondLst>
+                <p:cond evt="onNext" delay="0">
+                  <p:tgtEl>
+                    <p:sldTgt/>
+                  </p:tgtEl>
+                </p:cond>
+              </p:nextCondLst>
+            </p:seq>
+          </p:childTnLst>
+        </p:cTn>
       </p:par>
     </p:tnLst>
+    <p:bldLst>
+      <p:bldP spid="38" grpId="0"/>
+    </p:bldLst>
   </p:timing>
 </p:sld>
 </file>
@@ -23201,7 +26218,7 @@
           <a:p>
             <a:pPr algn="l"/>
             <a:r>
-              <a:rPr lang="en-US" sz="7200" dirty="0" smtClean="0">
+              <a:rPr lang="en-US" sz="7200" dirty="0">
                 <a:solidFill>
                   <a:schemeClr val="bg1"/>
                 </a:solidFill>
@@ -23239,7 +26256,7 @@
           <a:lstStyle/>
           <a:p>
             <a:r>
-              <a:rPr lang="en-US" sz="2400" b="1" dirty="0" smtClean="0">
+              <a:rPr lang="en-US" sz="2400" b="1" dirty="0">
                 <a:solidFill>
                   <a:schemeClr val="bg1"/>
                 </a:solidFill>
@@ -23253,7 +26270,7 @@
               <a:buChar char="•"/>
             </a:pPr>
             <a:r>
-              <a:rPr lang="en-US" sz="2400" dirty="0" smtClean="0">
+              <a:rPr lang="en-US" sz="2400" dirty="0">
                 <a:solidFill>
                   <a:schemeClr val="bg1"/>
                 </a:solidFill>
@@ -23261,14 +26278,14 @@
               <a:t>Select shapes sequentially according to their indexes</a:t>
             </a:r>
             <a:r>
-              <a:rPr lang="en-US" sz="2400" b="1" dirty="0" smtClean="0">
+              <a:rPr lang="en-US" sz="2400" b="1" dirty="0">
                 <a:solidFill>
                   <a:schemeClr val="bg1"/>
                 </a:solidFill>
               </a:rPr>
               <a:t>.</a:t>
             </a:r>
-            <a:endParaRPr lang="en-US" sz="2400" dirty="0" smtClean="0">
+            <a:endParaRPr lang="en-US" sz="2400" dirty="0">
               <a:solidFill>
                 <a:schemeClr val="bg1"/>
               </a:solidFill>
@@ -23280,7 +26297,7 @@
               <a:buChar char="•"/>
             </a:pPr>
             <a:r>
-              <a:rPr lang="en-US" sz="2400" dirty="0" smtClean="0">
+              <a:rPr lang="en-US" sz="2400" dirty="0">
                 <a:solidFill>
                   <a:schemeClr val="bg1"/>
                 </a:solidFill>
@@ -23288,7 +26305,7 @@
               <a:t>Click </a:t>
             </a:r>
             <a:r>
-              <a:rPr lang="en-US" sz="2400" b="1" dirty="0" smtClean="0">
+              <a:rPr lang="en-US" sz="2400" b="1" dirty="0">
                 <a:solidFill>
                   <a:schemeClr val="bg1"/>
                 </a:solidFill>
@@ -23296,7 +26313,7 @@
               <a:t>“Animate In Slide”</a:t>
             </a:r>
             <a:r>
-              <a:rPr lang="en-US" sz="2400" dirty="0" smtClean="0">
+              <a:rPr lang="en-US" sz="2400" dirty="0">
                 <a:solidFill>
                   <a:schemeClr val="bg1"/>
                 </a:solidFill>
@@ -23310,7 +26327,7 @@
               <a:buChar char="•"/>
             </a:pPr>
             <a:r>
-              <a:rPr lang="en-US" sz="2400" dirty="0" smtClean="0">
+              <a:rPr lang="en-US" sz="2400" dirty="0">
                 <a:solidFill>
                   <a:schemeClr val="bg1"/>
                 </a:solidFill>
@@ -23330,13 +26347,144 @@
   <p:clrMapOvr>
     <a:masterClrMapping/>
   </p:clrMapOvr>
-  <p:timing>
-    <p:tnLst>
-      <p:par>
-        <p:cTn id="1" dur="indefinite" restart="never" nodeType="tmRoot"/>
-      </p:par>
-    </p:tnLst>
-  </p:timing>
+</p:sld>
+</file>
+
+<file path=ppt/slides/slide20.xml><?xml version="1.0" encoding="utf-8"?>
+<p:sld xmlns:a="http://schemas.openxmlformats.org/drawingml/2006/main" xmlns:r="http://schemas.openxmlformats.org/officeDocument/2006/relationships" xmlns:p="http://schemas.openxmlformats.org/presentationml/2006/main" show="0">
+  <p:cSld name="PPAck201403240026082737">
+    <p:spTree>
+      <p:nvGrpSpPr>
+        <p:cNvPr id="1" name=""/>
+        <p:cNvGrpSpPr/>
+        <p:nvPr/>
+      </p:nvGrpSpPr>
+      <p:grpSpPr>
+        <a:xfrm>
+          <a:off x="0" y="0"/>
+          <a:ext cx="0" cy="0"/>
+          <a:chOff x="0" y="0"/>
+          <a:chExt cx="0" cy="0"/>
+        </a:xfrm>
+      </p:grpSpPr>
+      <p:sp>
+        <p:nvSpPr>
+          <p:cNvPr id="2" name="标题 1"/>
+          <p:cNvSpPr>
+            <a:spLocks noGrp="1"/>
+          </p:cNvSpPr>
+          <p:nvPr>
+            <p:ph type="title"/>
+          </p:nvPr>
+        </p:nvSpPr>
+        <p:spPr/>
+        <p:txBody>
+          <a:bodyPr/>
+          <a:lstStyle/>
+          <a:p>
+            <a:endParaRPr lang="en-SG"/>
+          </a:p>
+        </p:txBody>
+      </p:sp>
+      <p:pic>
+        <p:nvPicPr>
+          <p:cNvPr id="4" name="内容占位符 3"/>
+          <p:cNvPicPr>
+            <a:picLocks noGrp="1"/>
+          </p:cNvPicPr>
+          <p:nvPr>
+            <p:ph idx="1"/>
+          </p:nvPr>
+        </p:nvPicPr>
+        <p:blipFill>
+          <a:blip r:embed="rId2">
+            <a:extLst>
+              <a:ext uri="{28A0092B-C50C-407E-A947-70E740481C1C}">
+                <a14:useLocalDpi xmlns:a14="http://schemas.microsoft.com/office/drawing/2010/main" val="0"/>
+              </a:ext>
+            </a:extLst>
+          </a:blip>
+          <a:stretch>
+            <a:fillRect/>
+          </a:stretch>
+        </p:blipFill>
+        <p:spPr>
+          <a:xfrm>
+            <a:off x="1074665" y="1600200"/>
+            <a:ext cx="6994670" cy="4525963"/>
+          </a:xfrm>
+        </p:spPr>
+      </p:pic>
+    </p:spTree>
+    <p:extLst>
+      <p:ext uri="{BB962C8B-B14F-4D97-AF65-F5344CB8AC3E}">
+        <p14:creationId xmlns:p14="http://schemas.microsoft.com/office/powerpoint/2010/main" val="2306293579"/>
+      </p:ext>
+    </p:extLst>
+  </p:cSld>
+  <p:clrMapOvr>
+    <a:masterClrMapping/>
+  </p:clrMapOvr>
+</p:sld>
+</file>
+
+<file path=ppt/slides/slide21.xml><?xml version="1.0" encoding="utf-8"?>
+<p:sld xmlns:a="http://schemas.openxmlformats.org/drawingml/2006/main" xmlns:r="http://schemas.openxmlformats.org/officeDocument/2006/relationships" xmlns:p="http://schemas.openxmlformats.org/presentationml/2006/main" show="0">
+  <p:cSld name="PPTLabsAcknowledgementSlide">
+    <p:spTree>
+      <p:nvGrpSpPr>
+        <p:cNvPr id="1" name=""/>
+        <p:cNvGrpSpPr/>
+        <p:nvPr/>
+      </p:nvGrpSpPr>
+      <p:grpSpPr>
+        <a:xfrm>
+          <a:off x="0" y="0"/>
+          <a:ext cx="0" cy="0"/>
+          <a:chOff x="0" y="0"/>
+          <a:chExt cx="0" cy="0"/>
+        </a:xfrm>
+      </p:grpSpPr>
+      <p:pic>
+        <p:nvPicPr>
+          <p:cNvPr id="2" name="Picture 1"/>
+          <p:cNvPicPr>
+            <a:picLocks noChangeAspect="1"/>
+          </p:cNvPicPr>
+          <p:nvPr/>
+        </p:nvPicPr>
+        <p:blipFill>
+          <a:blip r:embed="rId2">
+            <a:extLst>
+              <a:ext uri="{28A0092B-C50C-407E-A947-70E740481C1C}">
+                <a14:useLocalDpi xmlns:a14="http://schemas.microsoft.com/office/drawing/2010/main" val="0"/>
+              </a:ext>
+            </a:extLst>
+          </a:blip>
+          <a:stretch>
+            <a:fillRect/>
+          </a:stretch>
+        </p:blipFill>
+        <p:spPr>
+          <a:xfrm>
+            <a:off x="0" y="1029202"/>
+            <a:ext cx="9144000" cy="4799596"/>
+          </a:xfrm>
+          <a:prstGeom prst="rect">
+            <a:avLst/>
+          </a:prstGeom>
+        </p:spPr>
+      </p:pic>
+    </p:spTree>
+    <p:extLst>
+      <p:ext uri="{BB962C8B-B14F-4D97-AF65-F5344CB8AC3E}">
+        <p14:creationId xmlns:p14="http://schemas.microsoft.com/office/powerpoint/2010/main" val="2172301108"/>
+      </p:ext>
+    </p:extLst>
+  </p:cSld>
+  <p:clrMapOvr>
+    <a:masterClrMapping/>
+  </p:clrMapOvr>
 </p:sld>
 </file>
 
@@ -23373,7 +26521,7 @@
           <a:lstStyle/>
           <a:p>
             <a:r>
-              <a:rPr lang="en-US" dirty="0" smtClean="0"/>
+              <a:rPr lang="en-US" dirty="0"/>
               <a:t>Animate in Slide:: normal shapes</a:t>
             </a:r>
             <a:endParaRPr lang="en-SG" dirty="0"/>
@@ -23390,13 +26538,6 @@
   <p:clrMapOvr>
     <a:masterClrMapping/>
   </p:clrMapOvr>
-  <p:timing>
-    <p:tnLst>
-      <p:par>
-        <p:cTn id="1" dur="indefinite" restart="never" nodeType="tmRoot"/>
-      </p:par>
-    </p:tnLst>
-  </p:timing>
 </p:sld>
 </file>
 
@@ -24228,7 +27369,7 @@
           <a:lstStyle/>
           <a:p>
             <a:r>
-              <a:rPr lang="en-US" sz="6600" dirty="0" smtClean="0">
+              <a:rPr lang="en-US" sz="6600" dirty="0">
                 <a:solidFill>
                   <a:schemeClr val="accent1"/>
                 </a:solidFill>
@@ -24266,7 +27407,7 @@
           <a:lstStyle/>
           <a:p>
             <a:r>
-              <a:rPr lang="en-US" sz="6600" dirty="0" smtClean="0">
+              <a:rPr lang="en-US" sz="6600" dirty="0">
                 <a:solidFill>
                   <a:schemeClr val="accent1"/>
                 </a:solidFill>
@@ -24304,7 +27445,7 @@
           <a:lstStyle/>
           <a:p>
             <a:r>
-              <a:rPr lang="en-US" sz="6600" dirty="0" smtClean="0">
+              <a:rPr lang="en-US" sz="6600" dirty="0">
                 <a:solidFill>
                   <a:schemeClr val="accent1"/>
                 </a:solidFill>
@@ -24329,21 +27470,6 @@
   <p:clrMapOvr>
     <a:masterClrMapping/>
   </p:clrMapOvr>
-  <mc:AlternateContent xmlns:mc="http://schemas.openxmlformats.org/markup-compatibility/2006" xmlns:p14="http://schemas.microsoft.com/office/powerpoint/2010/main">
-    <mc:Choice Requires="p14">
-      <p:transition p14:dur="0"/>
-    </mc:Choice>
-    <mc:Fallback xmlns="">
-      <p:transition/>
-    </mc:Fallback>
-  </mc:AlternateContent>
-  <p:timing>
-    <p:tnLst>
-      <p:par>
-        <p:cTn id="1" dur="indefinite" restart="never" nodeType="tmRoot"/>
-      </p:par>
-    </p:tnLst>
-  </p:timing>
 </p:sld>
 </file>
 
@@ -25179,7 +28305,7 @@
           <a:lstStyle/>
           <a:p>
             <a:r>
-              <a:rPr lang="en-US" sz="6600" dirty="0" smtClean="0">
+              <a:rPr lang="en-US" sz="6600" dirty="0">
                 <a:solidFill>
                   <a:schemeClr val="accent1"/>
                 </a:solidFill>
@@ -25217,7 +28343,7 @@
           <a:lstStyle/>
           <a:p>
             <a:r>
-              <a:rPr lang="en-US" sz="6600" dirty="0" smtClean="0">
+              <a:rPr lang="en-US" sz="6600" dirty="0">
                 <a:solidFill>
                   <a:schemeClr val="accent1"/>
                 </a:solidFill>
@@ -25255,7 +28381,7 @@
           <a:lstStyle/>
           <a:p>
             <a:r>
-              <a:rPr lang="en-US" sz="6600" dirty="0" smtClean="0">
+              <a:rPr lang="en-US" sz="6600" dirty="0">
                 <a:solidFill>
                   <a:schemeClr val="accent1"/>
                 </a:solidFill>
@@ -25293,7 +28419,7 @@
           <a:lstStyle/>
           <a:p>
             <a:r>
-              <a:rPr lang="en-US" sz="2800" b="1" dirty="0" smtClean="0">
+              <a:rPr lang="en-US" sz="2800" b="1" dirty="0">
                 <a:solidFill>
                   <a:schemeClr val="bg1"/>
                 </a:solidFill>
@@ -25318,14 +28444,6 @@
   <p:clrMapOvr>
     <a:masterClrMapping/>
   </p:clrMapOvr>
-  <mc:AlternateContent xmlns:mc="http://schemas.openxmlformats.org/markup-compatibility/2006">
-    <mc:Choice xmlns:p14="http://schemas.microsoft.com/office/powerpoint/2010/main" Requires="p14">
-      <p:transition p14:dur="0"/>
-    </mc:Choice>
-    <mc:Fallback>
-      <p:transition/>
-    </mc:Fallback>
-  </mc:AlternateContent>
   <p:timing>
     <p:tnLst>
       <p:par>
@@ -25694,7 +28812,7 @@
           <a:lstStyle/>
           <a:p>
             <a:r>
-              <a:rPr lang="en-US" dirty="0" smtClean="0"/>
+              <a:rPr lang="en-US" dirty="0"/>
               <a:t>Animate in Slide:: Shapes with rotation</a:t>
             </a:r>
             <a:endParaRPr lang="en-SG" dirty="0"/>
@@ -25711,13 +28829,6 @@
   <p:clrMapOvr>
     <a:masterClrMapping/>
   </p:clrMapOvr>
-  <p:timing>
-    <p:tnLst>
-      <p:par>
-        <p:cTn id="1" dur="indefinite" restart="never" nodeType="tmRoot"/>
-      </p:par>
-    </p:tnLst>
-  </p:timing>
 </p:sld>
 </file>
 
@@ -26736,7 +29847,7 @@
           <a:lstStyle/>
           <a:p>
             <a:r>
-              <a:rPr lang="en-US" sz="6600" dirty="0" smtClean="0">
+              <a:rPr lang="en-US" sz="6600" dirty="0">
                 <a:solidFill>
                   <a:schemeClr val="accent1"/>
                 </a:solidFill>
@@ -26774,7 +29885,7 @@
           <a:lstStyle/>
           <a:p>
             <a:r>
-              <a:rPr lang="en-US" sz="6600" dirty="0" smtClean="0">
+              <a:rPr lang="en-US" sz="6600" dirty="0">
                 <a:solidFill>
                   <a:schemeClr val="accent1"/>
                 </a:solidFill>
@@ -26812,7 +29923,7 @@
           <a:lstStyle/>
           <a:p>
             <a:r>
-              <a:rPr lang="en-US" sz="6600" dirty="0" smtClean="0">
+              <a:rPr lang="en-US" sz="6600" dirty="0">
                 <a:solidFill>
                   <a:schemeClr val="accent1"/>
                 </a:solidFill>
@@ -26837,21 +29948,6 @@
   <p:clrMapOvr>
     <a:masterClrMapping/>
   </p:clrMapOvr>
-  <mc:AlternateContent xmlns:mc="http://schemas.openxmlformats.org/markup-compatibility/2006" xmlns:p14="http://schemas.microsoft.com/office/powerpoint/2010/main">
-    <mc:Choice Requires="p14">
-      <p:transition p14:dur="0"/>
-    </mc:Choice>
-    <mc:Fallback xmlns="">
-      <p:transition/>
-    </mc:Fallback>
-  </mc:AlternateContent>
-  <p:timing>
-    <p:tnLst>
-      <p:par>
-        <p:cTn id="1" dur="indefinite" restart="never" nodeType="tmRoot"/>
-      </p:par>
-    </p:tnLst>
-  </p:timing>
 </p:sld>
 </file>
 
@@ -27870,7 +30966,7 @@
           <a:lstStyle/>
           <a:p>
             <a:r>
-              <a:rPr lang="en-US" sz="6600" dirty="0" smtClean="0">
+              <a:rPr lang="en-US" sz="6600" dirty="0">
                 <a:solidFill>
                   <a:schemeClr val="accent1"/>
                 </a:solidFill>
@@ -27908,7 +31004,7 @@
           <a:lstStyle/>
           <a:p>
             <a:r>
-              <a:rPr lang="en-US" sz="6600" dirty="0" smtClean="0">
+              <a:rPr lang="en-US" sz="6600" dirty="0">
                 <a:solidFill>
                   <a:schemeClr val="accent1"/>
                 </a:solidFill>
@@ -27946,7 +31042,7 @@
           <a:lstStyle/>
           <a:p>
             <a:r>
-              <a:rPr lang="en-US" sz="6600" dirty="0" smtClean="0">
+              <a:rPr lang="en-US" sz="6600" dirty="0">
                 <a:solidFill>
                   <a:schemeClr val="accent1"/>
                 </a:solidFill>
@@ -28488,7 +31584,7 @@
           <a:lstStyle/>
           <a:p>
             <a:r>
-              <a:rPr lang="en-US" sz="2800" b="1" dirty="0" smtClean="0">
+              <a:rPr lang="en-US" sz="2800" b="1" dirty="0">
                 <a:solidFill>
                   <a:schemeClr val="accent1"/>
                 </a:solidFill>
@@ -28513,14 +31609,6 @@
   <p:clrMapOvr>
     <a:masterClrMapping/>
   </p:clrMapOvr>
-  <mc:AlternateContent xmlns:mc="http://schemas.openxmlformats.org/markup-compatibility/2006" xmlns:p14="http://schemas.microsoft.com/office/powerpoint/2010/main">
-    <mc:Choice Requires="p14">
-      <p:transition p14:dur="0"/>
-    </mc:Choice>
-    <mc:Fallback xmlns="">
-      <p:transition/>
-    </mc:Fallback>
-  </mc:AlternateContent>
   <p:timing>
     <p:tnLst>
       <p:par>
@@ -29598,12 +32686,8 @@
           <a:lstStyle/>
           <a:p>
             <a:r>
-              <a:rPr lang="en-US" dirty="0" smtClean="0"/>
-              <a:t>Animate in Slide:: </a:t>
-            </a:r>
-            <a:r>
               <a:rPr lang="en-US" dirty="0"/>
-              <a:t>Objects on slide are already animated</a:t>
+              <a:t>Animate in Slide:: Objects on slide are already animated</a:t>
             </a:r>
             <a:endParaRPr lang="en-SG" dirty="0"/>
           </a:p>
@@ -29619,13 +32703,6 @@
   <p:clrMapOvr>
     <a:masterClrMapping/>
   </p:clrMapOvr>
-  <p:timing>
-    <p:tnLst>
-      <p:par>
-        <p:cTn id="1" dur="indefinite" restart="never" nodeType="tmRoot"/>
-      </p:par>
-    </p:tnLst>
-  </p:timing>
 </p:sld>
 </file>
 
